--- a/Trap_The_Cat_MachineLearning.pptx
+++ b/Trap_The_Cat_MachineLearning.pptx
@@ -6,6 +6,9 @@
   </p:sldMasterIdLst>
   <p:sldIdLst>
     <p:sldId id="256" r:id="rId5"/>
+    <p:sldId id="257" r:id="rId6"/>
+    <p:sldId id="258" r:id="rId7"/>
+    <p:sldId id="259" r:id="rId8"/>
   </p:sldIdLst>
   <p:sldSz cx="12192000" cy="6858000"/>
   <p:notesSz cx="6858000" cy="9144000"/>
@@ -112,6 +115,718 @@
 </p:presentation>
 </file>
 
+<file path=ppt/revisionInfo.xml><?xml version="1.0" encoding="utf-8"?>
+<p1510:revInfo xmlns:a="http://schemas.openxmlformats.org/drawingml/2006/main" xmlns:r="http://schemas.openxmlformats.org/officeDocument/2006/relationships" xmlns:p1510="http://schemas.microsoft.com/office/powerpoint/2015/10/main">
+  <p1510:revLst>
+    <p1510:client id="{8CBD382F-D9FD-A13D-E155-36ECB55EBFFD}" v="29" dt="2025-03-24T14:34:06.458"/>
+    <p1510:client id="{F2DFAB1C-6746-3C58-BE55-59840E727156}" v="784" dt="2025-03-24T15:04:07.988"/>
+  </p1510:revLst>
+</p1510:revInfo>
+</file>
+
+<file path=ppt/changesInfos/changesInfo1.xml><?xml version="1.0" encoding="utf-8"?>
+<pc:chgInfo xmlns:a="http://schemas.openxmlformats.org/drawingml/2006/main" xmlns:r="http://schemas.openxmlformats.org/officeDocument/2006/relationships" xmlns:ac="http://schemas.microsoft.com/office/drawing/2013/main/command" xmlns:pc="http://schemas.microsoft.com/office/powerpoint/2013/main/command">
+  <pc:docChgLst>
+    <pc:chgData name="Sam De Wispelaere" userId="S::r0986076@student.vives.be::e9ee75a4-3b98-416e-a358-897d61f9ac81" providerId="AD" clId="Web-{8CBD382F-D9FD-A13D-E155-36ECB55EBFFD}"/>
+    <pc:docChg chg="modSld">
+      <pc:chgData name="Sam De Wispelaere" userId="S::r0986076@student.vives.be::e9ee75a4-3b98-416e-a358-897d61f9ac81" providerId="AD" clId="Web-{8CBD382F-D9FD-A13D-E155-36ECB55EBFFD}" dt="2025-03-24T14:34:02.942" v="20" actId="20577"/>
+      <pc:docMkLst>
+        <pc:docMk/>
+      </pc:docMkLst>
+      <pc:sldChg chg="addSp delSp modSp">
+        <pc:chgData name="Sam De Wispelaere" userId="S::r0986076@student.vives.be::e9ee75a4-3b98-416e-a358-897d61f9ac81" providerId="AD" clId="Web-{8CBD382F-D9FD-A13D-E155-36ECB55EBFFD}" dt="2025-03-24T14:34:02.942" v="20" actId="20577"/>
+        <pc:sldMkLst>
+          <pc:docMk/>
+          <pc:sldMk cId="1383005855" sldId="256"/>
+        </pc:sldMkLst>
+        <pc:spChg chg="del mod">
+          <ac:chgData name="Sam De Wispelaere" userId="S::r0986076@student.vives.be::e9ee75a4-3b98-416e-a358-897d61f9ac81" providerId="AD" clId="Web-{8CBD382F-D9FD-A13D-E155-36ECB55EBFFD}" dt="2025-03-24T14:33:42.800" v="9"/>
+          <ac:spMkLst>
+            <pc:docMk/>
+            <pc:sldMk cId="1383005855" sldId="256"/>
+            <ac:spMk id="2" creationId="{CCB66148-232A-4279-84DE-CF69E63D92C8}"/>
+          </ac:spMkLst>
+        </pc:spChg>
+        <pc:spChg chg="del">
+          <ac:chgData name="Sam De Wispelaere" userId="S::r0986076@student.vives.be::e9ee75a4-3b98-416e-a358-897d61f9ac81" providerId="AD" clId="Web-{8CBD382F-D9FD-A13D-E155-36ECB55EBFFD}" dt="2025-03-24T14:33:44.285" v="10"/>
+          <ac:spMkLst>
+            <pc:docMk/>
+            <pc:sldMk cId="1383005855" sldId="256"/>
+            <ac:spMk id="3" creationId="{504B3B01-EFA9-44B8-A7D0-F7C7F6D43E9E}"/>
+          </ac:spMkLst>
+        </pc:spChg>
+        <pc:spChg chg="add del mod">
+          <ac:chgData name="Sam De Wispelaere" userId="S::r0986076@student.vives.be::e9ee75a4-3b98-416e-a358-897d61f9ac81" providerId="AD" clId="Web-{8CBD382F-D9FD-A13D-E155-36ECB55EBFFD}" dt="2025-03-24T14:33:45.582" v="11"/>
+          <ac:spMkLst>
+            <pc:docMk/>
+            <pc:sldMk cId="1383005855" sldId="256"/>
+            <ac:spMk id="5" creationId="{8BC5366C-EFC9-A4F4-75E5-DA83F348BAE0}"/>
+          </ac:spMkLst>
+        </pc:spChg>
+        <pc:spChg chg="add mod">
+          <ac:chgData name="Sam De Wispelaere" userId="S::r0986076@student.vives.be::e9ee75a4-3b98-416e-a358-897d61f9ac81" providerId="AD" clId="Web-{8CBD382F-D9FD-A13D-E155-36ECB55EBFFD}" dt="2025-03-24T14:34:02.942" v="20" actId="20577"/>
+          <ac:spMkLst>
+            <pc:docMk/>
+            <pc:sldMk cId="1383005855" sldId="256"/>
+            <ac:spMk id="6" creationId="{FC3E0FB7-59DA-56C6-51AD-4CA40AB4462E}"/>
+          </ac:spMkLst>
+        </pc:spChg>
+      </pc:sldChg>
+    </pc:docChg>
+  </pc:docChgLst>
+  <pc:docChgLst>
+    <pc:chgData name="Sam De Wispelaere" userId="S::r0986076@student.vives.be::e9ee75a4-3b98-416e-a358-897d61f9ac81" providerId="AD" clId="Web-{F2DFAB1C-6746-3C58-BE55-59840E727156}"/>
+    <pc:docChg chg="addSld modSld addMainMaster delMainMaster">
+      <pc:chgData name="Sam De Wispelaere" userId="S::r0986076@student.vives.be::e9ee75a4-3b98-416e-a358-897d61f9ac81" providerId="AD" clId="Web-{F2DFAB1C-6746-3C58-BE55-59840E727156}" dt="2025-03-24T15:04:07.551" v="461" actId="20577"/>
+      <pc:docMkLst>
+        <pc:docMk/>
+      </pc:docMkLst>
+      <pc:sldChg chg="addSp delSp modSp mod setBg modClrScheme chgLayout">
+        <pc:chgData name="Sam De Wispelaere" userId="S::r0986076@student.vives.be::e9ee75a4-3b98-416e-a358-897d61f9ac81" providerId="AD" clId="Web-{F2DFAB1C-6746-3C58-BE55-59840E727156}" dt="2025-03-24T15:00:31.262" v="406" actId="1076"/>
+        <pc:sldMkLst>
+          <pc:docMk/>
+          <pc:sldMk cId="1383005855" sldId="256"/>
+        </pc:sldMkLst>
+        <pc:spChg chg="add mod">
+          <ac:chgData name="Sam De Wispelaere" userId="S::r0986076@student.vives.be::e9ee75a4-3b98-416e-a358-897d61f9ac81" providerId="AD" clId="Web-{F2DFAB1C-6746-3C58-BE55-59840E727156}" dt="2025-03-24T14:46:14.138" v="259" actId="20577"/>
+          <ac:spMkLst>
+            <pc:docMk/>
+            <pc:sldMk cId="1383005855" sldId="256"/>
+            <ac:spMk id="3" creationId="{207ECF3A-61ED-7AF4-F966-6C82D00D5879}"/>
+          </ac:spMkLst>
+        </pc:spChg>
+        <pc:spChg chg="mod ord">
+          <ac:chgData name="Sam De Wispelaere" userId="S::r0986076@student.vives.be::e9ee75a4-3b98-416e-a358-897d61f9ac81" providerId="AD" clId="Web-{F2DFAB1C-6746-3C58-BE55-59840E727156}" dt="2025-03-24T15:00:31.262" v="406" actId="1076"/>
+          <ac:spMkLst>
+            <pc:docMk/>
+            <pc:sldMk cId="1383005855" sldId="256"/>
+            <ac:spMk id="6" creationId="{FC3E0FB7-59DA-56C6-51AD-4CA40AB4462E}"/>
+          </ac:spMkLst>
+        </pc:spChg>
+        <pc:spChg chg="add del">
+          <ac:chgData name="Sam De Wispelaere" userId="S::r0986076@student.vives.be::e9ee75a4-3b98-416e-a358-897d61f9ac81" providerId="AD" clId="Web-{F2DFAB1C-6746-3C58-BE55-59840E727156}" dt="2025-03-24T14:36:54.478" v="35"/>
+          <ac:spMkLst>
+            <pc:docMk/>
+            <pc:sldMk cId="1383005855" sldId="256"/>
+            <ac:spMk id="11" creationId="{FAF3766F-DEF3-4802-BB0D-7A18EDD9704F}"/>
+          </ac:spMkLst>
+        </pc:spChg>
+        <pc:spChg chg="add del">
+          <ac:chgData name="Sam De Wispelaere" userId="S::r0986076@student.vives.be::e9ee75a4-3b98-416e-a358-897d61f9ac81" providerId="AD" clId="Web-{F2DFAB1C-6746-3C58-BE55-59840E727156}" dt="2025-03-24T14:36:54.478" v="35"/>
+          <ac:spMkLst>
+            <pc:docMk/>
+            <pc:sldMk cId="1383005855" sldId="256"/>
+            <ac:spMk id="13" creationId="{D91952F0-771E-D2ED-C333-EEED6708B80C}"/>
+          </ac:spMkLst>
+        </pc:spChg>
+        <pc:spChg chg="add del">
+          <ac:chgData name="Sam De Wispelaere" userId="S::r0986076@student.vives.be::e9ee75a4-3b98-416e-a358-897d61f9ac81" providerId="AD" clId="Web-{F2DFAB1C-6746-3C58-BE55-59840E727156}" dt="2025-03-24T14:36:54.478" v="35"/>
+          <ac:spMkLst>
+            <pc:docMk/>
+            <pc:sldMk cId="1383005855" sldId="256"/>
+            <ac:spMk id="15" creationId="{3FB6D83C-2377-9CAD-A991-9E0B6AF25067}"/>
+          </ac:spMkLst>
+        </pc:spChg>
+        <pc:spChg chg="add del">
+          <ac:chgData name="Sam De Wispelaere" userId="S::r0986076@student.vives.be::e9ee75a4-3b98-416e-a358-897d61f9ac81" providerId="AD" clId="Web-{F2DFAB1C-6746-3C58-BE55-59840E727156}" dt="2025-03-24T14:37:00.556" v="37"/>
+          <ac:spMkLst>
+            <pc:docMk/>
+            <pc:sldMk cId="1383005855" sldId="256"/>
+            <ac:spMk id="18" creationId="{70105F5E-5B61-4F51-927C-5B28DB7DD9BB}"/>
+          </ac:spMkLst>
+        </pc:spChg>
+        <pc:spChg chg="add del">
+          <ac:chgData name="Sam De Wispelaere" userId="S::r0986076@student.vives.be::e9ee75a4-3b98-416e-a358-897d61f9ac81" providerId="AD" clId="Web-{F2DFAB1C-6746-3C58-BE55-59840E727156}" dt="2025-03-24T14:37:00.556" v="37"/>
+          <ac:spMkLst>
+            <pc:docMk/>
+            <pc:sldMk cId="1383005855" sldId="256"/>
+            <ac:spMk id="19" creationId="{5882C1C4-D961-459C-91C5-334ABD6E63EA}"/>
+          </ac:spMkLst>
+        </pc:spChg>
+        <pc:spChg chg="add del">
+          <ac:chgData name="Sam De Wispelaere" userId="S::r0986076@student.vives.be::e9ee75a4-3b98-416e-a358-897d61f9ac81" providerId="AD" clId="Web-{F2DFAB1C-6746-3C58-BE55-59840E727156}" dt="2025-03-24T14:37:00.556" v="37"/>
+          <ac:spMkLst>
+            <pc:docMk/>
+            <pc:sldMk cId="1383005855" sldId="256"/>
+            <ac:spMk id="20" creationId="{A7B8B125-A98E-403C-9A7F-494FF789C26E}"/>
+          </ac:spMkLst>
+        </pc:spChg>
+        <pc:spChg chg="add del">
+          <ac:chgData name="Sam De Wispelaere" userId="S::r0986076@student.vives.be::e9ee75a4-3b98-416e-a358-897d61f9ac81" providerId="AD" clId="Web-{F2DFAB1C-6746-3C58-BE55-59840E727156}" dt="2025-03-24T14:37:05.838" v="39"/>
+          <ac:spMkLst>
+            <pc:docMk/>
+            <pc:sldMk cId="1383005855" sldId="256"/>
+            <ac:spMk id="22" creationId="{FAF3766F-DEF3-4802-BB0D-7A18EDD9704F}"/>
+          </ac:spMkLst>
+        </pc:spChg>
+        <pc:spChg chg="add del">
+          <ac:chgData name="Sam De Wispelaere" userId="S::r0986076@student.vives.be::e9ee75a4-3b98-416e-a358-897d61f9ac81" providerId="AD" clId="Web-{F2DFAB1C-6746-3C58-BE55-59840E727156}" dt="2025-03-24T14:37:05.838" v="39"/>
+          <ac:spMkLst>
+            <pc:docMk/>
+            <pc:sldMk cId="1383005855" sldId="256"/>
+            <ac:spMk id="23" creationId="{D91952F0-771E-D2ED-C333-EEED6708B80C}"/>
+          </ac:spMkLst>
+        </pc:spChg>
+        <pc:spChg chg="add del">
+          <ac:chgData name="Sam De Wispelaere" userId="S::r0986076@student.vives.be::e9ee75a4-3b98-416e-a358-897d61f9ac81" providerId="AD" clId="Web-{F2DFAB1C-6746-3C58-BE55-59840E727156}" dt="2025-03-24T14:37:05.838" v="39"/>
+          <ac:spMkLst>
+            <pc:docMk/>
+            <pc:sldMk cId="1383005855" sldId="256"/>
+            <ac:spMk id="24" creationId="{3FB6D83C-2377-9CAD-A991-9E0B6AF25067}"/>
+          </ac:spMkLst>
+        </pc:spChg>
+        <pc:picChg chg="add mod modCrop">
+          <ac:chgData name="Sam De Wispelaere" userId="S::r0986076@student.vives.be::e9ee75a4-3b98-416e-a358-897d61f9ac81" providerId="AD" clId="Web-{F2DFAB1C-6746-3C58-BE55-59840E727156}" dt="2025-03-24T14:37:05.838" v="39"/>
+          <ac:picMkLst>
+            <pc:docMk/>
+            <pc:sldMk cId="1383005855" sldId="256"/>
+            <ac:picMk id="2" creationId="{2A08E0DB-00DD-1E4B-E04F-DB99FFA20107}"/>
+          </ac:picMkLst>
+        </pc:picChg>
+        <pc:cxnChg chg="add del">
+          <ac:chgData name="Sam De Wispelaere" userId="S::r0986076@student.vives.be::e9ee75a4-3b98-416e-a358-897d61f9ac81" providerId="AD" clId="Web-{F2DFAB1C-6746-3C58-BE55-59840E727156}" dt="2025-03-24T14:37:00.556" v="37"/>
+          <ac:cxnSpMkLst>
+            <pc:docMk/>
+            <pc:sldMk cId="1383005855" sldId="256"/>
+            <ac:cxnSpMk id="17" creationId="{20B1C5DD-CB08-4407-9D12-CC2C42B047A7}"/>
+          </ac:cxnSpMkLst>
+        </pc:cxnChg>
+      </pc:sldChg>
+      <pc:sldChg chg="addSp delSp modSp new">
+        <pc:chgData name="Sam De Wispelaere" userId="S::r0986076@student.vives.be::e9ee75a4-3b98-416e-a358-897d61f9ac81" providerId="AD" clId="Web-{F2DFAB1C-6746-3C58-BE55-59840E727156}" dt="2025-03-24T14:47:21.203" v="283" actId="20577"/>
+        <pc:sldMkLst>
+          <pc:docMk/>
+          <pc:sldMk cId="2488136383" sldId="257"/>
+        </pc:sldMkLst>
+        <pc:spChg chg="del">
+          <ac:chgData name="Sam De Wispelaere" userId="S::r0986076@student.vives.be::e9ee75a4-3b98-416e-a358-897d61f9ac81" providerId="AD" clId="Web-{F2DFAB1C-6746-3C58-BE55-59840E727156}" dt="2025-03-24T14:37:15.744" v="41"/>
+          <ac:spMkLst>
+            <pc:docMk/>
+            <pc:sldMk cId="2488136383" sldId="257"/>
+            <ac:spMk id="2" creationId="{E7D1C2C9-C7C0-C59A-E43D-5EA64E4EB428}"/>
+          </ac:spMkLst>
+        </pc:spChg>
+        <pc:spChg chg="del">
+          <ac:chgData name="Sam De Wispelaere" userId="S::r0986076@student.vives.be::e9ee75a4-3b98-416e-a358-897d61f9ac81" providerId="AD" clId="Web-{F2DFAB1C-6746-3C58-BE55-59840E727156}" dt="2025-03-24T14:37:17.885" v="42"/>
+          <ac:spMkLst>
+            <pc:docMk/>
+            <pc:sldMk cId="2488136383" sldId="257"/>
+            <ac:spMk id="3" creationId="{17674E09-DEB1-83F8-ACF2-E05C667E8AE0}"/>
+          </ac:spMkLst>
+        </pc:spChg>
+        <pc:spChg chg="add mod">
+          <ac:chgData name="Sam De Wispelaere" userId="S::r0986076@student.vives.be::e9ee75a4-3b98-416e-a358-897d61f9ac81" providerId="AD" clId="Web-{F2DFAB1C-6746-3C58-BE55-59840E727156}" dt="2025-03-24T14:47:11.093" v="280" actId="20577"/>
+          <ac:spMkLst>
+            <pc:docMk/>
+            <pc:sldMk cId="2488136383" sldId="257"/>
+            <ac:spMk id="4" creationId="{A889BA1A-64DE-A483-2A92-833D7F6DD75E}"/>
+          </ac:spMkLst>
+        </pc:spChg>
+        <pc:spChg chg="add del mod">
+          <ac:chgData name="Sam De Wispelaere" userId="S::r0986076@student.vives.be::e9ee75a4-3b98-416e-a358-897d61f9ac81" providerId="AD" clId="Web-{F2DFAB1C-6746-3C58-BE55-59840E727156}" dt="2025-03-24T14:38:34.528" v="87"/>
+          <ac:spMkLst>
+            <pc:docMk/>
+            <pc:sldMk cId="2488136383" sldId="257"/>
+            <ac:spMk id="5" creationId="{E57654C7-626C-1C4D-1ACC-EFA68F8F3011}"/>
+          </ac:spMkLst>
+        </pc:spChg>
+        <pc:spChg chg="add mod">
+          <ac:chgData name="Sam De Wispelaere" userId="S::r0986076@student.vives.be::e9ee75a4-3b98-416e-a358-897d61f9ac81" providerId="AD" clId="Web-{F2DFAB1C-6746-3C58-BE55-59840E727156}" dt="2025-03-24T14:47:18.078" v="282" actId="20577"/>
+          <ac:spMkLst>
+            <pc:docMk/>
+            <pc:sldMk cId="2488136383" sldId="257"/>
+            <ac:spMk id="6" creationId="{901EDD76-B13E-F571-DD21-2771F2627802}"/>
+          </ac:spMkLst>
+        </pc:spChg>
+        <pc:spChg chg="add mod">
+          <ac:chgData name="Sam De Wispelaere" userId="S::r0986076@student.vives.be::e9ee75a4-3b98-416e-a358-897d61f9ac81" providerId="AD" clId="Web-{F2DFAB1C-6746-3C58-BE55-59840E727156}" dt="2025-03-24T14:47:21.203" v="283" actId="20577"/>
+          <ac:spMkLst>
+            <pc:docMk/>
+            <pc:sldMk cId="2488136383" sldId="257"/>
+            <ac:spMk id="7" creationId="{5E0EB798-7206-64F8-2E54-C180D414F540}"/>
+          </ac:spMkLst>
+        </pc:spChg>
+        <pc:spChg chg="add del mod">
+          <ac:chgData name="Sam De Wispelaere" userId="S::r0986076@student.vives.be::e9ee75a4-3b98-416e-a358-897d61f9ac81" providerId="AD" clId="Web-{F2DFAB1C-6746-3C58-BE55-59840E727156}" dt="2025-03-24T14:39:22.717" v="108"/>
+          <ac:spMkLst>
+            <pc:docMk/>
+            <pc:sldMk cId="2488136383" sldId="257"/>
+            <ac:spMk id="8" creationId="{B1ED5C4B-94F3-6D35-AF84-FC022E3AC748}"/>
+          </ac:spMkLst>
+        </pc:spChg>
+        <pc:spChg chg="add mod">
+          <ac:chgData name="Sam De Wispelaere" userId="S::r0986076@student.vives.be::e9ee75a4-3b98-416e-a358-897d61f9ac81" providerId="AD" clId="Web-{F2DFAB1C-6746-3C58-BE55-59840E727156}" dt="2025-03-24T14:44:00.837" v="217" actId="20577"/>
+          <ac:spMkLst>
+            <pc:docMk/>
+            <pc:sldMk cId="2488136383" sldId="257"/>
+            <ac:spMk id="9" creationId="{FDE4E7C7-3505-81BD-1DE2-9A94A9155FD4}"/>
+          </ac:spMkLst>
+        </pc:spChg>
+        <pc:spChg chg="add del mod">
+          <ac:chgData name="Sam De Wispelaere" userId="S::r0986076@student.vives.be::e9ee75a4-3b98-416e-a358-897d61f9ac81" providerId="AD" clId="Web-{F2DFAB1C-6746-3C58-BE55-59840E727156}" dt="2025-03-24T14:43:02.210" v="200"/>
+          <ac:spMkLst>
+            <pc:docMk/>
+            <pc:sldMk cId="2488136383" sldId="257"/>
+            <ac:spMk id="10" creationId="{868C4371-D5AD-2089-D80E-3FACC2F14DCF}"/>
+          </ac:spMkLst>
+        </pc:spChg>
+        <pc:spChg chg="add mod">
+          <ac:chgData name="Sam De Wispelaere" userId="S::r0986076@student.vives.be::e9ee75a4-3b98-416e-a358-897d61f9ac81" providerId="AD" clId="Web-{F2DFAB1C-6746-3C58-BE55-59840E727156}" dt="2025-03-24T14:45:02.245" v="241" actId="1076"/>
+          <ac:spMkLst>
+            <pc:docMk/>
+            <pc:sldMk cId="2488136383" sldId="257"/>
+            <ac:spMk id="11" creationId="{0DD6E799-E6EE-0D04-4D08-C15707FAB966}"/>
+          </ac:spMkLst>
+        </pc:spChg>
+      </pc:sldChg>
+      <pc:sldChg chg="addSp delSp modSp new">
+        <pc:chgData name="Sam De Wispelaere" userId="S::r0986076@student.vives.be::e9ee75a4-3b98-416e-a358-897d61f9ac81" providerId="AD" clId="Web-{F2DFAB1C-6746-3C58-BE55-59840E727156}" dt="2025-03-24T14:59:24.541" v="380" actId="1076"/>
+        <pc:sldMkLst>
+          <pc:docMk/>
+          <pc:sldMk cId="2677107523" sldId="258"/>
+        </pc:sldMkLst>
+        <pc:spChg chg="del">
+          <ac:chgData name="Sam De Wispelaere" userId="S::r0986076@student.vives.be::e9ee75a4-3b98-416e-a358-897d61f9ac81" providerId="AD" clId="Web-{F2DFAB1C-6746-3C58-BE55-59840E727156}" dt="2025-03-24T14:46:37.483" v="261"/>
+          <ac:spMkLst>
+            <pc:docMk/>
+            <pc:sldMk cId="2677107523" sldId="258"/>
+            <ac:spMk id="2" creationId="{D4272E83-4DAC-538E-4D31-14AD57DC9E53}"/>
+          </ac:spMkLst>
+        </pc:spChg>
+        <pc:spChg chg="del">
+          <ac:chgData name="Sam De Wispelaere" userId="S::r0986076@student.vives.be::e9ee75a4-3b98-416e-a358-897d61f9ac81" providerId="AD" clId="Web-{F2DFAB1C-6746-3C58-BE55-59840E727156}" dt="2025-03-24T14:46:47.514" v="262"/>
+          <ac:spMkLst>
+            <pc:docMk/>
+            <pc:sldMk cId="2677107523" sldId="258"/>
+            <ac:spMk id="3" creationId="{59D12FE8-EACB-8FF3-ADA4-29F33EAD3BE2}"/>
+          </ac:spMkLst>
+        </pc:spChg>
+        <pc:spChg chg="add mod">
+          <ac:chgData name="Sam De Wispelaere" userId="S::r0986076@student.vives.be::e9ee75a4-3b98-416e-a358-897d61f9ac81" providerId="AD" clId="Web-{F2DFAB1C-6746-3C58-BE55-59840E727156}" dt="2025-03-24T14:47:08.156" v="279" actId="20577"/>
+          <ac:spMkLst>
+            <pc:docMk/>
+            <pc:sldMk cId="2677107523" sldId="258"/>
+            <ac:spMk id="4" creationId="{4D92B606-6B42-C684-0FA0-2DD926A8E319}"/>
+          </ac:spMkLst>
+        </pc:spChg>
+        <pc:spChg chg="add mod">
+          <ac:chgData name="Sam De Wispelaere" userId="S::r0986076@student.vives.be::e9ee75a4-3b98-416e-a358-897d61f9ac81" providerId="AD" clId="Web-{F2DFAB1C-6746-3C58-BE55-59840E727156}" dt="2025-03-24T14:54:27.874" v="346" actId="20577"/>
+          <ac:spMkLst>
+            <pc:docMk/>
+            <pc:sldMk cId="2677107523" sldId="258"/>
+            <ac:spMk id="6" creationId="{19FEA7B4-26CE-803F-D412-4654AA90A7B1}"/>
+          </ac:spMkLst>
+        </pc:spChg>
+        <pc:spChg chg="add mod">
+          <ac:chgData name="Sam De Wispelaere" userId="S::r0986076@student.vives.be::e9ee75a4-3b98-416e-a358-897d61f9ac81" providerId="AD" clId="Web-{F2DFAB1C-6746-3C58-BE55-59840E727156}" dt="2025-03-24T14:51:47.087" v="313" actId="14100"/>
+          <ac:spMkLst>
+            <pc:docMk/>
+            <pc:sldMk cId="2677107523" sldId="258"/>
+            <ac:spMk id="9" creationId="{E17009D8-F027-A8B8-CE46-C40B7C64608D}"/>
+          </ac:spMkLst>
+        </pc:spChg>
+        <pc:spChg chg="add mod">
+          <ac:chgData name="Sam De Wispelaere" userId="S::r0986076@student.vives.be::e9ee75a4-3b98-416e-a358-897d61f9ac81" providerId="AD" clId="Web-{F2DFAB1C-6746-3C58-BE55-59840E727156}" dt="2025-03-24T14:54:30.437" v="347" actId="20577"/>
+          <ac:spMkLst>
+            <pc:docMk/>
+            <pc:sldMk cId="2677107523" sldId="258"/>
+            <ac:spMk id="10" creationId="{A52EFED8-AE28-C87E-3EE2-1606E9B95768}"/>
+          </ac:spMkLst>
+        </pc:spChg>
+        <pc:spChg chg="add mod">
+          <ac:chgData name="Sam De Wispelaere" userId="S::r0986076@student.vives.be::e9ee75a4-3b98-416e-a358-897d61f9ac81" providerId="AD" clId="Web-{F2DFAB1C-6746-3C58-BE55-59840E727156}" dt="2025-03-24T14:53:30.825" v="345" actId="20577"/>
+          <ac:spMkLst>
+            <pc:docMk/>
+            <pc:sldMk cId="2677107523" sldId="258"/>
+            <ac:spMk id="12" creationId="{6FC933E9-EC58-E0DB-BA31-0BB5349E54C0}"/>
+          </ac:spMkLst>
+        </pc:spChg>
+        <pc:spChg chg="add del mod">
+          <ac:chgData name="Sam De Wispelaere" userId="S::r0986076@student.vives.be::e9ee75a4-3b98-416e-a358-897d61f9ac81" providerId="AD" clId="Web-{F2DFAB1C-6746-3C58-BE55-59840E727156}" dt="2025-03-24T14:55:40.392" v="353"/>
+          <ac:spMkLst>
+            <pc:docMk/>
+            <pc:sldMk cId="2677107523" sldId="258"/>
+            <ac:spMk id="13" creationId="{AA2B9C9E-3484-FD51-D1F1-390CEB30C343}"/>
+          </ac:spMkLst>
+        </pc:spChg>
+        <pc:spChg chg="add del">
+          <ac:chgData name="Sam De Wispelaere" userId="S::r0986076@student.vives.be::e9ee75a4-3b98-416e-a358-897d61f9ac81" providerId="AD" clId="Web-{F2DFAB1C-6746-3C58-BE55-59840E727156}" dt="2025-03-24T14:55:44.564" v="355"/>
+          <ac:spMkLst>
+            <pc:docMk/>
+            <pc:sldMk cId="2677107523" sldId="258"/>
+            <ac:spMk id="15" creationId="{D0BD7DDC-9540-36BE-F698-7A844B16DCBD}"/>
+          </ac:spMkLst>
+        </pc:spChg>
+        <pc:spChg chg="add mod">
+          <ac:chgData name="Sam De Wispelaere" userId="S::r0986076@student.vives.be::e9ee75a4-3b98-416e-a358-897d61f9ac81" providerId="AD" clId="Web-{F2DFAB1C-6746-3C58-BE55-59840E727156}" dt="2025-03-24T14:55:56.705" v="359" actId="20577"/>
+          <ac:spMkLst>
+            <pc:docMk/>
+            <pc:sldMk cId="2677107523" sldId="258"/>
+            <ac:spMk id="16" creationId="{8E2E697B-55A0-BB6D-BF46-3012F6A7F263}"/>
+          </ac:spMkLst>
+        </pc:spChg>
+        <pc:spChg chg="add mod">
+          <ac:chgData name="Sam De Wispelaere" userId="S::r0986076@student.vives.be::e9ee75a4-3b98-416e-a358-897d61f9ac81" providerId="AD" clId="Web-{F2DFAB1C-6746-3C58-BE55-59840E727156}" dt="2025-03-24T14:59:24.541" v="380" actId="1076"/>
+          <ac:spMkLst>
+            <pc:docMk/>
+            <pc:sldMk cId="2677107523" sldId="258"/>
+            <ac:spMk id="17" creationId="{24A7AFC7-700C-B5BB-694B-EBE5C2BA56EB}"/>
+          </ac:spMkLst>
+        </pc:spChg>
+        <pc:picChg chg="add mod modCrop">
+          <ac:chgData name="Sam De Wispelaere" userId="S::r0986076@student.vives.be::e9ee75a4-3b98-416e-a358-897d61f9ac81" providerId="AD" clId="Web-{F2DFAB1C-6746-3C58-BE55-59840E727156}" dt="2025-03-24T14:52:53.684" v="324" actId="1076"/>
+          <ac:picMkLst>
+            <pc:docMk/>
+            <pc:sldMk cId="2677107523" sldId="258"/>
+            <ac:picMk id="5" creationId="{BC9EC517-9906-71F8-EEB7-76FCA8C3C492}"/>
+          </ac:picMkLst>
+        </pc:picChg>
+        <pc:picChg chg="add del mod">
+          <ac:chgData name="Sam De Wispelaere" userId="S::r0986076@student.vives.be::e9ee75a4-3b98-416e-a358-897d61f9ac81" providerId="AD" clId="Web-{F2DFAB1C-6746-3C58-BE55-59840E727156}" dt="2025-03-24T14:51:04.914" v="295"/>
+          <ac:picMkLst>
+            <pc:docMk/>
+            <pc:sldMk cId="2677107523" sldId="258"/>
+            <ac:picMk id="7" creationId="{86A89975-C973-BA47-E50B-19E65356D551}"/>
+          </ac:picMkLst>
+        </pc:picChg>
+      </pc:sldChg>
+      <pc:sldChg chg="addSp delSp modSp new">
+        <pc:chgData name="Sam De Wispelaere" userId="S::r0986076@student.vives.be::e9ee75a4-3b98-416e-a358-897d61f9ac81" providerId="AD" clId="Web-{F2DFAB1C-6746-3C58-BE55-59840E727156}" dt="2025-03-24T15:04:07.551" v="461" actId="20577"/>
+        <pc:sldMkLst>
+          <pc:docMk/>
+          <pc:sldMk cId="1890171273" sldId="259"/>
+        </pc:sldMkLst>
+        <pc:spChg chg="del">
+          <ac:chgData name="Sam De Wispelaere" userId="S::r0986076@student.vives.be::e9ee75a4-3b98-416e-a358-897d61f9ac81" providerId="AD" clId="Web-{F2DFAB1C-6746-3C58-BE55-59840E727156}" dt="2025-03-24T14:58:58.024" v="378"/>
+          <ac:spMkLst>
+            <pc:docMk/>
+            <pc:sldMk cId="1890171273" sldId="259"/>
+            <ac:spMk id="2" creationId="{1283ED9E-0605-A3C9-F9D6-D8218AC36F8F}"/>
+          </ac:spMkLst>
+        </pc:spChg>
+        <pc:spChg chg="del">
+          <ac:chgData name="Sam De Wispelaere" userId="S::r0986076@student.vives.be::e9ee75a4-3b98-416e-a358-897d61f9ac81" providerId="AD" clId="Web-{F2DFAB1C-6746-3C58-BE55-59840E727156}" dt="2025-03-24T14:59:01.384" v="379"/>
+          <ac:spMkLst>
+            <pc:docMk/>
+            <pc:sldMk cId="1890171273" sldId="259"/>
+            <ac:spMk id="3" creationId="{C917347C-2D92-62CA-CF5F-E6659863B63F}"/>
+          </ac:spMkLst>
+        </pc:spChg>
+        <pc:spChg chg="add mod">
+          <ac:chgData name="Sam De Wispelaere" userId="S::r0986076@student.vives.be::e9ee75a4-3b98-416e-a358-897d61f9ac81" providerId="AD" clId="Web-{F2DFAB1C-6746-3C58-BE55-59840E727156}" dt="2025-03-24T15:00:17.496" v="405" actId="20577"/>
+          <ac:spMkLst>
+            <pc:docMk/>
+            <pc:sldMk cId="1890171273" sldId="259"/>
+            <ac:spMk id="4" creationId="{01EF5FD8-7DF9-B4F9-C9E1-C688A8ED99F4}"/>
+          </ac:spMkLst>
+        </pc:spChg>
+        <pc:spChg chg="add mod">
+          <ac:chgData name="Sam De Wispelaere" userId="S::r0986076@student.vives.be::e9ee75a4-3b98-416e-a358-897d61f9ac81" providerId="AD" clId="Web-{F2DFAB1C-6746-3C58-BE55-59840E727156}" dt="2025-03-24T15:04:07.551" v="461" actId="20577"/>
+          <ac:spMkLst>
+            <pc:docMk/>
+            <pc:sldMk cId="1890171273" sldId="259"/>
+            <ac:spMk id="5" creationId="{1E5175BD-D8E7-F22E-0E75-3AB93BCFCED2}"/>
+          </ac:spMkLst>
+        </pc:spChg>
+        <pc:spChg chg="add mod">
+          <ac:chgData name="Sam De Wispelaere" userId="S::r0986076@student.vives.be::e9ee75a4-3b98-416e-a358-897d61f9ac81" providerId="AD" clId="Web-{F2DFAB1C-6746-3C58-BE55-59840E727156}" dt="2025-03-24T15:03:24.784" v="455" actId="1076"/>
+          <ac:spMkLst>
+            <pc:docMk/>
+            <pc:sldMk cId="1890171273" sldId="259"/>
+            <ac:spMk id="7" creationId="{9C96BE31-7572-8DE0-C7E0-553D48B1FA0F}"/>
+          </ac:spMkLst>
+        </pc:spChg>
+      </pc:sldChg>
+      <pc:sldMasterChg chg="add del addSldLayout delSldLayout">
+        <pc:chgData name="Sam De Wispelaere" userId="S::r0986076@student.vives.be::e9ee75a4-3b98-416e-a358-897d61f9ac81" providerId="AD" clId="Web-{F2DFAB1C-6746-3C58-BE55-59840E727156}" dt="2025-03-24T14:37:05.838" v="39"/>
+        <pc:sldMasterMkLst>
+          <pc:docMk/>
+          <pc:sldMasterMk cId="663473969" sldId="2147483648"/>
+        </pc:sldMasterMkLst>
+        <pc:sldLayoutChg chg="add del">
+          <pc:chgData name="Sam De Wispelaere" userId="S::r0986076@student.vives.be::e9ee75a4-3b98-416e-a358-897d61f9ac81" providerId="AD" clId="Web-{F2DFAB1C-6746-3C58-BE55-59840E727156}" dt="2025-03-24T14:37:05.838" v="39"/>
+          <pc:sldLayoutMkLst>
+            <pc:docMk/>
+            <pc:sldMasterMk cId="663473969" sldId="2147483648"/>
+            <pc:sldLayoutMk cId="1308989706" sldId="2147483649"/>
+          </pc:sldLayoutMkLst>
+        </pc:sldLayoutChg>
+        <pc:sldLayoutChg chg="add del">
+          <pc:chgData name="Sam De Wispelaere" userId="S::r0986076@student.vives.be::e9ee75a4-3b98-416e-a358-897d61f9ac81" providerId="AD" clId="Web-{F2DFAB1C-6746-3C58-BE55-59840E727156}" dt="2025-03-24T14:37:05.838" v="39"/>
+          <pc:sldLayoutMkLst>
+            <pc:docMk/>
+            <pc:sldMasterMk cId="663473969" sldId="2147483648"/>
+            <pc:sldLayoutMk cId="350409375" sldId="2147483650"/>
+          </pc:sldLayoutMkLst>
+        </pc:sldLayoutChg>
+        <pc:sldLayoutChg chg="add del">
+          <pc:chgData name="Sam De Wispelaere" userId="S::r0986076@student.vives.be::e9ee75a4-3b98-416e-a358-897d61f9ac81" providerId="AD" clId="Web-{F2DFAB1C-6746-3C58-BE55-59840E727156}" dt="2025-03-24T14:37:05.838" v="39"/>
+          <pc:sldLayoutMkLst>
+            <pc:docMk/>
+            <pc:sldMasterMk cId="663473969" sldId="2147483648"/>
+            <pc:sldLayoutMk cId="2986431756" sldId="2147483651"/>
+          </pc:sldLayoutMkLst>
+        </pc:sldLayoutChg>
+        <pc:sldLayoutChg chg="add del">
+          <pc:chgData name="Sam De Wispelaere" userId="S::r0986076@student.vives.be::e9ee75a4-3b98-416e-a358-897d61f9ac81" providerId="AD" clId="Web-{F2DFAB1C-6746-3C58-BE55-59840E727156}" dt="2025-03-24T14:37:05.838" v="39"/>
+          <pc:sldLayoutMkLst>
+            <pc:docMk/>
+            <pc:sldMasterMk cId="663473969" sldId="2147483648"/>
+            <pc:sldLayoutMk cId="367210854" sldId="2147483652"/>
+          </pc:sldLayoutMkLst>
+        </pc:sldLayoutChg>
+        <pc:sldLayoutChg chg="add del">
+          <pc:chgData name="Sam De Wispelaere" userId="S::r0986076@student.vives.be::e9ee75a4-3b98-416e-a358-897d61f9ac81" providerId="AD" clId="Web-{F2DFAB1C-6746-3C58-BE55-59840E727156}" dt="2025-03-24T14:37:05.838" v="39"/>
+          <pc:sldLayoutMkLst>
+            <pc:docMk/>
+            <pc:sldMasterMk cId="663473969" sldId="2147483648"/>
+            <pc:sldLayoutMk cId="760695061" sldId="2147483653"/>
+          </pc:sldLayoutMkLst>
+        </pc:sldLayoutChg>
+        <pc:sldLayoutChg chg="add del">
+          <pc:chgData name="Sam De Wispelaere" userId="S::r0986076@student.vives.be::e9ee75a4-3b98-416e-a358-897d61f9ac81" providerId="AD" clId="Web-{F2DFAB1C-6746-3C58-BE55-59840E727156}" dt="2025-03-24T14:37:05.838" v="39"/>
+          <pc:sldLayoutMkLst>
+            <pc:docMk/>
+            <pc:sldMasterMk cId="663473969" sldId="2147483648"/>
+            <pc:sldLayoutMk cId="2385443403" sldId="2147483654"/>
+          </pc:sldLayoutMkLst>
+        </pc:sldLayoutChg>
+        <pc:sldLayoutChg chg="add del">
+          <pc:chgData name="Sam De Wispelaere" userId="S::r0986076@student.vives.be::e9ee75a4-3b98-416e-a358-897d61f9ac81" providerId="AD" clId="Web-{F2DFAB1C-6746-3C58-BE55-59840E727156}" dt="2025-03-24T14:37:05.838" v="39"/>
+          <pc:sldLayoutMkLst>
+            <pc:docMk/>
+            <pc:sldMasterMk cId="663473969" sldId="2147483648"/>
+            <pc:sldLayoutMk cId="4263266532" sldId="2147483655"/>
+          </pc:sldLayoutMkLst>
+        </pc:sldLayoutChg>
+        <pc:sldLayoutChg chg="add del">
+          <pc:chgData name="Sam De Wispelaere" userId="S::r0986076@student.vives.be::e9ee75a4-3b98-416e-a358-897d61f9ac81" providerId="AD" clId="Web-{F2DFAB1C-6746-3C58-BE55-59840E727156}" dt="2025-03-24T14:37:05.838" v="39"/>
+          <pc:sldLayoutMkLst>
+            <pc:docMk/>
+            <pc:sldMasterMk cId="663473969" sldId="2147483648"/>
+            <pc:sldLayoutMk cId="394922470" sldId="2147483656"/>
+          </pc:sldLayoutMkLst>
+        </pc:sldLayoutChg>
+        <pc:sldLayoutChg chg="add del">
+          <pc:chgData name="Sam De Wispelaere" userId="S::r0986076@student.vives.be::e9ee75a4-3b98-416e-a358-897d61f9ac81" providerId="AD" clId="Web-{F2DFAB1C-6746-3C58-BE55-59840E727156}" dt="2025-03-24T14:37:05.838" v="39"/>
+          <pc:sldLayoutMkLst>
+            <pc:docMk/>
+            <pc:sldMasterMk cId="663473969" sldId="2147483648"/>
+            <pc:sldLayoutMk cId="2889705571" sldId="2147483657"/>
+          </pc:sldLayoutMkLst>
+        </pc:sldLayoutChg>
+        <pc:sldLayoutChg chg="add del">
+          <pc:chgData name="Sam De Wispelaere" userId="S::r0986076@student.vives.be::e9ee75a4-3b98-416e-a358-897d61f9ac81" providerId="AD" clId="Web-{F2DFAB1C-6746-3C58-BE55-59840E727156}" dt="2025-03-24T14:37:05.838" v="39"/>
+          <pc:sldLayoutMkLst>
+            <pc:docMk/>
+            <pc:sldMasterMk cId="663473969" sldId="2147483648"/>
+            <pc:sldLayoutMk cId="2356645031" sldId="2147483658"/>
+          </pc:sldLayoutMkLst>
+        </pc:sldLayoutChg>
+        <pc:sldLayoutChg chg="add del">
+          <pc:chgData name="Sam De Wispelaere" userId="S::r0986076@student.vives.be::e9ee75a4-3b98-416e-a358-897d61f9ac81" providerId="AD" clId="Web-{F2DFAB1C-6746-3C58-BE55-59840E727156}" dt="2025-03-24T14:37:05.838" v="39"/>
+          <pc:sldLayoutMkLst>
+            <pc:docMk/>
+            <pc:sldMasterMk cId="663473969" sldId="2147483648"/>
+            <pc:sldLayoutMk cId="2398762794" sldId="2147483659"/>
+          </pc:sldLayoutMkLst>
+        </pc:sldLayoutChg>
+      </pc:sldMasterChg>
+      <pc:sldMasterChg chg="add del addSldLayout delSldLayout">
+        <pc:chgData name="Sam De Wispelaere" userId="S::r0986076@student.vives.be::e9ee75a4-3b98-416e-a358-897d61f9ac81" providerId="AD" clId="Web-{F2DFAB1C-6746-3C58-BE55-59840E727156}" dt="2025-03-24T14:37:05.838" v="39"/>
+        <pc:sldMasterMkLst>
+          <pc:docMk/>
+          <pc:sldMasterMk cId="3171135543" sldId="2147483660"/>
+        </pc:sldMasterMkLst>
+        <pc:sldLayoutChg chg="add del">
+          <pc:chgData name="Sam De Wispelaere" userId="S::r0986076@student.vives.be::e9ee75a4-3b98-416e-a358-897d61f9ac81" providerId="AD" clId="Web-{F2DFAB1C-6746-3C58-BE55-59840E727156}" dt="2025-03-24T14:37:05.838" v="39"/>
+          <pc:sldLayoutMkLst>
+            <pc:docMk/>
+            <pc:sldMasterMk cId="3171135543" sldId="2147483660"/>
+            <pc:sldLayoutMk cId="1739597196" sldId="2147483661"/>
+          </pc:sldLayoutMkLst>
+        </pc:sldLayoutChg>
+        <pc:sldLayoutChg chg="add del">
+          <pc:chgData name="Sam De Wispelaere" userId="S::r0986076@student.vives.be::e9ee75a4-3b98-416e-a358-897d61f9ac81" providerId="AD" clId="Web-{F2DFAB1C-6746-3C58-BE55-59840E727156}" dt="2025-03-24T14:37:05.838" v="39"/>
+          <pc:sldLayoutMkLst>
+            <pc:docMk/>
+            <pc:sldMasterMk cId="3171135543" sldId="2147483660"/>
+            <pc:sldLayoutMk cId="1556870153" sldId="2147483662"/>
+          </pc:sldLayoutMkLst>
+        </pc:sldLayoutChg>
+        <pc:sldLayoutChg chg="add del">
+          <pc:chgData name="Sam De Wispelaere" userId="S::r0986076@student.vives.be::e9ee75a4-3b98-416e-a358-897d61f9ac81" providerId="AD" clId="Web-{F2DFAB1C-6746-3C58-BE55-59840E727156}" dt="2025-03-24T14:37:05.838" v="39"/>
+          <pc:sldLayoutMkLst>
+            <pc:docMk/>
+            <pc:sldMasterMk cId="3171135543" sldId="2147483660"/>
+            <pc:sldLayoutMk cId="2167363364" sldId="2147483663"/>
+          </pc:sldLayoutMkLst>
+        </pc:sldLayoutChg>
+        <pc:sldLayoutChg chg="add del">
+          <pc:chgData name="Sam De Wispelaere" userId="S::r0986076@student.vives.be::e9ee75a4-3b98-416e-a358-897d61f9ac81" providerId="AD" clId="Web-{F2DFAB1C-6746-3C58-BE55-59840E727156}" dt="2025-03-24T14:37:05.838" v="39"/>
+          <pc:sldLayoutMkLst>
+            <pc:docMk/>
+            <pc:sldMasterMk cId="3171135543" sldId="2147483660"/>
+            <pc:sldLayoutMk cId="1832262232" sldId="2147483664"/>
+          </pc:sldLayoutMkLst>
+        </pc:sldLayoutChg>
+        <pc:sldLayoutChg chg="add del">
+          <pc:chgData name="Sam De Wispelaere" userId="S::r0986076@student.vives.be::e9ee75a4-3b98-416e-a358-897d61f9ac81" providerId="AD" clId="Web-{F2DFAB1C-6746-3C58-BE55-59840E727156}" dt="2025-03-24T14:37:05.838" v="39"/>
+          <pc:sldLayoutMkLst>
+            <pc:docMk/>
+            <pc:sldMasterMk cId="3171135543" sldId="2147483660"/>
+            <pc:sldLayoutMk cId="2260465333" sldId="2147483665"/>
+          </pc:sldLayoutMkLst>
+        </pc:sldLayoutChg>
+        <pc:sldLayoutChg chg="add del">
+          <pc:chgData name="Sam De Wispelaere" userId="S::r0986076@student.vives.be::e9ee75a4-3b98-416e-a358-897d61f9ac81" providerId="AD" clId="Web-{F2DFAB1C-6746-3C58-BE55-59840E727156}" dt="2025-03-24T14:37:05.838" v="39"/>
+          <pc:sldLayoutMkLst>
+            <pc:docMk/>
+            <pc:sldMasterMk cId="3171135543" sldId="2147483660"/>
+            <pc:sldLayoutMk cId="2078415113" sldId="2147483666"/>
+          </pc:sldLayoutMkLst>
+        </pc:sldLayoutChg>
+        <pc:sldLayoutChg chg="add del">
+          <pc:chgData name="Sam De Wispelaere" userId="S::r0986076@student.vives.be::e9ee75a4-3b98-416e-a358-897d61f9ac81" providerId="AD" clId="Web-{F2DFAB1C-6746-3C58-BE55-59840E727156}" dt="2025-03-24T14:37:05.838" v="39"/>
+          <pc:sldLayoutMkLst>
+            <pc:docMk/>
+            <pc:sldMasterMk cId="3171135543" sldId="2147483660"/>
+            <pc:sldLayoutMk cId="3148716289" sldId="2147483667"/>
+          </pc:sldLayoutMkLst>
+        </pc:sldLayoutChg>
+        <pc:sldLayoutChg chg="add del">
+          <pc:chgData name="Sam De Wispelaere" userId="S::r0986076@student.vives.be::e9ee75a4-3b98-416e-a358-897d61f9ac81" providerId="AD" clId="Web-{F2DFAB1C-6746-3C58-BE55-59840E727156}" dt="2025-03-24T14:37:05.838" v="39"/>
+          <pc:sldLayoutMkLst>
+            <pc:docMk/>
+            <pc:sldMasterMk cId="3171135543" sldId="2147483660"/>
+            <pc:sldLayoutMk cId="3282828481" sldId="2147483668"/>
+          </pc:sldLayoutMkLst>
+        </pc:sldLayoutChg>
+        <pc:sldLayoutChg chg="add del">
+          <pc:chgData name="Sam De Wispelaere" userId="S::r0986076@student.vives.be::e9ee75a4-3b98-416e-a358-897d61f9ac81" providerId="AD" clId="Web-{F2DFAB1C-6746-3C58-BE55-59840E727156}" dt="2025-03-24T14:37:05.838" v="39"/>
+          <pc:sldLayoutMkLst>
+            <pc:docMk/>
+            <pc:sldMasterMk cId="3171135543" sldId="2147483660"/>
+            <pc:sldLayoutMk cId="2469191316" sldId="2147483669"/>
+          </pc:sldLayoutMkLst>
+        </pc:sldLayoutChg>
+        <pc:sldLayoutChg chg="add del">
+          <pc:chgData name="Sam De Wispelaere" userId="S::r0986076@student.vives.be::e9ee75a4-3b98-416e-a358-897d61f9ac81" providerId="AD" clId="Web-{F2DFAB1C-6746-3C58-BE55-59840E727156}" dt="2025-03-24T14:37:05.838" v="39"/>
+          <pc:sldLayoutMkLst>
+            <pc:docMk/>
+            <pc:sldMasterMk cId="3171135543" sldId="2147483660"/>
+            <pc:sldLayoutMk cId="2514243385" sldId="2147483670"/>
+          </pc:sldLayoutMkLst>
+        </pc:sldLayoutChg>
+        <pc:sldLayoutChg chg="add del">
+          <pc:chgData name="Sam De Wispelaere" userId="S::r0986076@student.vives.be::e9ee75a4-3b98-416e-a358-897d61f9ac81" providerId="AD" clId="Web-{F2DFAB1C-6746-3C58-BE55-59840E727156}" dt="2025-03-24T14:37:05.838" v="39"/>
+          <pc:sldLayoutMkLst>
+            <pc:docMk/>
+            <pc:sldMasterMk cId="3171135543" sldId="2147483660"/>
+            <pc:sldLayoutMk cId="2854491018" sldId="2147483671"/>
+          </pc:sldLayoutMkLst>
+        </pc:sldLayoutChg>
+      </pc:sldMasterChg>
+      <pc:sldMasterChg chg="add del addSldLayout delSldLayout">
+        <pc:chgData name="Sam De Wispelaere" userId="S::r0986076@student.vives.be::e9ee75a4-3b98-416e-a358-897d61f9ac81" providerId="AD" clId="Web-{F2DFAB1C-6746-3C58-BE55-59840E727156}" dt="2025-03-24T14:37:00.556" v="37"/>
+        <pc:sldMasterMkLst>
+          <pc:docMk/>
+          <pc:sldMasterMk cId="3097924602" sldId="2147483722"/>
+        </pc:sldMasterMkLst>
+        <pc:sldLayoutChg chg="add del">
+          <pc:chgData name="Sam De Wispelaere" userId="S::r0986076@student.vives.be::e9ee75a4-3b98-416e-a358-897d61f9ac81" providerId="AD" clId="Web-{F2DFAB1C-6746-3C58-BE55-59840E727156}" dt="2025-03-24T14:37:00.556" v="37"/>
+          <pc:sldLayoutMkLst>
+            <pc:docMk/>
+            <pc:sldMasterMk cId="3097924602" sldId="2147483722"/>
+            <pc:sldLayoutMk cId="1580337075" sldId="2147483711"/>
+          </pc:sldLayoutMkLst>
+        </pc:sldLayoutChg>
+        <pc:sldLayoutChg chg="add del">
+          <pc:chgData name="Sam De Wispelaere" userId="S::r0986076@student.vives.be::e9ee75a4-3b98-416e-a358-897d61f9ac81" providerId="AD" clId="Web-{F2DFAB1C-6746-3C58-BE55-59840E727156}" dt="2025-03-24T14:37:00.556" v="37"/>
+          <pc:sldLayoutMkLst>
+            <pc:docMk/>
+            <pc:sldMasterMk cId="3097924602" sldId="2147483722"/>
+            <pc:sldLayoutMk cId="2473140465" sldId="2147483712"/>
+          </pc:sldLayoutMkLst>
+        </pc:sldLayoutChg>
+        <pc:sldLayoutChg chg="add del">
+          <pc:chgData name="Sam De Wispelaere" userId="S::r0986076@student.vives.be::e9ee75a4-3b98-416e-a358-897d61f9ac81" providerId="AD" clId="Web-{F2DFAB1C-6746-3C58-BE55-59840E727156}" dt="2025-03-24T14:37:00.556" v="37"/>
+          <pc:sldLayoutMkLst>
+            <pc:docMk/>
+            <pc:sldMasterMk cId="3097924602" sldId="2147483722"/>
+            <pc:sldLayoutMk cId="1875554910" sldId="2147483713"/>
+          </pc:sldLayoutMkLst>
+        </pc:sldLayoutChg>
+        <pc:sldLayoutChg chg="add del">
+          <pc:chgData name="Sam De Wispelaere" userId="S::r0986076@student.vives.be::e9ee75a4-3b98-416e-a358-897d61f9ac81" providerId="AD" clId="Web-{F2DFAB1C-6746-3C58-BE55-59840E727156}" dt="2025-03-24T14:37:00.556" v="37"/>
+          <pc:sldLayoutMkLst>
+            <pc:docMk/>
+            <pc:sldMasterMk cId="3097924602" sldId="2147483722"/>
+            <pc:sldLayoutMk cId="1953264964" sldId="2147483714"/>
+          </pc:sldLayoutMkLst>
+        </pc:sldLayoutChg>
+        <pc:sldLayoutChg chg="add del">
+          <pc:chgData name="Sam De Wispelaere" userId="S::r0986076@student.vives.be::e9ee75a4-3b98-416e-a358-897d61f9ac81" providerId="AD" clId="Web-{F2DFAB1C-6746-3C58-BE55-59840E727156}" dt="2025-03-24T14:37:00.556" v="37"/>
+          <pc:sldLayoutMkLst>
+            <pc:docMk/>
+            <pc:sldMasterMk cId="3097924602" sldId="2147483722"/>
+            <pc:sldLayoutMk cId="2139931613" sldId="2147483715"/>
+          </pc:sldLayoutMkLst>
+        </pc:sldLayoutChg>
+        <pc:sldLayoutChg chg="add del">
+          <pc:chgData name="Sam De Wispelaere" userId="S::r0986076@student.vives.be::e9ee75a4-3b98-416e-a358-897d61f9ac81" providerId="AD" clId="Web-{F2DFAB1C-6746-3C58-BE55-59840E727156}" dt="2025-03-24T14:37:00.556" v="37"/>
+          <pc:sldLayoutMkLst>
+            <pc:docMk/>
+            <pc:sldMasterMk cId="3097924602" sldId="2147483722"/>
+            <pc:sldLayoutMk cId="1512371093" sldId="2147483716"/>
+          </pc:sldLayoutMkLst>
+        </pc:sldLayoutChg>
+        <pc:sldLayoutChg chg="add del">
+          <pc:chgData name="Sam De Wispelaere" userId="S::r0986076@student.vives.be::e9ee75a4-3b98-416e-a358-897d61f9ac81" providerId="AD" clId="Web-{F2DFAB1C-6746-3C58-BE55-59840E727156}" dt="2025-03-24T14:37:00.556" v="37"/>
+          <pc:sldLayoutMkLst>
+            <pc:docMk/>
+            <pc:sldMasterMk cId="3097924602" sldId="2147483722"/>
+            <pc:sldLayoutMk cId="3013653960" sldId="2147483717"/>
+          </pc:sldLayoutMkLst>
+        </pc:sldLayoutChg>
+        <pc:sldLayoutChg chg="add del">
+          <pc:chgData name="Sam De Wispelaere" userId="S::r0986076@student.vives.be::e9ee75a4-3b98-416e-a358-897d61f9ac81" providerId="AD" clId="Web-{F2DFAB1C-6746-3C58-BE55-59840E727156}" dt="2025-03-24T14:37:00.556" v="37"/>
+          <pc:sldLayoutMkLst>
+            <pc:docMk/>
+            <pc:sldMasterMk cId="3097924602" sldId="2147483722"/>
+            <pc:sldLayoutMk cId="239127920" sldId="2147483718"/>
+          </pc:sldLayoutMkLst>
+        </pc:sldLayoutChg>
+        <pc:sldLayoutChg chg="add del">
+          <pc:chgData name="Sam De Wispelaere" userId="S::r0986076@student.vives.be::e9ee75a4-3b98-416e-a358-897d61f9ac81" providerId="AD" clId="Web-{F2DFAB1C-6746-3C58-BE55-59840E727156}" dt="2025-03-24T14:37:00.556" v="37"/>
+          <pc:sldLayoutMkLst>
+            <pc:docMk/>
+            <pc:sldMasterMk cId="3097924602" sldId="2147483722"/>
+            <pc:sldLayoutMk cId="4178908393" sldId="2147483719"/>
+          </pc:sldLayoutMkLst>
+        </pc:sldLayoutChg>
+        <pc:sldLayoutChg chg="add del">
+          <pc:chgData name="Sam De Wispelaere" userId="S::r0986076@student.vives.be::e9ee75a4-3b98-416e-a358-897d61f9ac81" providerId="AD" clId="Web-{F2DFAB1C-6746-3C58-BE55-59840E727156}" dt="2025-03-24T14:37:00.556" v="37"/>
+          <pc:sldLayoutMkLst>
+            <pc:docMk/>
+            <pc:sldMasterMk cId="3097924602" sldId="2147483722"/>
+            <pc:sldLayoutMk cId="3303907473" sldId="2147483720"/>
+          </pc:sldLayoutMkLst>
+        </pc:sldLayoutChg>
+        <pc:sldLayoutChg chg="add del">
+          <pc:chgData name="Sam De Wispelaere" userId="S::r0986076@student.vives.be::e9ee75a4-3b98-416e-a358-897d61f9ac81" providerId="AD" clId="Web-{F2DFAB1C-6746-3C58-BE55-59840E727156}" dt="2025-03-24T14:37:00.556" v="37"/>
+          <pc:sldLayoutMkLst>
+            <pc:docMk/>
+            <pc:sldMasterMk cId="3097924602" sldId="2147483722"/>
+            <pc:sldLayoutMk cId="2272018120" sldId="2147483721"/>
+          </pc:sldLayoutMkLst>
+        </pc:sldLayoutChg>
+      </pc:sldMasterChg>
+    </pc:docChg>
+  </pc:docChgLst>
+</pc:chgInfo>
+</file>
+
 <file path=ppt/slideLayouts/slideLayout1.xml><?xml version="1.0" encoding="utf-8"?>
 <p:sldLayout xmlns:a="http://schemas.openxmlformats.org/drawingml/2006/main" xmlns:r="http://schemas.openxmlformats.org/officeDocument/2006/relationships" xmlns:p="http://schemas.openxmlformats.org/presentationml/2006/main" type="title" preserve="1">
   <p:cSld name="Titeldia">
@@ -261,7 +976,7 @@
           <a:p>
             <a:fld id="{C5CC8023-CF4E-4A1F-BCFB-3133EBC3D918}" type="datetimeFigureOut">
               <a:rPr lang="nl-BE" smtClean="0"/>
-              <a:t>23/03/2025</a:t>
+              <a:t>24/03/2025</a:t>
             </a:fld>
             <a:endParaRPr lang="nl-BE"/>
           </a:p>
@@ -461,7 +1176,7 @@
           <a:p>
             <a:fld id="{C5CC8023-CF4E-4A1F-BCFB-3133EBC3D918}" type="datetimeFigureOut">
               <a:rPr lang="nl-BE" smtClean="0"/>
-              <a:t>23/03/2025</a:t>
+              <a:t>24/03/2025</a:t>
             </a:fld>
             <a:endParaRPr lang="nl-BE"/>
           </a:p>
@@ -671,7 +1386,7 @@
           <a:p>
             <a:fld id="{C5CC8023-CF4E-4A1F-BCFB-3133EBC3D918}" type="datetimeFigureOut">
               <a:rPr lang="nl-BE" smtClean="0"/>
-              <a:t>23/03/2025</a:t>
+              <a:t>24/03/2025</a:t>
             </a:fld>
             <a:endParaRPr lang="nl-BE"/>
           </a:p>
@@ -871,7 +1586,7 @@
           <a:p>
             <a:fld id="{C5CC8023-CF4E-4A1F-BCFB-3133EBC3D918}" type="datetimeFigureOut">
               <a:rPr lang="nl-BE" smtClean="0"/>
-              <a:t>23/03/2025</a:t>
+              <a:t>24/03/2025</a:t>
             </a:fld>
             <a:endParaRPr lang="nl-BE"/>
           </a:p>
@@ -1147,7 +1862,7 @@
           <a:p>
             <a:fld id="{C5CC8023-CF4E-4A1F-BCFB-3133EBC3D918}" type="datetimeFigureOut">
               <a:rPr lang="nl-BE" smtClean="0"/>
-              <a:t>23/03/2025</a:t>
+              <a:t>24/03/2025</a:t>
             </a:fld>
             <a:endParaRPr lang="nl-BE"/>
           </a:p>
@@ -1415,7 +2130,7 @@
           <a:p>
             <a:fld id="{C5CC8023-CF4E-4A1F-BCFB-3133EBC3D918}" type="datetimeFigureOut">
               <a:rPr lang="nl-BE" smtClean="0"/>
-              <a:t>23/03/2025</a:t>
+              <a:t>24/03/2025</a:t>
             </a:fld>
             <a:endParaRPr lang="nl-BE"/>
           </a:p>
@@ -1830,7 +2545,7 @@
           <a:p>
             <a:fld id="{C5CC8023-CF4E-4A1F-BCFB-3133EBC3D918}" type="datetimeFigureOut">
               <a:rPr lang="nl-BE" smtClean="0"/>
-              <a:t>23/03/2025</a:t>
+              <a:t>24/03/2025</a:t>
             </a:fld>
             <a:endParaRPr lang="nl-BE"/>
           </a:p>
@@ -1972,7 +2687,7 @@
           <a:p>
             <a:fld id="{C5CC8023-CF4E-4A1F-BCFB-3133EBC3D918}" type="datetimeFigureOut">
               <a:rPr lang="nl-BE" smtClean="0"/>
-              <a:t>23/03/2025</a:t>
+              <a:t>24/03/2025</a:t>
             </a:fld>
             <a:endParaRPr lang="nl-BE"/>
           </a:p>
@@ -2085,7 +2800,7 @@
           <a:p>
             <a:fld id="{C5CC8023-CF4E-4A1F-BCFB-3133EBC3D918}" type="datetimeFigureOut">
               <a:rPr lang="nl-BE" smtClean="0"/>
-              <a:t>23/03/2025</a:t>
+              <a:t>24/03/2025</a:t>
             </a:fld>
             <a:endParaRPr lang="nl-BE"/>
           </a:p>
@@ -2398,7 +3113,7 @@
           <a:p>
             <a:fld id="{C5CC8023-CF4E-4A1F-BCFB-3133EBC3D918}" type="datetimeFigureOut">
               <a:rPr lang="nl-BE" smtClean="0"/>
-              <a:t>23/03/2025</a:t>
+              <a:t>24/03/2025</a:t>
             </a:fld>
             <a:endParaRPr lang="nl-BE"/>
           </a:p>
@@ -2687,7 +3402,7 @@
           <a:p>
             <a:fld id="{C5CC8023-CF4E-4A1F-BCFB-3133EBC3D918}" type="datetimeFigureOut">
               <a:rPr lang="nl-BE" smtClean="0"/>
-              <a:t>23/03/2025</a:t>
+              <a:t>24/03/2025</a:t>
             </a:fld>
             <a:endParaRPr lang="nl-BE"/>
           </a:p>
@@ -2930,7 +3645,7 @@
           <a:p>
             <a:fld id="{C5CC8023-CF4E-4A1F-BCFB-3133EBC3D918}" type="datetimeFigureOut">
               <a:rPr lang="nl-BE" smtClean="0"/>
-              <a:t>23/03/2025</a:t>
+              <a:t>24/03/2025</a:t>
             </a:fld>
             <a:endParaRPr lang="nl-BE"/>
           </a:p>
@@ -3349,51 +4064,137 @@
       </p:grpSpPr>
       <p:sp>
         <p:nvSpPr>
-          <p:cNvPr id="2" name="Titel 1">
-            <a:extLst>
-              <a:ext uri="{FF2B5EF4-FFF2-40B4-BE49-F238E27FC236}">
-                <a16:creationId xmlns:a16="http://schemas.microsoft.com/office/drawing/2014/main" id="{CCB66148-232A-4279-84DE-CF69E63D92C8}"/>
-              </a:ext>
-            </a:extLst>
-          </p:cNvPr>
-          <p:cNvSpPr>
-            <a:spLocks noGrp="1"/>
-          </p:cNvSpPr>
-          <p:nvPr>
-            <p:ph type="ctrTitle"/>
-          </p:nvPr>
-        </p:nvSpPr>
-        <p:spPr/>
-        <p:txBody>
-          <a:bodyPr/>
-          <a:lstStyle/>
-          <a:p>
-            <a:endParaRPr lang="nl-BE"/>
-          </a:p>
-        </p:txBody>
-      </p:sp>
-      <p:sp>
-        <p:nvSpPr>
-          <p:cNvPr id="3" name="Ondertitel 2">
-            <a:extLst>
-              <a:ext uri="{FF2B5EF4-FFF2-40B4-BE49-F238E27FC236}">
-                <a16:creationId xmlns:a16="http://schemas.microsoft.com/office/drawing/2014/main" id="{504B3B01-EFA9-44B8-A7D0-F7C7F6D43E9E}"/>
-              </a:ext>
-            </a:extLst>
-          </p:cNvPr>
-          <p:cNvSpPr>
-            <a:spLocks noGrp="1"/>
-          </p:cNvSpPr>
-          <p:nvPr>
-            <p:ph type="subTitle" idx="1"/>
-          </p:nvPr>
-        </p:nvSpPr>
-        <p:spPr/>
-        <p:txBody>
-          <a:bodyPr/>
-          <a:lstStyle/>
-          <a:p>
-            <a:endParaRPr lang="nl-BE"/>
+          <p:cNvPr id="6" name="Tekstvak 5">
+            <a:extLst>
+              <a:ext uri="{FF2B5EF4-FFF2-40B4-BE49-F238E27FC236}">
+                <a16:creationId xmlns:a16="http://schemas.microsoft.com/office/drawing/2014/main" id="{FC3E0FB7-59DA-56C6-51AD-4CA40AB4462E}"/>
+              </a:ext>
+            </a:extLst>
+          </p:cNvPr>
+          <p:cNvSpPr txBox="1"/>
+          <p:nvPr/>
+        </p:nvSpPr>
+        <p:spPr>
+          <a:xfrm>
+            <a:off x="-6474" y="-3304"/>
+            <a:ext cx="12198473" cy="769441"/>
+          </a:xfrm>
+          <a:prstGeom prst="rect">
+            <a:avLst/>
+          </a:prstGeom>
+          <a:noFill/>
+        </p:spPr>
+        <p:txBody>
+          <a:bodyPr rot="0" spcFirstLastPara="0" vertOverflow="overflow" horzOverflow="overflow" vert="horz" wrap="square" lIns="91440" tIns="45720" rIns="91440" bIns="45720" numCol="1" spcCol="0" rtlCol="0" fromWordArt="0" anchor="t" anchorCtr="0" forceAA="0" compatLnSpc="1">
+            <a:prstTxWarp prst="textNoShape">
+              <a:avLst/>
+            </a:prstTxWarp>
+            <a:spAutoFit/>
+          </a:bodyPr>
+          <a:lstStyle/>
+          <a:p>
+            <a:pPr algn="ctr"/>
+            <a:r>
+              <a:rPr lang="nl-NL" sz="4400" b="1" dirty="0">
+                <a:latin typeface="Calibri"/>
+                <a:ea typeface="Calibri"/>
+                <a:cs typeface="Calibri"/>
+              </a:rPr>
+              <a:t>Trap The Cat</a:t>
+            </a:r>
+            <a:endParaRPr lang="nl-NL" sz="3200" b="1">
+              <a:latin typeface="Calibri Light"/>
+              <a:ea typeface="Calibri" panose="020F0502020204030204"/>
+              <a:cs typeface="Calibri" panose="020F0502020204030204"/>
+            </a:endParaRPr>
+          </a:p>
+        </p:txBody>
+      </p:sp>
+      <p:pic>
+        <p:nvPicPr>
+          <p:cNvPr id="2" name="Afbeelding 1">
+            <a:extLst>
+              <a:ext uri="{FF2B5EF4-FFF2-40B4-BE49-F238E27FC236}">
+                <a16:creationId xmlns:a16="http://schemas.microsoft.com/office/drawing/2014/main" id="{2A08E0DB-00DD-1E4B-E04F-DB99FFA20107}"/>
+              </a:ext>
+            </a:extLst>
+          </p:cNvPr>
+          <p:cNvPicPr>
+            <a:picLocks noChangeAspect="1"/>
+          </p:cNvPicPr>
+          <p:nvPr/>
+        </p:nvPicPr>
+        <p:blipFill>
+          <a:blip r:embed="rId2"/>
+          <a:srcRect l="10025" t="3163" r="12995" b="3163"/>
+          <a:stretch/>
+        </p:blipFill>
+        <p:spPr>
+          <a:xfrm>
+            <a:off x="3201786" y="1319815"/>
+            <a:ext cx="5992963" cy="5135109"/>
+          </a:xfrm>
+          <a:prstGeom prst="rect">
+            <a:avLst/>
+          </a:prstGeom>
+        </p:spPr>
+      </p:pic>
+      <p:sp>
+        <p:nvSpPr>
+          <p:cNvPr id="3" name="Tekstvak 2">
+            <a:extLst>
+              <a:ext uri="{FF2B5EF4-FFF2-40B4-BE49-F238E27FC236}">
+                <a16:creationId xmlns:a16="http://schemas.microsoft.com/office/drawing/2014/main" id="{207ECF3A-61ED-7AF4-F966-6C82D00D5879}"/>
+              </a:ext>
+            </a:extLst>
+          </p:cNvPr>
+          <p:cNvSpPr txBox="1"/>
+          <p:nvPr/>
+        </p:nvSpPr>
+        <p:spPr>
+          <a:xfrm>
+            <a:off x="684174" y="2963567"/>
+            <a:ext cx="2265123" cy="923330"/>
+          </a:xfrm>
+          <a:prstGeom prst="rect">
+            <a:avLst/>
+          </a:prstGeom>
+          <a:noFill/>
+        </p:spPr>
+        <p:txBody>
+          <a:bodyPr rot="0" spcFirstLastPara="0" vertOverflow="overflow" horzOverflow="overflow" vert="horz" wrap="square" lIns="91440" tIns="45720" rIns="91440" bIns="45720" numCol="1" spcCol="0" rtlCol="0" fromWordArt="0" anchor="t" anchorCtr="0" forceAA="0" compatLnSpc="1">
+            <a:prstTxWarp prst="textNoShape">
+              <a:avLst/>
+            </a:prstTxWarp>
+            <a:spAutoFit/>
+          </a:bodyPr>
+          <a:lstStyle/>
+          <a:p>
+            <a:r>
+              <a:rPr lang="nl-NL" dirty="0">
+                <a:ea typeface="Calibri"/>
+                <a:cs typeface="Calibri"/>
+              </a:rPr>
+              <a:t>By :</a:t>
+            </a:r>
+          </a:p>
+          <a:p>
+            <a:r>
+              <a:rPr lang="nl-NL" dirty="0">
+                <a:ea typeface="Calibri"/>
+                <a:cs typeface="Calibri"/>
+              </a:rPr>
+              <a:t>Sam De Wispelaere</a:t>
+            </a:r>
+          </a:p>
+          <a:p>
+            <a:r>
+              <a:rPr lang="nl-NL" dirty="0">
+                <a:ea typeface="Calibri"/>
+                <a:cs typeface="Calibri"/>
+              </a:rPr>
+              <a:t>Joren Vandewalle</a:t>
+            </a:r>
           </a:p>
         </p:txBody>
       </p:sp>
@@ -3401,6 +4202,1035 @@
     <p:extLst>
       <p:ext uri="{BB962C8B-B14F-4D97-AF65-F5344CB8AC3E}">
         <p14:creationId xmlns:p14="http://schemas.microsoft.com/office/powerpoint/2010/main" val="1383005855"/>
+      </p:ext>
+    </p:extLst>
+  </p:cSld>
+  <p:clrMapOvr>
+    <a:masterClrMapping/>
+  </p:clrMapOvr>
+</p:sld>
+</file>
+
+<file path=ppt/slides/slide2.xml><?xml version="1.0" encoding="utf-8"?>
+<p:sld xmlns:a="http://schemas.openxmlformats.org/drawingml/2006/main" xmlns:r="http://schemas.openxmlformats.org/officeDocument/2006/relationships" xmlns:p="http://schemas.openxmlformats.org/presentationml/2006/main">
+  <p:cSld>
+    <p:spTree>
+      <p:nvGrpSpPr>
+        <p:cNvPr id="1" name=""/>
+        <p:cNvGrpSpPr/>
+        <p:nvPr/>
+      </p:nvGrpSpPr>
+      <p:grpSpPr>
+        <a:xfrm>
+          <a:off x="0" y="0"/>
+          <a:ext cx="0" cy="0"/>
+          <a:chOff x="0" y="0"/>
+          <a:chExt cx="0" cy="0"/>
+        </a:xfrm>
+      </p:grpSpPr>
+      <p:sp>
+        <p:nvSpPr>
+          <p:cNvPr id="4" name="Tekstvak 3">
+            <a:extLst>
+              <a:ext uri="{FF2B5EF4-FFF2-40B4-BE49-F238E27FC236}">
+                <a16:creationId xmlns:a16="http://schemas.microsoft.com/office/drawing/2014/main" id="{A889BA1A-64DE-A483-2A92-833D7F6DD75E}"/>
+              </a:ext>
+            </a:extLst>
+          </p:cNvPr>
+          <p:cNvSpPr txBox="1"/>
+          <p:nvPr/>
+        </p:nvSpPr>
+        <p:spPr>
+          <a:xfrm>
+            <a:off x="0" y="-20877"/>
+            <a:ext cx="12192000" cy="707886"/>
+          </a:xfrm>
+          <a:prstGeom prst="rect">
+            <a:avLst/>
+          </a:prstGeom>
+          <a:noFill/>
+        </p:spPr>
+        <p:txBody>
+          <a:bodyPr rot="0" spcFirstLastPara="0" vertOverflow="overflow" horzOverflow="overflow" vert="horz" wrap="square" lIns="91440" tIns="45720" rIns="91440" bIns="45720" numCol="1" spcCol="0" rtlCol="0" fromWordArt="0" anchor="t" anchorCtr="0" forceAA="0" compatLnSpc="1">
+            <a:prstTxWarp prst="textNoShape">
+              <a:avLst/>
+            </a:prstTxWarp>
+            <a:spAutoFit/>
+          </a:bodyPr>
+          <a:lstStyle/>
+          <a:p>
+            <a:pPr algn="ctr"/>
+            <a:r>
+              <a:rPr lang="nl-NL" sz="4000" b="1" dirty="0">
+                <a:ea typeface="Calibri"/>
+                <a:cs typeface="Calibri"/>
+              </a:rPr>
+              <a:t>Doelstelling</a:t>
+            </a:r>
+          </a:p>
+        </p:txBody>
+      </p:sp>
+      <p:sp>
+        <p:nvSpPr>
+          <p:cNvPr id="6" name="Tekstvak 5">
+            <a:extLst>
+              <a:ext uri="{FF2B5EF4-FFF2-40B4-BE49-F238E27FC236}">
+                <a16:creationId xmlns:a16="http://schemas.microsoft.com/office/drawing/2014/main" id="{901EDD76-B13E-F571-DD21-2771F2627802}"/>
+              </a:ext>
+            </a:extLst>
+          </p:cNvPr>
+          <p:cNvSpPr txBox="1"/>
+          <p:nvPr/>
+        </p:nvSpPr>
+        <p:spPr>
+          <a:xfrm>
+            <a:off x="835068" y="1179534"/>
+            <a:ext cx="4070958" cy="400110"/>
+          </a:xfrm>
+          <a:prstGeom prst="rect">
+            <a:avLst/>
+          </a:prstGeom>
+          <a:noFill/>
+        </p:spPr>
+        <p:txBody>
+          <a:bodyPr rot="0" spcFirstLastPara="0" vertOverflow="overflow" horzOverflow="overflow" vert="horz" wrap="square" lIns="91440" tIns="45720" rIns="91440" bIns="45720" numCol="1" spcCol="0" rtlCol="0" fromWordArt="0" anchor="t" anchorCtr="0" forceAA="0" compatLnSpc="1">
+            <a:prstTxWarp prst="textNoShape">
+              <a:avLst/>
+            </a:prstTxWarp>
+            <a:spAutoFit/>
+          </a:bodyPr>
+          <a:lstStyle/>
+          <a:p>
+            <a:r>
+              <a:rPr lang="nl-NL" sz="2000" b="1" dirty="0">
+                <a:ea typeface="Calibri"/>
+                <a:cs typeface="Calibri"/>
+              </a:rPr>
+              <a:t>Hooftdoelstellingen :</a:t>
+            </a:r>
+            <a:endParaRPr lang="nl-NL" sz="2000" b="1" dirty="0"/>
+          </a:p>
+        </p:txBody>
+      </p:sp>
+      <p:sp>
+        <p:nvSpPr>
+          <p:cNvPr id="7" name="Tekstvak 6">
+            <a:extLst>
+              <a:ext uri="{FF2B5EF4-FFF2-40B4-BE49-F238E27FC236}">
+                <a16:creationId xmlns:a16="http://schemas.microsoft.com/office/drawing/2014/main" id="{5E0EB798-7206-64F8-2E54-C180D414F540}"/>
+              </a:ext>
+            </a:extLst>
+          </p:cNvPr>
+          <p:cNvSpPr txBox="1"/>
+          <p:nvPr/>
+        </p:nvSpPr>
+        <p:spPr>
+          <a:xfrm>
+            <a:off x="835067" y="3726492"/>
+            <a:ext cx="4070958" cy="400110"/>
+          </a:xfrm>
+          <a:prstGeom prst="rect">
+            <a:avLst/>
+          </a:prstGeom>
+          <a:noFill/>
+        </p:spPr>
+        <p:txBody>
+          <a:bodyPr rot="0" spcFirstLastPara="0" vertOverflow="overflow" horzOverflow="overflow" vert="horz" wrap="square" lIns="91440" tIns="45720" rIns="91440" bIns="45720" numCol="1" spcCol="0" rtlCol="0" fromWordArt="0" anchor="t" anchorCtr="0" forceAA="0" compatLnSpc="1">
+            <a:prstTxWarp prst="textNoShape">
+              <a:avLst/>
+            </a:prstTxWarp>
+            <a:spAutoFit/>
+          </a:bodyPr>
+          <a:lstStyle/>
+          <a:p>
+            <a:r>
+              <a:rPr lang="nl-NL" sz="2000" b="1" dirty="0">
+                <a:ea typeface="Calibri"/>
+                <a:cs typeface="Calibri"/>
+              </a:rPr>
+              <a:t>Subdoelstellingen :</a:t>
+            </a:r>
+            <a:endParaRPr lang="nl-NL" sz="2000" b="1" dirty="0"/>
+          </a:p>
+        </p:txBody>
+      </p:sp>
+      <p:sp>
+        <p:nvSpPr>
+          <p:cNvPr id="9" name="Tekstvak 8">
+            <a:extLst>
+              <a:ext uri="{FF2B5EF4-FFF2-40B4-BE49-F238E27FC236}">
+                <a16:creationId xmlns:a16="http://schemas.microsoft.com/office/drawing/2014/main" id="{FDE4E7C7-3505-81BD-1DE2-9A94A9155FD4}"/>
+              </a:ext>
+            </a:extLst>
+          </p:cNvPr>
+          <p:cNvSpPr txBox="1"/>
+          <p:nvPr/>
+        </p:nvSpPr>
+        <p:spPr>
+          <a:xfrm>
+            <a:off x="1127343" y="1544876"/>
+            <a:ext cx="3121068" cy="1200329"/>
+          </a:xfrm>
+          <a:prstGeom prst="rect">
+            <a:avLst/>
+          </a:prstGeom>
+          <a:noFill/>
+        </p:spPr>
+        <p:txBody>
+          <a:bodyPr rot="0" spcFirstLastPara="0" vertOverflow="overflow" horzOverflow="overflow" vert="horz" wrap="square" lIns="91440" tIns="45720" rIns="91440" bIns="45720" numCol="1" spcCol="0" rtlCol="0" fromWordArt="0" anchor="t" anchorCtr="0" forceAA="0" compatLnSpc="1">
+            <a:prstTxWarp prst="textNoShape">
+              <a:avLst/>
+            </a:prstTxWarp>
+            <a:spAutoFit/>
+          </a:bodyPr>
+          <a:lstStyle/>
+          <a:p>
+            <a:pPr marL="285750" indent="-285750">
+              <a:buFont typeface="Calibri"/>
+              <a:buChar char="-"/>
+            </a:pPr>
+            <a:r>
+              <a:rPr lang="nl-NL" dirty="0">
+                <a:ea typeface="Calibri"/>
+                <a:cs typeface="Calibri"/>
+              </a:rPr>
+              <a:t>Maak game</a:t>
+            </a:r>
+          </a:p>
+          <a:p>
+            <a:pPr marL="285750" indent="-285750">
+              <a:buFont typeface="Calibri"/>
+              <a:buChar char="-"/>
+            </a:pPr>
+            <a:r>
+              <a:rPr lang="nl-NL" dirty="0">
+                <a:ea typeface="Calibri"/>
+                <a:cs typeface="Calibri"/>
+              </a:rPr>
+              <a:t>Algoritme Cat</a:t>
+            </a:r>
+          </a:p>
+          <a:p>
+            <a:pPr marL="285750" indent="-285750">
+              <a:buFont typeface="Calibri"/>
+              <a:buChar char="-"/>
+            </a:pPr>
+            <a:r>
+              <a:rPr lang="nl-NL" dirty="0">
+                <a:ea typeface="Calibri"/>
+                <a:cs typeface="Calibri"/>
+              </a:rPr>
+              <a:t>Catch </a:t>
+            </a:r>
+            <a:r>
+              <a:rPr lang="nl-NL" dirty="0" err="1">
+                <a:ea typeface="Calibri"/>
+                <a:cs typeface="Calibri"/>
+              </a:rPr>
+              <a:t>the</a:t>
+            </a:r>
+            <a:r>
+              <a:rPr lang="nl-NL" dirty="0">
+                <a:ea typeface="Calibri"/>
+                <a:cs typeface="Calibri"/>
+              </a:rPr>
+              <a:t> Cat ( ML )</a:t>
+            </a:r>
+          </a:p>
+          <a:p>
+            <a:pPr marL="285750" indent="-285750">
+              <a:buFont typeface="Calibri"/>
+              <a:buChar char="-"/>
+            </a:pPr>
+            <a:endParaRPr lang="nl-NL" dirty="0">
+              <a:ea typeface="Calibri"/>
+              <a:cs typeface="Calibri"/>
+            </a:endParaRPr>
+          </a:p>
+        </p:txBody>
+      </p:sp>
+      <p:sp>
+        <p:nvSpPr>
+          <p:cNvPr id="11" name="Tekstvak 10">
+            <a:extLst>
+              <a:ext uri="{FF2B5EF4-FFF2-40B4-BE49-F238E27FC236}">
+                <a16:creationId xmlns:a16="http://schemas.microsoft.com/office/drawing/2014/main" id="{0DD6E799-E6EE-0D04-4D08-C15707FAB966}"/>
+              </a:ext>
+            </a:extLst>
+          </p:cNvPr>
+          <p:cNvSpPr txBox="1"/>
+          <p:nvPr/>
+        </p:nvSpPr>
+        <p:spPr>
+          <a:xfrm>
+            <a:off x="1127342" y="4123149"/>
+            <a:ext cx="3121068" cy="1200329"/>
+          </a:xfrm>
+          <a:prstGeom prst="rect">
+            <a:avLst/>
+          </a:prstGeom>
+          <a:noFill/>
+        </p:spPr>
+        <p:txBody>
+          <a:bodyPr rot="0" spcFirstLastPara="0" vertOverflow="overflow" horzOverflow="overflow" vert="horz" wrap="square" lIns="91440" tIns="45720" rIns="91440" bIns="45720" numCol="1" spcCol="0" rtlCol="0" fromWordArt="0" anchor="t" anchorCtr="0" forceAA="0" compatLnSpc="1">
+            <a:prstTxWarp prst="textNoShape">
+              <a:avLst/>
+            </a:prstTxWarp>
+            <a:spAutoFit/>
+          </a:bodyPr>
+          <a:lstStyle/>
+          <a:p>
+            <a:pPr marL="285750" indent="-285750">
+              <a:buFont typeface="Calibri"/>
+              <a:buChar char="-"/>
+            </a:pPr>
+            <a:r>
+              <a:rPr lang="nl-NL" dirty="0">
+                <a:ea typeface="Calibri"/>
+                <a:cs typeface="Calibri"/>
+              </a:rPr>
+              <a:t>Veld aanpassingen</a:t>
+            </a:r>
+          </a:p>
+          <a:p>
+            <a:pPr marL="285750" indent="-285750">
+              <a:buFont typeface="Calibri"/>
+              <a:buChar char="-"/>
+            </a:pPr>
+            <a:r>
+              <a:rPr lang="nl-NL" dirty="0">
+                <a:ea typeface="Calibri"/>
+                <a:cs typeface="Calibri"/>
+              </a:rPr>
+              <a:t>Catch </a:t>
+            </a:r>
+            <a:r>
+              <a:rPr lang="nl-NL" dirty="0" err="1">
+                <a:ea typeface="Calibri"/>
+                <a:cs typeface="Calibri"/>
+              </a:rPr>
+              <a:t>the</a:t>
+            </a:r>
+            <a:r>
+              <a:rPr lang="nl-NL" dirty="0">
+                <a:ea typeface="Calibri"/>
+                <a:cs typeface="Calibri"/>
+              </a:rPr>
+              <a:t> Cat ( Algoritme )</a:t>
+            </a:r>
+          </a:p>
+          <a:p>
+            <a:pPr marL="285750" indent="-285750">
+              <a:buFont typeface="Calibri"/>
+              <a:buChar char="-"/>
+            </a:pPr>
+            <a:r>
+              <a:rPr lang="nl-NL" dirty="0">
+                <a:ea typeface="Calibri"/>
+                <a:cs typeface="Calibri"/>
+              </a:rPr>
+              <a:t>Visueel weergeven</a:t>
+            </a:r>
+          </a:p>
+          <a:p>
+            <a:pPr marL="285750" indent="-285750">
+              <a:buFont typeface="Calibri"/>
+              <a:buChar char="-"/>
+            </a:pPr>
+            <a:endParaRPr lang="nl-NL" dirty="0">
+              <a:ea typeface="Calibri"/>
+              <a:cs typeface="Calibri"/>
+            </a:endParaRPr>
+          </a:p>
+        </p:txBody>
+      </p:sp>
+    </p:spTree>
+    <p:extLst>
+      <p:ext uri="{BB962C8B-B14F-4D97-AF65-F5344CB8AC3E}">
+        <p14:creationId xmlns:p14="http://schemas.microsoft.com/office/powerpoint/2010/main" val="2488136383"/>
+      </p:ext>
+    </p:extLst>
+  </p:cSld>
+  <p:clrMapOvr>
+    <a:masterClrMapping/>
+  </p:clrMapOvr>
+</p:sld>
+</file>
+
+<file path=ppt/slides/slide3.xml><?xml version="1.0" encoding="utf-8"?>
+<p:sld xmlns:a="http://schemas.openxmlformats.org/drawingml/2006/main" xmlns:r="http://schemas.openxmlformats.org/officeDocument/2006/relationships" xmlns:p="http://schemas.openxmlformats.org/presentationml/2006/main">
+  <p:cSld>
+    <p:spTree>
+      <p:nvGrpSpPr>
+        <p:cNvPr id="1" name=""/>
+        <p:cNvGrpSpPr/>
+        <p:nvPr/>
+      </p:nvGrpSpPr>
+      <p:grpSpPr>
+        <a:xfrm>
+          <a:off x="0" y="0"/>
+          <a:ext cx="0" cy="0"/>
+          <a:chOff x="0" y="0"/>
+          <a:chExt cx="0" cy="0"/>
+        </a:xfrm>
+      </p:grpSpPr>
+      <p:sp>
+        <p:nvSpPr>
+          <p:cNvPr id="4" name="Tekstvak 3">
+            <a:extLst>
+              <a:ext uri="{FF2B5EF4-FFF2-40B4-BE49-F238E27FC236}">
+                <a16:creationId xmlns:a16="http://schemas.microsoft.com/office/drawing/2014/main" id="{4D92B606-6B42-C684-0FA0-2DD926A8E319}"/>
+              </a:ext>
+            </a:extLst>
+          </p:cNvPr>
+          <p:cNvSpPr txBox="1"/>
+          <p:nvPr/>
+        </p:nvSpPr>
+        <p:spPr>
+          <a:xfrm>
+            <a:off x="0" y="10438"/>
+            <a:ext cx="12160684" cy="646331"/>
+          </a:xfrm>
+          <a:prstGeom prst="rect">
+            <a:avLst/>
+          </a:prstGeom>
+          <a:noFill/>
+        </p:spPr>
+        <p:txBody>
+          <a:bodyPr rot="0" spcFirstLastPara="0" vertOverflow="overflow" horzOverflow="overflow" vert="horz" wrap="square" lIns="91440" tIns="45720" rIns="91440" bIns="45720" numCol="1" spcCol="0" rtlCol="0" fromWordArt="0" anchor="t" anchorCtr="0" forceAA="0" compatLnSpc="1">
+            <a:prstTxWarp prst="textNoShape">
+              <a:avLst/>
+            </a:prstTxWarp>
+            <a:spAutoFit/>
+          </a:bodyPr>
+          <a:lstStyle/>
+          <a:p>
+            <a:pPr algn="ctr"/>
+            <a:r>
+              <a:rPr lang="nl-NL" sz="3600" b="1" dirty="0">
+                <a:ea typeface="Calibri"/>
+                <a:cs typeface="Calibri"/>
+              </a:rPr>
+              <a:t>The </a:t>
+            </a:r>
+            <a:r>
+              <a:rPr lang="nl-NL" sz="3600" b="1" err="1">
+                <a:ea typeface="Calibri"/>
+                <a:cs typeface="Calibri"/>
+              </a:rPr>
+              <a:t>cat</a:t>
+            </a:r>
+            <a:endParaRPr lang="nl-NL" sz="3600" dirty="0">
+              <a:ea typeface="Calibri"/>
+              <a:cs typeface="Calibri"/>
+            </a:endParaRPr>
+          </a:p>
+        </p:txBody>
+      </p:sp>
+      <p:pic>
+        <p:nvPicPr>
+          <p:cNvPr id="5" name="Afbeelding 4" descr="Afbeelding met tekst, schermopname, diagram, patroon&#10;&#10;Door AI gegenereerde inhoud is mogelijk onjuist.">
+            <a:extLst>
+              <a:ext uri="{FF2B5EF4-FFF2-40B4-BE49-F238E27FC236}">
+                <a16:creationId xmlns:a16="http://schemas.microsoft.com/office/drawing/2014/main" id="{BC9EC517-9906-71F8-EEB7-76FCA8C3C492}"/>
+              </a:ext>
+            </a:extLst>
+          </p:cNvPr>
+          <p:cNvPicPr>
+            <a:picLocks noChangeAspect="1"/>
+          </p:cNvPicPr>
+          <p:nvPr/>
+        </p:nvPicPr>
+        <p:blipFill>
+          <a:blip r:embed="rId2"/>
+          <a:srcRect l="26509" t="8938" r="394" b="337"/>
+          <a:stretch/>
+        </p:blipFill>
+        <p:spPr>
+          <a:xfrm>
+            <a:off x="5729583" y="751560"/>
+            <a:ext cx="5812689" cy="5615855"/>
+          </a:xfrm>
+          <a:prstGeom prst="rect">
+            <a:avLst/>
+          </a:prstGeom>
+        </p:spPr>
+      </p:pic>
+      <p:sp>
+        <p:nvSpPr>
+          <p:cNvPr id="6" name="Tekstvak 5">
+            <a:extLst>
+              <a:ext uri="{FF2B5EF4-FFF2-40B4-BE49-F238E27FC236}">
+                <a16:creationId xmlns:a16="http://schemas.microsoft.com/office/drawing/2014/main" id="{19FEA7B4-26CE-803F-D412-4654AA90A7B1}"/>
+              </a:ext>
+            </a:extLst>
+          </p:cNvPr>
+          <p:cNvSpPr txBox="1"/>
+          <p:nvPr/>
+        </p:nvSpPr>
+        <p:spPr>
+          <a:xfrm>
+            <a:off x="521918" y="960329"/>
+            <a:ext cx="3956136" cy="369332"/>
+          </a:xfrm>
+          <a:prstGeom prst="rect">
+            <a:avLst/>
+          </a:prstGeom>
+          <a:noFill/>
+        </p:spPr>
+        <p:txBody>
+          <a:bodyPr rot="0" spcFirstLastPara="0" vertOverflow="overflow" horzOverflow="overflow" vert="horz" wrap="square" lIns="91440" tIns="45720" rIns="91440" bIns="45720" numCol="1" spcCol="0" rtlCol="0" fromWordArt="0" anchor="t" anchorCtr="0" forceAA="0" compatLnSpc="1">
+            <a:prstTxWarp prst="textNoShape">
+              <a:avLst/>
+            </a:prstTxWarp>
+            <a:spAutoFit/>
+          </a:bodyPr>
+          <a:lstStyle/>
+          <a:p>
+            <a:r>
+              <a:rPr lang="nl-NL" b="1" dirty="0">
+                <a:ea typeface="Calibri" panose="020F0502020204030204"/>
+                <a:cs typeface="Calibri" panose="020F0502020204030204"/>
+              </a:rPr>
+              <a:t>Doel :</a:t>
+            </a:r>
+            <a:endParaRPr lang="nl-NL" b="1" dirty="0"/>
+          </a:p>
+        </p:txBody>
+      </p:sp>
+      <p:sp>
+        <p:nvSpPr>
+          <p:cNvPr id="9" name="Tekstvak 8">
+            <a:extLst>
+              <a:ext uri="{FF2B5EF4-FFF2-40B4-BE49-F238E27FC236}">
+                <a16:creationId xmlns:a16="http://schemas.microsoft.com/office/drawing/2014/main" id="{E17009D8-F027-A8B8-CE46-C40B7C64608D}"/>
+              </a:ext>
+            </a:extLst>
+          </p:cNvPr>
+          <p:cNvSpPr txBox="1"/>
+          <p:nvPr/>
+        </p:nvSpPr>
+        <p:spPr>
+          <a:xfrm>
+            <a:off x="814192" y="1325670"/>
+            <a:ext cx="3121068" cy="1200329"/>
+          </a:xfrm>
+          <a:prstGeom prst="rect">
+            <a:avLst/>
+          </a:prstGeom>
+          <a:noFill/>
+        </p:spPr>
+        <p:txBody>
+          <a:bodyPr rot="0" spcFirstLastPara="0" vertOverflow="overflow" horzOverflow="overflow" vert="horz" wrap="square" lIns="91440" tIns="45720" rIns="91440" bIns="45720" numCol="1" spcCol="0" rtlCol="0" fromWordArt="0" anchor="t" anchorCtr="0" forceAA="0" compatLnSpc="1">
+            <a:prstTxWarp prst="textNoShape">
+              <a:avLst/>
+            </a:prstTxWarp>
+            <a:spAutoFit/>
+          </a:bodyPr>
+          <a:lstStyle/>
+          <a:p>
+            <a:pPr marL="285750" indent="-285750">
+              <a:buFont typeface="Calibri"/>
+              <a:buChar char="-"/>
+            </a:pPr>
+            <a:r>
+              <a:rPr lang="nl-NL" dirty="0">
+                <a:ea typeface="Calibri"/>
+                <a:cs typeface="Calibri"/>
+              </a:rPr>
+              <a:t>Ontsnap</a:t>
+            </a:r>
+          </a:p>
+          <a:p>
+            <a:pPr marL="285750" indent="-285750">
+              <a:buFont typeface="Calibri"/>
+              <a:buChar char="-"/>
+            </a:pPr>
+            <a:r>
+              <a:rPr lang="nl-NL" dirty="0" err="1">
+                <a:ea typeface="Calibri"/>
+                <a:cs typeface="Calibri"/>
+              </a:rPr>
+              <a:t>Hex</a:t>
+            </a:r>
+            <a:r>
+              <a:rPr lang="nl-NL" dirty="0">
+                <a:ea typeface="Calibri"/>
+                <a:cs typeface="Calibri"/>
+              </a:rPr>
+              <a:t> Veld</a:t>
+            </a:r>
+          </a:p>
+          <a:p>
+            <a:pPr marL="285750" indent="-285750">
+              <a:buFont typeface="Calibri"/>
+              <a:buChar char="-"/>
+            </a:pPr>
+            <a:r>
+              <a:rPr lang="nl-NL" dirty="0">
+                <a:ea typeface="Calibri"/>
+                <a:cs typeface="Calibri"/>
+              </a:rPr>
+              <a:t>Aanliggende vakken</a:t>
+            </a:r>
+          </a:p>
+          <a:p>
+            <a:pPr marL="285750" indent="-285750">
+              <a:buFont typeface="Calibri"/>
+              <a:buChar char="-"/>
+            </a:pPr>
+            <a:endParaRPr lang="nl-NL" dirty="0">
+              <a:ea typeface="Calibri"/>
+              <a:cs typeface="Calibri"/>
+            </a:endParaRPr>
+          </a:p>
+        </p:txBody>
+      </p:sp>
+      <p:sp>
+        <p:nvSpPr>
+          <p:cNvPr id="10" name="Tekstvak 9">
+            <a:extLst>
+              <a:ext uri="{FF2B5EF4-FFF2-40B4-BE49-F238E27FC236}">
+                <a16:creationId xmlns:a16="http://schemas.microsoft.com/office/drawing/2014/main" id="{A52EFED8-AE28-C87E-3EE2-1606E9B95768}"/>
+              </a:ext>
+            </a:extLst>
+          </p:cNvPr>
+          <p:cNvSpPr txBox="1"/>
+          <p:nvPr/>
+        </p:nvSpPr>
+        <p:spPr>
+          <a:xfrm>
+            <a:off x="525273" y="2761814"/>
+            <a:ext cx="2657928" cy="369332"/>
+          </a:xfrm>
+          <a:prstGeom prst="rect">
+            <a:avLst/>
+          </a:prstGeom>
+          <a:noFill/>
+        </p:spPr>
+        <p:txBody>
+          <a:bodyPr rot="0" spcFirstLastPara="0" vertOverflow="overflow" horzOverflow="overflow" vert="horz" wrap="square" lIns="91440" tIns="45720" rIns="91440" bIns="45720" numCol="1" spcCol="0" rtlCol="0" fromWordArt="0" anchor="t" anchorCtr="0" forceAA="0" compatLnSpc="1">
+            <a:prstTxWarp prst="textNoShape">
+              <a:avLst/>
+            </a:prstTxWarp>
+            <a:spAutoFit/>
+          </a:bodyPr>
+          <a:lstStyle/>
+          <a:p>
+            <a:r>
+              <a:rPr lang="nl-NL" b="1" dirty="0">
+                <a:ea typeface="Calibri"/>
+                <a:cs typeface="Calibri"/>
+              </a:rPr>
+              <a:t>A* :</a:t>
+            </a:r>
+          </a:p>
+        </p:txBody>
+      </p:sp>
+      <p:sp>
+        <p:nvSpPr>
+          <p:cNvPr id="12" name="Tekstvak 11">
+            <a:extLst>
+              <a:ext uri="{FF2B5EF4-FFF2-40B4-BE49-F238E27FC236}">
+                <a16:creationId xmlns:a16="http://schemas.microsoft.com/office/drawing/2014/main" id="{6FC933E9-EC58-E0DB-BA31-0BB5349E54C0}"/>
+              </a:ext>
+            </a:extLst>
+          </p:cNvPr>
+          <p:cNvSpPr txBox="1"/>
+          <p:nvPr/>
+        </p:nvSpPr>
+        <p:spPr>
+          <a:xfrm>
+            <a:off x="814192" y="3131506"/>
+            <a:ext cx="3121068" cy="1200329"/>
+          </a:xfrm>
+          <a:prstGeom prst="rect">
+            <a:avLst/>
+          </a:prstGeom>
+          <a:noFill/>
+        </p:spPr>
+        <p:txBody>
+          <a:bodyPr rot="0" spcFirstLastPara="0" vertOverflow="overflow" horzOverflow="overflow" vert="horz" wrap="square" lIns="91440" tIns="45720" rIns="91440" bIns="45720" numCol="1" spcCol="0" rtlCol="0" fromWordArt="0" anchor="t" anchorCtr="0" forceAA="0" compatLnSpc="1">
+            <a:prstTxWarp prst="textNoShape">
+              <a:avLst/>
+            </a:prstTxWarp>
+            <a:spAutoFit/>
+          </a:bodyPr>
+          <a:lstStyle/>
+          <a:p>
+            <a:pPr marL="285750" indent="-285750">
+              <a:buFont typeface="Calibri"/>
+              <a:buChar char="-"/>
+            </a:pPr>
+            <a:r>
+              <a:rPr lang="nl-NL" dirty="0">
+                <a:ea typeface="Calibri"/>
+                <a:cs typeface="Calibri"/>
+              </a:rPr>
+              <a:t>Kortste weg</a:t>
+            </a:r>
+          </a:p>
+          <a:p>
+            <a:pPr marL="285750" indent="-285750">
+              <a:buFont typeface="Calibri"/>
+              <a:buChar char="-"/>
+            </a:pPr>
+            <a:r>
+              <a:rPr lang="nl-NL" dirty="0">
+                <a:ea typeface="Calibri"/>
+                <a:cs typeface="Calibri"/>
+              </a:rPr>
+              <a:t>Algoritme Cat</a:t>
+            </a:r>
+          </a:p>
+          <a:p>
+            <a:pPr marL="285750" indent="-285750">
+              <a:buFont typeface="Calibri"/>
+              <a:buChar char="-"/>
+            </a:pPr>
+            <a:r>
+              <a:rPr lang="nl-NL" dirty="0">
+                <a:ea typeface="Calibri"/>
+                <a:cs typeface="Calibri"/>
+              </a:rPr>
+              <a:t>Catch </a:t>
+            </a:r>
+            <a:r>
+              <a:rPr lang="nl-NL" dirty="0" err="1">
+                <a:ea typeface="Calibri"/>
+                <a:cs typeface="Calibri"/>
+              </a:rPr>
+              <a:t>the</a:t>
+            </a:r>
+            <a:r>
+              <a:rPr lang="nl-NL" dirty="0">
+                <a:ea typeface="Calibri"/>
+                <a:cs typeface="Calibri"/>
+              </a:rPr>
+              <a:t> Cat ( ML )</a:t>
+            </a:r>
+          </a:p>
+          <a:p>
+            <a:pPr marL="285750" indent="-285750">
+              <a:buFont typeface="Calibri"/>
+              <a:buChar char="-"/>
+            </a:pPr>
+            <a:endParaRPr lang="nl-NL" dirty="0">
+              <a:ea typeface="Calibri"/>
+              <a:cs typeface="Calibri"/>
+            </a:endParaRPr>
+          </a:p>
+        </p:txBody>
+      </p:sp>
+      <p:sp>
+        <p:nvSpPr>
+          <p:cNvPr id="16" name="Tekstvak 15">
+            <a:extLst>
+              <a:ext uri="{FF2B5EF4-FFF2-40B4-BE49-F238E27FC236}">
+                <a16:creationId xmlns:a16="http://schemas.microsoft.com/office/drawing/2014/main" id="{8E2E697B-55A0-BB6D-BF46-3012F6A7F263}"/>
+              </a:ext>
+            </a:extLst>
+          </p:cNvPr>
+          <p:cNvSpPr txBox="1"/>
+          <p:nvPr/>
+        </p:nvSpPr>
+        <p:spPr>
+          <a:xfrm>
+            <a:off x="525272" y="4421512"/>
+            <a:ext cx="2657928" cy="369332"/>
+          </a:xfrm>
+          <a:prstGeom prst="rect">
+            <a:avLst/>
+          </a:prstGeom>
+          <a:noFill/>
+        </p:spPr>
+        <p:txBody>
+          <a:bodyPr rot="0" spcFirstLastPara="0" vertOverflow="overflow" horzOverflow="overflow" vert="horz" wrap="square" lIns="91440" tIns="45720" rIns="91440" bIns="45720" numCol="1" spcCol="0" rtlCol="0" fromWordArt="0" anchor="t" anchorCtr="0" forceAA="0" compatLnSpc="1">
+            <a:prstTxWarp prst="textNoShape">
+              <a:avLst/>
+            </a:prstTxWarp>
+            <a:spAutoFit/>
+          </a:bodyPr>
+          <a:lstStyle/>
+          <a:p>
+            <a:r>
+              <a:rPr lang="nl-NL" b="1" dirty="0">
+                <a:ea typeface="Calibri"/>
+                <a:cs typeface="Calibri"/>
+              </a:rPr>
+              <a:t>Ingesloten :</a:t>
+            </a:r>
+          </a:p>
+        </p:txBody>
+      </p:sp>
+      <p:sp>
+        <p:nvSpPr>
+          <p:cNvPr id="17" name="Tekstvak 16">
+            <a:extLst>
+              <a:ext uri="{FF2B5EF4-FFF2-40B4-BE49-F238E27FC236}">
+                <a16:creationId xmlns:a16="http://schemas.microsoft.com/office/drawing/2014/main" id="{24A7AFC7-700C-B5BB-694B-EBE5C2BA56EB}"/>
+              </a:ext>
+            </a:extLst>
+          </p:cNvPr>
+          <p:cNvSpPr txBox="1"/>
+          <p:nvPr/>
+        </p:nvSpPr>
+        <p:spPr>
+          <a:xfrm>
+            <a:off x="814191" y="4791205"/>
+            <a:ext cx="3121068" cy="646331"/>
+          </a:xfrm>
+          <a:prstGeom prst="rect">
+            <a:avLst/>
+          </a:prstGeom>
+          <a:noFill/>
+        </p:spPr>
+        <p:txBody>
+          <a:bodyPr rot="0" spcFirstLastPara="0" vertOverflow="overflow" horzOverflow="overflow" vert="horz" wrap="square" lIns="91440" tIns="45720" rIns="91440" bIns="45720" numCol="1" spcCol="0" rtlCol="0" fromWordArt="0" anchor="t" anchorCtr="0" forceAA="0" compatLnSpc="1">
+            <a:prstTxWarp prst="textNoShape">
+              <a:avLst/>
+            </a:prstTxWarp>
+            <a:spAutoFit/>
+          </a:bodyPr>
+          <a:lstStyle/>
+          <a:p>
+            <a:pPr marL="285750" indent="-285750">
+              <a:buFont typeface="Calibri"/>
+              <a:buChar char="-"/>
+            </a:pPr>
+            <a:r>
+              <a:rPr lang="nl-NL" dirty="0">
+                <a:ea typeface="Calibri"/>
+                <a:cs typeface="Calibri"/>
+              </a:rPr>
+              <a:t>Random Moves</a:t>
+            </a:r>
+            <a:endParaRPr lang="nl-NL" dirty="0"/>
+          </a:p>
+          <a:p>
+            <a:pPr marL="285750" indent="-285750">
+              <a:buFont typeface="Calibri"/>
+              <a:buChar char="-"/>
+            </a:pPr>
+            <a:endParaRPr lang="nl-NL" dirty="0">
+              <a:ea typeface="Calibri"/>
+              <a:cs typeface="Calibri"/>
+            </a:endParaRPr>
+          </a:p>
+        </p:txBody>
+      </p:sp>
+    </p:spTree>
+    <p:extLst>
+      <p:ext uri="{BB962C8B-B14F-4D97-AF65-F5344CB8AC3E}">
+        <p14:creationId xmlns:p14="http://schemas.microsoft.com/office/powerpoint/2010/main" val="2677107523"/>
+      </p:ext>
+    </p:extLst>
+  </p:cSld>
+  <p:clrMapOvr>
+    <a:masterClrMapping/>
+  </p:clrMapOvr>
+</p:sld>
+</file>
+
+<file path=ppt/slides/slide4.xml><?xml version="1.0" encoding="utf-8"?>
+<p:sld xmlns:a="http://schemas.openxmlformats.org/drawingml/2006/main" xmlns:r="http://schemas.openxmlformats.org/officeDocument/2006/relationships" xmlns:p="http://schemas.openxmlformats.org/presentationml/2006/main">
+  <p:cSld>
+    <p:spTree>
+      <p:nvGrpSpPr>
+        <p:cNvPr id="1" name=""/>
+        <p:cNvGrpSpPr/>
+        <p:nvPr/>
+      </p:nvGrpSpPr>
+      <p:grpSpPr>
+        <a:xfrm>
+          <a:off x="0" y="0"/>
+          <a:ext cx="0" cy="0"/>
+          <a:chOff x="0" y="0"/>
+          <a:chExt cx="0" cy="0"/>
+        </a:xfrm>
+      </p:grpSpPr>
+      <p:sp>
+        <p:nvSpPr>
+          <p:cNvPr id="4" name="Tekstvak 3">
+            <a:extLst>
+              <a:ext uri="{FF2B5EF4-FFF2-40B4-BE49-F238E27FC236}">
+                <a16:creationId xmlns:a16="http://schemas.microsoft.com/office/drawing/2014/main" id="{01EF5FD8-7DF9-B4F9-C9E1-C688A8ED99F4}"/>
+              </a:ext>
+            </a:extLst>
+          </p:cNvPr>
+          <p:cNvSpPr txBox="1"/>
+          <p:nvPr/>
+        </p:nvSpPr>
+        <p:spPr>
+          <a:xfrm>
+            <a:off x="0" y="0"/>
+            <a:ext cx="12155714" cy="584775"/>
+          </a:xfrm>
+          <a:prstGeom prst="rect">
+            <a:avLst/>
+          </a:prstGeom>
+          <a:noFill/>
+        </p:spPr>
+        <p:txBody>
+          <a:bodyPr rot="0" spcFirstLastPara="0" vertOverflow="overflow" horzOverflow="overflow" vert="horz" wrap="square" lIns="91440" tIns="45720" rIns="91440" bIns="45720" numCol="1" spcCol="0" rtlCol="0" fromWordArt="0" anchor="t" anchorCtr="0" forceAA="0" compatLnSpc="1">
+            <a:prstTxWarp prst="textNoShape">
+              <a:avLst/>
+            </a:prstTxWarp>
+            <a:spAutoFit/>
+          </a:bodyPr>
+          <a:lstStyle/>
+          <a:p>
+            <a:pPr algn="ctr"/>
+            <a:r>
+              <a:rPr lang="nl-NL" sz="3200" b="1" dirty="0">
+                <a:ea typeface="Calibri"/>
+                <a:cs typeface="Calibri"/>
+              </a:rPr>
+              <a:t>Machine learning</a:t>
+            </a:r>
+            <a:endParaRPr lang="nl-NL" sz="3200" b="1">
+              <a:ea typeface="Calibri"/>
+              <a:cs typeface="Calibri"/>
+            </a:endParaRPr>
+          </a:p>
+        </p:txBody>
+      </p:sp>
+      <p:sp>
+        <p:nvSpPr>
+          <p:cNvPr id="5" name="Tekstvak 4">
+            <a:extLst>
+              <a:ext uri="{FF2B5EF4-FFF2-40B4-BE49-F238E27FC236}">
+                <a16:creationId xmlns:a16="http://schemas.microsoft.com/office/drawing/2014/main" id="{1E5175BD-D8E7-F22E-0E75-3AB93BCFCED2}"/>
+              </a:ext>
+            </a:extLst>
+          </p:cNvPr>
+          <p:cNvSpPr txBox="1"/>
+          <p:nvPr/>
+        </p:nvSpPr>
+        <p:spPr>
+          <a:xfrm>
+            <a:off x="696289" y="1732947"/>
+            <a:ext cx="2946239" cy="369332"/>
+          </a:xfrm>
+          <a:prstGeom prst="rect">
+            <a:avLst/>
+          </a:prstGeom>
+          <a:noFill/>
+        </p:spPr>
+        <p:txBody>
+          <a:bodyPr rot="0" spcFirstLastPara="0" vertOverflow="overflow" horzOverflow="overflow" vert="horz" wrap="square" lIns="91440" tIns="45720" rIns="91440" bIns="45720" numCol="1" spcCol="0" rtlCol="0" fromWordArt="0" anchor="t" anchorCtr="0" forceAA="0" compatLnSpc="1">
+            <a:prstTxWarp prst="textNoShape">
+              <a:avLst/>
+            </a:prstTxWarp>
+            <a:spAutoFit/>
+          </a:bodyPr>
+          <a:lstStyle/>
+          <a:p>
+            <a:r>
+              <a:rPr lang="nl-NL" b="1" dirty="0">
+                <a:ea typeface="Calibri"/>
+                <a:cs typeface="Calibri"/>
+              </a:rPr>
+              <a:t>Moeilijkheid (RL) : </a:t>
+            </a:r>
+          </a:p>
+        </p:txBody>
+      </p:sp>
+      <p:sp>
+        <p:nvSpPr>
+          <p:cNvPr id="7" name="Tekstvak 6">
+            <a:extLst>
+              <a:ext uri="{FF2B5EF4-FFF2-40B4-BE49-F238E27FC236}">
+                <a16:creationId xmlns:a16="http://schemas.microsoft.com/office/drawing/2014/main" id="{9C96BE31-7572-8DE0-C7E0-553D48B1FA0F}"/>
+              </a:ext>
+            </a:extLst>
+          </p:cNvPr>
+          <p:cNvSpPr txBox="1"/>
+          <p:nvPr/>
+        </p:nvSpPr>
+        <p:spPr>
+          <a:xfrm>
+            <a:off x="1084268" y="2097315"/>
+            <a:ext cx="3121068" cy="1477328"/>
+          </a:xfrm>
+          <a:prstGeom prst="rect">
+            <a:avLst/>
+          </a:prstGeom>
+          <a:noFill/>
+        </p:spPr>
+        <p:txBody>
+          <a:bodyPr rot="0" spcFirstLastPara="0" vertOverflow="overflow" horzOverflow="overflow" vert="horz" wrap="square" lIns="91440" tIns="45720" rIns="91440" bIns="45720" numCol="1" spcCol="0" rtlCol="0" fromWordArt="0" anchor="t" anchorCtr="0" forceAA="0" compatLnSpc="1">
+            <a:prstTxWarp prst="textNoShape">
+              <a:avLst/>
+            </a:prstTxWarp>
+            <a:spAutoFit/>
+          </a:bodyPr>
+          <a:lstStyle/>
+          <a:p>
+            <a:pPr marL="285750" indent="-285750">
+              <a:buFont typeface="Calibri"/>
+              <a:buChar char="-"/>
+            </a:pPr>
+            <a:r>
+              <a:rPr lang="nl-NL" dirty="0">
+                <a:ea typeface="Calibri"/>
+                <a:cs typeface="Calibri"/>
+              </a:rPr>
+              <a:t>Aantal startvelden</a:t>
+            </a:r>
+          </a:p>
+          <a:p>
+            <a:pPr marL="285750" indent="-285750">
+              <a:buFont typeface="Calibri"/>
+              <a:buChar char="-"/>
+            </a:pPr>
+            <a:r>
+              <a:rPr lang="nl-NL" dirty="0">
+                <a:ea typeface="Calibri"/>
+                <a:cs typeface="Calibri"/>
+              </a:rPr>
+              <a:t>Delayed rewards</a:t>
+            </a:r>
+          </a:p>
+          <a:p>
+            <a:pPr marL="285750" indent="-285750">
+              <a:buFont typeface="Calibri"/>
+              <a:buChar char="-"/>
+            </a:pPr>
+            <a:r>
+              <a:rPr lang="nl-NL" dirty="0">
+                <a:ea typeface="Calibri"/>
+                <a:cs typeface="Calibri"/>
+              </a:rPr>
+              <a:t>Beloningsstructuur</a:t>
+            </a:r>
+          </a:p>
+          <a:p>
+            <a:pPr marL="285750" indent="-285750">
+              <a:buFont typeface="Calibri"/>
+              <a:buChar char="-"/>
+            </a:pPr>
+            <a:endParaRPr lang="nl-NL" dirty="0">
+              <a:ea typeface="Calibri"/>
+              <a:cs typeface="Calibri"/>
+            </a:endParaRPr>
+          </a:p>
+          <a:p>
+            <a:pPr marL="285750" indent="-285750">
+              <a:buFont typeface="Calibri"/>
+              <a:buChar char="-"/>
+            </a:pPr>
+            <a:endParaRPr lang="nl-NL" dirty="0">
+              <a:ea typeface="Calibri"/>
+              <a:cs typeface="Calibri"/>
+            </a:endParaRPr>
+          </a:p>
+        </p:txBody>
+      </p:sp>
+    </p:spTree>
+    <p:extLst>
+      <p:ext uri="{BB962C8B-B14F-4D97-AF65-F5344CB8AC3E}">
+        <p14:creationId xmlns:p14="http://schemas.microsoft.com/office/powerpoint/2010/main" val="1890171273"/>
       </p:ext>
     </p:extLst>
   </p:cSld>
@@ -3933,20 +5763,20 @@
 </file>
 
 <file path=customXml/item2.xml><?xml version="1.0" encoding="utf-8"?>
+<p:properties xmlns:p="http://schemas.microsoft.com/office/2006/metadata/properties" xmlns:xsi="http://www.w3.org/2001/XMLSchema-instance" xmlns:pc="http://schemas.microsoft.com/office/infopath/2007/PartnerControls">
+  <documentManagement>
+    <_activity xmlns="7f56e509-dbb5-472b-882b-e910fc7d143e" xsi:nil="true"/>
+  </documentManagement>
+</p:properties>
+</file>
+
+<file path=customXml/item3.xml><?xml version="1.0" encoding="utf-8"?>
 <?mso-contentType ?>
 <FormTemplates xmlns="http://schemas.microsoft.com/sharepoint/v3/contenttype/forms">
   <Display>DocumentLibraryForm</Display>
   <Edit>DocumentLibraryForm</Edit>
   <New>DocumentLibraryForm</New>
 </FormTemplates>
-</file>
-
-<file path=customXml/item3.xml><?xml version="1.0" encoding="utf-8"?>
-<p:properties xmlns:p="http://schemas.microsoft.com/office/2006/metadata/properties" xmlns:xsi="http://www.w3.org/2001/XMLSchema-instance" xmlns:pc="http://schemas.microsoft.com/office/infopath/2007/PartnerControls">
-  <documentManagement>
-    <_activity xmlns="7f56e509-dbb5-472b-882b-e910fc7d143e" xsi:nil="true"/>
-  </documentManagement>
-</p:properties>
 </file>
 
 <file path=customXml/itemProps1.xml><?xml version="1.0" encoding="utf-8"?>
@@ -3969,14 +5799,6 @@
 </file>
 
 <file path=customXml/itemProps2.xml><?xml version="1.0" encoding="utf-8"?>
-<ds:datastoreItem xmlns:ds="http://schemas.openxmlformats.org/officeDocument/2006/customXml" ds:itemID="{4F3443F0-6A5C-46A7-8E3D-D7E09EC9A70E}">
-  <ds:schemaRefs>
-    <ds:schemaRef ds:uri="http://schemas.microsoft.com/sharepoint/v3/contenttype/forms"/>
-  </ds:schemaRefs>
-</ds:datastoreItem>
-</file>
-
-<file path=customXml/itemProps3.xml><?xml version="1.0" encoding="utf-8"?>
 <ds:datastoreItem xmlns:ds="http://schemas.openxmlformats.org/officeDocument/2006/customXml" ds:itemID="{6234E3CF-4DF9-4EF3-93B4-230503F9C7E2}">
   <ds:schemaRefs>
     <ds:schemaRef ds:uri="http://schemas.microsoft.com/office/2006/metadata/properties"/>
@@ -3991,4 +5813,12 @@
     <ds:schemaRef ds:uri="http://purl.org/dc/terms/"/>
   </ds:schemaRefs>
 </ds:datastoreItem>
+</file>
+
+<file path=customXml/itemProps3.xml><?xml version="1.0" encoding="utf-8"?>
+<ds:datastoreItem xmlns:ds="http://schemas.openxmlformats.org/officeDocument/2006/customXml" ds:itemID="{4F3443F0-6A5C-46A7-8E3D-D7E09EC9A70E}">
+  <ds:schemaRefs>
+    <ds:schemaRef ds:uri="http://schemas.microsoft.com/sharepoint/v3/contenttype/forms"/>
+  </ds:schemaRefs>
+</ds:datastoreItem>
 </file>
--- a/Trap_The_Cat_MachineLearning.pptx
+++ b/Trap_The_Cat_MachineLearning.pptx
@@ -2,13 +2,15 @@
 <file path=ppt/presentation.xml><?xml version="1.0" encoding="utf-8"?>
 <p:presentation xmlns:a="http://schemas.openxmlformats.org/drawingml/2006/main" xmlns:r="http://schemas.openxmlformats.org/officeDocument/2006/relationships" xmlns:p="http://schemas.openxmlformats.org/presentationml/2006/main" saveSubsetFonts="1">
   <p:sldMasterIdLst>
-    <p:sldMasterId id="2147483648" r:id="rId4"/>
+    <p:sldMasterId id="2147483660" r:id="rId4"/>
   </p:sldMasterIdLst>
   <p:sldIdLst>
     <p:sldId id="256" r:id="rId5"/>
     <p:sldId id="257" r:id="rId6"/>
     <p:sldId id="258" r:id="rId7"/>
     <p:sldId id="259" r:id="rId8"/>
+    <p:sldId id="260" r:id="rId9"/>
+    <p:sldId id="261" r:id="rId10"/>
   </p:sldIdLst>
   <p:sldSz cx="12192000" cy="6858000"/>
   <p:notesSz cx="6858000" cy="9144000"/>
@@ -119,6 +121,8 @@
 <p1510:revInfo xmlns:a="http://schemas.openxmlformats.org/drawingml/2006/main" xmlns:r="http://schemas.openxmlformats.org/officeDocument/2006/relationships" xmlns:p1510="http://schemas.microsoft.com/office/powerpoint/2015/10/main">
   <p1510:revLst>
     <p1510:client id="{8CBD382F-D9FD-A13D-E155-36ECB55EBFFD}" v="29" dt="2025-03-24T14:34:06.458"/>
+    <p1510:client id="{B3D1911C-AEC9-4BEF-9E7D-055552BD1B48}" v="45" dt="2025-03-25T14:29:11.493"/>
+    <p1510:client id="{F225EB62-DA80-F01E-AD4D-38C676D73024}" v="419" dt="2025-03-25T14:26:37.197"/>
     <p1510:client id="{F2DFAB1C-6746-3C58-BE55-59840E727156}" v="784" dt="2025-03-24T15:04:07.988"/>
   </p1510:revLst>
 </p1510:revInfo>
@@ -175,6 +179,60 @@
     </pc:docChg>
   </pc:docChgLst>
   <pc:docChgLst>
+    <pc:chgData name="Joren Vandewalle" userId="5e8f58f2-ed69-49a2-b494-4d67e9ad3bb0" providerId="ADAL" clId="{B3D1911C-AEC9-4BEF-9E7D-055552BD1B48}"/>
+    <pc:docChg chg="undo custSel modSld">
+      <pc:chgData name="Joren Vandewalle" userId="5e8f58f2-ed69-49a2-b494-4d67e9ad3bb0" providerId="ADAL" clId="{B3D1911C-AEC9-4BEF-9E7D-055552BD1B48}" dt="2025-03-25T14:29:11.493" v="44" actId="20577"/>
+      <pc:docMkLst>
+        <pc:docMk/>
+      </pc:docMkLst>
+      <pc:sldChg chg="modSp mod">
+        <pc:chgData name="Joren Vandewalle" userId="5e8f58f2-ed69-49a2-b494-4d67e9ad3bb0" providerId="ADAL" clId="{B3D1911C-AEC9-4BEF-9E7D-055552BD1B48}" dt="2025-03-25T14:28:10.451" v="6" actId="20577"/>
+        <pc:sldMkLst>
+          <pc:docMk/>
+          <pc:sldMk cId="2488136383" sldId="257"/>
+        </pc:sldMkLst>
+        <pc:spChg chg="mod">
+          <ac:chgData name="Joren Vandewalle" userId="5e8f58f2-ed69-49a2-b494-4d67e9ad3bb0" providerId="ADAL" clId="{B3D1911C-AEC9-4BEF-9E7D-055552BD1B48}" dt="2025-03-25T14:28:10.451" v="6" actId="20577"/>
+          <ac:spMkLst>
+            <pc:docMk/>
+            <pc:sldMk cId="2488136383" sldId="257"/>
+            <ac:spMk id="4" creationId="{A889BA1A-64DE-A483-2A92-833D7F6DD75E}"/>
+          </ac:spMkLst>
+        </pc:spChg>
+      </pc:sldChg>
+      <pc:sldChg chg="modSp mod">
+        <pc:chgData name="Joren Vandewalle" userId="5e8f58f2-ed69-49a2-b494-4d67e9ad3bb0" providerId="ADAL" clId="{B3D1911C-AEC9-4BEF-9E7D-055552BD1B48}" dt="2025-03-25T14:28:25.342" v="13" actId="20577"/>
+        <pc:sldMkLst>
+          <pc:docMk/>
+          <pc:sldMk cId="2677107523" sldId="258"/>
+        </pc:sldMkLst>
+        <pc:spChg chg="mod">
+          <ac:chgData name="Joren Vandewalle" userId="5e8f58f2-ed69-49a2-b494-4d67e9ad3bb0" providerId="ADAL" clId="{B3D1911C-AEC9-4BEF-9E7D-055552BD1B48}" dt="2025-03-25T14:28:25.342" v="13" actId="20577"/>
+          <ac:spMkLst>
+            <pc:docMk/>
+            <pc:sldMk cId="2677107523" sldId="258"/>
+            <ac:spMk id="17" creationId="{24A7AFC7-700C-B5BB-694B-EBE5C2BA56EB}"/>
+          </ac:spMkLst>
+        </pc:spChg>
+      </pc:sldChg>
+      <pc:sldChg chg="modSp mod">
+        <pc:chgData name="Joren Vandewalle" userId="5e8f58f2-ed69-49a2-b494-4d67e9ad3bb0" providerId="ADAL" clId="{B3D1911C-AEC9-4BEF-9E7D-055552BD1B48}" dt="2025-03-25T14:29:11.493" v="44" actId="20577"/>
+        <pc:sldMkLst>
+          <pc:docMk/>
+          <pc:sldMk cId="655806041" sldId="261"/>
+        </pc:sldMkLst>
+        <pc:spChg chg="mod">
+          <ac:chgData name="Joren Vandewalle" userId="5e8f58f2-ed69-49a2-b494-4d67e9ad3bb0" providerId="ADAL" clId="{B3D1911C-AEC9-4BEF-9E7D-055552BD1B48}" dt="2025-03-25T14:29:11.493" v="44" actId="20577"/>
+          <ac:spMkLst>
+            <pc:docMk/>
+            <pc:sldMk cId="655806041" sldId="261"/>
+            <ac:spMk id="5" creationId="{14A72D9A-51D5-A8C7-EABB-183B65E02FFA}"/>
+          </ac:spMkLst>
+        </pc:spChg>
+      </pc:sldChg>
+    </pc:docChg>
+  </pc:docChgLst>
+  <pc:docChgLst>
     <pc:chgData name="Sam De Wispelaere" userId="S::r0986076@student.vives.be::e9ee75a4-3b98-416e-a358-897d61f9ac81" providerId="AD" clId="Web-{F2DFAB1C-6746-3C58-BE55-59840E727156}"/>
     <pc:docChg chg="addSld modSld addMainMaster delMainMaster">
       <pc:chgData name="Sam De Wispelaere" userId="S::r0986076@student.vives.be::e9ee75a4-3b98-416e-a358-897d61f9ac81" providerId="AD" clId="Web-{F2DFAB1C-6746-3C58-BE55-59840E727156}" dt="2025-03-24T15:04:07.551" v="461" actId="20577"/>
@@ -824,12 +882,501 @@
       </pc:sldMasterChg>
     </pc:docChg>
   </pc:docChgLst>
+  <pc:docChgLst>
+    <pc:chgData name="Sam De Wispelaere" userId="S::r0986076@student.vives.be::e9ee75a4-3b98-416e-a358-897d61f9ac81" providerId="AD" clId="Web-{F225EB62-DA80-F01E-AD4D-38C676D73024}"/>
+    <pc:docChg chg="addSld modSld addMainMaster delMainMaster">
+      <pc:chgData name="Sam De Wispelaere" userId="S::r0986076@student.vives.be::e9ee75a4-3b98-416e-a358-897d61f9ac81" providerId="AD" clId="Web-{F225EB62-DA80-F01E-AD4D-38C676D73024}" dt="2025-03-25T14:26:57.448" v="240"/>
+      <pc:docMkLst>
+        <pc:docMk/>
+      </pc:docMkLst>
+      <pc:sldChg chg="addSp modSp mod setBg modClrScheme chgLayout">
+        <pc:chgData name="Sam De Wispelaere" userId="S::r0986076@student.vives.be::e9ee75a4-3b98-416e-a358-897d61f9ac81" providerId="AD" clId="Web-{F225EB62-DA80-F01E-AD4D-38C676D73024}" dt="2025-03-25T14:25:12.272" v="231"/>
+        <pc:sldMkLst>
+          <pc:docMk/>
+          <pc:sldMk cId="1383005855" sldId="256"/>
+        </pc:sldMkLst>
+        <pc:spChg chg="mod">
+          <ac:chgData name="Sam De Wispelaere" userId="S::r0986076@student.vives.be::e9ee75a4-3b98-416e-a358-897d61f9ac81" providerId="AD" clId="Web-{F225EB62-DA80-F01E-AD4D-38C676D73024}" dt="2025-03-25T14:25:12.272" v="231"/>
+          <ac:spMkLst>
+            <pc:docMk/>
+            <pc:sldMk cId="1383005855" sldId="256"/>
+            <ac:spMk id="3" creationId="{207ECF3A-61ED-7AF4-F966-6C82D00D5879}"/>
+          </ac:spMkLst>
+        </pc:spChg>
+        <pc:spChg chg="mod">
+          <ac:chgData name="Sam De Wispelaere" userId="S::r0986076@student.vives.be::e9ee75a4-3b98-416e-a358-897d61f9ac81" providerId="AD" clId="Web-{F225EB62-DA80-F01E-AD4D-38C676D73024}" dt="2025-03-25T14:25:12.272" v="231"/>
+          <ac:spMkLst>
+            <pc:docMk/>
+            <pc:sldMk cId="1383005855" sldId="256"/>
+            <ac:spMk id="6" creationId="{FC3E0FB7-59DA-56C6-51AD-4CA40AB4462E}"/>
+          </ac:spMkLst>
+        </pc:spChg>
+        <pc:spChg chg="add">
+          <ac:chgData name="Sam De Wispelaere" userId="S::r0986076@student.vives.be::e9ee75a4-3b98-416e-a358-897d61f9ac81" providerId="AD" clId="Web-{F225EB62-DA80-F01E-AD4D-38C676D73024}" dt="2025-03-25T14:25:12.272" v="231"/>
+          <ac:spMkLst>
+            <pc:docMk/>
+            <pc:sldMk cId="1383005855" sldId="256"/>
+            <ac:spMk id="8" creationId="{F13C74B1-5B17-4795-BED0-7140497B445A}"/>
+          </ac:spMkLst>
+        </pc:spChg>
+        <pc:spChg chg="add">
+          <ac:chgData name="Sam De Wispelaere" userId="S::r0986076@student.vives.be::e9ee75a4-3b98-416e-a358-897d61f9ac81" providerId="AD" clId="Web-{F225EB62-DA80-F01E-AD4D-38C676D73024}" dt="2025-03-25T14:25:12.272" v="231"/>
+          <ac:spMkLst>
+            <pc:docMk/>
+            <pc:sldMk cId="1383005855" sldId="256"/>
+            <ac:spMk id="9" creationId="{D4974D33-8DC5-464E-8C6D-BE58F0669C17}"/>
+          </ac:spMkLst>
+        </pc:spChg>
+        <pc:picChg chg="mod ord modCrop">
+          <ac:chgData name="Sam De Wispelaere" userId="S::r0986076@student.vives.be::e9ee75a4-3b98-416e-a358-897d61f9ac81" providerId="AD" clId="Web-{F225EB62-DA80-F01E-AD4D-38C676D73024}" dt="2025-03-25T14:25:12.272" v="231"/>
+          <ac:picMkLst>
+            <pc:docMk/>
+            <pc:sldMk cId="1383005855" sldId="256"/>
+            <ac:picMk id="2" creationId="{2A08E0DB-00DD-1E4B-E04F-DB99FFA20107}"/>
+          </ac:picMkLst>
+        </pc:picChg>
+      </pc:sldChg>
+      <pc:sldChg chg="addSp delSp modSp mod modClrScheme chgLayout">
+        <pc:chgData name="Sam De Wispelaere" userId="S::r0986076@student.vives.be::e9ee75a4-3b98-416e-a358-897d61f9ac81" providerId="AD" clId="Web-{F225EB62-DA80-F01E-AD4D-38C676D73024}" dt="2025-03-25T14:22:38.689" v="221" actId="1076"/>
+        <pc:sldMkLst>
+          <pc:docMk/>
+          <pc:sldMk cId="2488136383" sldId="257"/>
+        </pc:sldMkLst>
+        <pc:picChg chg="add del mod">
+          <ac:chgData name="Sam De Wispelaere" userId="S::r0986076@student.vives.be::e9ee75a4-3b98-416e-a358-897d61f9ac81" providerId="AD" clId="Web-{F225EB62-DA80-F01E-AD4D-38C676D73024}" dt="2025-03-25T14:21:44.280" v="215"/>
+          <ac:picMkLst>
+            <pc:docMk/>
+            <pc:sldMk cId="2488136383" sldId="257"/>
+            <ac:picMk id="2" creationId="{486B9C86-51E5-5D35-7CF4-59DD8B964C8A}"/>
+          </ac:picMkLst>
+        </pc:picChg>
+        <pc:picChg chg="add mod">
+          <ac:chgData name="Sam De Wispelaere" userId="S::r0986076@student.vives.be::e9ee75a4-3b98-416e-a358-897d61f9ac81" providerId="AD" clId="Web-{F225EB62-DA80-F01E-AD4D-38C676D73024}" dt="2025-03-25T14:22:38.689" v="221" actId="1076"/>
+          <ac:picMkLst>
+            <pc:docMk/>
+            <pc:sldMk cId="2488136383" sldId="257"/>
+            <ac:picMk id="3" creationId="{BB6D0989-DA42-3EED-21BE-320B22F2D527}"/>
+          </ac:picMkLst>
+        </pc:picChg>
+      </pc:sldChg>
+      <pc:sldChg chg="modSp mod modClrScheme chgLayout">
+        <pc:chgData name="Sam De Wispelaere" userId="S::r0986076@student.vives.be::e9ee75a4-3b98-416e-a358-897d61f9ac81" providerId="AD" clId="Web-{F225EB62-DA80-F01E-AD4D-38C676D73024}" dt="2025-03-25T14:26:28.650" v="236"/>
+        <pc:sldMkLst>
+          <pc:docMk/>
+          <pc:sldMk cId="2677107523" sldId="258"/>
+        </pc:sldMkLst>
+        <pc:spChg chg="mod">
+          <ac:chgData name="Sam De Wispelaere" userId="S::r0986076@student.vives.be::e9ee75a4-3b98-416e-a358-897d61f9ac81" providerId="AD" clId="Web-{F225EB62-DA80-F01E-AD4D-38C676D73024}" dt="2025-03-25T13:38:40.097" v="2" actId="20577"/>
+          <ac:spMkLst>
+            <pc:docMk/>
+            <pc:sldMk cId="2677107523" sldId="258"/>
+            <ac:spMk id="12" creationId="{6FC933E9-EC58-E0DB-BA31-0BB5349E54C0}"/>
+          </ac:spMkLst>
+        </pc:spChg>
+        <pc:picChg chg="mod">
+          <ac:chgData name="Sam De Wispelaere" userId="S::r0986076@student.vives.be::e9ee75a4-3b98-416e-a358-897d61f9ac81" providerId="AD" clId="Web-{F225EB62-DA80-F01E-AD4D-38C676D73024}" dt="2025-03-25T14:26:28.650" v="236"/>
+          <ac:picMkLst>
+            <pc:docMk/>
+            <pc:sldMk cId="2677107523" sldId="258"/>
+            <ac:picMk id="5" creationId="{BC9EC517-9906-71F8-EEB7-76FCA8C3C492}"/>
+          </ac:picMkLst>
+        </pc:picChg>
+      </pc:sldChg>
+      <pc:sldChg chg="addSp modSp mod modClrScheme chgLayout">
+        <pc:chgData name="Sam De Wispelaere" userId="S::r0986076@student.vives.be::e9ee75a4-3b98-416e-a358-897d61f9ac81" providerId="AD" clId="Web-{F225EB62-DA80-F01E-AD4D-38C676D73024}" dt="2025-03-25T14:26:37.197" v="237"/>
+        <pc:sldMkLst>
+          <pc:docMk/>
+          <pc:sldMk cId="1890171273" sldId="259"/>
+        </pc:sldMkLst>
+        <pc:spChg chg="mod">
+          <ac:chgData name="Sam De Wispelaere" userId="S::r0986076@student.vives.be::e9ee75a4-3b98-416e-a358-897d61f9ac81" providerId="AD" clId="Web-{F225EB62-DA80-F01E-AD4D-38C676D73024}" dt="2025-03-25T14:19:09.072" v="206" actId="1076"/>
+          <ac:spMkLst>
+            <pc:docMk/>
+            <pc:sldMk cId="1890171273" sldId="259"/>
+            <ac:spMk id="5" creationId="{1E5175BD-D8E7-F22E-0E75-3AB93BCFCED2}"/>
+          </ac:spMkLst>
+        </pc:spChg>
+        <pc:spChg chg="mod">
+          <ac:chgData name="Sam De Wispelaere" userId="S::r0986076@student.vives.be::e9ee75a4-3b98-416e-a358-897d61f9ac81" providerId="AD" clId="Web-{F225EB62-DA80-F01E-AD4D-38C676D73024}" dt="2025-03-25T14:19:09.072" v="207" actId="1076"/>
+          <ac:spMkLst>
+            <pc:docMk/>
+            <pc:sldMk cId="1890171273" sldId="259"/>
+            <ac:spMk id="7" creationId="{9C96BE31-7572-8DE0-C7E0-553D48B1FA0F}"/>
+          </ac:spMkLst>
+        </pc:spChg>
+        <pc:picChg chg="add mod">
+          <ac:chgData name="Sam De Wispelaere" userId="S::r0986076@student.vives.be::e9ee75a4-3b98-416e-a358-897d61f9ac81" providerId="AD" clId="Web-{F225EB62-DA80-F01E-AD4D-38C676D73024}" dt="2025-03-25T14:26:37.197" v="237"/>
+          <ac:picMkLst>
+            <pc:docMk/>
+            <pc:sldMk cId="1890171273" sldId="259"/>
+            <ac:picMk id="2" creationId="{D8F018BB-9F2B-B7EB-8B68-25AEB31587C8}"/>
+          </ac:picMkLst>
+        </pc:picChg>
+      </pc:sldChg>
+      <pc:sldChg chg="addSp delSp modSp new mod modClrScheme chgLayout">
+        <pc:chgData name="Sam De Wispelaere" userId="S::r0986076@student.vives.be::e9ee75a4-3b98-416e-a358-897d61f9ac81" providerId="AD" clId="Web-{F225EB62-DA80-F01E-AD4D-38C676D73024}" dt="2025-03-25T14:24:28.708" v="230" actId="1076"/>
+        <pc:sldMkLst>
+          <pc:docMk/>
+          <pc:sldMk cId="2223276592" sldId="260"/>
+        </pc:sldMkLst>
+        <pc:spChg chg="del">
+          <ac:chgData name="Sam De Wispelaere" userId="S::r0986076@student.vives.be::e9ee75a4-3b98-416e-a358-897d61f9ac81" providerId="AD" clId="Web-{F225EB62-DA80-F01E-AD4D-38C676D73024}" dt="2025-03-25T13:42:55.606" v="4"/>
+          <ac:spMkLst>
+            <pc:docMk/>
+            <pc:sldMk cId="2223276592" sldId="260"/>
+            <ac:spMk id="2" creationId="{30DD68B6-EC2F-7220-276E-407F208A0035}"/>
+          </ac:spMkLst>
+        </pc:spChg>
+        <pc:spChg chg="del">
+          <ac:chgData name="Sam De Wispelaere" userId="S::r0986076@student.vives.be::e9ee75a4-3b98-416e-a358-897d61f9ac81" providerId="AD" clId="Web-{F225EB62-DA80-F01E-AD4D-38C676D73024}" dt="2025-03-25T13:43:03.481" v="5"/>
+          <ac:spMkLst>
+            <pc:docMk/>
+            <pc:sldMk cId="2223276592" sldId="260"/>
+            <ac:spMk id="3" creationId="{12F53EC8-5C59-6E57-1145-A4CB342374E2}"/>
+          </ac:spMkLst>
+        </pc:spChg>
+        <pc:spChg chg="add mod">
+          <ac:chgData name="Sam De Wispelaere" userId="S::r0986076@student.vives.be::e9ee75a4-3b98-416e-a358-897d61f9ac81" providerId="AD" clId="Web-{F225EB62-DA80-F01E-AD4D-38C676D73024}" dt="2025-03-25T13:43:32.247" v="22" actId="20577"/>
+          <ac:spMkLst>
+            <pc:docMk/>
+            <pc:sldMk cId="2223276592" sldId="260"/>
+            <ac:spMk id="4" creationId="{02AC17DC-B68A-F85A-8825-7D500BBD2EF8}"/>
+          </ac:spMkLst>
+        </pc:spChg>
+        <pc:spChg chg="add mod">
+          <ac:chgData name="Sam De Wispelaere" userId="S::r0986076@student.vives.be::e9ee75a4-3b98-416e-a358-897d61f9ac81" providerId="AD" clId="Web-{F225EB62-DA80-F01E-AD4D-38C676D73024}" dt="2025-03-25T13:43:57.811" v="30" actId="20577"/>
+          <ac:spMkLst>
+            <pc:docMk/>
+            <pc:sldMk cId="2223276592" sldId="260"/>
+            <ac:spMk id="5" creationId="{42BF59B6-8DE4-44D9-5460-5549773CE206}"/>
+          </ac:spMkLst>
+        </pc:spChg>
+        <pc:spChg chg="add mod">
+          <ac:chgData name="Sam De Wispelaere" userId="S::r0986076@student.vives.be::e9ee75a4-3b98-416e-a358-897d61f9ac81" providerId="AD" clId="Web-{F225EB62-DA80-F01E-AD4D-38C676D73024}" dt="2025-03-25T13:56:16.024" v="83" actId="1076"/>
+          <ac:spMkLst>
+            <pc:docMk/>
+            <pc:sldMk cId="2223276592" sldId="260"/>
+            <ac:spMk id="6" creationId="{C9E2BBDC-C71D-DB58-D011-BBC33893B2FD}"/>
+          </ac:spMkLst>
+        </pc:spChg>
+        <pc:spChg chg="add mod">
+          <ac:chgData name="Sam De Wispelaere" userId="S::r0986076@student.vives.be::e9ee75a4-3b98-416e-a358-897d61f9ac81" providerId="AD" clId="Web-{F225EB62-DA80-F01E-AD4D-38C676D73024}" dt="2025-03-25T14:02:00.708" v="145" actId="20577"/>
+          <ac:spMkLst>
+            <pc:docMk/>
+            <pc:sldMk cId="2223276592" sldId="260"/>
+            <ac:spMk id="8" creationId="{3FED5EA0-3802-D711-7AA1-45659DB71DC9}"/>
+          </ac:spMkLst>
+        </pc:spChg>
+        <pc:spChg chg="add mod">
+          <ac:chgData name="Sam De Wispelaere" userId="S::r0986076@student.vives.be::e9ee75a4-3b98-416e-a358-897d61f9ac81" providerId="AD" clId="Web-{F225EB62-DA80-F01E-AD4D-38C676D73024}" dt="2025-03-25T14:01:39.004" v="131" actId="20577"/>
+          <ac:spMkLst>
+            <pc:docMk/>
+            <pc:sldMk cId="2223276592" sldId="260"/>
+            <ac:spMk id="9" creationId="{D5BEC9C7-677D-3025-47F5-009B916A847A}"/>
+          </ac:spMkLst>
+        </pc:spChg>
+        <pc:picChg chg="add del mod">
+          <ac:chgData name="Sam De Wispelaere" userId="S::r0986076@student.vives.be::e9ee75a4-3b98-416e-a358-897d61f9ac81" providerId="AD" clId="Web-{F225EB62-DA80-F01E-AD4D-38C676D73024}" dt="2025-03-25T14:23:22.674" v="223"/>
+          <ac:picMkLst>
+            <pc:docMk/>
+            <pc:sldMk cId="2223276592" sldId="260"/>
+            <ac:picMk id="10" creationId="{B308A97F-D929-B5A9-7490-90B773651E04}"/>
+          </ac:picMkLst>
+        </pc:picChg>
+        <pc:picChg chg="add del mod">
+          <ac:chgData name="Sam De Wispelaere" userId="S::r0986076@student.vives.be::e9ee75a4-3b98-416e-a358-897d61f9ac81" providerId="AD" clId="Web-{F225EB62-DA80-F01E-AD4D-38C676D73024}" dt="2025-03-25T14:23:32.565" v="226"/>
+          <ac:picMkLst>
+            <pc:docMk/>
+            <pc:sldMk cId="2223276592" sldId="260"/>
+            <ac:picMk id="11" creationId="{2B818A1B-8A29-1FDB-9047-6864C25BA84E}"/>
+          </ac:picMkLst>
+        </pc:picChg>
+        <pc:picChg chg="add mod">
+          <ac:chgData name="Sam De Wispelaere" userId="S::r0986076@student.vives.be::e9ee75a4-3b98-416e-a358-897d61f9ac81" providerId="AD" clId="Web-{F225EB62-DA80-F01E-AD4D-38C676D73024}" dt="2025-03-25T14:24:28.708" v="230" actId="1076"/>
+          <ac:picMkLst>
+            <pc:docMk/>
+            <pc:sldMk cId="2223276592" sldId="260"/>
+            <ac:picMk id="12" creationId="{1B669E45-9022-1CFE-6EBC-9FD0703F4A78}"/>
+          </ac:picMkLst>
+        </pc:picChg>
+      </pc:sldChg>
+      <pc:sldChg chg="addSp delSp modSp new mod setBg modClrScheme chgLayout">
+        <pc:chgData name="Sam De Wispelaere" userId="S::r0986076@student.vives.be::e9ee75a4-3b98-416e-a358-897d61f9ac81" providerId="AD" clId="Web-{F225EB62-DA80-F01E-AD4D-38C676D73024}" dt="2025-03-25T14:26:57.448" v="240"/>
+        <pc:sldMkLst>
+          <pc:docMk/>
+          <pc:sldMk cId="655806041" sldId="261"/>
+        </pc:sldMkLst>
+        <pc:spChg chg="del">
+          <ac:chgData name="Sam De Wispelaere" userId="S::r0986076@student.vives.be::e9ee75a4-3b98-416e-a358-897d61f9ac81" providerId="AD" clId="Web-{F225EB62-DA80-F01E-AD4D-38C676D73024}" dt="2025-03-25T14:06:52.484" v="147"/>
+          <ac:spMkLst>
+            <pc:docMk/>
+            <pc:sldMk cId="655806041" sldId="261"/>
+            <ac:spMk id="2" creationId="{3F72F9AB-1A99-F678-9EAB-96AB4AC5EBE4}"/>
+          </ac:spMkLst>
+        </pc:spChg>
+        <pc:spChg chg="del">
+          <ac:chgData name="Sam De Wispelaere" userId="S::r0986076@student.vives.be::e9ee75a4-3b98-416e-a358-897d61f9ac81" providerId="AD" clId="Web-{F225EB62-DA80-F01E-AD4D-38C676D73024}" dt="2025-03-25T14:06:54.421" v="148"/>
+          <ac:spMkLst>
+            <pc:docMk/>
+            <pc:sldMk cId="655806041" sldId="261"/>
+            <ac:spMk id="3" creationId="{4B586B3F-202F-4BBF-B165-9D1F2131D347}"/>
+          </ac:spMkLst>
+        </pc:spChg>
+        <pc:spChg chg="add mod">
+          <ac:chgData name="Sam De Wispelaere" userId="S::r0986076@student.vives.be::e9ee75a4-3b98-416e-a358-897d61f9ac81" providerId="AD" clId="Web-{F225EB62-DA80-F01E-AD4D-38C676D73024}" dt="2025-03-25T14:26:57.448" v="240"/>
+          <ac:spMkLst>
+            <pc:docMk/>
+            <pc:sldMk cId="655806041" sldId="261"/>
+            <ac:spMk id="5" creationId="{14A72D9A-51D5-A8C7-EABB-183B65E02FFA}"/>
+          </ac:spMkLst>
+        </pc:spChg>
+        <pc:spChg chg="add mod">
+          <ac:chgData name="Sam De Wispelaere" userId="S::r0986076@student.vives.be::e9ee75a4-3b98-416e-a358-897d61f9ac81" providerId="AD" clId="Web-{F225EB62-DA80-F01E-AD4D-38C676D73024}" dt="2025-03-25T14:26:57.448" v="240"/>
+          <ac:spMkLst>
+            <pc:docMk/>
+            <pc:sldMk cId="655806041" sldId="261"/>
+            <ac:spMk id="6" creationId="{1CED8643-F7F3-C007-7A19-EFAEFDAFB953}"/>
+          </ac:spMkLst>
+        </pc:spChg>
+        <pc:spChg chg="add del">
+          <ac:chgData name="Sam De Wispelaere" userId="S::r0986076@student.vives.be::e9ee75a4-3b98-416e-a358-897d61f9ac81" providerId="AD" clId="Web-{F225EB62-DA80-F01E-AD4D-38C676D73024}" dt="2025-03-25T14:26:57.432" v="239"/>
+          <ac:spMkLst>
+            <pc:docMk/>
+            <pc:sldMk cId="655806041" sldId="261"/>
+            <ac:spMk id="12" creationId="{04812C46-200A-4DEB-A05E-3ED6C68C2387}"/>
+          </ac:spMkLst>
+        </pc:spChg>
+        <pc:spChg chg="add del">
+          <ac:chgData name="Sam De Wispelaere" userId="S::r0986076@student.vives.be::e9ee75a4-3b98-416e-a358-897d61f9ac81" providerId="AD" clId="Web-{F225EB62-DA80-F01E-AD4D-38C676D73024}" dt="2025-03-25T14:26:57.432" v="239"/>
+          <ac:spMkLst>
+            <pc:docMk/>
+            <pc:sldMk cId="655806041" sldId="261"/>
+            <ac:spMk id="14" creationId="{D1EA859B-E555-4109-94F3-6700E046E008}"/>
+          </ac:spMkLst>
+        </pc:spChg>
+        <pc:spChg chg="add">
+          <ac:chgData name="Sam De Wispelaere" userId="S::r0986076@student.vives.be::e9ee75a4-3b98-416e-a358-897d61f9ac81" providerId="AD" clId="Web-{F225EB62-DA80-F01E-AD4D-38C676D73024}" dt="2025-03-25T14:26:57.448" v="240"/>
+          <ac:spMkLst>
+            <pc:docMk/>
+            <pc:sldMk cId="655806041" sldId="261"/>
+            <ac:spMk id="16" creationId="{04812C46-200A-4DEB-A05E-3ED6C68C2387}"/>
+          </ac:spMkLst>
+        </pc:spChg>
+        <pc:spChg chg="add">
+          <ac:chgData name="Sam De Wispelaere" userId="S::r0986076@student.vives.be::e9ee75a4-3b98-416e-a358-897d61f9ac81" providerId="AD" clId="Web-{F225EB62-DA80-F01E-AD4D-38C676D73024}" dt="2025-03-25T14:26:57.448" v="240"/>
+          <ac:spMkLst>
+            <pc:docMk/>
+            <pc:sldMk cId="655806041" sldId="261"/>
+            <ac:spMk id="17" creationId="{D1EA859B-E555-4109-94F3-6700E046E008}"/>
+          </ac:spMkLst>
+        </pc:spChg>
+        <pc:picChg chg="add mod ord">
+          <ac:chgData name="Sam De Wispelaere" userId="S::r0986076@student.vives.be::e9ee75a4-3b98-416e-a358-897d61f9ac81" providerId="AD" clId="Web-{F225EB62-DA80-F01E-AD4D-38C676D73024}" dt="2025-03-25T14:26:57.448" v="240"/>
+          <ac:picMkLst>
+            <pc:docMk/>
+            <pc:sldMk cId="655806041" sldId="261"/>
+            <ac:picMk id="7" creationId="{914DEE86-65EE-8CCF-7809-6405BD89C22A}"/>
+          </ac:picMkLst>
+        </pc:picChg>
+      </pc:sldChg>
+      <pc:sldMasterChg chg="del delSldLayout">
+        <pc:chgData name="Sam De Wispelaere" userId="S::r0986076@student.vives.be::e9ee75a4-3b98-416e-a358-897d61f9ac81" providerId="AD" clId="Web-{F225EB62-DA80-F01E-AD4D-38C676D73024}" dt="2025-03-25T14:20:45.544" v="214"/>
+        <pc:sldMasterMkLst>
+          <pc:docMk/>
+          <pc:sldMasterMk cId="663473969" sldId="2147483648"/>
+        </pc:sldMasterMkLst>
+        <pc:sldLayoutChg chg="del">
+          <pc:chgData name="Sam De Wispelaere" userId="S::r0986076@student.vives.be::e9ee75a4-3b98-416e-a358-897d61f9ac81" providerId="AD" clId="Web-{F225EB62-DA80-F01E-AD4D-38C676D73024}" dt="2025-03-25T14:20:45.544" v="214"/>
+          <pc:sldLayoutMkLst>
+            <pc:docMk/>
+            <pc:sldMasterMk cId="663473969" sldId="2147483648"/>
+            <pc:sldLayoutMk cId="1308989706" sldId="2147483649"/>
+          </pc:sldLayoutMkLst>
+        </pc:sldLayoutChg>
+        <pc:sldLayoutChg chg="del">
+          <pc:chgData name="Sam De Wispelaere" userId="S::r0986076@student.vives.be::e9ee75a4-3b98-416e-a358-897d61f9ac81" providerId="AD" clId="Web-{F225EB62-DA80-F01E-AD4D-38C676D73024}" dt="2025-03-25T14:20:45.544" v="214"/>
+          <pc:sldLayoutMkLst>
+            <pc:docMk/>
+            <pc:sldMasterMk cId="663473969" sldId="2147483648"/>
+            <pc:sldLayoutMk cId="350409375" sldId="2147483650"/>
+          </pc:sldLayoutMkLst>
+        </pc:sldLayoutChg>
+        <pc:sldLayoutChg chg="del">
+          <pc:chgData name="Sam De Wispelaere" userId="S::r0986076@student.vives.be::e9ee75a4-3b98-416e-a358-897d61f9ac81" providerId="AD" clId="Web-{F225EB62-DA80-F01E-AD4D-38C676D73024}" dt="2025-03-25T14:20:45.544" v="214"/>
+          <pc:sldLayoutMkLst>
+            <pc:docMk/>
+            <pc:sldMasterMk cId="663473969" sldId="2147483648"/>
+            <pc:sldLayoutMk cId="2986431756" sldId="2147483651"/>
+          </pc:sldLayoutMkLst>
+        </pc:sldLayoutChg>
+        <pc:sldLayoutChg chg="del">
+          <pc:chgData name="Sam De Wispelaere" userId="S::r0986076@student.vives.be::e9ee75a4-3b98-416e-a358-897d61f9ac81" providerId="AD" clId="Web-{F225EB62-DA80-F01E-AD4D-38C676D73024}" dt="2025-03-25T14:20:45.544" v="214"/>
+          <pc:sldLayoutMkLst>
+            <pc:docMk/>
+            <pc:sldMasterMk cId="663473969" sldId="2147483648"/>
+            <pc:sldLayoutMk cId="367210854" sldId="2147483652"/>
+          </pc:sldLayoutMkLst>
+        </pc:sldLayoutChg>
+        <pc:sldLayoutChg chg="del">
+          <pc:chgData name="Sam De Wispelaere" userId="S::r0986076@student.vives.be::e9ee75a4-3b98-416e-a358-897d61f9ac81" providerId="AD" clId="Web-{F225EB62-DA80-F01E-AD4D-38C676D73024}" dt="2025-03-25T14:20:45.544" v="214"/>
+          <pc:sldLayoutMkLst>
+            <pc:docMk/>
+            <pc:sldMasterMk cId="663473969" sldId="2147483648"/>
+            <pc:sldLayoutMk cId="760695061" sldId="2147483653"/>
+          </pc:sldLayoutMkLst>
+        </pc:sldLayoutChg>
+        <pc:sldLayoutChg chg="del">
+          <pc:chgData name="Sam De Wispelaere" userId="S::r0986076@student.vives.be::e9ee75a4-3b98-416e-a358-897d61f9ac81" providerId="AD" clId="Web-{F225EB62-DA80-F01E-AD4D-38C676D73024}" dt="2025-03-25T14:20:45.544" v="214"/>
+          <pc:sldLayoutMkLst>
+            <pc:docMk/>
+            <pc:sldMasterMk cId="663473969" sldId="2147483648"/>
+            <pc:sldLayoutMk cId="2385443403" sldId="2147483654"/>
+          </pc:sldLayoutMkLst>
+        </pc:sldLayoutChg>
+        <pc:sldLayoutChg chg="del">
+          <pc:chgData name="Sam De Wispelaere" userId="S::r0986076@student.vives.be::e9ee75a4-3b98-416e-a358-897d61f9ac81" providerId="AD" clId="Web-{F225EB62-DA80-F01E-AD4D-38C676D73024}" dt="2025-03-25T14:20:45.544" v="214"/>
+          <pc:sldLayoutMkLst>
+            <pc:docMk/>
+            <pc:sldMasterMk cId="663473969" sldId="2147483648"/>
+            <pc:sldLayoutMk cId="4263266532" sldId="2147483655"/>
+          </pc:sldLayoutMkLst>
+        </pc:sldLayoutChg>
+        <pc:sldLayoutChg chg="del">
+          <pc:chgData name="Sam De Wispelaere" userId="S::r0986076@student.vives.be::e9ee75a4-3b98-416e-a358-897d61f9ac81" providerId="AD" clId="Web-{F225EB62-DA80-F01E-AD4D-38C676D73024}" dt="2025-03-25T14:20:45.544" v="214"/>
+          <pc:sldLayoutMkLst>
+            <pc:docMk/>
+            <pc:sldMasterMk cId="663473969" sldId="2147483648"/>
+            <pc:sldLayoutMk cId="394922470" sldId="2147483656"/>
+          </pc:sldLayoutMkLst>
+        </pc:sldLayoutChg>
+        <pc:sldLayoutChg chg="del">
+          <pc:chgData name="Sam De Wispelaere" userId="S::r0986076@student.vives.be::e9ee75a4-3b98-416e-a358-897d61f9ac81" providerId="AD" clId="Web-{F225EB62-DA80-F01E-AD4D-38C676D73024}" dt="2025-03-25T14:20:45.544" v="214"/>
+          <pc:sldLayoutMkLst>
+            <pc:docMk/>
+            <pc:sldMasterMk cId="663473969" sldId="2147483648"/>
+            <pc:sldLayoutMk cId="2889705571" sldId="2147483657"/>
+          </pc:sldLayoutMkLst>
+        </pc:sldLayoutChg>
+        <pc:sldLayoutChg chg="del">
+          <pc:chgData name="Sam De Wispelaere" userId="S::r0986076@student.vives.be::e9ee75a4-3b98-416e-a358-897d61f9ac81" providerId="AD" clId="Web-{F225EB62-DA80-F01E-AD4D-38C676D73024}" dt="2025-03-25T14:20:45.544" v="214"/>
+          <pc:sldLayoutMkLst>
+            <pc:docMk/>
+            <pc:sldMasterMk cId="663473969" sldId="2147483648"/>
+            <pc:sldLayoutMk cId="2356645031" sldId="2147483658"/>
+          </pc:sldLayoutMkLst>
+        </pc:sldLayoutChg>
+        <pc:sldLayoutChg chg="del">
+          <pc:chgData name="Sam De Wispelaere" userId="S::r0986076@student.vives.be::e9ee75a4-3b98-416e-a358-897d61f9ac81" providerId="AD" clId="Web-{F225EB62-DA80-F01E-AD4D-38C676D73024}" dt="2025-03-25T14:20:45.544" v="214"/>
+          <pc:sldLayoutMkLst>
+            <pc:docMk/>
+            <pc:sldMasterMk cId="663473969" sldId="2147483648"/>
+            <pc:sldLayoutMk cId="2398762794" sldId="2147483659"/>
+          </pc:sldLayoutMkLst>
+        </pc:sldLayoutChg>
+      </pc:sldMasterChg>
+      <pc:sldMasterChg chg="add addSldLayout modSldLayout">
+        <pc:chgData name="Sam De Wispelaere" userId="S::r0986076@student.vives.be::e9ee75a4-3b98-416e-a358-897d61f9ac81" providerId="AD" clId="Web-{F225EB62-DA80-F01E-AD4D-38C676D73024}" dt="2025-03-25T14:20:45.544" v="214"/>
+        <pc:sldMasterMkLst>
+          <pc:docMk/>
+          <pc:sldMasterMk cId="509044710" sldId="2147483660"/>
+        </pc:sldMasterMkLst>
+        <pc:sldLayoutChg chg="add mod replId">
+          <pc:chgData name="Sam De Wispelaere" userId="S::r0986076@student.vives.be::e9ee75a4-3b98-416e-a358-897d61f9ac81" providerId="AD" clId="Web-{F225EB62-DA80-F01E-AD4D-38C676D73024}" dt="2025-03-25T14:20:45.544" v="214"/>
+          <pc:sldLayoutMkLst>
+            <pc:docMk/>
+            <pc:sldMasterMk cId="509044710" sldId="2147483660"/>
+            <pc:sldLayoutMk cId="621894700" sldId="2147483661"/>
+          </pc:sldLayoutMkLst>
+        </pc:sldLayoutChg>
+        <pc:sldLayoutChg chg="add mod replId">
+          <pc:chgData name="Sam De Wispelaere" userId="S::r0986076@student.vives.be::e9ee75a4-3b98-416e-a358-897d61f9ac81" providerId="AD" clId="Web-{F225EB62-DA80-F01E-AD4D-38C676D73024}" dt="2025-03-25T14:20:45.544" v="214"/>
+          <pc:sldLayoutMkLst>
+            <pc:docMk/>
+            <pc:sldMasterMk cId="509044710" sldId="2147483660"/>
+            <pc:sldLayoutMk cId="798116607" sldId="2147483662"/>
+          </pc:sldLayoutMkLst>
+        </pc:sldLayoutChg>
+        <pc:sldLayoutChg chg="add mod replId">
+          <pc:chgData name="Sam De Wispelaere" userId="S::r0986076@student.vives.be::e9ee75a4-3b98-416e-a358-897d61f9ac81" providerId="AD" clId="Web-{F225EB62-DA80-F01E-AD4D-38C676D73024}" dt="2025-03-25T14:20:45.544" v="214"/>
+          <pc:sldLayoutMkLst>
+            <pc:docMk/>
+            <pc:sldMasterMk cId="509044710" sldId="2147483660"/>
+            <pc:sldLayoutMk cId="1491919298" sldId="2147483663"/>
+          </pc:sldLayoutMkLst>
+        </pc:sldLayoutChg>
+        <pc:sldLayoutChg chg="add mod replId">
+          <pc:chgData name="Sam De Wispelaere" userId="S::r0986076@student.vives.be::e9ee75a4-3b98-416e-a358-897d61f9ac81" providerId="AD" clId="Web-{F225EB62-DA80-F01E-AD4D-38C676D73024}" dt="2025-03-25T14:20:45.544" v="214"/>
+          <pc:sldLayoutMkLst>
+            <pc:docMk/>
+            <pc:sldMasterMk cId="509044710" sldId="2147483660"/>
+            <pc:sldLayoutMk cId="237909743" sldId="2147483664"/>
+          </pc:sldLayoutMkLst>
+        </pc:sldLayoutChg>
+        <pc:sldLayoutChg chg="add mod replId">
+          <pc:chgData name="Sam De Wispelaere" userId="S::r0986076@student.vives.be::e9ee75a4-3b98-416e-a358-897d61f9ac81" providerId="AD" clId="Web-{F225EB62-DA80-F01E-AD4D-38C676D73024}" dt="2025-03-25T14:20:45.544" v="214"/>
+          <pc:sldLayoutMkLst>
+            <pc:docMk/>
+            <pc:sldMasterMk cId="509044710" sldId="2147483660"/>
+            <pc:sldLayoutMk cId="318893431" sldId="2147483665"/>
+          </pc:sldLayoutMkLst>
+        </pc:sldLayoutChg>
+        <pc:sldLayoutChg chg="add mod replId">
+          <pc:chgData name="Sam De Wispelaere" userId="S::r0986076@student.vives.be::e9ee75a4-3b98-416e-a358-897d61f9ac81" providerId="AD" clId="Web-{F225EB62-DA80-F01E-AD4D-38C676D73024}" dt="2025-03-25T14:20:45.544" v="214"/>
+          <pc:sldLayoutMkLst>
+            <pc:docMk/>
+            <pc:sldMasterMk cId="509044710" sldId="2147483660"/>
+            <pc:sldLayoutMk cId="837360113" sldId="2147483666"/>
+          </pc:sldLayoutMkLst>
+        </pc:sldLayoutChg>
+        <pc:sldLayoutChg chg="add mod replId">
+          <pc:chgData name="Sam De Wispelaere" userId="S::r0986076@student.vives.be::e9ee75a4-3b98-416e-a358-897d61f9ac81" providerId="AD" clId="Web-{F225EB62-DA80-F01E-AD4D-38C676D73024}" dt="2025-03-25T14:20:45.544" v="214"/>
+          <pc:sldLayoutMkLst>
+            <pc:docMk/>
+            <pc:sldMasterMk cId="509044710" sldId="2147483660"/>
+            <pc:sldLayoutMk cId="2011365422" sldId="2147483667"/>
+          </pc:sldLayoutMkLst>
+        </pc:sldLayoutChg>
+        <pc:sldLayoutChg chg="add mod replId">
+          <pc:chgData name="Sam De Wispelaere" userId="S::r0986076@student.vives.be::e9ee75a4-3b98-416e-a358-897d61f9ac81" providerId="AD" clId="Web-{F225EB62-DA80-F01E-AD4D-38C676D73024}" dt="2025-03-25T14:20:45.544" v="214"/>
+          <pc:sldLayoutMkLst>
+            <pc:docMk/>
+            <pc:sldMasterMk cId="509044710" sldId="2147483660"/>
+            <pc:sldLayoutMk cId="275994968" sldId="2147483668"/>
+          </pc:sldLayoutMkLst>
+        </pc:sldLayoutChg>
+        <pc:sldLayoutChg chg="add mod replId">
+          <pc:chgData name="Sam De Wispelaere" userId="S::r0986076@student.vives.be::e9ee75a4-3b98-416e-a358-897d61f9ac81" providerId="AD" clId="Web-{F225EB62-DA80-F01E-AD4D-38C676D73024}" dt="2025-03-25T14:20:45.544" v="214"/>
+          <pc:sldLayoutMkLst>
+            <pc:docMk/>
+            <pc:sldMasterMk cId="509044710" sldId="2147483660"/>
+            <pc:sldLayoutMk cId="4251530485" sldId="2147483669"/>
+          </pc:sldLayoutMkLst>
+        </pc:sldLayoutChg>
+        <pc:sldLayoutChg chg="add mod replId">
+          <pc:chgData name="Sam De Wispelaere" userId="S::r0986076@student.vives.be::e9ee75a4-3b98-416e-a358-897d61f9ac81" providerId="AD" clId="Web-{F225EB62-DA80-F01E-AD4D-38C676D73024}" dt="2025-03-25T14:20:45.544" v="214"/>
+          <pc:sldLayoutMkLst>
+            <pc:docMk/>
+            <pc:sldMasterMk cId="509044710" sldId="2147483660"/>
+            <pc:sldLayoutMk cId="4034566796" sldId="2147483670"/>
+          </pc:sldLayoutMkLst>
+        </pc:sldLayoutChg>
+        <pc:sldLayoutChg chg="add mod replId">
+          <pc:chgData name="Sam De Wispelaere" userId="S::r0986076@student.vives.be::e9ee75a4-3b98-416e-a358-897d61f9ac81" providerId="AD" clId="Web-{F225EB62-DA80-F01E-AD4D-38C676D73024}" dt="2025-03-25T14:20:45.544" v="214"/>
+          <pc:sldLayoutMkLst>
+            <pc:docMk/>
+            <pc:sldMasterMk cId="509044710" sldId="2147483660"/>
+            <pc:sldLayoutMk cId="1793215525" sldId="2147483671"/>
+          </pc:sldLayoutMkLst>
+        </pc:sldLayoutChg>
+      </pc:sldMasterChg>
+    </pc:docChg>
+  </pc:docChgLst>
 </pc:chgInfo>
 </file>
 
 <file path=ppt/slideLayouts/slideLayout1.xml><?xml version="1.0" encoding="utf-8"?>
 <p:sldLayout xmlns:a="http://schemas.openxmlformats.org/drawingml/2006/main" xmlns:r="http://schemas.openxmlformats.org/officeDocument/2006/relationships" xmlns:p="http://schemas.openxmlformats.org/presentationml/2006/main" type="title" preserve="1">
-  <p:cSld name="Titeldia">
+  <p:cSld name="Title Slide">
     <p:spTree>
       <p:nvGrpSpPr>
         <p:cNvPr id="1" name=""/>
@@ -846,13 +1393,7 @@
       </p:grpSpPr>
       <p:sp>
         <p:nvSpPr>
-          <p:cNvPr id="2" name="Titel 1">
-            <a:extLst>
-              <a:ext uri="{FF2B5EF4-FFF2-40B4-BE49-F238E27FC236}">
-                <a16:creationId xmlns:a16="http://schemas.microsoft.com/office/drawing/2014/main" id="{ED72A000-4497-4AE4-BA24-E0F899A5FABD}"/>
-              </a:ext>
-            </a:extLst>
-          </p:cNvPr>
+          <p:cNvPr id="2" name="Title 1"/>
           <p:cNvSpPr>
             <a:spLocks noGrp="1"/>
           </p:cNvSpPr>
@@ -875,22 +1416,15 @@
           </a:lstStyle>
           <a:p>
             <a:r>
-              <a:rPr lang="nl-NL"/>
-              <a:t>Klik om stijl te bewerken</a:t>
-            </a:r>
-            <a:endParaRPr lang="nl-BE"/>
-          </a:p>
-        </p:txBody>
-      </p:sp>
-      <p:sp>
-        <p:nvSpPr>
-          <p:cNvPr id="3" name="Ondertitel 2">
-            <a:extLst>
-              <a:ext uri="{FF2B5EF4-FFF2-40B4-BE49-F238E27FC236}">
-                <a16:creationId xmlns:a16="http://schemas.microsoft.com/office/drawing/2014/main" id="{8F7A0874-84DC-4E0D-AD8A-28C31D16A9D6}"/>
-              </a:ext>
-            </a:extLst>
-          </p:cNvPr>
+              <a:rPr lang="en-US"/>
+              <a:t>Click to edit Master title style</a:t>
+            </a:r>
+          </a:p>
+        </p:txBody>
+      </p:sp>
+      <p:sp>
+        <p:nvSpPr>
+          <p:cNvPr id="3" name="Subtitle 2"/>
           <p:cNvSpPr>
             <a:spLocks noGrp="1"/>
           </p:cNvSpPr>
@@ -946,22 +1480,15 @@
           </a:lstStyle>
           <a:p>
             <a:r>
-              <a:rPr lang="nl-NL"/>
-              <a:t>Klikken om de ondertitelstijl van het model te bewerken</a:t>
-            </a:r>
-            <a:endParaRPr lang="nl-BE"/>
-          </a:p>
-        </p:txBody>
-      </p:sp>
-      <p:sp>
-        <p:nvSpPr>
-          <p:cNvPr id="4" name="Tijdelijke aanduiding voor datum 3">
-            <a:extLst>
-              <a:ext uri="{FF2B5EF4-FFF2-40B4-BE49-F238E27FC236}">
-                <a16:creationId xmlns:a16="http://schemas.microsoft.com/office/drawing/2014/main" id="{0DEEBB44-4F15-4809-8E26-431CC90E62BD}"/>
-              </a:ext>
-            </a:extLst>
-          </p:cNvPr>
+              <a:rPr lang="en-US"/>
+              <a:t>Click to edit Master subtitle style</a:t>
+            </a:r>
+          </a:p>
+        </p:txBody>
+      </p:sp>
+      <p:sp>
+        <p:nvSpPr>
+          <p:cNvPr id="4" name="Date Placeholder 3"/>
           <p:cNvSpPr>
             <a:spLocks noGrp="1"/>
           </p:cNvSpPr>
@@ -974,23 +1501,17 @@
           <a:bodyPr/>
           <a:lstStyle/>
           <a:p>
-            <a:fld id="{C5CC8023-CF4E-4A1F-BCFB-3133EBC3D918}" type="datetimeFigureOut">
-              <a:rPr lang="nl-BE" smtClean="0"/>
-              <a:t>24/03/2025</a:t>
+            <a:fld id="{C764DE79-268F-4C1A-8933-263129D2AF90}" type="datetimeFigureOut">
+              <a:rPr lang="en-US" dirty="0"/>
+              <a:t>3/25/2025</a:t>
             </a:fld>
-            <a:endParaRPr lang="nl-BE"/>
-          </a:p>
-        </p:txBody>
-      </p:sp>
-      <p:sp>
-        <p:nvSpPr>
-          <p:cNvPr id="5" name="Tijdelijke aanduiding voor voettekst 4">
-            <a:extLst>
-              <a:ext uri="{FF2B5EF4-FFF2-40B4-BE49-F238E27FC236}">
-                <a16:creationId xmlns:a16="http://schemas.microsoft.com/office/drawing/2014/main" id="{7DF21121-D233-4586-B9C4-1B933F304729}"/>
-              </a:ext>
-            </a:extLst>
-          </p:cNvPr>
+            <a:endParaRPr lang="en-US"/>
+          </a:p>
+        </p:txBody>
+      </p:sp>
+      <p:sp>
+        <p:nvSpPr>
+          <p:cNvPr id="5" name="Footer Placeholder 4"/>
           <p:cNvSpPr>
             <a:spLocks noGrp="1"/>
           </p:cNvSpPr>
@@ -1003,19 +1524,13 @@
           <a:bodyPr/>
           <a:lstStyle/>
           <a:p>
-            <a:endParaRPr lang="nl-BE"/>
-          </a:p>
-        </p:txBody>
-      </p:sp>
-      <p:sp>
-        <p:nvSpPr>
-          <p:cNvPr id="6" name="Tijdelijke aanduiding voor dianummer 5">
-            <a:extLst>
-              <a:ext uri="{FF2B5EF4-FFF2-40B4-BE49-F238E27FC236}">
-                <a16:creationId xmlns:a16="http://schemas.microsoft.com/office/drawing/2014/main" id="{D549099D-59A5-4583-B3A6-93D03CEDB7D0}"/>
-              </a:ext>
-            </a:extLst>
-          </p:cNvPr>
+            <a:endParaRPr lang="en-US"/>
+          </a:p>
+        </p:txBody>
+      </p:sp>
+      <p:sp>
+        <p:nvSpPr>
+          <p:cNvPr id="6" name="Slide Number Placeholder 5"/>
           <p:cNvSpPr>
             <a:spLocks noGrp="1"/>
           </p:cNvSpPr>
@@ -1028,18 +1543,18 @@
           <a:bodyPr/>
           <a:lstStyle/>
           <a:p>
-            <a:fld id="{59F3E917-E207-42A9-A63F-77B5E6A61A0C}" type="slidenum">
-              <a:rPr lang="nl-BE" smtClean="0"/>
-              <a:t>‹nr.›</a:t>
+            <a:fld id="{48F63A3B-78C7-47BE-AE5E-E10140E04643}" type="slidenum">
+              <a:rPr lang="en-US" dirty="0"/>
+              <a:t>‹#›</a:t>
             </a:fld>
-            <a:endParaRPr lang="nl-BE"/>
+            <a:endParaRPr lang="en-US"/>
           </a:p>
         </p:txBody>
       </p:sp>
     </p:spTree>
     <p:extLst>
       <p:ext uri="{BB962C8B-B14F-4D97-AF65-F5344CB8AC3E}">
-        <p14:creationId xmlns:p14="http://schemas.microsoft.com/office/powerpoint/2010/main" val="1308989706"/>
+        <p14:creationId xmlns:p14="http://schemas.microsoft.com/office/powerpoint/2010/main" val="621894700"/>
       </p:ext>
     </p:extLst>
   </p:cSld>
@@ -1051,7 +1566,7 @@
 
 <file path=ppt/slideLayouts/slideLayout10.xml><?xml version="1.0" encoding="utf-8"?>
 <p:sldLayout xmlns:a="http://schemas.openxmlformats.org/drawingml/2006/main" xmlns:r="http://schemas.openxmlformats.org/officeDocument/2006/relationships" xmlns:p="http://schemas.openxmlformats.org/presentationml/2006/main" type="vertTx" preserve="1">
-  <p:cSld name="Titel en verticale tekst">
+  <p:cSld name="Title and Vertical Text">
     <p:spTree>
       <p:nvGrpSpPr>
         <p:cNvPr id="1" name=""/>
@@ -1068,13 +1583,7 @@
       </p:grpSpPr>
       <p:sp>
         <p:nvSpPr>
-          <p:cNvPr id="2" name="Titel 1">
-            <a:extLst>
-              <a:ext uri="{FF2B5EF4-FFF2-40B4-BE49-F238E27FC236}">
-                <a16:creationId xmlns:a16="http://schemas.microsoft.com/office/drawing/2014/main" id="{339EED73-5932-48D8-BF10-FCE5B7768E41}"/>
-              </a:ext>
-            </a:extLst>
-          </p:cNvPr>
+          <p:cNvPr id="2" name="Title 1"/>
           <p:cNvSpPr>
             <a:spLocks noGrp="1"/>
           </p:cNvSpPr>
@@ -1088,22 +1597,15 @@
           <a:lstStyle/>
           <a:p>
             <a:r>
-              <a:rPr lang="nl-NL"/>
-              <a:t>Klik om stijl te bewerken</a:t>
-            </a:r>
-            <a:endParaRPr lang="nl-BE"/>
-          </a:p>
-        </p:txBody>
-      </p:sp>
-      <p:sp>
-        <p:nvSpPr>
-          <p:cNvPr id="3" name="Tijdelijke aanduiding voor verticale tekst 2">
-            <a:extLst>
-              <a:ext uri="{FF2B5EF4-FFF2-40B4-BE49-F238E27FC236}">
-                <a16:creationId xmlns:a16="http://schemas.microsoft.com/office/drawing/2014/main" id="{5837E07A-3403-4725-A181-216E39A62B52}"/>
-              </a:ext>
-            </a:extLst>
-          </p:cNvPr>
+              <a:rPr lang="en-US"/>
+              <a:t>Click to edit Master title style</a:t>
+            </a:r>
+          </a:p>
+        </p:txBody>
+      </p:sp>
+      <p:sp>
+        <p:nvSpPr>
+          <p:cNvPr id="3" name="Vertical Text Placeholder 2"/>
           <p:cNvSpPr>
             <a:spLocks noGrp="1"/>
           </p:cNvSpPr>
@@ -1118,50 +1620,43 @@
           <a:p>
             <a:pPr lvl="0"/>
             <a:r>
-              <a:rPr lang="nl-NL"/>
-              <a:t>Klikken om de tekststijl van het model te bewerken</a:t>
+              <a:rPr lang="en-US"/>
+              <a:t>Click to edit Master text styles</a:t>
             </a:r>
           </a:p>
           <a:p>
             <a:pPr lvl="1"/>
             <a:r>
-              <a:rPr lang="nl-NL"/>
-              <a:t>Tweede niveau</a:t>
+              <a:rPr lang="en-US"/>
+              <a:t>Second level</a:t>
             </a:r>
           </a:p>
           <a:p>
             <a:pPr lvl="2"/>
             <a:r>
-              <a:rPr lang="nl-NL"/>
-              <a:t>Derde niveau</a:t>
+              <a:rPr lang="en-US"/>
+              <a:t>Third level</a:t>
             </a:r>
           </a:p>
           <a:p>
             <a:pPr lvl="3"/>
             <a:r>
-              <a:rPr lang="nl-NL"/>
-              <a:t>Vierde niveau</a:t>
+              <a:rPr lang="en-US"/>
+              <a:t>Fourth level</a:t>
             </a:r>
           </a:p>
           <a:p>
             <a:pPr lvl="4"/>
             <a:r>
-              <a:rPr lang="nl-NL"/>
-              <a:t>Vijfde niveau</a:t>
-            </a:r>
-            <a:endParaRPr lang="nl-BE"/>
-          </a:p>
-        </p:txBody>
-      </p:sp>
-      <p:sp>
-        <p:nvSpPr>
-          <p:cNvPr id="4" name="Tijdelijke aanduiding voor datum 3">
-            <a:extLst>
-              <a:ext uri="{FF2B5EF4-FFF2-40B4-BE49-F238E27FC236}">
-                <a16:creationId xmlns:a16="http://schemas.microsoft.com/office/drawing/2014/main" id="{CB83D536-8D52-411A-9D79-16DFCB7D9194}"/>
-              </a:ext>
-            </a:extLst>
-          </p:cNvPr>
+              <a:rPr lang="en-US"/>
+              <a:t>Fifth level</a:t>
+            </a:r>
+          </a:p>
+        </p:txBody>
+      </p:sp>
+      <p:sp>
+        <p:nvSpPr>
+          <p:cNvPr id="4" name="Date Placeholder 3"/>
           <p:cNvSpPr>
             <a:spLocks noGrp="1"/>
           </p:cNvSpPr>
@@ -1174,23 +1669,17 @@
           <a:bodyPr/>
           <a:lstStyle/>
           <a:p>
-            <a:fld id="{C5CC8023-CF4E-4A1F-BCFB-3133EBC3D918}" type="datetimeFigureOut">
-              <a:rPr lang="nl-BE" smtClean="0"/>
-              <a:t>24/03/2025</a:t>
+            <a:fld id="{C764DE79-268F-4C1A-8933-263129D2AF90}" type="datetimeFigureOut">
+              <a:rPr lang="en-US" dirty="0"/>
+              <a:t>3/25/2025</a:t>
             </a:fld>
-            <a:endParaRPr lang="nl-BE"/>
-          </a:p>
-        </p:txBody>
-      </p:sp>
-      <p:sp>
-        <p:nvSpPr>
-          <p:cNvPr id="5" name="Tijdelijke aanduiding voor voettekst 4">
-            <a:extLst>
-              <a:ext uri="{FF2B5EF4-FFF2-40B4-BE49-F238E27FC236}">
-                <a16:creationId xmlns:a16="http://schemas.microsoft.com/office/drawing/2014/main" id="{8E93D57D-E742-4AAD-ACF8-0BD4FF37B8F5}"/>
-              </a:ext>
-            </a:extLst>
-          </p:cNvPr>
+            <a:endParaRPr lang="en-US"/>
+          </a:p>
+        </p:txBody>
+      </p:sp>
+      <p:sp>
+        <p:nvSpPr>
+          <p:cNvPr id="5" name="Footer Placeholder 4"/>
           <p:cNvSpPr>
             <a:spLocks noGrp="1"/>
           </p:cNvSpPr>
@@ -1203,19 +1692,13 @@
           <a:bodyPr/>
           <a:lstStyle/>
           <a:p>
-            <a:endParaRPr lang="nl-BE"/>
-          </a:p>
-        </p:txBody>
-      </p:sp>
-      <p:sp>
-        <p:nvSpPr>
-          <p:cNvPr id="6" name="Tijdelijke aanduiding voor dianummer 5">
-            <a:extLst>
-              <a:ext uri="{FF2B5EF4-FFF2-40B4-BE49-F238E27FC236}">
-                <a16:creationId xmlns:a16="http://schemas.microsoft.com/office/drawing/2014/main" id="{865B6133-5F0C-428D-9975-DC350CFA0FF6}"/>
-              </a:ext>
-            </a:extLst>
-          </p:cNvPr>
+            <a:endParaRPr lang="en-US"/>
+          </a:p>
+        </p:txBody>
+      </p:sp>
+      <p:sp>
+        <p:nvSpPr>
+          <p:cNvPr id="6" name="Slide Number Placeholder 5"/>
           <p:cNvSpPr>
             <a:spLocks noGrp="1"/>
           </p:cNvSpPr>
@@ -1228,18 +1711,18 @@
           <a:bodyPr/>
           <a:lstStyle/>
           <a:p>
-            <a:fld id="{59F3E917-E207-42A9-A63F-77B5E6A61A0C}" type="slidenum">
-              <a:rPr lang="nl-BE" smtClean="0"/>
-              <a:t>‹nr.›</a:t>
+            <a:fld id="{48F63A3B-78C7-47BE-AE5E-E10140E04643}" type="slidenum">
+              <a:rPr lang="en-US" dirty="0"/>
+              <a:t>‹#›</a:t>
             </a:fld>
-            <a:endParaRPr lang="nl-BE"/>
+            <a:endParaRPr lang="en-US"/>
           </a:p>
         </p:txBody>
       </p:sp>
     </p:spTree>
     <p:extLst>
       <p:ext uri="{BB962C8B-B14F-4D97-AF65-F5344CB8AC3E}">
-        <p14:creationId xmlns:p14="http://schemas.microsoft.com/office/powerpoint/2010/main" val="2356645031"/>
+        <p14:creationId xmlns:p14="http://schemas.microsoft.com/office/powerpoint/2010/main" val="4034566796"/>
       </p:ext>
     </p:extLst>
   </p:cSld>
@@ -1251,7 +1734,7 @@
 
 <file path=ppt/slideLayouts/slideLayout11.xml><?xml version="1.0" encoding="utf-8"?>
 <p:sldLayout xmlns:a="http://schemas.openxmlformats.org/drawingml/2006/main" xmlns:r="http://schemas.openxmlformats.org/officeDocument/2006/relationships" xmlns:p="http://schemas.openxmlformats.org/presentationml/2006/main" type="vertTitleAndTx" preserve="1">
-  <p:cSld name="Verticale titel en tekst">
+  <p:cSld name="Vertical Title and Text">
     <p:spTree>
       <p:nvGrpSpPr>
         <p:cNvPr id="1" name=""/>
@@ -1268,13 +1751,7 @@
       </p:grpSpPr>
       <p:sp>
         <p:nvSpPr>
-          <p:cNvPr id="2" name="Verticale titel 1">
-            <a:extLst>
-              <a:ext uri="{FF2B5EF4-FFF2-40B4-BE49-F238E27FC236}">
-                <a16:creationId xmlns:a16="http://schemas.microsoft.com/office/drawing/2014/main" id="{2FF2BCE3-CFEB-456E-9398-8E546E4D30C2}"/>
-              </a:ext>
-            </a:extLst>
-          </p:cNvPr>
+          <p:cNvPr id="2" name="Vertical Title 1"/>
           <p:cNvSpPr>
             <a:spLocks noGrp="1"/>
           </p:cNvSpPr>
@@ -1293,22 +1770,15 @@
           <a:lstStyle/>
           <a:p>
             <a:r>
-              <a:rPr lang="nl-NL"/>
-              <a:t>Klik om stijl te bewerken</a:t>
-            </a:r>
-            <a:endParaRPr lang="nl-BE"/>
-          </a:p>
-        </p:txBody>
-      </p:sp>
-      <p:sp>
-        <p:nvSpPr>
-          <p:cNvPr id="3" name="Tijdelijke aanduiding voor verticale tekst 2">
-            <a:extLst>
-              <a:ext uri="{FF2B5EF4-FFF2-40B4-BE49-F238E27FC236}">
-                <a16:creationId xmlns:a16="http://schemas.microsoft.com/office/drawing/2014/main" id="{87F5DD35-B9A6-431F-A3D5-70D547204543}"/>
-              </a:ext>
-            </a:extLst>
-          </p:cNvPr>
+              <a:rPr lang="en-US"/>
+              <a:t>Click to edit Master title style</a:t>
+            </a:r>
+          </a:p>
+        </p:txBody>
+      </p:sp>
+      <p:sp>
+        <p:nvSpPr>
+          <p:cNvPr id="3" name="Vertical Text Placeholder 2"/>
           <p:cNvSpPr>
             <a:spLocks noGrp="1"/>
           </p:cNvSpPr>
@@ -1328,50 +1798,43 @@
           <a:p>
             <a:pPr lvl="0"/>
             <a:r>
-              <a:rPr lang="nl-NL"/>
-              <a:t>Klikken om de tekststijl van het model te bewerken</a:t>
+              <a:rPr lang="en-US"/>
+              <a:t>Click to edit Master text styles</a:t>
             </a:r>
           </a:p>
           <a:p>
             <a:pPr lvl="1"/>
             <a:r>
-              <a:rPr lang="nl-NL"/>
-              <a:t>Tweede niveau</a:t>
+              <a:rPr lang="en-US"/>
+              <a:t>Second level</a:t>
             </a:r>
           </a:p>
           <a:p>
             <a:pPr lvl="2"/>
             <a:r>
-              <a:rPr lang="nl-NL"/>
-              <a:t>Derde niveau</a:t>
+              <a:rPr lang="en-US"/>
+              <a:t>Third level</a:t>
             </a:r>
           </a:p>
           <a:p>
             <a:pPr lvl="3"/>
             <a:r>
-              <a:rPr lang="nl-NL"/>
-              <a:t>Vierde niveau</a:t>
+              <a:rPr lang="en-US"/>
+              <a:t>Fourth level</a:t>
             </a:r>
           </a:p>
           <a:p>
             <a:pPr lvl="4"/>
             <a:r>
-              <a:rPr lang="nl-NL"/>
-              <a:t>Vijfde niveau</a:t>
-            </a:r>
-            <a:endParaRPr lang="nl-BE"/>
-          </a:p>
-        </p:txBody>
-      </p:sp>
-      <p:sp>
-        <p:nvSpPr>
-          <p:cNvPr id="4" name="Tijdelijke aanduiding voor datum 3">
-            <a:extLst>
-              <a:ext uri="{FF2B5EF4-FFF2-40B4-BE49-F238E27FC236}">
-                <a16:creationId xmlns:a16="http://schemas.microsoft.com/office/drawing/2014/main" id="{1F9D24FF-E5CF-466B-9886-C826C0D50CCD}"/>
-              </a:ext>
-            </a:extLst>
-          </p:cNvPr>
+              <a:rPr lang="en-US"/>
+              <a:t>Fifth level</a:t>
+            </a:r>
+          </a:p>
+        </p:txBody>
+      </p:sp>
+      <p:sp>
+        <p:nvSpPr>
+          <p:cNvPr id="4" name="Date Placeholder 3"/>
           <p:cNvSpPr>
             <a:spLocks noGrp="1"/>
           </p:cNvSpPr>
@@ -1384,23 +1847,17 @@
           <a:bodyPr/>
           <a:lstStyle/>
           <a:p>
-            <a:fld id="{C5CC8023-CF4E-4A1F-BCFB-3133EBC3D918}" type="datetimeFigureOut">
-              <a:rPr lang="nl-BE" smtClean="0"/>
-              <a:t>24/03/2025</a:t>
+            <a:fld id="{C764DE79-268F-4C1A-8933-263129D2AF90}" type="datetimeFigureOut">
+              <a:rPr lang="en-US" dirty="0"/>
+              <a:t>3/25/2025</a:t>
             </a:fld>
-            <a:endParaRPr lang="nl-BE"/>
-          </a:p>
-        </p:txBody>
-      </p:sp>
-      <p:sp>
-        <p:nvSpPr>
-          <p:cNvPr id="5" name="Tijdelijke aanduiding voor voettekst 4">
-            <a:extLst>
-              <a:ext uri="{FF2B5EF4-FFF2-40B4-BE49-F238E27FC236}">
-                <a16:creationId xmlns:a16="http://schemas.microsoft.com/office/drawing/2014/main" id="{DCCF3489-C8B6-4AE1-89AF-4BD176F1A372}"/>
-              </a:ext>
-            </a:extLst>
-          </p:cNvPr>
+            <a:endParaRPr lang="en-US"/>
+          </a:p>
+        </p:txBody>
+      </p:sp>
+      <p:sp>
+        <p:nvSpPr>
+          <p:cNvPr id="5" name="Footer Placeholder 4"/>
           <p:cNvSpPr>
             <a:spLocks noGrp="1"/>
           </p:cNvSpPr>
@@ -1413,19 +1870,13 @@
           <a:bodyPr/>
           <a:lstStyle/>
           <a:p>
-            <a:endParaRPr lang="nl-BE"/>
-          </a:p>
-        </p:txBody>
-      </p:sp>
-      <p:sp>
-        <p:nvSpPr>
-          <p:cNvPr id="6" name="Tijdelijke aanduiding voor dianummer 5">
-            <a:extLst>
-              <a:ext uri="{FF2B5EF4-FFF2-40B4-BE49-F238E27FC236}">
-                <a16:creationId xmlns:a16="http://schemas.microsoft.com/office/drawing/2014/main" id="{19CD06DF-716F-4D2D-B3BC-5C221D4F842B}"/>
-              </a:ext>
-            </a:extLst>
-          </p:cNvPr>
+            <a:endParaRPr lang="en-US"/>
+          </a:p>
+        </p:txBody>
+      </p:sp>
+      <p:sp>
+        <p:nvSpPr>
+          <p:cNvPr id="6" name="Slide Number Placeholder 5"/>
           <p:cNvSpPr>
             <a:spLocks noGrp="1"/>
           </p:cNvSpPr>
@@ -1438,18 +1889,18 @@
           <a:bodyPr/>
           <a:lstStyle/>
           <a:p>
-            <a:fld id="{59F3E917-E207-42A9-A63F-77B5E6A61A0C}" type="slidenum">
-              <a:rPr lang="nl-BE" smtClean="0"/>
-              <a:t>‹nr.›</a:t>
+            <a:fld id="{48F63A3B-78C7-47BE-AE5E-E10140E04643}" type="slidenum">
+              <a:rPr lang="en-US" dirty="0"/>
+              <a:t>‹#›</a:t>
             </a:fld>
-            <a:endParaRPr lang="nl-BE"/>
+            <a:endParaRPr lang="en-US"/>
           </a:p>
         </p:txBody>
       </p:sp>
     </p:spTree>
     <p:extLst>
       <p:ext uri="{BB962C8B-B14F-4D97-AF65-F5344CB8AC3E}">
-        <p14:creationId xmlns:p14="http://schemas.microsoft.com/office/powerpoint/2010/main" val="2398762794"/>
+        <p14:creationId xmlns:p14="http://schemas.microsoft.com/office/powerpoint/2010/main" val="1793215525"/>
       </p:ext>
     </p:extLst>
   </p:cSld>
@@ -1461,7 +1912,7 @@
 
 <file path=ppt/slideLayouts/slideLayout2.xml><?xml version="1.0" encoding="utf-8"?>
 <p:sldLayout xmlns:a="http://schemas.openxmlformats.org/drawingml/2006/main" xmlns:r="http://schemas.openxmlformats.org/officeDocument/2006/relationships" xmlns:p="http://schemas.openxmlformats.org/presentationml/2006/main" type="obj" preserve="1">
-  <p:cSld name="Titel en object">
+  <p:cSld name="Title and Content">
     <p:spTree>
       <p:nvGrpSpPr>
         <p:cNvPr id="1" name=""/>
@@ -1478,13 +1929,7 @@
       </p:grpSpPr>
       <p:sp>
         <p:nvSpPr>
-          <p:cNvPr id="2" name="Titel 1">
-            <a:extLst>
-              <a:ext uri="{FF2B5EF4-FFF2-40B4-BE49-F238E27FC236}">
-                <a16:creationId xmlns:a16="http://schemas.microsoft.com/office/drawing/2014/main" id="{AEFC971B-EF67-4325-8C56-359B9614FE61}"/>
-              </a:ext>
-            </a:extLst>
-          </p:cNvPr>
+          <p:cNvPr id="2" name="Title 1"/>
           <p:cNvSpPr>
             <a:spLocks noGrp="1"/>
           </p:cNvSpPr>
@@ -1498,22 +1943,15 @@
           <a:lstStyle/>
           <a:p>
             <a:r>
-              <a:rPr lang="nl-NL"/>
-              <a:t>Klik om stijl te bewerken</a:t>
-            </a:r>
-            <a:endParaRPr lang="nl-BE"/>
-          </a:p>
-        </p:txBody>
-      </p:sp>
-      <p:sp>
-        <p:nvSpPr>
-          <p:cNvPr id="3" name="Tijdelijke aanduiding voor inhoud 2">
-            <a:extLst>
-              <a:ext uri="{FF2B5EF4-FFF2-40B4-BE49-F238E27FC236}">
-                <a16:creationId xmlns:a16="http://schemas.microsoft.com/office/drawing/2014/main" id="{689A6B0E-8328-4978-8B07-9E047B2A328A}"/>
-              </a:ext>
-            </a:extLst>
-          </p:cNvPr>
+              <a:rPr lang="en-US"/>
+              <a:t>Click to edit Master title style</a:t>
+            </a:r>
+          </a:p>
+        </p:txBody>
+      </p:sp>
+      <p:sp>
+        <p:nvSpPr>
+          <p:cNvPr id="3" name="Content Placeholder 2"/>
           <p:cNvSpPr>
             <a:spLocks noGrp="1"/>
           </p:cNvSpPr>
@@ -1528,50 +1966,43 @@
           <a:p>
             <a:pPr lvl="0"/>
             <a:r>
-              <a:rPr lang="nl-NL"/>
-              <a:t>Klikken om de tekststijl van het model te bewerken</a:t>
+              <a:rPr lang="en-US"/>
+              <a:t>Click to edit Master text styles</a:t>
             </a:r>
           </a:p>
           <a:p>
             <a:pPr lvl="1"/>
             <a:r>
-              <a:rPr lang="nl-NL"/>
-              <a:t>Tweede niveau</a:t>
+              <a:rPr lang="en-US"/>
+              <a:t>Second level</a:t>
             </a:r>
           </a:p>
           <a:p>
             <a:pPr lvl="2"/>
             <a:r>
-              <a:rPr lang="nl-NL"/>
-              <a:t>Derde niveau</a:t>
+              <a:rPr lang="en-US"/>
+              <a:t>Third level</a:t>
             </a:r>
           </a:p>
           <a:p>
             <a:pPr lvl="3"/>
             <a:r>
-              <a:rPr lang="nl-NL"/>
-              <a:t>Vierde niveau</a:t>
+              <a:rPr lang="en-US"/>
+              <a:t>Fourth level</a:t>
             </a:r>
           </a:p>
           <a:p>
             <a:pPr lvl="4"/>
             <a:r>
-              <a:rPr lang="nl-NL"/>
-              <a:t>Vijfde niveau</a:t>
-            </a:r>
-            <a:endParaRPr lang="nl-BE"/>
-          </a:p>
-        </p:txBody>
-      </p:sp>
-      <p:sp>
-        <p:nvSpPr>
-          <p:cNvPr id="4" name="Tijdelijke aanduiding voor datum 3">
-            <a:extLst>
-              <a:ext uri="{FF2B5EF4-FFF2-40B4-BE49-F238E27FC236}">
-                <a16:creationId xmlns:a16="http://schemas.microsoft.com/office/drawing/2014/main" id="{681E6F2A-D0F9-40F9-A04B-32F18F8D9579}"/>
-              </a:ext>
-            </a:extLst>
-          </p:cNvPr>
+              <a:rPr lang="en-US"/>
+              <a:t>Fifth level</a:t>
+            </a:r>
+          </a:p>
+        </p:txBody>
+      </p:sp>
+      <p:sp>
+        <p:nvSpPr>
+          <p:cNvPr id="4" name="Date Placeholder 3"/>
           <p:cNvSpPr>
             <a:spLocks noGrp="1"/>
           </p:cNvSpPr>
@@ -1584,23 +2015,17 @@
           <a:bodyPr/>
           <a:lstStyle/>
           <a:p>
-            <a:fld id="{C5CC8023-CF4E-4A1F-BCFB-3133EBC3D918}" type="datetimeFigureOut">
-              <a:rPr lang="nl-BE" smtClean="0"/>
-              <a:t>24/03/2025</a:t>
+            <a:fld id="{C764DE79-268F-4C1A-8933-263129D2AF90}" type="datetimeFigureOut">
+              <a:rPr lang="en-US" dirty="0"/>
+              <a:t>3/25/2025</a:t>
             </a:fld>
-            <a:endParaRPr lang="nl-BE"/>
-          </a:p>
-        </p:txBody>
-      </p:sp>
-      <p:sp>
-        <p:nvSpPr>
-          <p:cNvPr id="5" name="Tijdelijke aanduiding voor voettekst 4">
-            <a:extLst>
-              <a:ext uri="{FF2B5EF4-FFF2-40B4-BE49-F238E27FC236}">
-                <a16:creationId xmlns:a16="http://schemas.microsoft.com/office/drawing/2014/main" id="{FAA7EC40-EFA0-4F95-8AF5-134BD6B503B0}"/>
-              </a:ext>
-            </a:extLst>
-          </p:cNvPr>
+            <a:endParaRPr lang="en-US"/>
+          </a:p>
+        </p:txBody>
+      </p:sp>
+      <p:sp>
+        <p:nvSpPr>
+          <p:cNvPr id="5" name="Footer Placeholder 4"/>
           <p:cNvSpPr>
             <a:spLocks noGrp="1"/>
           </p:cNvSpPr>
@@ -1613,19 +2038,13 @@
           <a:bodyPr/>
           <a:lstStyle/>
           <a:p>
-            <a:endParaRPr lang="nl-BE"/>
-          </a:p>
-        </p:txBody>
-      </p:sp>
-      <p:sp>
-        <p:nvSpPr>
-          <p:cNvPr id="6" name="Tijdelijke aanduiding voor dianummer 5">
-            <a:extLst>
-              <a:ext uri="{FF2B5EF4-FFF2-40B4-BE49-F238E27FC236}">
-                <a16:creationId xmlns:a16="http://schemas.microsoft.com/office/drawing/2014/main" id="{0B662BFF-3ADC-4DEC-9CEB-7DF6A114B2D2}"/>
-              </a:ext>
-            </a:extLst>
-          </p:cNvPr>
+            <a:endParaRPr lang="en-US"/>
+          </a:p>
+        </p:txBody>
+      </p:sp>
+      <p:sp>
+        <p:nvSpPr>
+          <p:cNvPr id="6" name="Slide Number Placeholder 5"/>
           <p:cNvSpPr>
             <a:spLocks noGrp="1"/>
           </p:cNvSpPr>
@@ -1638,18 +2057,18 @@
           <a:bodyPr/>
           <a:lstStyle/>
           <a:p>
-            <a:fld id="{59F3E917-E207-42A9-A63F-77B5E6A61A0C}" type="slidenum">
-              <a:rPr lang="nl-BE" smtClean="0"/>
-              <a:t>‹nr.›</a:t>
+            <a:fld id="{48F63A3B-78C7-47BE-AE5E-E10140E04643}" type="slidenum">
+              <a:rPr lang="en-US" dirty="0"/>
+              <a:t>‹#›</a:t>
             </a:fld>
-            <a:endParaRPr lang="nl-BE"/>
+            <a:endParaRPr lang="en-US"/>
           </a:p>
         </p:txBody>
       </p:sp>
     </p:spTree>
     <p:extLst>
       <p:ext uri="{BB962C8B-B14F-4D97-AF65-F5344CB8AC3E}">
-        <p14:creationId xmlns:p14="http://schemas.microsoft.com/office/powerpoint/2010/main" val="350409375"/>
+        <p14:creationId xmlns:p14="http://schemas.microsoft.com/office/powerpoint/2010/main" val="798116607"/>
       </p:ext>
     </p:extLst>
   </p:cSld>
@@ -1661,7 +2080,7 @@
 
 <file path=ppt/slideLayouts/slideLayout3.xml><?xml version="1.0" encoding="utf-8"?>
 <p:sldLayout xmlns:a="http://schemas.openxmlformats.org/drawingml/2006/main" xmlns:r="http://schemas.openxmlformats.org/officeDocument/2006/relationships" xmlns:p="http://schemas.openxmlformats.org/presentationml/2006/main" type="secHead" preserve="1">
-  <p:cSld name="Sectiekop">
+  <p:cSld name="Section Header">
     <p:spTree>
       <p:nvGrpSpPr>
         <p:cNvPr id="1" name=""/>
@@ -1678,13 +2097,7 @@
       </p:grpSpPr>
       <p:sp>
         <p:nvSpPr>
-          <p:cNvPr id="2" name="Titel 1">
-            <a:extLst>
-              <a:ext uri="{FF2B5EF4-FFF2-40B4-BE49-F238E27FC236}">
-                <a16:creationId xmlns:a16="http://schemas.microsoft.com/office/drawing/2014/main" id="{420B8DD1-A1EB-4C5E-921D-78982A4D442A}"/>
-              </a:ext>
-            </a:extLst>
-          </p:cNvPr>
+          <p:cNvPr id="2" name="Title 1"/>
           <p:cNvSpPr>
             <a:spLocks noGrp="1"/>
           </p:cNvSpPr>
@@ -1707,22 +2120,15 @@
           </a:lstStyle>
           <a:p>
             <a:r>
-              <a:rPr lang="nl-NL"/>
-              <a:t>Klik om stijl te bewerken</a:t>
-            </a:r>
-            <a:endParaRPr lang="nl-BE"/>
-          </a:p>
-        </p:txBody>
-      </p:sp>
-      <p:sp>
-        <p:nvSpPr>
-          <p:cNvPr id="3" name="Tijdelijke aanduiding voor tekst 2">
-            <a:extLst>
-              <a:ext uri="{FF2B5EF4-FFF2-40B4-BE49-F238E27FC236}">
-                <a16:creationId xmlns:a16="http://schemas.microsoft.com/office/drawing/2014/main" id="{E5611D83-7CB0-4F57-ADCD-946827ACDD20}"/>
-              </a:ext>
-            </a:extLst>
-          </p:cNvPr>
+              <a:rPr lang="en-US"/>
+              <a:t>Click to edit Master title style</a:t>
+            </a:r>
+          </a:p>
+        </p:txBody>
+      </p:sp>
+      <p:sp>
+        <p:nvSpPr>
+          <p:cNvPr id="3" name="Text Placeholder 2"/>
           <p:cNvSpPr>
             <a:spLocks noGrp="1"/>
           </p:cNvSpPr>
@@ -1833,21 +2239,15 @@
           <a:p>
             <a:pPr lvl="0"/>
             <a:r>
-              <a:rPr lang="nl-NL"/>
-              <a:t>Klikken om de tekststijl van het model te bewerken</a:t>
-            </a:r>
-          </a:p>
-        </p:txBody>
-      </p:sp>
-      <p:sp>
-        <p:nvSpPr>
-          <p:cNvPr id="4" name="Tijdelijke aanduiding voor datum 3">
-            <a:extLst>
-              <a:ext uri="{FF2B5EF4-FFF2-40B4-BE49-F238E27FC236}">
-                <a16:creationId xmlns:a16="http://schemas.microsoft.com/office/drawing/2014/main" id="{BF4B3CD4-C0E7-48A6-933C-FB2AE4098D8E}"/>
-              </a:ext>
-            </a:extLst>
-          </p:cNvPr>
+              <a:rPr lang="en-US"/>
+              <a:t>Click to edit Master text styles</a:t>
+            </a:r>
+          </a:p>
+        </p:txBody>
+      </p:sp>
+      <p:sp>
+        <p:nvSpPr>
+          <p:cNvPr id="4" name="Date Placeholder 3"/>
           <p:cNvSpPr>
             <a:spLocks noGrp="1"/>
           </p:cNvSpPr>
@@ -1860,23 +2260,17 @@
           <a:bodyPr/>
           <a:lstStyle/>
           <a:p>
-            <a:fld id="{C5CC8023-CF4E-4A1F-BCFB-3133EBC3D918}" type="datetimeFigureOut">
-              <a:rPr lang="nl-BE" smtClean="0"/>
-              <a:t>24/03/2025</a:t>
+            <a:fld id="{C764DE79-268F-4C1A-8933-263129D2AF90}" type="datetimeFigureOut">
+              <a:rPr lang="en-US" dirty="0"/>
+              <a:t>3/25/2025</a:t>
             </a:fld>
-            <a:endParaRPr lang="nl-BE"/>
-          </a:p>
-        </p:txBody>
-      </p:sp>
-      <p:sp>
-        <p:nvSpPr>
-          <p:cNvPr id="5" name="Tijdelijke aanduiding voor voettekst 4">
-            <a:extLst>
-              <a:ext uri="{FF2B5EF4-FFF2-40B4-BE49-F238E27FC236}">
-                <a16:creationId xmlns:a16="http://schemas.microsoft.com/office/drawing/2014/main" id="{9F6021E3-747F-439A-9EE9-9DFC7A7EAE31}"/>
-              </a:ext>
-            </a:extLst>
-          </p:cNvPr>
+            <a:endParaRPr lang="en-US"/>
+          </a:p>
+        </p:txBody>
+      </p:sp>
+      <p:sp>
+        <p:nvSpPr>
+          <p:cNvPr id="5" name="Footer Placeholder 4"/>
           <p:cNvSpPr>
             <a:spLocks noGrp="1"/>
           </p:cNvSpPr>
@@ -1889,19 +2283,13 @@
           <a:bodyPr/>
           <a:lstStyle/>
           <a:p>
-            <a:endParaRPr lang="nl-BE"/>
-          </a:p>
-        </p:txBody>
-      </p:sp>
-      <p:sp>
-        <p:nvSpPr>
-          <p:cNvPr id="6" name="Tijdelijke aanduiding voor dianummer 5">
-            <a:extLst>
-              <a:ext uri="{FF2B5EF4-FFF2-40B4-BE49-F238E27FC236}">
-                <a16:creationId xmlns:a16="http://schemas.microsoft.com/office/drawing/2014/main" id="{D409084B-BB79-4038-885B-B4B4CADC73DD}"/>
-              </a:ext>
-            </a:extLst>
-          </p:cNvPr>
+            <a:endParaRPr lang="en-US"/>
+          </a:p>
+        </p:txBody>
+      </p:sp>
+      <p:sp>
+        <p:nvSpPr>
+          <p:cNvPr id="6" name="Slide Number Placeholder 5"/>
           <p:cNvSpPr>
             <a:spLocks noGrp="1"/>
           </p:cNvSpPr>
@@ -1914,18 +2302,18 @@
           <a:bodyPr/>
           <a:lstStyle/>
           <a:p>
-            <a:fld id="{59F3E917-E207-42A9-A63F-77B5E6A61A0C}" type="slidenum">
-              <a:rPr lang="nl-BE" smtClean="0"/>
-              <a:t>‹nr.›</a:t>
+            <a:fld id="{48F63A3B-78C7-47BE-AE5E-E10140E04643}" type="slidenum">
+              <a:rPr lang="en-US" dirty="0"/>
+              <a:t>‹#›</a:t>
             </a:fld>
-            <a:endParaRPr lang="nl-BE"/>
+            <a:endParaRPr lang="en-US"/>
           </a:p>
         </p:txBody>
       </p:sp>
     </p:spTree>
     <p:extLst>
       <p:ext uri="{BB962C8B-B14F-4D97-AF65-F5344CB8AC3E}">
-        <p14:creationId xmlns:p14="http://schemas.microsoft.com/office/powerpoint/2010/main" val="2986431756"/>
+        <p14:creationId xmlns:p14="http://schemas.microsoft.com/office/powerpoint/2010/main" val="1491919298"/>
       </p:ext>
     </p:extLst>
   </p:cSld>
@@ -1937,7 +2325,7 @@
 
 <file path=ppt/slideLayouts/slideLayout4.xml><?xml version="1.0" encoding="utf-8"?>
 <p:sldLayout xmlns:a="http://schemas.openxmlformats.org/drawingml/2006/main" xmlns:r="http://schemas.openxmlformats.org/officeDocument/2006/relationships" xmlns:p="http://schemas.openxmlformats.org/presentationml/2006/main" type="twoObj" preserve="1">
-  <p:cSld name="Inhoud van twee">
+  <p:cSld name="Two Content">
     <p:spTree>
       <p:nvGrpSpPr>
         <p:cNvPr id="1" name=""/>
@@ -1954,13 +2342,7 @@
       </p:grpSpPr>
       <p:sp>
         <p:nvSpPr>
-          <p:cNvPr id="2" name="Titel 1">
-            <a:extLst>
-              <a:ext uri="{FF2B5EF4-FFF2-40B4-BE49-F238E27FC236}">
-                <a16:creationId xmlns:a16="http://schemas.microsoft.com/office/drawing/2014/main" id="{A84230FA-AC5F-4170-BD1A-21DA7224C11A}"/>
-              </a:ext>
-            </a:extLst>
-          </p:cNvPr>
+          <p:cNvPr id="2" name="Title 1"/>
           <p:cNvSpPr>
             <a:spLocks noGrp="1"/>
           </p:cNvSpPr>
@@ -1974,22 +2356,15 @@
           <a:lstStyle/>
           <a:p>
             <a:r>
-              <a:rPr lang="nl-NL"/>
-              <a:t>Klik om stijl te bewerken</a:t>
-            </a:r>
-            <a:endParaRPr lang="nl-BE"/>
-          </a:p>
-        </p:txBody>
-      </p:sp>
-      <p:sp>
-        <p:nvSpPr>
-          <p:cNvPr id="3" name="Tijdelijke aanduiding voor inhoud 2">
-            <a:extLst>
-              <a:ext uri="{FF2B5EF4-FFF2-40B4-BE49-F238E27FC236}">
-                <a16:creationId xmlns:a16="http://schemas.microsoft.com/office/drawing/2014/main" id="{9E71BC13-69E8-4BF1-972A-FC64290C9D5D}"/>
-              </a:ext>
-            </a:extLst>
-          </p:cNvPr>
+              <a:rPr lang="en-US"/>
+              <a:t>Click to edit Master title style</a:t>
+            </a:r>
+          </a:p>
+        </p:txBody>
+      </p:sp>
+      <p:sp>
+        <p:nvSpPr>
+          <p:cNvPr id="3" name="Content Placeholder 2"/>
           <p:cNvSpPr>
             <a:spLocks noGrp="1"/>
           </p:cNvSpPr>
@@ -2009,50 +2384,43 @@
           <a:p>
             <a:pPr lvl="0"/>
             <a:r>
-              <a:rPr lang="nl-NL"/>
-              <a:t>Klikken om de tekststijl van het model te bewerken</a:t>
+              <a:rPr lang="en-US"/>
+              <a:t>Click to edit Master text styles</a:t>
             </a:r>
           </a:p>
           <a:p>
             <a:pPr lvl="1"/>
             <a:r>
-              <a:rPr lang="nl-NL"/>
-              <a:t>Tweede niveau</a:t>
+              <a:rPr lang="en-US"/>
+              <a:t>Second level</a:t>
             </a:r>
           </a:p>
           <a:p>
             <a:pPr lvl="2"/>
             <a:r>
-              <a:rPr lang="nl-NL"/>
-              <a:t>Derde niveau</a:t>
+              <a:rPr lang="en-US"/>
+              <a:t>Third level</a:t>
             </a:r>
           </a:p>
           <a:p>
             <a:pPr lvl="3"/>
             <a:r>
-              <a:rPr lang="nl-NL"/>
-              <a:t>Vierde niveau</a:t>
+              <a:rPr lang="en-US"/>
+              <a:t>Fourth level</a:t>
             </a:r>
           </a:p>
           <a:p>
             <a:pPr lvl="4"/>
             <a:r>
-              <a:rPr lang="nl-NL"/>
-              <a:t>Vijfde niveau</a:t>
-            </a:r>
-            <a:endParaRPr lang="nl-BE"/>
-          </a:p>
-        </p:txBody>
-      </p:sp>
-      <p:sp>
-        <p:nvSpPr>
-          <p:cNvPr id="4" name="Tijdelijke aanduiding voor inhoud 3">
-            <a:extLst>
-              <a:ext uri="{FF2B5EF4-FFF2-40B4-BE49-F238E27FC236}">
-                <a16:creationId xmlns:a16="http://schemas.microsoft.com/office/drawing/2014/main" id="{E07F3FAB-B5FA-4FD8-81A0-2D54B0F42F36}"/>
-              </a:ext>
-            </a:extLst>
-          </p:cNvPr>
+              <a:rPr lang="en-US"/>
+              <a:t>Fifth level</a:t>
+            </a:r>
+          </a:p>
+        </p:txBody>
+      </p:sp>
+      <p:sp>
+        <p:nvSpPr>
+          <p:cNvPr id="4" name="Content Placeholder 3"/>
           <p:cNvSpPr>
             <a:spLocks noGrp="1"/>
           </p:cNvSpPr>
@@ -2072,50 +2440,43 @@
           <a:p>
             <a:pPr lvl="0"/>
             <a:r>
-              <a:rPr lang="nl-NL"/>
-              <a:t>Klikken om de tekststijl van het model te bewerken</a:t>
+              <a:rPr lang="en-US"/>
+              <a:t>Click to edit Master text styles</a:t>
             </a:r>
           </a:p>
           <a:p>
             <a:pPr lvl="1"/>
             <a:r>
-              <a:rPr lang="nl-NL"/>
-              <a:t>Tweede niveau</a:t>
+              <a:rPr lang="en-US"/>
+              <a:t>Second level</a:t>
             </a:r>
           </a:p>
           <a:p>
             <a:pPr lvl="2"/>
             <a:r>
-              <a:rPr lang="nl-NL"/>
-              <a:t>Derde niveau</a:t>
+              <a:rPr lang="en-US"/>
+              <a:t>Third level</a:t>
             </a:r>
           </a:p>
           <a:p>
             <a:pPr lvl="3"/>
             <a:r>
-              <a:rPr lang="nl-NL"/>
-              <a:t>Vierde niveau</a:t>
+              <a:rPr lang="en-US"/>
+              <a:t>Fourth level</a:t>
             </a:r>
           </a:p>
           <a:p>
             <a:pPr lvl="4"/>
             <a:r>
-              <a:rPr lang="nl-NL"/>
-              <a:t>Vijfde niveau</a:t>
-            </a:r>
-            <a:endParaRPr lang="nl-BE"/>
-          </a:p>
-        </p:txBody>
-      </p:sp>
-      <p:sp>
-        <p:nvSpPr>
-          <p:cNvPr id="5" name="Tijdelijke aanduiding voor datum 4">
-            <a:extLst>
-              <a:ext uri="{FF2B5EF4-FFF2-40B4-BE49-F238E27FC236}">
-                <a16:creationId xmlns:a16="http://schemas.microsoft.com/office/drawing/2014/main" id="{A1C91BED-0134-428E-97AF-9D99A1652AF4}"/>
-              </a:ext>
-            </a:extLst>
-          </p:cNvPr>
+              <a:rPr lang="en-US"/>
+              <a:t>Fifth level</a:t>
+            </a:r>
+          </a:p>
+        </p:txBody>
+      </p:sp>
+      <p:sp>
+        <p:nvSpPr>
+          <p:cNvPr id="5" name="Date Placeholder 4"/>
           <p:cNvSpPr>
             <a:spLocks noGrp="1"/>
           </p:cNvSpPr>
@@ -2128,23 +2489,17 @@
           <a:bodyPr/>
           <a:lstStyle/>
           <a:p>
-            <a:fld id="{C5CC8023-CF4E-4A1F-BCFB-3133EBC3D918}" type="datetimeFigureOut">
-              <a:rPr lang="nl-BE" smtClean="0"/>
-              <a:t>24/03/2025</a:t>
+            <a:fld id="{C764DE79-268F-4C1A-8933-263129D2AF90}" type="datetimeFigureOut">
+              <a:rPr lang="en-US" dirty="0"/>
+              <a:t>3/25/2025</a:t>
             </a:fld>
-            <a:endParaRPr lang="nl-BE"/>
-          </a:p>
-        </p:txBody>
-      </p:sp>
-      <p:sp>
-        <p:nvSpPr>
-          <p:cNvPr id="6" name="Tijdelijke aanduiding voor voettekst 5">
-            <a:extLst>
-              <a:ext uri="{FF2B5EF4-FFF2-40B4-BE49-F238E27FC236}">
-                <a16:creationId xmlns:a16="http://schemas.microsoft.com/office/drawing/2014/main" id="{75992F47-EB47-490E-B4A2-02020D4A55C1}"/>
-              </a:ext>
-            </a:extLst>
-          </p:cNvPr>
+            <a:endParaRPr lang="en-US"/>
+          </a:p>
+        </p:txBody>
+      </p:sp>
+      <p:sp>
+        <p:nvSpPr>
+          <p:cNvPr id="6" name="Footer Placeholder 5"/>
           <p:cNvSpPr>
             <a:spLocks noGrp="1"/>
           </p:cNvSpPr>
@@ -2157,19 +2512,13 @@
           <a:bodyPr/>
           <a:lstStyle/>
           <a:p>
-            <a:endParaRPr lang="nl-BE"/>
-          </a:p>
-        </p:txBody>
-      </p:sp>
-      <p:sp>
-        <p:nvSpPr>
-          <p:cNvPr id="7" name="Tijdelijke aanduiding voor dianummer 6">
-            <a:extLst>
-              <a:ext uri="{FF2B5EF4-FFF2-40B4-BE49-F238E27FC236}">
-                <a16:creationId xmlns:a16="http://schemas.microsoft.com/office/drawing/2014/main" id="{FF0594A7-B785-4A12-9DD2-E8F08C6097C8}"/>
-              </a:ext>
-            </a:extLst>
-          </p:cNvPr>
+            <a:endParaRPr lang="en-US"/>
+          </a:p>
+        </p:txBody>
+      </p:sp>
+      <p:sp>
+        <p:nvSpPr>
+          <p:cNvPr id="7" name="Slide Number Placeholder 6"/>
           <p:cNvSpPr>
             <a:spLocks noGrp="1"/>
           </p:cNvSpPr>
@@ -2182,18 +2531,18 @@
           <a:bodyPr/>
           <a:lstStyle/>
           <a:p>
-            <a:fld id="{59F3E917-E207-42A9-A63F-77B5E6A61A0C}" type="slidenum">
-              <a:rPr lang="nl-BE" smtClean="0"/>
-              <a:t>‹nr.›</a:t>
+            <a:fld id="{48F63A3B-78C7-47BE-AE5E-E10140E04643}" type="slidenum">
+              <a:rPr lang="en-US" dirty="0"/>
+              <a:t>‹#›</a:t>
             </a:fld>
-            <a:endParaRPr lang="nl-BE"/>
+            <a:endParaRPr lang="en-US"/>
           </a:p>
         </p:txBody>
       </p:sp>
     </p:spTree>
     <p:extLst>
       <p:ext uri="{BB962C8B-B14F-4D97-AF65-F5344CB8AC3E}">
-        <p14:creationId xmlns:p14="http://schemas.microsoft.com/office/powerpoint/2010/main" val="367210854"/>
+        <p14:creationId xmlns:p14="http://schemas.microsoft.com/office/powerpoint/2010/main" val="237909743"/>
       </p:ext>
     </p:extLst>
   </p:cSld>
@@ -2205,7 +2554,7 @@
 
 <file path=ppt/slideLayouts/slideLayout5.xml><?xml version="1.0" encoding="utf-8"?>
 <p:sldLayout xmlns:a="http://schemas.openxmlformats.org/drawingml/2006/main" xmlns:r="http://schemas.openxmlformats.org/officeDocument/2006/relationships" xmlns:p="http://schemas.openxmlformats.org/presentationml/2006/main" type="twoTxTwoObj" preserve="1">
-  <p:cSld name="Vergelijking">
+  <p:cSld name="Comparison">
     <p:spTree>
       <p:nvGrpSpPr>
         <p:cNvPr id="1" name=""/>
@@ -2222,13 +2571,7 @@
       </p:grpSpPr>
       <p:sp>
         <p:nvSpPr>
-          <p:cNvPr id="2" name="Titel 1">
-            <a:extLst>
-              <a:ext uri="{FF2B5EF4-FFF2-40B4-BE49-F238E27FC236}">
-                <a16:creationId xmlns:a16="http://schemas.microsoft.com/office/drawing/2014/main" id="{16A4616C-8A1B-4AC9-883B-E8265A22F47C}"/>
-              </a:ext>
-            </a:extLst>
-          </p:cNvPr>
+          <p:cNvPr id="2" name="Title 1"/>
           <p:cNvSpPr>
             <a:spLocks noGrp="1"/>
           </p:cNvSpPr>
@@ -2247,22 +2590,15 @@
           <a:lstStyle/>
           <a:p>
             <a:r>
-              <a:rPr lang="nl-NL"/>
-              <a:t>Klik om stijl te bewerken</a:t>
-            </a:r>
-            <a:endParaRPr lang="nl-BE"/>
-          </a:p>
-        </p:txBody>
-      </p:sp>
-      <p:sp>
-        <p:nvSpPr>
-          <p:cNvPr id="3" name="Tijdelijke aanduiding voor tekst 2">
-            <a:extLst>
-              <a:ext uri="{FF2B5EF4-FFF2-40B4-BE49-F238E27FC236}">
-                <a16:creationId xmlns:a16="http://schemas.microsoft.com/office/drawing/2014/main" id="{D10ACD2E-5EDF-45B3-957D-AE08F99D3971}"/>
-              </a:ext>
-            </a:extLst>
-          </p:cNvPr>
+              <a:rPr lang="en-US"/>
+              <a:t>Click to edit Master title style</a:t>
+            </a:r>
+          </a:p>
+        </p:txBody>
+      </p:sp>
+      <p:sp>
+        <p:nvSpPr>
+          <p:cNvPr id="3" name="Text Placeholder 2"/>
           <p:cNvSpPr>
             <a:spLocks noGrp="1"/>
           </p:cNvSpPr>
@@ -2319,21 +2655,15 @@
           <a:p>
             <a:pPr lvl="0"/>
             <a:r>
-              <a:rPr lang="nl-NL"/>
-              <a:t>Klikken om de tekststijl van het model te bewerken</a:t>
-            </a:r>
-          </a:p>
-        </p:txBody>
-      </p:sp>
-      <p:sp>
-        <p:nvSpPr>
-          <p:cNvPr id="4" name="Tijdelijke aanduiding voor inhoud 3">
-            <a:extLst>
-              <a:ext uri="{FF2B5EF4-FFF2-40B4-BE49-F238E27FC236}">
-                <a16:creationId xmlns:a16="http://schemas.microsoft.com/office/drawing/2014/main" id="{01F452E0-BBCC-45FB-A7E1-E4C1056FC997}"/>
-              </a:ext>
-            </a:extLst>
-          </p:cNvPr>
+              <a:rPr lang="en-US"/>
+              <a:t>Click to edit Master text styles</a:t>
+            </a:r>
+          </a:p>
+        </p:txBody>
+      </p:sp>
+      <p:sp>
+        <p:nvSpPr>
+          <p:cNvPr id="4" name="Content Placeholder 3"/>
           <p:cNvSpPr>
             <a:spLocks noGrp="1"/>
           </p:cNvSpPr>
@@ -2353,50 +2683,43 @@
           <a:p>
             <a:pPr lvl="0"/>
             <a:r>
-              <a:rPr lang="nl-NL"/>
-              <a:t>Klikken om de tekststijl van het model te bewerken</a:t>
+              <a:rPr lang="en-US"/>
+              <a:t>Click to edit Master text styles</a:t>
             </a:r>
           </a:p>
           <a:p>
             <a:pPr lvl="1"/>
             <a:r>
-              <a:rPr lang="nl-NL"/>
-              <a:t>Tweede niveau</a:t>
+              <a:rPr lang="en-US"/>
+              <a:t>Second level</a:t>
             </a:r>
           </a:p>
           <a:p>
             <a:pPr lvl="2"/>
             <a:r>
-              <a:rPr lang="nl-NL"/>
-              <a:t>Derde niveau</a:t>
+              <a:rPr lang="en-US"/>
+              <a:t>Third level</a:t>
             </a:r>
           </a:p>
           <a:p>
             <a:pPr lvl="3"/>
             <a:r>
-              <a:rPr lang="nl-NL"/>
-              <a:t>Vierde niveau</a:t>
+              <a:rPr lang="en-US"/>
+              <a:t>Fourth level</a:t>
             </a:r>
           </a:p>
           <a:p>
             <a:pPr lvl="4"/>
             <a:r>
-              <a:rPr lang="nl-NL"/>
-              <a:t>Vijfde niveau</a:t>
-            </a:r>
-            <a:endParaRPr lang="nl-BE"/>
-          </a:p>
-        </p:txBody>
-      </p:sp>
-      <p:sp>
-        <p:nvSpPr>
-          <p:cNvPr id="5" name="Tijdelijke aanduiding voor tekst 4">
-            <a:extLst>
-              <a:ext uri="{FF2B5EF4-FFF2-40B4-BE49-F238E27FC236}">
-                <a16:creationId xmlns:a16="http://schemas.microsoft.com/office/drawing/2014/main" id="{4A95450C-7AC2-495D-80B6-BD6EA4F100DB}"/>
-              </a:ext>
-            </a:extLst>
-          </p:cNvPr>
+              <a:rPr lang="en-US"/>
+              <a:t>Fifth level</a:t>
+            </a:r>
+          </a:p>
+        </p:txBody>
+      </p:sp>
+      <p:sp>
+        <p:nvSpPr>
+          <p:cNvPr id="5" name="Text Placeholder 4"/>
           <p:cNvSpPr>
             <a:spLocks noGrp="1"/>
           </p:cNvSpPr>
@@ -2453,21 +2776,15 @@
           <a:p>
             <a:pPr lvl="0"/>
             <a:r>
-              <a:rPr lang="nl-NL"/>
-              <a:t>Klikken om de tekststijl van het model te bewerken</a:t>
-            </a:r>
-          </a:p>
-        </p:txBody>
-      </p:sp>
-      <p:sp>
-        <p:nvSpPr>
-          <p:cNvPr id="6" name="Tijdelijke aanduiding voor inhoud 5">
-            <a:extLst>
-              <a:ext uri="{FF2B5EF4-FFF2-40B4-BE49-F238E27FC236}">
-                <a16:creationId xmlns:a16="http://schemas.microsoft.com/office/drawing/2014/main" id="{AA97B564-62B5-47CB-B4A9-F3C23BE87EA7}"/>
-              </a:ext>
-            </a:extLst>
-          </p:cNvPr>
+              <a:rPr lang="en-US"/>
+              <a:t>Click to edit Master text styles</a:t>
+            </a:r>
+          </a:p>
+        </p:txBody>
+      </p:sp>
+      <p:sp>
+        <p:nvSpPr>
+          <p:cNvPr id="6" name="Content Placeholder 5"/>
           <p:cNvSpPr>
             <a:spLocks noGrp="1"/>
           </p:cNvSpPr>
@@ -2487,50 +2804,43 @@
           <a:p>
             <a:pPr lvl="0"/>
             <a:r>
-              <a:rPr lang="nl-NL"/>
-              <a:t>Klikken om de tekststijl van het model te bewerken</a:t>
+              <a:rPr lang="en-US"/>
+              <a:t>Click to edit Master text styles</a:t>
             </a:r>
           </a:p>
           <a:p>
             <a:pPr lvl="1"/>
             <a:r>
-              <a:rPr lang="nl-NL"/>
-              <a:t>Tweede niveau</a:t>
+              <a:rPr lang="en-US"/>
+              <a:t>Second level</a:t>
             </a:r>
           </a:p>
           <a:p>
             <a:pPr lvl="2"/>
             <a:r>
-              <a:rPr lang="nl-NL"/>
-              <a:t>Derde niveau</a:t>
+              <a:rPr lang="en-US"/>
+              <a:t>Third level</a:t>
             </a:r>
           </a:p>
           <a:p>
             <a:pPr lvl="3"/>
             <a:r>
-              <a:rPr lang="nl-NL"/>
-              <a:t>Vierde niveau</a:t>
+              <a:rPr lang="en-US"/>
+              <a:t>Fourth level</a:t>
             </a:r>
           </a:p>
           <a:p>
             <a:pPr lvl="4"/>
             <a:r>
-              <a:rPr lang="nl-NL"/>
-              <a:t>Vijfde niveau</a:t>
-            </a:r>
-            <a:endParaRPr lang="nl-BE"/>
-          </a:p>
-        </p:txBody>
-      </p:sp>
-      <p:sp>
-        <p:nvSpPr>
-          <p:cNvPr id="7" name="Tijdelijke aanduiding voor datum 6">
-            <a:extLst>
-              <a:ext uri="{FF2B5EF4-FFF2-40B4-BE49-F238E27FC236}">
-                <a16:creationId xmlns:a16="http://schemas.microsoft.com/office/drawing/2014/main" id="{77C88A10-0734-4067-B8CF-9ED4AAD78F75}"/>
-              </a:ext>
-            </a:extLst>
-          </p:cNvPr>
+              <a:rPr lang="en-US"/>
+              <a:t>Fifth level</a:t>
+            </a:r>
+          </a:p>
+        </p:txBody>
+      </p:sp>
+      <p:sp>
+        <p:nvSpPr>
+          <p:cNvPr id="7" name="Date Placeholder 6"/>
           <p:cNvSpPr>
             <a:spLocks noGrp="1"/>
           </p:cNvSpPr>
@@ -2543,23 +2853,17 @@
           <a:bodyPr/>
           <a:lstStyle/>
           <a:p>
-            <a:fld id="{C5CC8023-CF4E-4A1F-BCFB-3133EBC3D918}" type="datetimeFigureOut">
-              <a:rPr lang="nl-BE" smtClean="0"/>
-              <a:t>24/03/2025</a:t>
+            <a:fld id="{C764DE79-268F-4C1A-8933-263129D2AF90}" type="datetimeFigureOut">
+              <a:rPr lang="en-US" dirty="0"/>
+              <a:t>3/25/2025</a:t>
             </a:fld>
-            <a:endParaRPr lang="nl-BE"/>
-          </a:p>
-        </p:txBody>
-      </p:sp>
-      <p:sp>
-        <p:nvSpPr>
-          <p:cNvPr id="8" name="Tijdelijke aanduiding voor voettekst 7">
-            <a:extLst>
-              <a:ext uri="{FF2B5EF4-FFF2-40B4-BE49-F238E27FC236}">
-                <a16:creationId xmlns:a16="http://schemas.microsoft.com/office/drawing/2014/main" id="{1AD6EE47-4540-4022-95E6-C0A3D51ED731}"/>
-              </a:ext>
-            </a:extLst>
-          </p:cNvPr>
+            <a:endParaRPr lang="en-US"/>
+          </a:p>
+        </p:txBody>
+      </p:sp>
+      <p:sp>
+        <p:nvSpPr>
+          <p:cNvPr id="8" name="Footer Placeholder 7"/>
           <p:cNvSpPr>
             <a:spLocks noGrp="1"/>
           </p:cNvSpPr>
@@ -2572,19 +2876,13 @@
           <a:bodyPr/>
           <a:lstStyle/>
           <a:p>
-            <a:endParaRPr lang="nl-BE"/>
-          </a:p>
-        </p:txBody>
-      </p:sp>
-      <p:sp>
-        <p:nvSpPr>
-          <p:cNvPr id="9" name="Tijdelijke aanduiding voor dianummer 8">
-            <a:extLst>
-              <a:ext uri="{FF2B5EF4-FFF2-40B4-BE49-F238E27FC236}">
-                <a16:creationId xmlns:a16="http://schemas.microsoft.com/office/drawing/2014/main" id="{8B14C827-6BF7-444A-8ADF-A3953B80439E}"/>
-              </a:ext>
-            </a:extLst>
-          </p:cNvPr>
+            <a:endParaRPr lang="en-US"/>
+          </a:p>
+        </p:txBody>
+      </p:sp>
+      <p:sp>
+        <p:nvSpPr>
+          <p:cNvPr id="9" name="Slide Number Placeholder 8"/>
           <p:cNvSpPr>
             <a:spLocks noGrp="1"/>
           </p:cNvSpPr>
@@ -2597,18 +2895,18 @@
           <a:bodyPr/>
           <a:lstStyle/>
           <a:p>
-            <a:fld id="{59F3E917-E207-42A9-A63F-77B5E6A61A0C}" type="slidenum">
-              <a:rPr lang="nl-BE" smtClean="0"/>
-              <a:t>‹nr.›</a:t>
+            <a:fld id="{48F63A3B-78C7-47BE-AE5E-E10140E04643}" type="slidenum">
+              <a:rPr lang="en-US" dirty="0"/>
+              <a:t>‹#›</a:t>
             </a:fld>
-            <a:endParaRPr lang="nl-BE"/>
+            <a:endParaRPr lang="en-US"/>
           </a:p>
         </p:txBody>
       </p:sp>
     </p:spTree>
     <p:extLst>
       <p:ext uri="{BB962C8B-B14F-4D97-AF65-F5344CB8AC3E}">
-        <p14:creationId xmlns:p14="http://schemas.microsoft.com/office/powerpoint/2010/main" val="760695061"/>
+        <p14:creationId xmlns:p14="http://schemas.microsoft.com/office/powerpoint/2010/main" val="318893431"/>
       </p:ext>
     </p:extLst>
   </p:cSld>
@@ -2620,7 +2918,7 @@
 
 <file path=ppt/slideLayouts/slideLayout6.xml><?xml version="1.0" encoding="utf-8"?>
 <p:sldLayout xmlns:a="http://schemas.openxmlformats.org/drawingml/2006/main" xmlns:r="http://schemas.openxmlformats.org/officeDocument/2006/relationships" xmlns:p="http://schemas.openxmlformats.org/presentationml/2006/main" type="titleOnly" preserve="1">
-  <p:cSld name="Alleen titel">
+  <p:cSld name="Title Only">
     <p:spTree>
       <p:nvGrpSpPr>
         <p:cNvPr id="1" name=""/>
@@ -2637,13 +2935,7 @@
       </p:grpSpPr>
       <p:sp>
         <p:nvSpPr>
-          <p:cNvPr id="2" name="Titel 1">
-            <a:extLst>
-              <a:ext uri="{FF2B5EF4-FFF2-40B4-BE49-F238E27FC236}">
-                <a16:creationId xmlns:a16="http://schemas.microsoft.com/office/drawing/2014/main" id="{F0D175D5-6910-4B0A-92E5-74C3D2BFA034}"/>
-              </a:ext>
-            </a:extLst>
-          </p:cNvPr>
+          <p:cNvPr id="2" name="Title 1"/>
           <p:cNvSpPr>
             <a:spLocks noGrp="1"/>
           </p:cNvSpPr>
@@ -2657,22 +2949,15 @@
           <a:lstStyle/>
           <a:p>
             <a:r>
-              <a:rPr lang="nl-NL"/>
-              <a:t>Klik om stijl te bewerken</a:t>
-            </a:r>
-            <a:endParaRPr lang="nl-BE"/>
-          </a:p>
-        </p:txBody>
-      </p:sp>
-      <p:sp>
-        <p:nvSpPr>
-          <p:cNvPr id="3" name="Tijdelijke aanduiding voor datum 2">
-            <a:extLst>
-              <a:ext uri="{FF2B5EF4-FFF2-40B4-BE49-F238E27FC236}">
-                <a16:creationId xmlns:a16="http://schemas.microsoft.com/office/drawing/2014/main" id="{6088D1C2-ADDC-4FFF-81D8-69F14459766F}"/>
-              </a:ext>
-            </a:extLst>
-          </p:cNvPr>
+              <a:rPr lang="en-US"/>
+              <a:t>Click to edit Master title style</a:t>
+            </a:r>
+          </a:p>
+        </p:txBody>
+      </p:sp>
+      <p:sp>
+        <p:nvSpPr>
+          <p:cNvPr id="3" name="Date Placeholder 2"/>
           <p:cNvSpPr>
             <a:spLocks noGrp="1"/>
           </p:cNvSpPr>
@@ -2685,23 +2970,17 @@
           <a:bodyPr/>
           <a:lstStyle/>
           <a:p>
-            <a:fld id="{C5CC8023-CF4E-4A1F-BCFB-3133EBC3D918}" type="datetimeFigureOut">
-              <a:rPr lang="nl-BE" smtClean="0"/>
-              <a:t>24/03/2025</a:t>
+            <a:fld id="{C764DE79-268F-4C1A-8933-263129D2AF90}" type="datetimeFigureOut">
+              <a:rPr lang="en-US" dirty="0"/>
+              <a:t>3/25/2025</a:t>
             </a:fld>
-            <a:endParaRPr lang="nl-BE"/>
-          </a:p>
-        </p:txBody>
-      </p:sp>
-      <p:sp>
-        <p:nvSpPr>
-          <p:cNvPr id="4" name="Tijdelijke aanduiding voor voettekst 3">
-            <a:extLst>
-              <a:ext uri="{FF2B5EF4-FFF2-40B4-BE49-F238E27FC236}">
-                <a16:creationId xmlns:a16="http://schemas.microsoft.com/office/drawing/2014/main" id="{D807B206-6D5D-4703-99D6-5D2346899048}"/>
-              </a:ext>
-            </a:extLst>
-          </p:cNvPr>
+            <a:endParaRPr lang="en-US"/>
+          </a:p>
+        </p:txBody>
+      </p:sp>
+      <p:sp>
+        <p:nvSpPr>
+          <p:cNvPr id="4" name="Footer Placeholder 3"/>
           <p:cNvSpPr>
             <a:spLocks noGrp="1"/>
           </p:cNvSpPr>
@@ -2714,19 +2993,13 @@
           <a:bodyPr/>
           <a:lstStyle/>
           <a:p>
-            <a:endParaRPr lang="nl-BE"/>
-          </a:p>
-        </p:txBody>
-      </p:sp>
-      <p:sp>
-        <p:nvSpPr>
-          <p:cNvPr id="5" name="Tijdelijke aanduiding voor dianummer 4">
-            <a:extLst>
-              <a:ext uri="{FF2B5EF4-FFF2-40B4-BE49-F238E27FC236}">
-                <a16:creationId xmlns:a16="http://schemas.microsoft.com/office/drawing/2014/main" id="{644BB642-D49F-459D-A6F2-FE0A69C1B0CB}"/>
-              </a:ext>
-            </a:extLst>
-          </p:cNvPr>
+            <a:endParaRPr lang="en-US"/>
+          </a:p>
+        </p:txBody>
+      </p:sp>
+      <p:sp>
+        <p:nvSpPr>
+          <p:cNvPr id="5" name="Slide Number Placeholder 4"/>
           <p:cNvSpPr>
             <a:spLocks noGrp="1"/>
           </p:cNvSpPr>
@@ -2739,18 +3012,18 @@
           <a:bodyPr/>
           <a:lstStyle/>
           <a:p>
-            <a:fld id="{59F3E917-E207-42A9-A63F-77B5E6A61A0C}" type="slidenum">
-              <a:rPr lang="nl-BE" smtClean="0"/>
-              <a:t>‹nr.›</a:t>
+            <a:fld id="{48F63A3B-78C7-47BE-AE5E-E10140E04643}" type="slidenum">
+              <a:rPr lang="en-US" dirty="0"/>
+              <a:t>‹#›</a:t>
             </a:fld>
-            <a:endParaRPr lang="nl-BE"/>
+            <a:endParaRPr lang="en-US"/>
           </a:p>
         </p:txBody>
       </p:sp>
     </p:spTree>
     <p:extLst>
       <p:ext uri="{BB962C8B-B14F-4D97-AF65-F5344CB8AC3E}">
-        <p14:creationId xmlns:p14="http://schemas.microsoft.com/office/powerpoint/2010/main" val="2385443403"/>
+        <p14:creationId xmlns:p14="http://schemas.microsoft.com/office/powerpoint/2010/main" val="837360113"/>
       </p:ext>
     </p:extLst>
   </p:cSld>
@@ -2762,7 +3035,7 @@
 
 <file path=ppt/slideLayouts/slideLayout7.xml><?xml version="1.0" encoding="utf-8"?>
 <p:sldLayout xmlns:a="http://schemas.openxmlformats.org/drawingml/2006/main" xmlns:r="http://schemas.openxmlformats.org/officeDocument/2006/relationships" xmlns:p="http://schemas.openxmlformats.org/presentationml/2006/main" type="blank" preserve="1">
-  <p:cSld name="Leeg">
+  <p:cSld name="Blank">
     <p:spTree>
       <p:nvGrpSpPr>
         <p:cNvPr id="1" name=""/>
@@ -2779,13 +3052,7 @@
       </p:grpSpPr>
       <p:sp>
         <p:nvSpPr>
-          <p:cNvPr id="2" name="Tijdelijke aanduiding voor datum 1">
-            <a:extLst>
-              <a:ext uri="{FF2B5EF4-FFF2-40B4-BE49-F238E27FC236}">
-                <a16:creationId xmlns:a16="http://schemas.microsoft.com/office/drawing/2014/main" id="{C0AD7CD4-A5A0-446F-B67C-75594C5DA4DC}"/>
-              </a:ext>
-            </a:extLst>
-          </p:cNvPr>
+          <p:cNvPr id="2" name="Date Placeholder 1"/>
           <p:cNvSpPr>
             <a:spLocks noGrp="1"/>
           </p:cNvSpPr>
@@ -2798,23 +3065,17 @@
           <a:bodyPr/>
           <a:lstStyle/>
           <a:p>
-            <a:fld id="{C5CC8023-CF4E-4A1F-BCFB-3133EBC3D918}" type="datetimeFigureOut">
-              <a:rPr lang="nl-BE" smtClean="0"/>
-              <a:t>24/03/2025</a:t>
+            <a:fld id="{C764DE79-268F-4C1A-8933-263129D2AF90}" type="datetimeFigureOut">
+              <a:rPr lang="en-US" dirty="0"/>
+              <a:t>3/25/2025</a:t>
             </a:fld>
-            <a:endParaRPr lang="nl-BE"/>
-          </a:p>
-        </p:txBody>
-      </p:sp>
-      <p:sp>
-        <p:nvSpPr>
-          <p:cNvPr id="3" name="Tijdelijke aanduiding voor voettekst 2">
-            <a:extLst>
-              <a:ext uri="{FF2B5EF4-FFF2-40B4-BE49-F238E27FC236}">
-                <a16:creationId xmlns:a16="http://schemas.microsoft.com/office/drawing/2014/main" id="{E024252B-52EA-4D57-A5A5-90B31578A343}"/>
-              </a:ext>
-            </a:extLst>
-          </p:cNvPr>
+            <a:endParaRPr lang="en-US"/>
+          </a:p>
+        </p:txBody>
+      </p:sp>
+      <p:sp>
+        <p:nvSpPr>
+          <p:cNvPr id="3" name="Footer Placeholder 2"/>
           <p:cNvSpPr>
             <a:spLocks noGrp="1"/>
           </p:cNvSpPr>
@@ -2827,19 +3088,13 @@
           <a:bodyPr/>
           <a:lstStyle/>
           <a:p>
-            <a:endParaRPr lang="nl-BE"/>
-          </a:p>
-        </p:txBody>
-      </p:sp>
-      <p:sp>
-        <p:nvSpPr>
-          <p:cNvPr id="4" name="Tijdelijke aanduiding voor dianummer 3">
-            <a:extLst>
-              <a:ext uri="{FF2B5EF4-FFF2-40B4-BE49-F238E27FC236}">
-                <a16:creationId xmlns:a16="http://schemas.microsoft.com/office/drawing/2014/main" id="{8CECA78F-96D2-40FB-A860-27D2FA5429AA}"/>
-              </a:ext>
-            </a:extLst>
-          </p:cNvPr>
+            <a:endParaRPr lang="en-US"/>
+          </a:p>
+        </p:txBody>
+      </p:sp>
+      <p:sp>
+        <p:nvSpPr>
+          <p:cNvPr id="4" name="Slide Number Placeholder 3"/>
           <p:cNvSpPr>
             <a:spLocks noGrp="1"/>
           </p:cNvSpPr>
@@ -2852,18 +3107,18 @@
           <a:bodyPr/>
           <a:lstStyle/>
           <a:p>
-            <a:fld id="{59F3E917-E207-42A9-A63F-77B5E6A61A0C}" type="slidenum">
-              <a:rPr lang="nl-BE" smtClean="0"/>
-              <a:t>‹nr.›</a:t>
+            <a:fld id="{48F63A3B-78C7-47BE-AE5E-E10140E04643}" type="slidenum">
+              <a:rPr lang="en-US" dirty="0"/>
+              <a:t>‹#›</a:t>
             </a:fld>
-            <a:endParaRPr lang="nl-BE"/>
+            <a:endParaRPr lang="en-US"/>
           </a:p>
         </p:txBody>
       </p:sp>
     </p:spTree>
     <p:extLst>
       <p:ext uri="{BB962C8B-B14F-4D97-AF65-F5344CB8AC3E}">
-        <p14:creationId xmlns:p14="http://schemas.microsoft.com/office/powerpoint/2010/main" val="4263266532"/>
+        <p14:creationId xmlns:p14="http://schemas.microsoft.com/office/powerpoint/2010/main" val="2011365422"/>
       </p:ext>
     </p:extLst>
   </p:cSld>
@@ -2875,7 +3130,7 @@
 
 <file path=ppt/slideLayouts/slideLayout8.xml><?xml version="1.0" encoding="utf-8"?>
 <p:sldLayout xmlns:a="http://schemas.openxmlformats.org/drawingml/2006/main" xmlns:r="http://schemas.openxmlformats.org/officeDocument/2006/relationships" xmlns:p="http://schemas.openxmlformats.org/presentationml/2006/main" type="objTx" preserve="1">
-  <p:cSld name="Inhoud met bijschrift">
+  <p:cSld name="Content with Caption">
     <p:spTree>
       <p:nvGrpSpPr>
         <p:cNvPr id="1" name=""/>
@@ -2892,13 +3147,7 @@
       </p:grpSpPr>
       <p:sp>
         <p:nvSpPr>
-          <p:cNvPr id="2" name="Titel 1">
-            <a:extLst>
-              <a:ext uri="{FF2B5EF4-FFF2-40B4-BE49-F238E27FC236}">
-                <a16:creationId xmlns:a16="http://schemas.microsoft.com/office/drawing/2014/main" id="{E002602A-E674-47EF-BB6C-5FC9C9A4CB5D}"/>
-              </a:ext>
-            </a:extLst>
-          </p:cNvPr>
+          <p:cNvPr id="2" name="Title 1"/>
           <p:cNvSpPr>
             <a:spLocks noGrp="1"/>
           </p:cNvSpPr>
@@ -2921,22 +3170,15 @@
           </a:lstStyle>
           <a:p>
             <a:r>
-              <a:rPr lang="nl-NL"/>
-              <a:t>Klik om stijl te bewerken</a:t>
-            </a:r>
-            <a:endParaRPr lang="nl-BE"/>
-          </a:p>
-        </p:txBody>
-      </p:sp>
-      <p:sp>
-        <p:nvSpPr>
-          <p:cNvPr id="3" name="Tijdelijke aanduiding voor inhoud 2">
-            <a:extLst>
-              <a:ext uri="{FF2B5EF4-FFF2-40B4-BE49-F238E27FC236}">
-                <a16:creationId xmlns:a16="http://schemas.microsoft.com/office/drawing/2014/main" id="{E381674F-4A76-4FB1-8535-0F81AEF12A1B}"/>
-              </a:ext>
-            </a:extLst>
-          </p:cNvPr>
+              <a:rPr lang="en-US"/>
+              <a:t>Click to edit Master title style</a:t>
+            </a:r>
+          </a:p>
+        </p:txBody>
+      </p:sp>
+      <p:sp>
+        <p:nvSpPr>
+          <p:cNvPr id="3" name="Content Placeholder 2"/>
           <p:cNvSpPr>
             <a:spLocks noGrp="1"/>
           </p:cNvSpPr>
@@ -2984,50 +3226,43 @@
           <a:p>
             <a:pPr lvl="0"/>
             <a:r>
-              <a:rPr lang="nl-NL"/>
-              <a:t>Klikken om de tekststijl van het model te bewerken</a:t>
+              <a:rPr lang="en-US"/>
+              <a:t>Click to edit Master text styles</a:t>
             </a:r>
           </a:p>
           <a:p>
             <a:pPr lvl="1"/>
             <a:r>
-              <a:rPr lang="nl-NL"/>
-              <a:t>Tweede niveau</a:t>
+              <a:rPr lang="en-US"/>
+              <a:t>Second level</a:t>
             </a:r>
           </a:p>
           <a:p>
             <a:pPr lvl="2"/>
             <a:r>
-              <a:rPr lang="nl-NL"/>
-              <a:t>Derde niveau</a:t>
+              <a:rPr lang="en-US"/>
+              <a:t>Third level</a:t>
             </a:r>
           </a:p>
           <a:p>
             <a:pPr lvl="3"/>
             <a:r>
-              <a:rPr lang="nl-NL"/>
-              <a:t>Vierde niveau</a:t>
+              <a:rPr lang="en-US"/>
+              <a:t>Fourth level</a:t>
             </a:r>
           </a:p>
           <a:p>
             <a:pPr lvl="4"/>
             <a:r>
-              <a:rPr lang="nl-NL"/>
-              <a:t>Vijfde niveau</a:t>
-            </a:r>
-            <a:endParaRPr lang="nl-BE"/>
-          </a:p>
-        </p:txBody>
-      </p:sp>
-      <p:sp>
-        <p:nvSpPr>
-          <p:cNvPr id="4" name="Tijdelijke aanduiding voor tekst 3">
-            <a:extLst>
-              <a:ext uri="{FF2B5EF4-FFF2-40B4-BE49-F238E27FC236}">
-                <a16:creationId xmlns:a16="http://schemas.microsoft.com/office/drawing/2014/main" id="{C901F390-FC74-4F04-AD30-912868F2FEFE}"/>
-              </a:ext>
-            </a:extLst>
-          </p:cNvPr>
+              <a:rPr lang="en-US"/>
+              <a:t>Fifth level</a:t>
+            </a:r>
+          </a:p>
+        </p:txBody>
+      </p:sp>
+      <p:sp>
+        <p:nvSpPr>
+          <p:cNvPr id="4" name="Text Placeholder 3"/>
           <p:cNvSpPr>
             <a:spLocks noGrp="1"/>
           </p:cNvSpPr>
@@ -3084,21 +3319,15 @@
           <a:p>
             <a:pPr lvl="0"/>
             <a:r>
-              <a:rPr lang="nl-NL"/>
-              <a:t>Klikken om de tekststijl van het model te bewerken</a:t>
-            </a:r>
-          </a:p>
-        </p:txBody>
-      </p:sp>
-      <p:sp>
-        <p:nvSpPr>
-          <p:cNvPr id="5" name="Tijdelijke aanduiding voor datum 4">
-            <a:extLst>
-              <a:ext uri="{FF2B5EF4-FFF2-40B4-BE49-F238E27FC236}">
-                <a16:creationId xmlns:a16="http://schemas.microsoft.com/office/drawing/2014/main" id="{8E71B1F6-D6EC-42EC-9CBA-23225163FD38}"/>
-              </a:ext>
-            </a:extLst>
-          </p:cNvPr>
+              <a:rPr lang="en-US"/>
+              <a:t>Click to edit Master text styles</a:t>
+            </a:r>
+          </a:p>
+        </p:txBody>
+      </p:sp>
+      <p:sp>
+        <p:nvSpPr>
+          <p:cNvPr id="5" name="Date Placeholder 4"/>
           <p:cNvSpPr>
             <a:spLocks noGrp="1"/>
           </p:cNvSpPr>
@@ -3111,23 +3340,17 @@
           <a:bodyPr/>
           <a:lstStyle/>
           <a:p>
-            <a:fld id="{C5CC8023-CF4E-4A1F-BCFB-3133EBC3D918}" type="datetimeFigureOut">
-              <a:rPr lang="nl-BE" smtClean="0"/>
-              <a:t>24/03/2025</a:t>
+            <a:fld id="{C764DE79-268F-4C1A-8933-263129D2AF90}" type="datetimeFigureOut">
+              <a:rPr lang="en-US" dirty="0"/>
+              <a:t>3/25/2025</a:t>
             </a:fld>
-            <a:endParaRPr lang="nl-BE"/>
-          </a:p>
-        </p:txBody>
-      </p:sp>
-      <p:sp>
-        <p:nvSpPr>
-          <p:cNvPr id="6" name="Tijdelijke aanduiding voor voettekst 5">
-            <a:extLst>
-              <a:ext uri="{FF2B5EF4-FFF2-40B4-BE49-F238E27FC236}">
-                <a16:creationId xmlns:a16="http://schemas.microsoft.com/office/drawing/2014/main" id="{716D57D5-2DF0-48FD-A488-AA52188822D0}"/>
-              </a:ext>
-            </a:extLst>
-          </p:cNvPr>
+            <a:endParaRPr lang="en-US"/>
+          </a:p>
+        </p:txBody>
+      </p:sp>
+      <p:sp>
+        <p:nvSpPr>
+          <p:cNvPr id="6" name="Footer Placeholder 5"/>
           <p:cNvSpPr>
             <a:spLocks noGrp="1"/>
           </p:cNvSpPr>
@@ -3140,19 +3363,13 @@
           <a:bodyPr/>
           <a:lstStyle/>
           <a:p>
-            <a:endParaRPr lang="nl-BE"/>
-          </a:p>
-        </p:txBody>
-      </p:sp>
-      <p:sp>
-        <p:nvSpPr>
-          <p:cNvPr id="7" name="Tijdelijke aanduiding voor dianummer 6">
-            <a:extLst>
-              <a:ext uri="{FF2B5EF4-FFF2-40B4-BE49-F238E27FC236}">
-                <a16:creationId xmlns:a16="http://schemas.microsoft.com/office/drawing/2014/main" id="{AC13F82F-1953-4E3F-88D8-12CCBFC4686A}"/>
-              </a:ext>
-            </a:extLst>
-          </p:cNvPr>
+            <a:endParaRPr lang="en-US"/>
+          </a:p>
+        </p:txBody>
+      </p:sp>
+      <p:sp>
+        <p:nvSpPr>
+          <p:cNvPr id="7" name="Slide Number Placeholder 6"/>
           <p:cNvSpPr>
             <a:spLocks noGrp="1"/>
           </p:cNvSpPr>
@@ -3165,18 +3382,18 @@
           <a:bodyPr/>
           <a:lstStyle/>
           <a:p>
-            <a:fld id="{59F3E917-E207-42A9-A63F-77B5E6A61A0C}" type="slidenum">
-              <a:rPr lang="nl-BE" smtClean="0"/>
-              <a:t>‹nr.›</a:t>
+            <a:fld id="{48F63A3B-78C7-47BE-AE5E-E10140E04643}" type="slidenum">
+              <a:rPr lang="en-US" dirty="0"/>
+              <a:t>‹#›</a:t>
             </a:fld>
-            <a:endParaRPr lang="nl-BE"/>
+            <a:endParaRPr lang="en-US"/>
           </a:p>
         </p:txBody>
       </p:sp>
     </p:spTree>
     <p:extLst>
       <p:ext uri="{BB962C8B-B14F-4D97-AF65-F5344CB8AC3E}">
-        <p14:creationId xmlns:p14="http://schemas.microsoft.com/office/powerpoint/2010/main" val="394922470"/>
+        <p14:creationId xmlns:p14="http://schemas.microsoft.com/office/powerpoint/2010/main" val="275994968"/>
       </p:ext>
     </p:extLst>
   </p:cSld>
@@ -3188,7 +3405,7 @@
 
 <file path=ppt/slideLayouts/slideLayout9.xml><?xml version="1.0" encoding="utf-8"?>
 <p:sldLayout xmlns:a="http://schemas.openxmlformats.org/drawingml/2006/main" xmlns:r="http://schemas.openxmlformats.org/officeDocument/2006/relationships" xmlns:p="http://schemas.openxmlformats.org/presentationml/2006/main" type="picTx" preserve="1">
-  <p:cSld name="Afbeelding met bijschrift">
+  <p:cSld name="Picture with Caption">
     <p:spTree>
       <p:nvGrpSpPr>
         <p:cNvPr id="1" name=""/>
@@ -3205,13 +3422,7 @@
       </p:grpSpPr>
       <p:sp>
         <p:nvSpPr>
-          <p:cNvPr id="2" name="Titel 1">
-            <a:extLst>
-              <a:ext uri="{FF2B5EF4-FFF2-40B4-BE49-F238E27FC236}">
-                <a16:creationId xmlns:a16="http://schemas.microsoft.com/office/drawing/2014/main" id="{52DD322E-6725-4976-A672-F8EAB9DC32F8}"/>
-              </a:ext>
-            </a:extLst>
-          </p:cNvPr>
+          <p:cNvPr id="2" name="Title 1"/>
           <p:cNvSpPr>
             <a:spLocks noGrp="1"/>
           </p:cNvSpPr>
@@ -3234,24 +3445,17 @@
           </a:lstStyle>
           <a:p>
             <a:r>
-              <a:rPr lang="nl-NL"/>
-              <a:t>Klik om stijl te bewerken</a:t>
-            </a:r>
-            <a:endParaRPr lang="nl-BE"/>
-          </a:p>
-        </p:txBody>
-      </p:sp>
-      <p:sp>
-        <p:nvSpPr>
-          <p:cNvPr id="3" name="Tijdelijke aanduiding voor afbeelding 2">
-            <a:extLst>
-              <a:ext uri="{FF2B5EF4-FFF2-40B4-BE49-F238E27FC236}">
-                <a16:creationId xmlns:a16="http://schemas.microsoft.com/office/drawing/2014/main" id="{F4D9ECFC-3DCA-4884-9926-91199A968D36}"/>
-              </a:ext>
-            </a:extLst>
-          </p:cNvPr>
+              <a:rPr lang="en-US"/>
+              <a:t>Click to edit Master title style</a:t>
+            </a:r>
+          </a:p>
+        </p:txBody>
+      </p:sp>
+      <p:sp>
+        <p:nvSpPr>
+          <p:cNvPr id="3" name="Picture Placeholder 2"/>
           <p:cNvSpPr>
-            <a:spLocks noGrp="1"/>
+            <a:spLocks noGrp="1" noChangeAspect="1"/>
           </p:cNvSpPr>
           <p:nvPr>
             <p:ph type="pic" idx="1"/>
@@ -3264,7 +3468,7 @@
           </a:xfrm>
         </p:spPr>
         <p:txBody>
-          <a:bodyPr/>
+          <a:bodyPr anchor="t"/>
           <a:lstStyle>
             <a:lvl1pPr marL="0" indent="0">
               <a:buNone/>
@@ -3304,19 +3508,13 @@
             </a:lvl9pPr>
           </a:lstStyle>
           <a:p>
-            <a:endParaRPr lang="nl-BE"/>
-          </a:p>
-        </p:txBody>
-      </p:sp>
-      <p:sp>
-        <p:nvSpPr>
-          <p:cNvPr id="4" name="Tijdelijke aanduiding voor tekst 3">
-            <a:extLst>
-              <a:ext uri="{FF2B5EF4-FFF2-40B4-BE49-F238E27FC236}">
-                <a16:creationId xmlns:a16="http://schemas.microsoft.com/office/drawing/2014/main" id="{B4E7056E-5B1D-4DA0-940D-F2EF53930B0E}"/>
-              </a:ext>
-            </a:extLst>
-          </p:cNvPr>
+            <a:endParaRPr lang="en-US"/>
+          </a:p>
+        </p:txBody>
+      </p:sp>
+      <p:sp>
+        <p:nvSpPr>
+          <p:cNvPr id="4" name="Text Placeholder 3"/>
           <p:cNvSpPr>
             <a:spLocks noGrp="1"/>
           </p:cNvSpPr>
@@ -3373,21 +3571,15 @@
           <a:p>
             <a:pPr lvl="0"/>
             <a:r>
-              <a:rPr lang="nl-NL"/>
-              <a:t>Klikken om de tekststijl van het model te bewerken</a:t>
-            </a:r>
-          </a:p>
-        </p:txBody>
-      </p:sp>
-      <p:sp>
-        <p:nvSpPr>
-          <p:cNvPr id="5" name="Tijdelijke aanduiding voor datum 4">
-            <a:extLst>
-              <a:ext uri="{FF2B5EF4-FFF2-40B4-BE49-F238E27FC236}">
-                <a16:creationId xmlns:a16="http://schemas.microsoft.com/office/drawing/2014/main" id="{818FBDC5-0C10-4E20-9212-3A2AE1D4F3F2}"/>
-              </a:ext>
-            </a:extLst>
-          </p:cNvPr>
+              <a:rPr lang="en-US"/>
+              <a:t>Click to edit Master text styles</a:t>
+            </a:r>
+          </a:p>
+        </p:txBody>
+      </p:sp>
+      <p:sp>
+        <p:nvSpPr>
+          <p:cNvPr id="5" name="Date Placeholder 4"/>
           <p:cNvSpPr>
             <a:spLocks noGrp="1"/>
           </p:cNvSpPr>
@@ -3400,23 +3592,17 @@
           <a:bodyPr/>
           <a:lstStyle/>
           <a:p>
-            <a:fld id="{C5CC8023-CF4E-4A1F-BCFB-3133EBC3D918}" type="datetimeFigureOut">
-              <a:rPr lang="nl-BE" smtClean="0"/>
-              <a:t>24/03/2025</a:t>
+            <a:fld id="{C764DE79-268F-4C1A-8933-263129D2AF90}" type="datetimeFigureOut">
+              <a:rPr lang="en-US" dirty="0"/>
+              <a:t>3/25/2025</a:t>
             </a:fld>
-            <a:endParaRPr lang="nl-BE"/>
-          </a:p>
-        </p:txBody>
-      </p:sp>
-      <p:sp>
-        <p:nvSpPr>
-          <p:cNvPr id="6" name="Tijdelijke aanduiding voor voettekst 5">
-            <a:extLst>
-              <a:ext uri="{FF2B5EF4-FFF2-40B4-BE49-F238E27FC236}">
-                <a16:creationId xmlns:a16="http://schemas.microsoft.com/office/drawing/2014/main" id="{1FAA139C-8227-48E5-86DA-0ECE4BBAF581}"/>
-              </a:ext>
-            </a:extLst>
-          </p:cNvPr>
+            <a:endParaRPr lang="en-US"/>
+          </a:p>
+        </p:txBody>
+      </p:sp>
+      <p:sp>
+        <p:nvSpPr>
+          <p:cNvPr id="6" name="Footer Placeholder 5"/>
           <p:cNvSpPr>
             <a:spLocks noGrp="1"/>
           </p:cNvSpPr>
@@ -3429,19 +3615,13 @@
           <a:bodyPr/>
           <a:lstStyle/>
           <a:p>
-            <a:endParaRPr lang="nl-BE"/>
-          </a:p>
-        </p:txBody>
-      </p:sp>
-      <p:sp>
-        <p:nvSpPr>
-          <p:cNvPr id="7" name="Tijdelijke aanduiding voor dianummer 6">
-            <a:extLst>
-              <a:ext uri="{FF2B5EF4-FFF2-40B4-BE49-F238E27FC236}">
-                <a16:creationId xmlns:a16="http://schemas.microsoft.com/office/drawing/2014/main" id="{F8BC4C25-2271-41CA-94F7-0E9B37DFAE70}"/>
-              </a:ext>
-            </a:extLst>
-          </p:cNvPr>
+            <a:endParaRPr lang="en-US"/>
+          </a:p>
+        </p:txBody>
+      </p:sp>
+      <p:sp>
+        <p:nvSpPr>
+          <p:cNvPr id="7" name="Slide Number Placeholder 6"/>
           <p:cNvSpPr>
             <a:spLocks noGrp="1"/>
           </p:cNvSpPr>
@@ -3454,18 +3634,18 @@
           <a:bodyPr/>
           <a:lstStyle/>
           <a:p>
-            <a:fld id="{59F3E917-E207-42A9-A63F-77B5E6A61A0C}" type="slidenum">
-              <a:rPr lang="nl-BE" smtClean="0"/>
-              <a:t>‹nr.›</a:t>
+            <a:fld id="{48F63A3B-78C7-47BE-AE5E-E10140E04643}" type="slidenum">
+              <a:rPr lang="en-US" dirty="0"/>
+              <a:t>‹#›</a:t>
             </a:fld>
-            <a:endParaRPr lang="nl-BE"/>
+            <a:endParaRPr lang="en-US"/>
           </a:p>
         </p:txBody>
       </p:sp>
     </p:spTree>
     <p:extLst>
       <p:ext uri="{BB962C8B-B14F-4D97-AF65-F5344CB8AC3E}">
-        <p14:creationId xmlns:p14="http://schemas.microsoft.com/office/powerpoint/2010/main" val="2889705571"/>
+        <p14:creationId xmlns:p14="http://schemas.microsoft.com/office/powerpoint/2010/main" val="4251530485"/>
       </p:ext>
     </p:extLst>
   </p:cSld>
@@ -3499,13 +3679,7 @@
       </p:grpSpPr>
       <p:sp>
         <p:nvSpPr>
-          <p:cNvPr id="2" name="Tijdelijke aanduiding voor titel 1">
-            <a:extLst>
-              <a:ext uri="{FF2B5EF4-FFF2-40B4-BE49-F238E27FC236}">
-                <a16:creationId xmlns:a16="http://schemas.microsoft.com/office/drawing/2014/main" id="{DE6864AC-CC10-4F51-AC82-E26DB3BCA9F6}"/>
-              </a:ext>
-            </a:extLst>
-          </p:cNvPr>
+          <p:cNvPr id="2" name="Title Placeholder 1"/>
           <p:cNvSpPr>
             <a:spLocks noGrp="1"/>
           </p:cNvSpPr>
@@ -3529,22 +3703,15 @@
           <a:lstStyle/>
           <a:p>
             <a:r>
-              <a:rPr lang="nl-NL"/>
-              <a:t>Klik om stijl te bewerken</a:t>
-            </a:r>
-            <a:endParaRPr lang="nl-BE"/>
-          </a:p>
-        </p:txBody>
-      </p:sp>
-      <p:sp>
-        <p:nvSpPr>
-          <p:cNvPr id="3" name="Tijdelijke aanduiding voor tekst 2">
-            <a:extLst>
-              <a:ext uri="{FF2B5EF4-FFF2-40B4-BE49-F238E27FC236}">
-                <a16:creationId xmlns:a16="http://schemas.microsoft.com/office/drawing/2014/main" id="{46079999-1EAF-4946-A4F2-C6633CE557E3}"/>
-              </a:ext>
-            </a:extLst>
-          </p:cNvPr>
+              <a:rPr lang="en-US"/>
+              <a:t>Click to edit Master title style</a:t>
+            </a:r>
+          </a:p>
+        </p:txBody>
+      </p:sp>
+      <p:sp>
+        <p:nvSpPr>
+          <p:cNvPr id="3" name="Text Placeholder 2"/>
           <p:cNvSpPr>
             <a:spLocks noGrp="1"/>
           </p:cNvSpPr>
@@ -3569,50 +3736,43 @@
           <a:p>
             <a:pPr lvl="0"/>
             <a:r>
-              <a:rPr lang="nl-NL"/>
-              <a:t>Klikken om de tekststijl van het model te bewerken</a:t>
+              <a:rPr lang="en-US"/>
+              <a:t>Click to edit Master text styles</a:t>
             </a:r>
           </a:p>
           <a:p>
             <a:pPr lvl="1"/>
             <a:r>
-              <a:rPr lang="nl-NL"/>
-              <a:t>Tweede niveau</a:t>
+              <a:rPr lang="en-US"/>
+              <a:t>Second level</a:t>
             </a:r>
           </a:p>
           <a:p>
             <a:pPr lvl="2"/>
             <a:r>
-              <a:rPr lang="nl-NL"/>
-              <a:t>Derde niveau</a:t>
+              <a:rPr lang="en-US"/>
+              <a:t>Third level</a:t>
             </a:r>
           </a:p>
           <a:p>
             <a:pPr lvl="3"/>
             <a:r>
-              <a:rPr lang="nl-NL"/>
-              <a:t>Vierde niveau</a:t>
+              <a:rPr lang="en-US"/>
+              <a:t>Fourth level</a:t>
             </a:r>
           </a:p>
           <a:p>
             <a:pPr lvl="4"/>
             <a:r>
-              <a:rPr lang="nl-NL"/>
-              <a:t>Vijfde niveau</a:t>
-            </a:r>
-            <a:endParaRPr lang="nl-BE"/>
-          </a:p>
-        </p:txBody>
-      </p:sp>
-      <p:sp>
-        <p:nvSpPr>
-          <p:cNvPr id="4" name="Tijdelijke aanduiding voor datum 3">
-            <a:extLst>
-              <a:ext uri="{FF2B5EF4-FFF2-40B4-BE49-F238E27FC236}">
-                <a16:creationId xmlns:a16="http://schemas.microsoft.com/office/drawing/2014/main" id="{C3EB35A9-AA9B-47F3-84C9-39B9F4BE0961}"/>
-              </a:ext>
-            </a:extLst>
-          </p:cNvPr>
+              <a:rPr lang="en-US"/>
+              <a:t>Fifth level</a:t>
+            </a:r>
+          </a:p>
+        </p:txBody>
+      </p:sp>
+      <p:sp>
+        <p:nvSpPr>
+          <p:cNvPr id="4" name="Date Placeholder 3"/>
           <p:cNvSpPr>
             <a:spLocks noGrp="1"/>
           </p:cNvSpPr>
@@ -3643,23 +3803,17 @@
             </a:lvl1pPr>
           </a:lstStyle>
           <a:p>
-            <a:fld id="{C5CC8023-CF4E-4A1F-BCFB-3133EBC3D918}" type="datetimeFigureOut">
-              <a:rPr lang="nl-BE" smtClean="0"/>
-              <a:t>24/03/2025</a:t>
+            <a:fld id="{C764DE79-268F-4C1A-8933-263129D2AF90}" type="datetimeFigureOut">
+              <a:rPr lang="en-US" dirty="0"/>
+              <a:t>3/25/2025</a:t>
             </a:fld>
-            <a:endParaRPr lang="nl-BE"/>
-          </a:p>
-        </p:txBody>
-      </p:sp>
-      <p:sp>
-        <p:nvSpPr>
-          <p:cNvPr id="5" name="Tijdelijke aanduiding voor voettekst 4">
-            <a:extLst>
-              <a:ext uri="{FF2B5EF4-FFF2-40B4-BE49-F238E27FC236}">
-                <a16:creationId xmlns:a16="http://schemas.microsoft.com/office/drawing/2014/main" id="{3D5B5EE1-A214-4308-BF36-2CB211082EED}"/>
-              </a:ext>
-            </a:extLst>
-          </p:cNvPr>
+            <a:endParaRPr lang="en-US"/>
+          </a:p>
+        </p:txBody>
+      </p:sp>
+      <p:sp>
+        <p:nvSpPr>
+          <p:cNvPr id="5" name="Footer Placeholder 4"/>
           <p:cNvSpPr>
             <a:spLocks noGrp="1"/>
           </p:cNvSpPr>
@@ -3690,19 +3844,13 @@
             </a:lvl1pPr>
           </a:lstStyle>
           <a:p>
-            <a:endParaRPr lang="nl-BE"/>
-          </a:p>
-        </p:txBody>
-      </p:sp>
-      <p:sp>
-        <p:nvSpPr>
-          <p:cNvPr id="6" name="Tijdelijke aanduiding voor dianummer 5">
-            <a:extLst>
-              <a:ext uri="{FF2B5EF4-FFF2-40B4-BE49-F238E27FC236}">
-                <a16:creationId xmlns:a16="http://schemas.microsoft.com/office/drawing/2014/main" id="{ADD25ED3-4EB9-4ECF-A291-2EDE2575D4BD}"/>
-              </a:ext>
-            </a:extLst>
-          </p:cNvPr>
+            <a:endParaRPr lang="en-US"/>
+          </a:p>
+        </p:txBody>
+      </p:sp>
+      <p:sp>
+        <p:nvSpPr>
+          <p:cNvPr id="6" name="Slide Number Placeholder 5"/>
           <p:cNvSpPr>
             <a:spLocks noGrp="1"/>
           </p:cNvSpPr>
@@ -3733,34 +3881,34 @@
             </a:lvl1pPr>
           </a:lstStyle>
           <a:p>
-            <a:fld id="{59F3E917-E207-42A9-A63F-77B5E6A61A0C}" type="slidenum">
-              <a:rPr lang="nl-BE" smtClean="0"/>
-              <a:t>‹nr.›</a:t>
+            <a:fld id="{48F63A3B-78C7-47BE-AE5E-E10140E04643}" type="slidenum">
+              <a:rPr lang="en-US" dirty="0"/>
+              <a:t>‹#›</a:t>
             </a:fld>
-            <a:endParaRPr lang="nl-BE"/>
+            <a:endParaRPr lang="en-US"/>
           </a:p>
         </p:txBody>
       </p:sp>
     </p:spTree>
     <p:extLst>
       <p:ext uri="{BB962C8B-B14F-4D97-AF65-F5344CB8AC3E}">
-        <p14:creationId xmlns:p14="http://schemas.microsoft.com/office/powerpoint/2010/main" val="663473969"/>
+        <p14:creationId xmlns:p14="http://schemas.microsoft.com/office/powerpoint/2010/main" val="509044710"/>
       </p:ext>
     </p:extLst>
   </p:cSld>
-  <p:clrMap bg1="lt1" tx1="dk1" bg2="lt2" tx2="dk2" accent1="accent1" accent2="accent2" accent3="accent3" accent4="accent4" accent5="accent5" accent6="accent6" hlink="hlink" folHlink="folHlink"/>
+  <p:clrMap bg1="dk1" tx1="lt1" bg2="dk2" tx2="lt2" accent1="accent1" accent2="accent2" accent3="accent3" accent4="accent4" accent5="accent5" accent6="accent6" hlink="hlink" folHlink="folHlink"/>
   <p:sldLayoutIdLst>
-    <p:sldLayoutId id="2147483649" r:id="rId1"/>
-    <p:sldLayoutId id="2147483650" r:id="rId2"/>
-    <p:sldLayoutId id="2147483651" r:id="rId3"/>
-    <p:sldLayoutId id="2147483652" r:id="rId4"/>
-    <p:sldLayoutId id="2147483653" r:id="rId5"/>
-    <p:sldLayoutId id="2147483654" r:id="rId6"/>
-    <p:sldLayoutId id="2147483655" r:id="rId7"/>
-    <p:sldLayoutId id="2147483656" r:id="rId8"/>
-    <p:sldLayoutId id="2147483657" r:id="rId9"/>
-    <p:sldLayoutId id="2147483658" r:id="rId10"/>
-    <p:sldLayoutId id="2147483659" r:id="rId11"/>
+    <p:sldLayoutId id="2147483661" r:id="rId1"/>
+    <p:sldLayoutId id="2147483662" r:id="rId2"/>
+    <p:sldLayoutId id="2147483663" r:id="rId3"/>
+    <p:sldLayoutId id="2147483664" r:id="rId4"/>
+    <p:sldLayoutId id="2147483665" r:id="rId5"/>
+    <p:sldLayoutId id="2147483666" r:id="rId6"/>
+    <p:sldLayoutId id="2147483667" r:id="rId7"/>
+    <p:sldLayoutId id="2147483668" r:id="rId8"/>
+    <p:sldLayoutId id="2147483669" r:id="rId9"/>
+    <p:sldLayoutId id="2147483670" r:id="rId10"/>
+    <p:sldLayoutId id="2147483671" r:id="rId11"/>
   </p:sldLayoutIdLst>
   <p:txStyles>
     <p:titleStyle>
@@ -3948,7 +4096,7 @@
     </p:bodyStyle>
     <p:otherStyle>
       <a:defPPr>
-        <a:defRPr lang="nl-BE"/>
+        <a:defRPr lang="en-US"/>
       </a:defPPr>
       <a:lvl1pPr marL="0" algn="l" defTabSz="914400" rtl="0" eaLnBrk="1" latinLnBrk="0" hangingPunct="1">
         <a:defRPr sz="1800" kern="1200">
@@ -4048,6 +4196,14 @@
 <file path=ppt/slides/slide1.xml><?xml version="1.0" encoding="utf-8"?>
 <p:sld xmlns:a="http://schemas.openxmlformats.org/drawingml/2006/main" xmlns:r="http://schemas.openxmlformats.org/officeDocument/2006/relationships" xmlns:p="http://schemas.openxmlformats.org/presentationml/2006/main">
   <p:cSld>
+    <p:bg>
+      <p:bgPr>
+        <a:solidFill>
+          <a:schemeClr val="bg1"/>
+        </a:solidFill>
+        <a:effectLst/>
+      </p:bgPr>
+    </p:bg>
     <p:spTree>
       <p:nvGrpSpPr>
         <p:cNvPr id="1" name=""/>
@@ -4062,6 +4218,66 @@
           <a:chExt cx="0" cy="0"/>
         </a:xfrm>
       </p:grpSpPr>
+      <p:sp useBgFill="1">
+        <p:nvSpPr>
+          <p:cNvPr id="8" name="Rectangle 10">
+            <a:extLst>
+              <a:ext uri="{FF2B5EF4-FFF2-40B4-BE49-F238E27FC236}">
+                <a16:creationId xmlns:a16="http://schemas.microsoft.com/office/drawing/2014/main" id="{F13C74B1-5B17-4795-BED0-7140497B445A}"/>
+              </a:ext>
+              <a:ext uri="{C183D7F6-B498-43B3-948B-1728B52AA6E4}">
+                <adec:decorative xmlns:adec="http://schemas.microsoft.com/office/drawing/2017/decorative" val="1"/>
+              </a:ext>
+            </a:extLst>
+          </p:cNvPr>
+          <p:cNvSpPr>
+            <a:spLocks noGrp="1" noRot="1" noChangeAspect="1" noMove="1" noResize="1" noEditPoints="1" noAdjustHandles="1" noChangeArrowheads="1" noChangeShapeType="1" noTextEdit="1"/>
+          </p:cNvSpPr>
+          <p:nvPr>
+            <p:extLst>
+              <p:ext uri="{386F3935-93C4-4BCD-93E2-E3B085C9AB24}">
+                <p16:designElem xmlns:p16="http://schemas.microsoft.com/office/powerpoint/2015/main" val="1"/>
+              </p:ext>
+            </p:extLst>
+          </p:nvPr>
+        </p:nvSpPr>
+        <p:spPr>
+          <a:xfrm>
+            <a:off x="0" y="0"/>
+            <a:ext cx="12188952" cy="6858000"/>
+          </a:xfrm>
+          <a:prstGeom prst="rect">
+            <a:avLst/>
+          </a:prstGeom>
+          <a:ln>
+            <a:noFill/>
+          </a:ln>
+        </p:spPr>
+        <p:style>
+          <a:lnRef idx="2">
+            <a:schemeClr val="accent1">
+              <a:shade val="50000"/>
+            </a:schemeClr>
+          </a:lnRef>
+          <a:fillRef idx="1">
+            <a:schemeClr val="accent1"/>
+          </a:fillRef>
+          <a:effectRef idx="0">
+            <a:schemeClr val="accent1"/>
+          </a:effectRef>
+          <a:fontRef idx="minor">
+            <a:schemeClr val="lt1"/>
+          </a:fontRef>
+        </p:style>
+        <p:txBody>
+          <a:bodyPr rtlCol="0" anchor="ctr"/>
+          <a:lstStyle/>
+          <a:p>
+            <a:pPr algn="ctr"/>
+            <a:endParaRPr lang="en-US"/>
+          </a:p>
+        </p:txBody>
+      </p:sp>
       <p:sp>
         <p:nvSpPr>
           <p:cNvPr id="6" name="Tekstvak 5">
@@ -4076,37 +4292,403 @@
         </p:nvSpPr>
         <p:spPr>
           <a:xfrm>
-            <a:off x="-6474" y="-3304"/>
-            <a:ext cx="12198473" cy="769441"/>
+            <a:off x="640080" y="325369"/>
+            <a:ext cx="4368602" cy="1956841"/>
           </a:xfrm>
           <a:prstGeom prst="rect">
             <a:avLst/>
           </a:prstGeom>
-          <a:noFill/>
         </p:spPr>
         <p:txBody>
-          <a:bodyPr rot="0" spcFirstLastPara="0" vertOverflow="overflow" horzOverflow="overflow" vert="horz" wrap="square" lIns="91440" tIns="45720" rIns="91440" bIns="45720" numCol="1" spcCol="0" rtlCol="0" fromWordArt="0" anchor="t" anchorCtr="0" forceAA="0" compatLnSpc="1">
+          <a:bodyPr rot="0" spcFirstLastPara="0" vertOverflow="overflow" horzOverflow="overflow" vert="horz" lIns="91440" tIns="45720" rIns="91440" bIns="45720" numCol="1" spcCol="0" rtlCol="0" fromWordArt="0" anchor="b" anchorCtr="0" forceAA="0" compatLnSpc="1">
             <a:prstTxWarp prst="textNoShape">
               <a:avLst/>
             </a:prstTxWarp>
-            <a:spAutoFit/>
+            <a:normAutofit/>
           </a:bodyPr>
           <a:lstStyle/>
           <a:p>
-            <a:pPr algn="ctr"/>
-            <a:r>
-              <a:rPr lang="nl-NL" sz="4400" b="1" dirty="0">
-                <a:latin typeface="Calibri"/>
-                <a:ea typeface="Calibri"/>
-                <a:cs typeface="Calibri"/>
+            <a:pPr>
+              <a:lnSpc>
+                <a:spcPct val="90000"/>
+              </a:lnSpc>
+              <a:spcBef>
+                <a:spcPct val="0"/>
+              </a:spcBef>
+              <a:spcAft>
+                <a:spcPts val="600"/>
+              </a:spcAft>
+            </a:pPr>
+            <a:r>
+              <a:rPr lang="en-US" sz="5400" b="1">
+                <a:latin typeface="+mj-lt"/>
+                <a:ea typeface="+mj-ea"/>
+                <a:cs typeface="+mj-cs"/>
               </a:rPr>
               <a:t>Trap The Cat</a:t>
             </a:r>
-            <a:endParaRPr lang="nl-NL" sz="3200" b="1">
-              <a:latin typeface="Calibri Light"/>
-              <a:ea typeface="Calibri" panose="020F0502020204030204"/>
-              <a:cs typeface="Calibri" panose="020F0502020204030204"/>
-            </a:endParaRPr>
+          </a:p>
+        </p:txBody>
+      </p:sp>
+      <p:sp>
+        <p:nvSpPr>
+          <p:cNvPr id="9" name="sketchy line">
+            <a:extLst>
+              <a:ext uri="{FF2B5EF4-FFF2-40B4-BE49-F238E27FC236}">
+                <a16:creationId xmlns:a16="http://schemas.microsoft.com/office/drawing/2014/main" id="{D4974D33-8DC5-464E-8C6D-BE58F0669C17}"/>
+              </a:ext>
+              <a:ext uri="{C183D7F6-B498-43B3-948B-1728B52AA6E4}">
+                <adec:decorative xmlns:adec="http://schemas.microsoft.com/office/drawing/2017/decorative" val="1"/>
+              </a:ext>
+            </a:extLst>
+          </p:cNvPr>
+          <p:cNvSpPr>
+            <a:spLocks noGrp="1" noRot="1" noChangeAspect="1" noMove="1" noResize="1" noEditPoints="1" noAdjustHandles="1" noChangeArrowheads="1" noChangeShapeType="1" noTextEdit="1"/>
+          </p:cNvSpPr>
+          <p:nvPr>
+            <p:extLst>
+              <p:ext uri="{386F3935-93C4-4BCD-93E2-E3B085C9AB24}">
+                <p16:designElem xmlns:p16="http://schemas.microsoft.com/office/powerpoint/2015/main" val="1"/>
+              </p:ext>
+            </p:extLst>
+          </p:nvPr>
+        </p:nvSpPr>
+        <p:spPr>
+          <a:xfrm>
+            <a:off x="640080" y="2586994"/>
+            <a:ext cx="3474720" cy="18288"/>
+          </a:xfrm>
+          <a:custGeom>
+            <a:avLst/>
+            <a:gdLst>
+              <a:gd name="connsiteX0" fmla="*/ 0 w 3474720"/>
+              <a:gd name="connsiteY0" fmla="*/ 0 h 18288"/>
+              <a:gd name="connsiteX1" fmla="*/ 694944 w 3474720"/>
+              <a:gd name="connsiteY1" fmla="*/ 0 h 18288"/>
+              <a:gd name="connsiteX2" fmla="*/ 1355141 w 3474720"/>
+              <a:gd name="connsiteY2" fmla="*/ 0 h 18288"/>
+              <a:gd name="connsiteX3" fmla="*/ 2015338 w 3474720"/>
+              <a:gd name="connsiteY3" fmla="*/ 0 h 18288"/>
+              <a:gd name="connsiteX4" fmla="*/ 2779776 w 3474720"/>
+              <a:gd name="connsiteY4" fmla="*/ 0 h 18288"/>
+              <a:gd name="connsiteX5" fmla="*/ 3474720 w 3474720"/>
+              <a:gd name="connsiteY5" fmla="*/ 0 h 18288"/>
+              <a:gd name="connsiteX6" fmla="*/ 3474720 w 3474720"/>
+              <a:gd name="connsiteY6" fmla="*/ 18288 h 18288"/>
+              <a:gd name="connsiteX7" fmla="*/ 2779776 w 3474720"/>
+              <a:gd name="connsiteY7" fmla="*/ 18288 h 18288"/>
+              <a:gd name="connsiteX8" fmla="*/ 2189074 w 3474720"/>
+              <a:gd name="connsiteY8" fmla="*/ 18288 h 18288"/>
+              <a:gd name="connsiteX9" fmla="*/ 1528877 w 3474720"/>
+              <a:gd name="connsiteY9" fmla="*/ 18288 h 18288"/>
+              <a:gd name="connsiteX10" fmla="*/ 868680 w 3474720"/>
+              <a:gd name="connsiteY10" fmla="*/ 18288 h 18288"/>
+              <a:gd name="connsiteX11" fmla="*/ 0 w 3474720"/>
+              <a:gd name="connsiteY11" fmla="*/ 18288 h 18288"/>
+              <a:gd name="connsiteX12" fmla="*/ 0 w 3474720"/>
+              <a:gd name="connsiteY12" fmla="*/ 0 h 18288"/>
+            </a:gdLst>
+            <a:ahLst/>
+            <a:cxnLst>
+              <a:cxn ang="0">
+                <a:pos x="connsiteX0" y="connsiteY0"/>
+              </a:cxn>
+              <a:cxn ang="0">
+                <a:pos x="connsiteX1" y="connsiteY1"/>
+              </a:cxn>
+              <a:cxn ang="0">
+                <a:pos x="connsiteX2" y="connsiteY2"/>
+              </a:cxn>
+              <a:cxn ang="0">
+                <a:pos x="connsiteX3" y="connsiteY3"/>
+              </a:cxn>
+              <a:cxn ang="0">
+                <a:pos x="connsiteX4" y="connsiteY4"/>
+              </a:cxn>
+              <a:cxn ang="0">
+                <a:pos x="connsiteX5" y="connsiteY5"/>
+              </a:cxn>
+              <a:cxn ang="0">
+                <a:pos x="connsiteX6" y="connsiteY6"/>
+              </a:cxn>
+              <a:cxn ang="0">
+                <a:pos x="connsiteX7" y="connsiteY7"/>
+              </a:cxn>
+              <a:cxn ang="0">
+                <a:pos x="connsiteX8" y="connsiteY8"/>
+              </a:cxn>
+              <a:cxn ang="0">
+                <a:pos x="connsiteX9" y="connsiteY9"/>
+              </a:cxn>
+              <a:cxn ang="0">
+                <a:pos x="connsiteX10" y="connsiteY10"/>
+              </a:cxn>
+              <a:cxn ang="0">
+                <a:pos x="connsiteX11" y="connsiteY11"/>
+              </a:cxn>
+              <a:cxn ang="0">
+                <a:pos x="connsiteX12" y="connsiteY12"/>
+              </a:cxn>
+            </a:cxnLst>
+            <a:rect l="l" t="t" r="r" b="b"/>
+            <a:pathLst>
+              <a:path w="3474720" h="18288" fill="none" extrusionOk="0">
+                <a:moveTo>
+                  <a:pt x="0" y="0"/>
+                </a:moveTo>
+                <a:cubicBezTo>
+                  <a:pt x="224454" y="-14544"/>
+                  <a:pt x="495407" y="26540"/>
+                  <a:pt x="694944" y="0"/>
+                </a:cubicBezTo>
+                <a:cubicBezTo>
+                  <a:pt x="894481" y="-26540"/>
+                  <a:pt x="1130063" y="24713"/>
+                  <a:pt x="1355141" y="0"/>
+                </a:cubicBezTo>
+                <a:cubicBezTo>
+                  <a:pt x="1580219" y="-24713"/>
+                  <a:pt x="1820099" y="26695"/>
+                  <a:pt x="2015338" y="0"/>
+                </a:cubicBezTo>
+                <a:cubicBezTo>
+                  <a:pt x="2210577" y="-26695"/>
+                  <a:pt x="2402045" y="165"/>
+                  <a:pt x="2779776" y="0"/>
+                </a:cubicBezTo>
+                <a:cubicBezTo>
+                  <a:pt x="3157507" y="-165"/>
+                  <a:pt x="3286859" y="-15571"/>
+                  <a:pt x="3474720" y="0"/>
+                </a:cubicBezTo>
+                <a:cubicBezTo>
+                  <a:pt x="3474286" y="7551"/>
+                  <a:pt x="3474253" y="9822"/>
+                  <a:pt x="3474720" y="18288"/>
+                </a:cubicBezTo>
+                <a:cubicBezTo>
+                  <a:pt x="3233904" y="29845"/>
+                  <a:pt x="2945134" y="-5256"/>
+                  <a:pt x="2779776" y="18288"/>
+                </a:cubicBezTo>
+                <a:cubicBezTo>
+                  <a:pt x="2614418" y="41832"/>
+                  <a:pt x="2339768" y="22709"/>
+                  <a:pt x="2189074" y="18288"/>
+                </a:cubicBezTo>
+                <a:cubicBezTo>
+                  <a:pt x="2038380" y="13867"/>
+                  <a:pt x="1817434" y="-4947"/>
+                  <a:pt x="1528877" y="18288"/>
+                </a:cubicBezTo>
+                <a:cubicBezTo>
+                  <a:pt x="1240320" y="41523"/>
+                  <a:pt x="1042447" y="37198"/>
+                  <a:pt x="868680" y="18288"/>
+                </a:cubicBezTo>
+                <a:cubicBezTo>
+                  <a:pt x="694913" y="-622"/>
+                  <a:pt x="233232" y="44909"/>
+                  <a:pt x="0" y="18288"/>
+                </a:cubicBezTo>
+                <a:cubicBezTo>
+                  <a:pt x="60" y="11696"/>
+                  <a:pt x="66" y="3758"/>
+                  <a:pt x="0" y="0"/>
+                </a:cubicBezTo>
+                <a:close/>
+              </a:path>
+              <a:path w="3474720" h="18288" stroke="0" extrusionOk="0">
+                <a:moveTo>
+                  <a:pt x="0" y="0"/>
+                </a:moveTo>
+                <a:cubicBezTo>
+                  <a:pt x="202328" y="-14716"/>
+                  <a:pt x="332722" y="-11499"/>
+                  <a:pt x="625450" y="0"/>
+                </a:cubicBezTo>
+                <a:cubicBezTo>
+                  <a:pt x="918178" y="11499"/>
+                  <a:pt x="1096688" y="5123"/>
+                  <a:pt x="1389888" y="0"/>
+                </a:cubicBezTo>
+                <a:cubicBezTo>
+                  <a:pt x="1683088" y="-5123"/>
+                  <a:pt x="1835981" y="-14038"/>
+                  <a:pt x="1980590" y="0"/>
+                </a:cubicBezTo>
+                <a:cubicBezTo>
+                  <a:pt x="2125199" y="14038"/>
+                  <a:pt x="2396099" y="-7203"/>
+                  <a:pt x="2571293" y="0"/>
+                </a:cubicBezTo>
+                <a:cubicBezTo>
+                  <a:pt x="2746487" y="7203"/>
+                  <a:pt x="3041609" y="-12036"/>
+                  <a:pt x="3474720" y="0"/>
+                </a:cubicBezTo>
+                <a:cubicBezTo>
+                  <a:pt x="3474638" y="4406"/>
+                  <a:pt x="3474631" y="9982"/>
+                  <a:pt x="3474720" y="18288"/>
+                </a:cubicBezTo>
+                <a:cubicBezTo>
+                  <a:pt x="3324873" y="21876"/>
+                  <a:pt x="3136771" y="12587"/>
+                  <a:pt x="2814523" y="18288"/>
+                </a:cubicBezTo>
+                <a:cubicBezTo>
+                  <a:pt x="2492275" y="23989"/>
+                  <a:pt x="2294402" y="47111"/>
+                  <a:pt x="2154326" y="18288"/>
+                </a:cubicBezTo>
+                <a:cubicBezTo>
+                  <a:pt x="2014250" y="-10535"/>
+                  <a:pt x="1820317" y="33903"/>
+                  <a:pt x="1494130" y="18288"/>
+                </a:cubicBezTo>
+                <a:cubicBezTo>
+                  <a:pt x="1167943" y="2673"/>
+                  <a:pt x="948432" y="14868"/>
+                  <a:pt x="729691" y="18288"/>
+                </a:cubicBezTo>
+                <a:cubicBezTo>
+                  <a:pt x="510950" y="21708"/>
+                  <a:pt x="264032" y="24354"/>
+                  <a:pt x="0" y="18288"/>
+                </a:cubicBezTo>
+                <a:cubicBezTo>
+                  <a:pt x="189" y="14288"/>
+                  <a:pt x="-703" y="3747"/>
+                  <a:pt x="0" y="0"/>
+                </a:cubicBezTo>
+                <a:close/>
+              </a:path>
+            </a:pathLst>
+          </a:custGeom>
+          <a:solidFill>
+            <a:schemeClr val="accent2"/>
+          </a:solidFill>
+          <a:ln w="44450" cap="rnd">
+            <a:solidFill>
+              <a:schemeClr val="accent2"/>
+            </a:solidFill>
+            <a:round/>
+            <a:extLst>
+              <a:ext uri="{C807C97D-BFC1-408E-A445-0C87EB9F89A2}">
+                <ask:lineSketchStyleProps xmlns:ask="http://schemas.microsoft.com/office/drawing/2018/sketchyshapes" sd="2863741219">
+                  <a:prstGeom prst="rect">
+                    <a:avLst/>
+                  </a:prstGeom>
+                  <ask:type>
+                    <ask:lineSketchFreehand/>
+                  </ask:type>
+                </ask:lineSketchStyleProps>
+              </a:ext>
+            </a:extLst>
+          </a:ln>
+        </p:spPr>
+        <p:style>
+          <a:lnRef idx="2">
+            <a:schemeClr val="accent1">
+              <a:shade val="50000"/>
+            </a:schemeClr>
+          </a:lnRef>
+          <a:fillRef idx="1">
+            <a:schemeClr val="accent1"/>
+          </a:fillRef>
+          <a:effectRef idx="0">
+            <a:schemeClr val="accent1"/>
+          </a:effectRef>
+          <a:fontRef idx="minor">
+            <a:schemeClr val="lt1"/>
+          </a:fontRef>
+        </p:style>
+        <p:txBody>
+          <a:bodyPr rtlCol="0" anchor="ctr"/>
+          <a:lstStyle/>
+          <a:p>
+            <a:pPr algn="ctr"/>
+            <a:endParaRPr lang="en-US"/>
+          </a:p>
+        </p:txBody>
+      </p:sp>
+      <p:sp>
+        <p:nvSpPr>
+          <p:cNvPr id="3" name="Tekstvak 2">
+            <a:extLst>
+              <a:ext uri="{FF2B5EF4-FFF2-40B4-BE49-F238E27FC236}">
+                <a16:creationId xmlns:a16="http://schemas.microsoft.com/office/drawing/2014/main" id="{207ECF3A-61ED-7AF4-F966-6C82D00D5879}"/>
+              </a:ext>
+            </a:extLst>
+          </p:cNvPr>
+          <p:cNvSpPr txBox="1"/>
+          <p:nvPr/>
+        </p:nvSpPr>
+        <p:spPr>
+          <a:xfrm>
+            <a:off x="640080" y="2872899"/>
+            <a:ext cx="4243589" cy="3320668"/>
+          </a:xfrm>
+          <a:prstGeom prst="rect">
+            <a:avLst/>
+          </a:prstGeom>
+        </p:spPr>
+        <p:txBody>
+          <a:bodyPr rot="0" spcFirstLastPara="0" vertOverflow="overflow" horzOverflow="overflow" vert="horz" lIns="91440" tIns="45720" rIns="91440" bIns="45720" numCol="1" spcCol="0" rtlCol="0" fromWordArt="0" anchorCtr="0" forceAA="0" compatLnSpc="1">
+            <a:prstTxWarp prst="textNoShape">
+              <a:avLst/>
+            </a:prstTxWarp>
+            <a:normAutofit/>
+          </a:bodyPr>
+          <a:lstStyle/>
+          <a:p>
+            <a:pPr indent="-228600">
+              <a:lnSpc>
+                <a:spcPct val="90000"/>
+              </a:lnSpc>
+              <a:spcAft>
+                <a:spcPts val="600"/>
+              </a:spcAft>
+              <a:buFont typeface="Arial" panose="020B0604020202020204" pitchFamily="34" charset="0"/>
+              <a:buChar char="•"/>
+            </a:pPr>
+            <a:r>
+              <a:rPr lang="en-US" sz="2200"/>
+              <a:t>By :</a:t>
+            </a:r>
+          </a:p>
+          <a:p>
+            <a:pPr indent="-228600">
+              <a:lnSpc>
+                <a:spcPct val="90000"/>
+              </a:lnSpc>
+              <a:spcAft>
+                <a:spcPts val="600"/>
+              </a:spcAft>
+              <a:buFont typeface="Arial" panose="020B0604020202020204" pitchFamily="34" charset="0"/>
+              <a:buChar char="•"/>
+            </a:pPr>
+            <a:r>
+              <a:rPr lang="en-US" sz="2200"/>
+              <a:t>Sam De Wispelaere</a:t>
+            </a:r>
+          </a:p>
+          <a:p>
+            <a:pPr indent="-228600">
+              <a:lnSpc>
+                <a:spcPct val="90000"/>
+              </a:lnSpc>
+              <a:spcAft>
+                <a:spcPts val="600"/>
+              </a:spcAft>
+              <a:buFont typeface="Arial" panose="020B0604020202020204" pitchFamily="34" charset="0"/>
+              <a:buChar char="•"/>
+            </a:pPr>
+            <a:r>
+              <a:rPr lang="en-US" sz="2200"/>
+              <a:t>Joren Vandewalle</a:t>
+            </a:r>
           </a:p>
         </p:txBody>
       </p:sp>
@@ -4126,78 +4708,131 @@
         </p:nvPicPr>
         <p:blipFill>
           <a:blip r:embed="rId2"/>
-          <a:srcRect l="10025" t="3163" r="12995" b="3163"/>
+          <a:srcRect l="13094" r="16192"/>
           <a:stretch/>
         </p:blipFill>
         <p:spPr>
           <a:xfrm>
-            <a:off x="3201786" y="1319815"/>
-            <a:ext cx="5992963" cy="5135109"/>
+            <a:off x="5311702" y="10"/>
+            <a:ext cx="6878775" cy="6857990"/>
           </a:xfrm>
-          <a:prstGeom prst="rect">
+          <a:custGeom>
             <a:avLst/>
-          </a:prstGeom>
+            <a:gdLst/>
+            <a:ahLst/>
+            <a:cxnLst/>
+            <a:rect l="l" t="t" r="r" b="b"/>
+            <a:pathLst>
+              <a:path w="6878775" h="6858000">
+                <a:moveTo>
+                  <a:pt x="1102973" y="0"/>
+                </a:moveTo>
+                <a:lnTo>
+                  <a:pt x="1160688" y="0"/>
+                </a:lnTo>
+                <a:lnTo>
+                  <a:pt x="983189" y="331786"/>
+                </a:lnTo>
+                <a:cubicBezTo>
+                  <a:pt x="914866" y="469145"/>
+                  <a:pt x="850355" y="608712"/>
+                  <a:pt x="789261" y="750263"/>
+                </a:cubicBezTo>
+                <a:cubicBezTo>
+                  <a:pt x="774307" y="784928"/>
+                  <a:pt x="759992" y="819849"/>
+                  <a:pt x="745295" y="854514"/>
+                </a:cubicBezTo>
+                <a:cubicBezTo>
+                  <a:pt x="756682" y="845393"/>
+                  <a:pt x="765489" y="833492"/>
+                  <a:pt x="770857" y="819975"/>
+                </a:cubicBezTo>
+                <a:cubicBezTo>
+                  <a:pt x="879943" y="589569"/>
+                  <a:pt x="999605" y="365513"/>
+                  <a:pt x="1131329" y="148742"/>
+                </a:cubicBezTo>
+                <a:lnTo>
+                  <a:pt x="1227589" y="0"/>
+                </a:lnTo>
+                <a:lnTo>
+                  <a:pt x="6878775" y="0"/>
+                </a:lnTo>
+                <a:lnTo>
+                  <a:pt x="6878775" y="6858000"/>
+                </a:lnTo>
+                <a:lnTo>
+                  <a:pt x="713521" y="6858000"/>
+                </a:lnTo>
+                <a:lnTo>
+                  <a:pt x="625642" y="6670527"/>
+                </a:lnTo>
+                <a:cubicBezTo>
+                  <a:pt x="507232" y="6398531"/>
+                  <a:pt x="403083" y="6118381"/>
+                  <a:pt x="312785" y="5830359"/>
+                </a:cubicBezTo>
+                <a:cubicBezTo>
+                  <a:pt x="278149" y="5719759"/>
+                  <a:pt x="248879" y="5607635"/>
+                  <a:pt x="212198" y="5480401"/>
+                </a:cubicBezTo>
+                <a:cubicBezTo>
+                  <a:pt x="212208" y="5491601"/>
+                  <a:pt x="212803" y="5502788"/>
+                  <a:pt x="213988" y="5513923"/>
+                </a:cubicBezTo>
+                <a:cubicBezTo>
+                  <a:pt x="264089" y="5723695"/>
+                  <a:pt x="307290" y="5935370"/>
+                  <a:pt x="365826" y="6142729"/>
+                </a:cubicBezTo>
+                <a:cubicBezTo>
+                  <a:pt x="433152" y="6380817"/>
+                  <a:pt x="510068" y="6614016"/>
+                  <a:pt x="597975" y="6841549"/>
+                </a:cubicBezTo>
+                <a:lnTo>
+                  <a:pt x="604824" y="6858000"/>
+                </a:lnTo>
+                <a:lnTo>
+                  <a:pt x="552056" y="6858000"/>
+                </a:lnTo>
+                <a:lnTo>
+                  <a:pt x="539576" y="6828295"/>
+                </a:lnTo>
+                <a:cubicBezTo>
+                  <a:pt x="380597" y="6414594"/>
+                  <a:pt x="260223" y="5988893"/>
+                  <a:pt x="171555" y="5552906"/>
+                </a:cubicBezTo>
+                <a:cubicBezTo>
+                  <a:pt x="91163" y="5157998"/>
+                  <a:pt x="43746" y="4758899"/>
+                  <a:pt x="12305" y="4357388"/>
+                </a:cubicBezTo>
+                <a:cubicBezTo>
+                  <a:pt x="-14281" y="4013908"/>
+                  <a:pt x="4507" y="3672965"/>
+                  <a:pt x="46684" y="3331516"/>
+                </a:cubicBezTo>
+                <a:cubicBezTo>
+                  <a:pt x="127203" y="2664286"/>
+                  <a:pt x="277819" y="2007265"/>
+                  <a:pt x="496065" y="1371196"/>
+                </a:cubicBezTo>
+                <a:cubicBezTo>
+                  <a:pt x="636273" y="966066"/>
+                  <a:pt x="800445" y="573253"/>
+                  <a:pt x="995723" y="196614"/>
+                </a:cubicBezTo>
+                <a:close/>
+              </a:path>
+            </a:pathLst>
+          </a:custGeom>
         </p:spPr>
       </p:pic>
-      <p:sp>
-        <p:nvSpPr>
-          <p:cNvPr id="3" name="Tekstvak 2">
-            <a:extLst>
-              <a:ext uri="{FF2B5EF4-FFF2-40B4-BE49-F238E27FC236}">
-                <a16:creationId xmlns:a16="http://schemas.microsoft.com/office/drawing/2014/main" id="{207ECF3A-61ED-7AF4-F966-6C82D00D5879}"/>
-              </a:ext>
-            </a:extLst>
-          </p:cNvPr>
-          <p:cNvSpPr txBox="1"/>
-          <p:nvPr/>
-        </p:nvSpPr>
-        <p:spPr>
-          <a:xfrm>
-            <a:off x="684174" y="2963567"/>
-            <a:ext cx="2265123" cy="923330"/>
-          </a:xfrm>
-          <a:prstGeom prst="rect">
-            <a:avLst/>
-          </a:prstGeom>
-          <a:noFill/>
-        </p:spPr>
-        <p:txBody>
-          <a:bodyPr rot="0" spcFirstLastPara="0" vertOverflow="overflow" horzOverflow="overflow" vert="horz" wrap="square" lIns="91440" tIns="45720" rIns="91440" bIns="45720" numCol="1" spcCol="0" rtlCol="0" fromWordArt="0" anchor="t" anchorCtr="0" forceAA="0" compatLnSpc="1">
-            <a:prstTxWarp prst="textNoShape">
-              <a:avLst/>
-            </a:prstTxWarp>
-            <a:spAutoFit/>
-          </a:bodyPr>
-          <a:lstStyle/>
-          <a:p>
-            <a:r>
-              <a:rPr lang="nl-NL" dirty="0">
-                <a:ea typeface="Calibri"/>
-                <a:cs typeface="Calibri"/>
-              </a:rPr>
-              <a:t>By :</a:t>
-            </a:r>
-          </a:p>
-          <a:p>
-            <a:r>
-              <a:rPr lang="nl-NL" dirty="0">
-                <a:ea typeface="Calibri"/>
-                <a:cs typeface="Calibri"/>
-              </a:rPr>
-              <a:t>Sam De Wispelaere</a:t>
-            </a:r>
-          </a:p>
-          <a:p>
-            <a:r>
-              <a:rPr lang="nl-NL" dirty="0">
-                <a:ea typeface="Calibri"/>
-                <a:cs typeface="Calibri"/>
-              </a:rPr>
-              <a:t>Joren Vandewalle</a:t>
-            </a:r>
-          </a:p>
-        </p:txBody>
-      </p:sp>
     </p:spTree>
     <p:extLst>
       <p:ext uri="{BB962C8B-B14F-4D97-AF65-F5344CB8AC3E}">
@@ -4261,7 +4896,7 @@
           <a:p>
             <a:pPr algn="ctr"/>
             <a:r>
-              <a:rPr lang="nl-NL" sz="4000" b="1" dirty="0">
+              <a:rPr lang="nl-NL" sz="4000" b="1">
                 <a:ea typeface="Calibri"/>
                 <a:cs typeface="Calibri"/>
               </a:rPr>
@@ -4302,13 +4937,13 @@
           <a:lstStyle/>
           <a:p>
             <a:r>
-              <a:rPr lang="nl-NL" sz="2000" b="1" dirty="0">
+              <a:rPr lang="nl-NL" sz="2000" b="1">
                 <a:ea typeface="Calibri"/>
                 <a:cs typeface="Calibri"/>
               </a:rPr>
               <a:t>Hooftdoelstellingen :</a:t>
             </a:r>
-            <a:endParaRPr lang="nl-NL" sz="2000" b="1" dirty="0"/>
+            <a:endParaRPr lang="nl-NL" sz="2000" b="1"/>
           </a:p>
         </p:txBody>
       </p:sp>
@@ -4344,13 +4979,13 @@
           <a:lstStyle/>
           <a:p>
             <a:r>
-              <a:rPr lang="nl-NL" sz="2000" b="1" dirty="0">
+              <a:rPr lang="nl-NL" sz="2000" b="1">
                 <a:ea typeface="Calibri"/>
                 <a:cs typeface="Calibri"/>
               </a:rPr>
               <a:t>Subdoelstellingen :</a:t>
             </a:r>
-            <a:endParaRPr lang="nl-NL" sz="2000" b="1" dirty="0"/>
+            <a:endParaRPr lang="nl-NL" sz="2000" b="1"/>
           </a:p>
         </p:txBody>
       </p:sp>
@@ -4390,7 +5025,7 @@
               <a:buChar char="-"/>
             </a:pPr>
             <a:r>
-              <a:rPr lang="nl-NL" dirty="0">
+              <a:rPr lang="nl-NL">
                 <a:ea typeface="Calibri"/>
                 <a:cs typeface="Calibri"/>
               </a:rPr>
@@ -4403,7 +5038,7 @@
               <a:buChar char="-"/>
             </a:pPr>
             <a:r>
-              <a:rPr lang="nl-NL" dirty="0">
+              <a:rPr lang="nl-NL">
                 <a:ea typeface="Calibri"/>
                 <a:cs typeface="Calibri"/>
               </a:rPr>
@@ -4416,21 +5051,21 @@
               <a:buChar char="-"/>
             </a:pPr>
             <a:r>
-              <a:rPr lang="nl-NL" dirty="0">
+              <a:rPr lang="nl-NL">
                 <a:ea typeface="Calibri"/>
                 <a:cs typeface="Calibri"/>
               </a:rPr>
               <a:t>Catch </a:t>
             </a:r>
             <a:r>
-              <a:rPr lang="nl-NL" dirty="0" err="1">
+              <a:rPr lang="nl-NL" err="1">
                 <a:ea typeface="Calibri"/>
                 <a:cs typeface="Calibri"/>
               </a:rPr>
               <a:t>the</a:t>
             </a:r>
             <a:r>
-              <a:rPr lang="nl-NL" dirty="0">
+              <a:rPr lang="nl-NL">
                 <a:ea typeface="Calibri"/>
                 <a:cs typeface="Calibri"/>
               </a:rPr>
@@ -4442,7 +5077,7 @@
               <a:buFont typeface="Calibri"/>
               <a:buChar char="-"/>
             </a:pPr>
-            <a:endParaRPr lang="nl-NL" dirty="0">
+            <a:endParaRPr lang="nl-NL">
               <a:ea typeface="Calibri"/>
               <a:cs typeface="Calibri"/>
             </a:endParaRPr>
@@ -4485,7 +5120,7 @@
               <a:buChar char="-"/>
             </a:pPr>
             <a:r>
-              <a:rPr lang="nl-NL" dirty="0">
+              <a:rPr lang="nl-NL">
                 <a:ea typeface="Calibri"/>
                 <a:cs typeface="Calibri"/>
               </a:rPr>
@@ -4498,21 +5133,21 @@
               <a:buChar char="-"/>
             </a:pPr>
             <a:r>
-              <a:rPr lang="nl-NL" dirty="0">
+              <a:rPr lang="nl-NL">
                 <a:ea typeface="Calibri"/>
                 <a:cs typeface="Calibri"/>
               </a:rPr>
               <a:t>Catch </a:t>
             </a:r>
             <a:r>
-              <a:rPr lang="nl-NL" dirty="0" err="1">
+              <a:rPr lang="nl-NL" err="1">
                 <a:ea typeface="Calibri"/>
                 <a:cs typeface="Calibri"/>
               </a:rPr>
               <a:t>the</a:t>
             </a:r>
             <a:r>
-              <a:rPr lang="nl-NL" dirty="0">
+              <a:rPr lang="nl-NL">
                 <a:ea typeface="Calibri"/>
                 <a:cs typeface="Calibri"/>
               </a:rPr>
@@ -4525,7 +5160,7 @@
               <a:buChar char="-"/>
             </a:pPr>
             <a:r>
-              <a:rPr lang="nl-NL" dirty="0">
+              <a:rPr lang="nl-NL">
                 <a:ea typeface="Calibri"/>
                 <a:cs typeface="Calibri"/>
               </a:rPr>
@@ -4537,13 +5172,43 @@
               <a:buFont typeface="Calibri"/>
               <a:buChar char="-"/>
             </a:pPr>
-            <a:endParaRPr lang="nl-NL" dirty="0">
+            <a:endParaRPr lang="nl-NL">
               <a:ea typeface="Calibri"/>
               <a:cs typeface="Calibri"/>
             </a:endParaRPr>
           </a:p>
         </p:txBody>
       </p:sp>
+      <p:pic>
+        <p:nvPicPr>
+          <p:cNvPr id="3" name="Afbeelding 2" descr="Afbeelding met kaars, typografie, wasknijper, ontwerp&#10;&#10;Door AI gegenereerde inhoud is mogelijk onjuist.">
+            <a:extLst>
+              <a:ext uri="{FF2B5EF4-FFF2-40B4-BE49-F238E27FC236}">
+                <a16:creationId xmlns:a16="http://schemas.microsoft.com/office/drawing/2014/main" id="{BB6D0989-DA42-3EED-21BE-320B22F2D527}"/>
+              </a:ext>
+            </a:extLst>
+          </p:cNvPr>
+          <p:cNvPicPr>
+            <a:picLocks noChangeAspect="1"/>
+          </p:cNvPicPr>
+          <p:nvPr/>
+        </p:nvPicPr>
+        <p:blipFill>
+          <a:blip r:embed="rId2"/>
+          <a:stretch>
+            <a:fillRect/>
+          </a:stretch>
+        </p:blipFill>
+        <p:spPr>
+          <a:xfrm>
+            <a:off x="5417126" y="2295236"/>
+            <a:ext cx="6218382" cy="2279073"/>
+          </a:xfrm>
+          <a:prstGeom prst="rect">
+            <a:avLst/>
+          </a:prstGeom>
+        </p:spPr>
+      </p:pic>
     </p:spTree>
     <p:extLst>
       <p:ext uri="{BB962C8B-B14F-4D97-AF65-F5344CB8AC3E}">
@@ -4607,7 +5272,7 @@
           <a:p>
             <a:pPr algn="ctr"/>
             <a:r>
-              <a:rPr lang="nl-NL" sz="3600" b="1" dirty="0">
+              <a:rPr lang="nl-NL" sz="3600" b="1">
                 <a:ea typeface="Calibri"/>
                 <a:cs typeface="Calibri"/>
               </a:rPr>
@@ -4620,7 +5285,7 @@
               </a:rPr>
               <a:t>cat</a:t>
             </a:r>
-            <a:endParaRPr lang="nl-NL" sz="3600" dirty="0">
+            <a:endParaRPr lang="nl-NL" sz="3600">
               <a:ea typeface="Calibri"/>
               <a:cs typeface="Calibri"/>
             </a:endParaRPr>
@@ -4651,9 +5316,25 @@
             <a:off x="5729583" y="751560"/>
             <a:ext cx="5812689" cy="5615855"/>
           </a:xfrm>
-          <a:prstGeom prst="rect">
-            <a:avLst/>
+          <a:prstGeom prst="round2DiagRect">
+            <a:avLst>
+              <a:gd name="adj1" fmla="val 16667"/>
+              <a:gd name="adj2" fmla="val 0"/>
+            </a:avLst>
           </a:prstGeom>
+          <a:ln w="88900" cap="sq">
+            <a:solidFill>
+              <a:srgbClr val="FFFFFF"/>
+            </a:solidFill>
+            <a:miter lim="800000"/>
+          </a:ln>
+          <a:effectLst>
+            <a:outerShdw blurRad="254000" algn="tl" rotWithShape="0">
+              <a:srgbClr val="000000">
+                <a:alpha val="43000"/>
+              </a:srgbClr>
+            </a:outerShdw>
+          </a:effectLst>
         </p:spPr>
       </p:pic>
       <p:sp>
@@ -4688,13 +5369,13 @@
           <a:lstStyle/>
           <a:p>
             <a:r>
-              <a:rPr lang="nl-NL" b="1" dirty="0">
+              <a:rPr lang="nl-NL" b="1">
                 <a:ea typeface="Calibri" panose="020F0502020204030204"/>
                 <a:cs typeface="Calibri" panose="020F0502020204030204"/>
               </a:rPr>
               <a:t>Doel :</a:t>
             </a:r>
-            <a:endParaRPr lang="nl-NL" b="1" dirty="0"/>
+            <a:endParaRPr lang="nl-NL" b="1"/>
           </a:p>
         </p:txBody>
       </p:sp>
@@ -4734,7 +5415,7 @@
               <a:buChar char="-"/>
             </a:pPr>
             <a:r>
-              <a:rPr lang="nl-NL" dirty="0">
+              <a:rPr lang="nl-NL">
                 <a:ea typeface="Calibri"/>
                 <a:cs typeface="Calibri"/>
               </a:rPr>
@@ -4747,14 +5428,14 @@
               <a:buChar char="-"/>
             </a:pPr>
             <a:r>
-              <a:rPr lang="nl-NL" dirty="0" err="1">
+              <a:rPr lang="nl-NL" err="1">
                 <a:ea typeface="Calibri"/>
                 <a:cs typeface="Calibri"/>
               </a:rPr>
               <a:t>Hex</a:t>
             </a:r>
             <a:r>
-              <a:rPr lang="nl-NL" dirty="0">
+              <a:rPr lang="nl-NL">
                 <a:ea typeface="Calibri"/>
                 <a:cs typeface="Calibri"/>
               </a:rPr>
@@ -4767,7 +5448,7 @@
               <a:buChar char="-"/>
             </a:pPr>
             <a:r>
-              <a:rPr lang="nl-NL" dirty="0">
+              <a:rPr lang="nl-NL">
                 <a:ea typeface="Calibri"/>
                 <a:cs typeface="Calibri"/>
               </a:rPr>
@@ -4779,7 +5460,7 @@
               <a:buFont typeface="Calibri"/>
               <a:buChar char="-"/>
             </a:pPr>
-            <a:endParaRPr lang="nl-NL" dirty="0">
+            <a:endParaRPr lang="nl-NL">
               <a:ea typeface="Calibri"/>
               <a:cs typeface="Calibri"/>
             </a:endParaRPr>
@@ -4818,7 +5499,7 @@
           <a:lstStyle/>
           <a:p>
             <a:r>
-              <a:rPr lang="nl-NL" b="1" dirty="0">
+              <a:rPr lang="nl-NL" b="1">
                 <a:ea typeface="Calibri"/>
                 <a:cs typeface="Calibri"/>
               </a:rPr>
@@ -4842,7 +5523,7 @@
         <p:spPr>
           <a:xfrm>
             <a:off x="814192" y="3131506"/>
-            <a:ext cx="3121068" cy="1200329"/>
+            <a:ext cx="3121068" cy="923330"/>
           </a:xfrm>
           <a:prstGeom prst="rect">
             <a:avLst/>
@@ -4863,7 +5544,7 @@
               <a:buChar char="-"/>
             </a:pPr>
             <a:r>
-              <a:rPr lang="nl-NL" dirty="0">
+              <a:rPr lang="nl-NL">
                 <a:ea typeface="Calibri"/>
                 <a:cs typeface="Calibri"/>
               </a:rPr>
@@ -4876,7 +5557,7 @@
               <a:buChar char="-"/>
             </a:pPr>
             <a:r>
-              <a:rPr lang="nl-NL" dirty="0">
+              <a:rPr lang="nl-NL">
                 <a:ea typeface="Calibri"/>
                 <a:cs typeface="Calibri"/>
               </a:rPr>
@@ -4888,34 +5569,7 @@
               <a:buFont typeface="Calibri"/>
               <a:buChar char="-"/>
             </a:pPr>
-            <a:r>
-              <a:rPr lang="nl-NL" dirty="0">
-                <a:ea typeface="Calibri"/>
-                <a:cs typeface="Calibri"/>
-              </a:rPr>
-              <a:t>Catch </a:t>
-            </a:r>
-            <a:r>
-              <a:rPr lang="nl-NL" dirty="0" err="1">
-                <a:ea typeface="Calibri"/>
-                <a:cs typeface="Calibri"/>
-              </a:rPr>
-              <a:t>the</a:t>
-            </a:r>
-            <a:r>
-              <a:rPr lang="nl-NL" dirty="0">
-                <a:ea typeface="Calibri"/>
-                <a:cs typeface="Calibri"/>
-              </a:rPr>
-              <a:t> Cat ( ML )</a:t>
-            </a:r>
-          </a:p>
-          <a:p>
-            <a:pPr marL="285750" indent="-285750">
-              <a:buFont typeface="Calibri"/>
-              <a:buChar char="-"/>
-            </a:pPr>
-            <a:endParaRPr lang="nl-NL" dirty="0">
+            <a:endParaRPr lang="nl-NL">
               <a:ea typeface="Calibri"/>
               <a:cs typeface="Calibri"/>
             </a:endParaRPr>
@@ -4954,7 +5608,7 @@
           <a:lstStyle/>
           <a:p>
             <a:r>
-              <a:rPr lang="nl-NL" b="1" dirty="0">
+              <a:rPr lang="nl-NL" b="1">
                 <a:ea typeface="Calibri"/>
                 <a:cs typeface="Calibri"/>
               </a:rPr>
@@ -4999,20 +5653,20 @@
               <a:buChar char="-"/>
             </a:pPr>
             <a:r>
-              <a:rPr lang="nl-NL" dirty="0">
+              <a:rPr lang="nl-NL">
                 <a:ea typeface="Calibri"/>
                 <a:cs typeface="Calibri"/>
               </a:rPr>
               <a:t>Random Moves</a:t>
             </a:r>
-            <a:endParaRPr lang="nl-NL" dirty="0"/>
+            <a:endParaRPr lang="nl-NL"/>
           </a:p>
           <a:p>
             <a:pPr marL="285750" indent="-285750">
               <a:buFont typeface="Calibri"/>
               <a:buChar char="-"/>
             </a:pPr>
-            <a:endParaRPr lang="nl-NL" dirty="0">
+            <a:endParaRPr lang="nl-NL">
               <a:ea typeface="Calibri"/>
               <a:cs typeface="Calibri"/>
             </a:endParaRPr>
@@ -5082,16 +5736,12 @@
           <a:p>
             <a:pPr algn="ctr"/>
             <a:r>
-              <a:rPr lang="nl-NL" sz="3200" b="1" dirty="0">
+              <a:rPr lang="nl-NL" sz="3200" b="1">
                 <a:ea typeface="Calibri"/>
                 <a:cs typeface="Calibri"/>
               </a:rPr>
               <a:t>Machine learning</a:t>
             </a:r>
-            <a:endParaRPr lang="nl-NL" sz="3200" b="1">
-              <a:ea typeface="Calibri"/>
-              <a:cs typeface="Calibri"/>
-            </a:endParaRPr>
           </a:p>
         </p:txBody>
       </p:sp>
@@ -5109,7 +5759,7 @@
         </p:nvSpPr>
         <p:spPr>
           <a:xfrm>
-            <a:off x="696289" y="1732947"/>
+            <a:off x="719380" y="2575765"/>
             <a:ext cx="2946239" cy="369332"/>
           </a:xfrm>
           <a:prstGeom prst="rect">
@@ -5127,7 +5777,7 @@
           <a:lstStyle/>
           <a:p>
             <a:r>
-              <a:rPr lang="nl-NL" b="1" dirty="0">
+              <a:rPr lang="nl-NL" b="1">
                 <a:ea typeface="Calibri"/>
                 <a:cs typeface="Calibri"/>
               </a:rPr>
@@ -5150,7 +5800,7 @@
         </p:nvSpPr>
         <p:spPr>
           <a:xfrm>
-            <a:off x="1084268" y="2097315"/>
+            <a:off x="1107359" y="2940133"/>
             <a:ext cx="3121068" cy="1477328"/>
           </a:xfrm>
           <a:prstGeom prst="rect">
@@ -5172,7 +5822,7 @@
               <a:buChar char="-"/>
             </a:pPr>
             <a:r>
-              <a:rPr lang="nl-NL" dirty="0">
+              <a:rPr lang="nl-NL">
                 <a:ea typeface="Calibri"/>
                 <a:cs typeface="Calibri"/>
               </a:rPr>
@@ -5185,7 +5835,7 @@
               <a:buChar char="-"/>
             </a:pPr>
             <a:r>
-              <a:rPr lang="nl-NL" dirty="0">
+              <a:rPr lang="nl-NL">
                 <a:ea typeface="Calibri"/>
                 <a:cs typeface="Calibri"/>
               </a:rPr>
@@ -5198,7 +5848,7 @@
               <a:buChar char="-"/>
             </a:pPr>
             <a:r>
-              <a:rPr lang="nl-NL" dirty="0">
+              <a:rPr lang="nl-NL">
                 <a:ea typeface="Calibri"/>
                 <a:cs typeface="Calibri"/>
               </a:rPr>
@@ -5210,7 +5860,7 @@
               <a:buFont typeface="Calibri"/>
               <a:buChar char="-"/>
             </a:pPr>
-            <a:endParaRPr lang="nl-NL" dirty="0">
+            <a:endParaRPr lang="nl-NL">
               <a:ea typeface="Calibri"/>
               <a:cs typeface="Calibri"/>
             </a:endParaRPr>
@@ -5220,13 +5870,49 @@
               <a:buFont typeface="Calibri"/>
               <a:buChar char="-"/>
             </a:pPr>
-            <a:endParaRPr lang="nl-NL" dirty="0">
+            <a:endParaRPr lang="nl-NL">
               <a:ea typeface="Calibri"/>
               <a:cs typeface="Calibri"/>
             </a:endParaRPr>
           </a:p>
         </p:txBody>
       </p:sp>
+      <p:pic>
+        <p:nvPicPr>
+          <p:cNvPr id="2" name="Afbeelding 1" descr="Afbeelding met tekst, handschrift, schoolbord, astronomie&#10;&#10;Door AI gegenereerde inhoud is mogelijk onjuist.">
+            <a:extLst>
+              <a:ext uri="{FF2B5EF4-FFF2-40B4-BE49-F238E27FC236}">
+                <a16:creationId xmlns:a16="http://schemas.microsoft.com/office/drawing/2014/main" id="{D8F018BB-9F2B-B7EB-8B68-25AEB31587C8}"/>
+              </a:ext>
+            </a:extLst>
+          </p:cNvPr>
+          <p:cNvPicPr>
+            <a:picLocks noChangeAspect="1"/>
+          </p:cNvPicPr>
+          <p:nvPr/>
+        </p:nvPicPr>
+        <p:blipFill>
+          <a:blip r:embed="rId2"/>
+          <a:stretch>
+            <a:fillRect/>
+          </a:stretch>
+        </p:blipFill>
+        <p:spPr>
+          <a:xfrm>
+            <a:off x="4823547" y="1714933"/>
+            <a:ext cx="6562725" cy="3705225"/>
+          </a:xfrm>
+          <a:prstGeom prst="rect">
+            <a:avLst/>
+          </a:prstGeom>
+          <a:ln>
+            <a:noFill/>
+          </a:ln>
+          <a:effectLst>
+            <a:softEdge rad="112500"/>
+          </a:effectLst>
+        </p:spPr>
+      </p:pic>
     </p:spTree>
     <p:extLst>
       <p:ext uri="{BB962C8B-B14F-4D97-AF65-F5344CB8AC3E}">
@@ -5240,10 +5926,729 @@
 </p:sld>
 </file>
 
+<file path=ppt/slides/slide5.xml><?xml version="1.0" encoding="utf-8"?>
+<p:sld xmlns:a="http://schemas.openxmlformats.org/drawingml/2006/main" xmlns:r="http://schemas.openxmlformats.org/officeDocument/2006/relationships" xmlns:p="http://schemas.openxmlformats.org/presentationml/2006/main">
+  <p:cSld>
+    <p:spTree>
+      <p:nvGrpSpPr>
+        <p:cNvPr id="1" name=""/>
+        <p:cNvGrpSpPr/>
+        <p:nvPr/>
+      </p:nvGrpSpPr>
+      <p:grpSpPr>
+        <a:xfrm>
+          <a:off x="0" y="0"/>
+          <a:ext cx="0" cy="0"/>
+          <a:chOff x="0" y="0"/>
+          <a:chExt cx="0" cy="0"/>
+        </a:xfrm>
+      </p:grpSpPr>
+      <p:sp>
+        <p:nvSpPr>
+          <p:cNvPr id="4" name="Tekstvak 3">
+            <a:extLst>
+              <a:ext uri="{FF2B5EF4-FFF2-40B4-BE49-F238E27FC236}">
+                <a16:creationId xmlns:a16="http://schemas.microsoft.com/office/drawing/2014/main" id="{02AC17DC-B68A-F85A-8825-7D500BBD2EF8}"/>
+              </a:ext>
+            </a:extLst>
+          </p:cNvPr>
+          <p:cNvSpPr txBox="1"/>
+          <p:nvPr/>
+        </p:nvSpPr>
+        <p:spPr>
+          <a:xfrm>
+            <a:off x="-11546" y="0"/>
+            <a:ext cx="12192000" cy="584775"/>
+          </a:xfrm>
+          <a:prstGeom prst="rect">
+            <a:avLst/>
+          </a:prstGeom>
+          <a:noFill/>
+        </p:spPr>
+        <p:txBody>
+          <a:bodyPr rot="0" spcFirstLastPara="0" vertOverflow="overflow" horzOverflow="overflow" vert="horz" wrap="square" lIns="91440" tIns="45720" rIns="91440" bIns="45720" numCol="1" spcCol="0" rtlCol="0" fromWordArt="0" anchor="t" anchorCtr="0" forceAA="0" compatLnSpc="1">
+            <a:prstTxWarp prst="textNoShape">
+              <a:avLst/>
+            </a:prstTxWarp>
+            <a:spAutoFit/>
+          </a:bodyPr>
+          <a:lstStyle/>
+          <a:p>
+            <a:pPr algn="ctr"/>
+            <a:r>
+              <a:rPr lang="nl-NL" sz="3200" b="1">
+                <a:ea typeface="Calibri"/>
+                <a:cs typeface="Calibri"/>
+              </a:rPr>
+              <a:t>Algoritme</a:t>
+            </a:r>
+          </a:p>
+        </p:txBody>
+      </p:sp>
+      <p:sp>
+        <p:nvSpPr>
+          <p:cNvPr id="5" name="Tekstvak 4">
+            <a:extLst>
+              <a:ext uri="{FF2B5EF4-FFF2-40B4-BE49-F238E27FC236}">
+                <a16:creationId xmlns:a16="http://schemas.microsoft.com/office/drawing/2014/main" id="{42BF59B6-8DE4-44D9-5460-5549773CE206}"/>
+              </a:ext>
+            </a:extLst>
+          </p:cNvPr>
+          <p:cNvSpPr txBox="1"/>
+          <p:nvPr/>
+        </p:nvSpPr>
+        <p:spPr>
+          <a:xfrm>
+            <a:off x="623454" y="969818"/>
+            <a:ext cx="4421909" cy="369332"/>
+          </a:xfrm>
+          <a:prstGeom prst="rect">
+            <a:avLst/>
+          </a:prstGeom>
+          <a:noFill/>
+        </p:spPr>
+        <p:txBody>
+          <a:bodyPr rot="0" spcFirstLastPara="0" vertOverflow="overflow" horzOverflow="overflow" vert="horz" wrap="square" lIns="91440" tIns="45720" rIns="91440" bIns="45720" numCol="1" spcCol="0" rtlCol="0" fromWordArt="0" anchor="t" anchorCtr="0" forceAA="0" compatLnSpc="1">
+            <a:prstTxWarp prst="textNoShape">
+              <a:avLst/>
+            </a:prstTxWarp>
+            <a:spAutoFit/>
+          </a:bodyPr>
+          <a:lstStyle/>
+          <a:p>
+            <a:r>
+              <a:rPr lang="nl-NL">
+                <a:ea typeface="Calibri"/>
+                <a:cs typeface="Calibri"/>
+              </a:rPr>
+              <a:t>1st versie:</a:t>
+            </a:r>
+            <a:endParaRPr lang="nl-NL"/>
+          </a:p>
+        </p:txBody>
+      </p:sp>
+      <p:sp>
+        <p:nvSpPr>
+          <p:cNvPr id="6" name="Tekstvak 5">
+            <a:extLst>
+              <a:ext uri="{FF2B5EF4-FFF2-40B4-BE49-F238E27FC236}">
+                <a16:creationId xmlns:a16="http://schemas.microsoft.com/office/drawing/2014/main" id="{C9E2BBDC-C71D-DB58-D011-BBC33893B2FD}"/>
+              </a:ext>
+            </a:extLst>
+          </p:cNvPr>
+          <p:cNvSpPr txBox="1"/>
+          <p:nvPr/>
+        </p:nvSpPr>
+        <p:spPr>
+          <a:xfrm>
+            <a:off x="623454" y="3244272"/>
+            <a:ext cx="4421909" cy="369332"/>
+          </a:xfrm>
+          <a:prstGeom prst="rect">
+            <a:avLst/>
+          </a:prstGeom>
+          <a:noFill/>
+        </p:spPr>
+        <p:txBody>
+          <a:bodyPr rot="0" spcFirstLastPara="0" vertOverflow="overflow" horzOverflow="overflow" vert="horz" wrap="square" lIns="91440" tIns="45720" rIns="91440" bIns="45720" numCol="1" spcCol="0" rtlCol="0" fromWordArt="0" anchor="t" anchorCtr="0" forceAA="0" compatLnSpc="1">
+            <a:prstTxWarp prst="textNoShape">
+              <a:avLst/>
+            </a:prstTxWarp>
+            <a:spAutoFit/>
+          </a:bodyPr>
+          <a:lstStyle/>
+          <a:p>
+            <a:r>
+              <a:rPr lang="nl-NL">
+                <a:ea typeface="Calibri"/>
+                <a:cs typeface="Calibri"/>
+              </a:rPr>
+              <a:t>2de versie(</a:t>
+            </a:r>
+            <a:r>
+              <a:rPr lang="nl-NL" err="1">
+                <a:ea typeface="Calibri"/>
+                <a:cs typeface="Calibri"/>
+              </a:rPr>
+              <a:t>minmax</a:t>
+            </a:r>
+            <a:r>
+              <a:rPr lang="nl-NL">
+                <a:ea typeface="Calibri"/>
+                <a:cs typeface="Calibri"/>
+              </a:rPr>
+              <a:t>):</a:t>
+            </a:r>
+            <a:endParaRPr lang="nl-NL"/>
+          </a:p>
+        </p:txBody>
+      </p:sp>
+      <p:sp>
+        <p:nvSpPr>
+          <p:cNvPr id="8" name="Tekstvak 7">
+            <a:extLst>
+              <a:ext uri="{FF2B5EF4-FFF2-40B4-BE49-F238E27FC236}">
+                <a16:creationId xmlns:a16="http://schemas.microsoft.com/office/drawing/2014/main" id="{3FED5EA0-3802-D711-7AA1-45659DB71DC9}"/>
+              </a:ext>
+            </a:extLst>
+          </p:cNvPr>
+          <p:cNvSpPr txBox="1"/>
+          <p:nvPr/>
+        </p:nvSpPr>
+        <p:spPr>
+          <a:xfrm>
+            <a:off x="814192" y="1337215"/>
+            <a:ext cx="3490522" cy="1477328"/>
+          </a:xfrm>
+          <a:prstGeom prst="rect">
+            <a:avLst/>
+          </a:prstGeom>
+          <a:noFill/>
+        </p:spPr>
+        <p:txBody>
+          <a:bodyPr rot="0" spcFirstLastPara="0" vertOverflow="overflow" horzOverflow="overflow" vert="horz" wrap="square" lIns="91440" tIns="45720" rIns="91440" bIns="45720" numCol="1" spcCol="0" rtlCol="0" fromWordArt="0" anchor="t" anchorCtr="0" forceAA="0" compatLnSpc="1">
+            <a:prstTxWarp prst="textNoShape">
+              <a:avLst/>
+            </a:prstTxWarp>
+            <a:spAutoFit/>
+          </a:bodyPr>
+          <a:lstStyle/>
+          <a:p>
+            <a:pPr marL="285750" indent="-285750">
+              <a:buFont typeface="Calibri"/>
+              <a:buChar char="-"/>
+            </a:pPr>
+            <a:r>
+              <a:rPr lang="nl-NL">
+                <a:ea typeface="Calibri"/>
+                <a:cs typeface="Calibri"/>
+              </a:rPr>
+              <a:t>Zoekt A*</a:t>
+            </a:r>
+          </a:p>
+          <a:p>
+            <a:pPr marL="285750" indent="-285750">
+              <a:buFont typeface="Calibri"/>
+              <a:buChar char="-"/>
+            </a:pPr>
+            <a:r>
+              <a:rPr lang="nl-NL">
+                <a:ea typeface="Calibri"/>
+                <a:cs typeface="Calibri"/>
+              </a:rPr>
+              <a:t>Kijkt A* pad + buren </a:t>
+            </a:r>
+          </a:p>
+          <a:p>
+            <a:pPr marL="285750" indent="-285750">
+              <a:buFont typeface="Calibri"/>
+              <a:buChar char="-"/>
+            </a:pPr>
+            <a:r>
+              <a:rPr lang="nl-NL">
+                <a:ea typeface="Calibri"/>
+                <a:cs typeface="Calibri"/>
+              </a:rPr>
+              <a:t>Verlengen afstand kat -&gt; rand</a:t>
+            </a:r>
+          </a:p>
+          <a:p>
+            <a:pPr marL="285750" indent="-285750">
+              <a:buFont typeface="Calibri"/>
+              <a:buChar char="-"/>
+            </a:pPr>
+            <a:r>
+              <a:rPr lang="nl-NL">
+                <a:ea typeface="Calibri"/>
+                <a:cs typeface="Calibri"/>
+              </a:rPr>
+              <a:t>Vlakken naast kat verminderen</a:t>
+            </a:r>
+          </a:p>
+          <a:p>
+            <a:pPr marL="285750" indent="-285750">
+              <a:buFont typeface="Calibri"/>
+              <a:buChar char="-"/>
+            </a:pPr>
+            <a:endParaRPr lang="nl-NL">
+              <a:ea typeface="Calibri"/>
+              <a:cs typeface="Calibri"/>
+            </a:endParaRPr>
+          </a:p>
+        </p:txBody>
+      </p:sp>
+      <p:sp>
+        <p:nvSpPr>
+          <p:cNvPr id="9" name="Tekstvak 8">
+            <a:extLst>
+              <a:ext uri="{FF2B5EF4-FFF2-40B4-BE49-F238E27FC236}">
+                <a16:creationId xmlns:a16="http://schemas.microsoft.com/office/drawing/2014/main" id="{D5BEC9C7-677D-3025-47F5-009B916A847A}"/>
+              </a:ext>
+            </a:extLst>
+          </p:cNvPr>
+          <p:cNvSpPr txBox="1"/>
+          <p:nvPr/>
+        </p:nvSpPr>
+        <p:spPr>
+          <a:xfrm>
+            <a:off x="814192" y="3738669"/>
+            <a:ext cx="3490522" cy="1200329"/>
+          </a:xfrm>
+          <a:prstGeom prst="rect">
+            <a:avLst/>
+          </a:prstGeom>
+          <a:noFill/>
+        </p:spPr>
+        <p:txBody>
+          <a:bodyPr rot="0" spcFirstLastPara="0" vertOverflow="overflow" horzOverflow="overflow" vert="horz" wrap="square" lIns="91440" tIns="45720" rIns="91440" bIns="45720" numCol="1" spcCol="0" rtlCol="0" fromWordArt="0" anchor="t" anchorCtr="0" forceAA="0" compatLnSpc="1">
+            <a:prstTxWarp prst="textNoShape">
+              <a:avLst/>
+            </a:prstTxWarp>
+            <a:spAutoFit/>
+          </a:bodyPr>
+          <a:lstStyle/>
+          <a:p>
+            <a:pPr marL="285750" indent="-285750">
+              <a:buFont typeface="Calibri"/>
+              <a:buChar char="-"/>
+            </a:pPr>
+            <a:r>
+              <a:rPr lang="nl-NL">
+                <a:ea typeface="Calibri"/>
+                <a:cs typeface="Calibri"/>
+              </a:rPr>
+              <a:t>Keuze </a:t>
+            </a:r>
+            <a:r>
+              <a:rPr lang="nl-NL" err="1">
+                <a:ea typeface="Calibri"/>
+                <a:cs typeface="Calibri"/>
+              </a:rPr>
+              <a:t>depth</a:t>
+            </a:r>
+            <a:endParaRPr lang="nl-NL">
+              <a:ea typeface="Calibri"/>
+              <a:cs typeface="Calibri"/>
+            </a:endParaRPr>
+          </a:p>
+          <a:p>
+            <a:pPr marL="285750" indent="-285750">
+              <a:buFont typeface="Calibri"/>
+              <a:buChar char="-"/>
+            </a:pPr>
+            <a:r>
+              <a:rPr lang="nl-NL">
+                <a:ea typeface="Calibri"/>
+                <a:cs typeface="Calibri"/>
+              </a:rPr>
+              <a:t>Verlangen afstand kat -&gt; rand</a:t>
+            </a:r>
+          </a:p>
+          <a:p>
+            <a:pPr marL="285750" indent="-285750">
+              <a:buFont typeface="Calibri"/>
+              <a:buChar char="-"/>
+            </a:pPr>
+            <a:r>
+              <a:rPr lang="nl-NL">
+                <a:ea typeface="Calibri"/>
+                <a:cs typeface="Calibri"/>
+              </a:rPr>
+              <a:t>Kat insluiten</a:t>
+            </a:r>
+          </a:p>
+          <a:p>
+            <a:pPr marL="285750" indent="-285750">
+              <a:buFont typeface="Calibri"/>
+              <a:buChar char="-"/>
+            </a:pPr>
+            <a:endParaRPr lang="nl-NL">
+              <a:ea typeface="Calibri"/>
+              <a:cs typeface="Calibri"/>
+            </a:endParaRPr>
+          </a:p>
+        </p:txBody>
+      </p:sp>
+      <p:pic>
+        <p:nvPicPr>
+          <p:cNvPr id="12" name="Afbeelding 11" descr="Afbeelding met Graphics, clipart, grafische vormgeving, Lettertype&#10;&#10;Door AI gegenereerde inhoud is mogelijk onjuist.">
+            <a:extLst>
+              <a:ext uri="{FF2B5EF4-FFF2-40B4-BE49-F238E27FC236}">
+                <a16:creationId xmlns:a16="http://schemas.microsoft.com/office/drawing/2014/main" id="{1B669E45-9022-1CFE-6EBC-9FD0703F4A78}"/>
+              </a:ext>
+            </a:extLst>
+          </p:cNvPr>
+          <p:cNvPicPr>
+            <a:picLocks noChangeAspect="1"/>
+          </p:cNvPicPr>
+          <p:nvPr/>
+        </p:nvPicPr>
+        <p:blipFill>
+          <a:blip r:embed="rId2"/>
+          <a:stretch>
+            <a:fillRect/>
+          </a:stretch>
+        </p:blipFill>
+        <p:spPr>
+          <a:xfrm>
+            <a:off x="5453640" y="1453718"/>
+            <a:ext cx="5764356" cy="3777384"/>
+          </a:xfrm>
+          <a:prstGeom prst="rect">
+            <a:avLst/>
+          </a:prstGeom>
+        </p:spPr>
+      </p:pic>
+    </p:spTree>
+    <p:extLst>
+      <p:ext uri="{BB962C8B-B14F-4D97-AF65-F5344CB8AC3E}">
+        <p14:creationId xmlns:p14="http://schemas.microsoft.com/office/powerpoint/2010/main" val="2223276592"/>
+      </p:ext>
+    </p:extLst>
+  </p:cSld>
+  <p:clrMapOvr>
+    <a:masterClrMapping/>
+  </p:clrMapOvr>
+</p:sld>
+</file>
+
+<file path=ppt/slides/slide6.xml><?xml version="1.0" encoding="utf-8"?>
+<p:sld xmlns:a="http://schemas.openxmlformats.org/drawingml/2006/main" xmlns:r="http://schemas.openxmlformats.org/officeDocument/2006/relationships" xmlns:p="http://schemas.openxmlformats.org/presentationml/2006/main">
+  <p:cSld>
+    <p:bg>
+      <p:bgPr>
+        <a:solidFill>
+          <a:schemeClr val="bg1"/>
+        </a:solidFill>
+        <a:effectLst/>
+      </p:bgPr>
+    </p:bg>
+    <p:spTree>
+      <p:nvGrpSpPr>
+        <p:cNvPr id="1" name=""/>
+        <p:cNvGrpSpPr/>
+        <p:nvPr/>
+      </p:nvGrpSpPr>
+      <p:grpSpPr>
+        <a:xfrm>
+          <a:off x="0" y="0"/>
+          <a:ext cx="0" cy="0"/>
+          <a:chOff x="0" y="0"/>
+          <a:chExt cx="0" cy="0"/>
+        </a:xfrm>
+      </p:grpSpPr>
+      <p:sp useBgFill="1">
+        <p:nvSpPr>
+          <p:cNvPr id="16" name="Rectangle 11">
+            <a:extLst>
+              <a:ext uri="{FF2B5EF4-FFF2-40B4-BE49-F238E27FC236}">
+                <a16:creationId xmlns:a16="http://schemas.microsoft.com/office/drawing/2014/main" id="{04812C46-200A-4DEB-A05E-3ED6C68C2387}"/>
+              </a:ext>
+              <a:ext uri="{C183D7F6-B498-43B3-948B-1728B52AA6E4}">
+                <adec:decorative xmlns:adec="http://schemas.microsoft.com/office/drawing/2017/decorative" val="1"/>
+              </a:ext>
+            </a:extLst>
+          </p:cNvPr>
+          <p:cNvSpPr>
+            <a:spLocks noGrp="1" noRot="1" noChangeAspect="1" noMove="1" noResize="1" noEditPoints="1" noAdjustHandles="1" noChangeArrowheads="1" noChangeShapeType="1" noTextEdit="1"/>
+          </p:cNvSpPr>
+          <p:nvPr>
+            <p:extLst>
+              <p:ext uri="{386F3935-93C4-4BCD-93E2-E3B085C9AB24}">
+                <p16:designElem xmlns:p16="http://schemas.microsoft.com/office/powerpoint/2015/main" val="1"/>
+              </p:ext>
+            </p:extLst>
+          </p:nvPr>
+        </p:nvSpPr>
+        <p:spPr>
+          <a:xfrm>
+            <a:off x="3049" y="0"/>
+            <a:ext cx="12188952" cy="6858000"/>
+          </a:xfrm>
+          <a:prstGeom prst="rect">
+            <a:avLst/>
+          </a:prstGeom>
+          <a:ln>
+            <a:noFill/>
+          </a:ln>
+        </p:spPr>
+        <p:style>
+          <a:lnRef idx="2">
+            <a:schemeClr val="accent1">
+              <a:shade val="50000"/>
+            </a:schemeClr>
+          </a:lnRef>
+          <a:fillRef idx="1">
+            <a:schemeClr val="accent1"/>
+          </a:fillRef>
+          <a:effectRef idx="0">
+            <a:schemeClr val="accent1"/>
+          </a:effectRef>
+          <a:fontRef idx="minor">
+            <a:schemeClr val="lt1"/>
+          </a:fontRef>
+        </p:style>
+        <p:txBody>
+          <a:bodyPr rtlCol="0" anchor="ctr"/>
+          <a:lstStyle/>
+          <a:p>
+            <a:pPr algn="ctr"/>
+            <a:endParaRPr lang="en-US"/>
+          </a:p>
+        </p:txBody>
+      </p:sp>
+      <p:pic>
+        <p:nvPicPr>
+          <p:cNvPr id="7" name="Afbeelding 6" descr="Is Your Company's Culture Relentless about Improvement? -">
+            <a:extLst>
+              <a:ext uri="{FF2B5EF4-FFF2-40B4-BE49-F238E27FC236}">
+                <a16:creationId xmlns:a16="http://schemas.microsoft.com/office/drawing/2014/main" id="{914DEE86-65EE-8CCF-7809-6405BD89C22A}"/>
+              </a:ext>
+            </a:extLst>
+          </p:cNvPr>
+          <p:cNvPicPr>
+            <a:picLocks noChangeAspect="1"/>
+          </p:cNvPicPr>
+          <p:nvPr/>
+        </p:nvPicPr>
+        <p:blipFill>
+          <a:blip r:embed="rId2"/>
+          <a:srcRect l="7294"/>
+          <a:stretch/>
+        </p:blipFill>
+        <p:spPr>
+          <a:xfrm>
+            <a:off x="2522356" y="10"/>
+            <a:ext cx="9669642" cy="6857990"/>
+          </a:xfrm>
+          <a:prstGeom prst="rect">
+            <a:avLst/>
+          </a:prstGeom>
+        </p:spPr>
+      </p:pic>
+      <p:sp>
+        <p:nvSpPr>
+          <p:cNvPr id="17" name="Rectangle 13">
+            <a:extLst>
+              <a:ext uri="{FF2B5EF4-FFF2-40B4-BE49-F238E27FC236}">
+                <a16:creationId xmlns:a16="http://schemas.microsoft.com/office/drawing/2014/main" id="{D1EA859B-E555-4109-94F3-6700E046E008}"/>
+              </a:ext>
+              <a:ext uri="{C183D7F6-B498-43B3-948B-1728B52AA6E4}">
+                <adec:decorative xmlns:adec="http://schemas.microsoft.com/office/drawing/2017/decorative" val="1"/>
+              </a:ext>
+            </a:extLst>
+          </p:cNvPr>
+          <p:cNvSpPr>
+            <a:spLocks noGrp="1" noRot="1" noChangeAspect="1" noMove="1" noResize="1" noEditPoints="1" noAdjustHandles="1" noChangeArrowheads="1" noChangeShapeType="1" noTextEdit="1"/>
+          </p:cNvSpPr>
+          <p:nvPr>
+            <p:extLst>
+              <p:ext uri="{386F3935-93C4-4BCD-93E2-E3B085C9AB24}">
+                <p16:designElem xmlns:p16="http://schemas.microsoft.com/office/powerpoint/2015/main" val="1"/>
+              </p:ext>
+            </p:extLst>
+          </p:nvPr>
+        </p:nvSpPr>
+        <p:spPr>
+          <a:xfrm>
+            <a:off x="-1" y="0"/>
+            <a:ext cx="7390263" cy="6858000"/>
+          </a:xfrm>
+          <a:prstGeom prst="rect">
+            <a:avLst/>
+          </a:prstGeom>
+          <a:gradFill>
+            <a:gsLst>
+              <a:gs pos="48000">
+                <a:schemeClr val="bg1"/>
+              </a:gs>
+              <a:gs pos="35000">
+                <a:schemeClr val="bg1">
+                  <a:alpha val="77000"/>
+                </a:schemeClr>
+              </a:gs>
+              <a:gs pos="19000">
+                <a:schemeClr val="bg1">
+                  <a:alpha val="38000"/>
+                </a:schemeClr>
+              </a:gs>
+              <a:gs pos="0">
+                <a:schemeClr val="bg1">
+                  <a:alpha val="0"/>
+                </a:schemeClr>
+              </a:gs>
+              <a:gs pos="100000">
+                <a:schemeClr val="bg1"/>
+              </a:gs>
+            </a:gsLst>
+            <a:lin ang="10800000" scaled="0"/>
+          </a:gradFill>
+          <a:ln>
+            <a:noFill/>
+          </a:ln>
+        </p:spPr>
+        <p:style>
+          <a:lnRef idx="2">
+            <a:schemeClr val="accent1">
+              <a:shade val="50000"/>
+            </a:schemeClr>
+          </a:lnRef>
+          <a:fillRef idx="1">
+            <a:schemeClr val="accent1"/>
+          </a:fillRef>
+          <a:effectRef idx="0">
+            <a:schemeClr val="accent1"/>
+          </a:effectRef>
+          <a:fontRef idx="minor">
+            <a:schemeClr val="lt1"/>
+          </a:fontRef>
+        </p:style>
+        <p:txBody>
+          <a:bodyPr rtlCol="0" anchor="ctr"/>
+          <a:lstStyle/>
+          <a:p>
+            <a:pPr algn="ctr"/>
+            <a:endParaRPr lang="en-US"/>
+          </a:p>
+        </p:txBody>
+      </p:sp>
+      <p:sp>
+        <p:nvSpPr>
+          <p:cNvPr id="5" name="Tekstvak 4">
+            <a:extLst>
+              <a:ext uri="{FF2B5EF4-FFF2-40B4-BE49-F238E27FC236}">
+                <a16:creationId xmlns:a16="http://schemas.microsoft.com/office/drawing/2014/main" id="{14A72D9A-51D5-A8C7-EABB-183B65E02FFA}"/>
+              </a:ext>
+            </a:extLst>
+          </p:cNvPr>
+          <p:cNvSpPr txBox="1"/>
+          <p:nvPr/>
+        </p:nvSpPr>
+        <p:spPr>
+          <a:xfrm>
+            <a:off x="838200" y="365125"/>
+            <a:ext cx="3822189" cy="1899912"/>
+          </a:xfrm>
+          <a:prstGeom prst="rect">
+            <a:avLst/>
+          </a:prstGeom>
+        </p:spPr>
+        <p:txBody>
+          <a:bodyPr rot="0" spcFirstLastPara="0" vertOverflow="overflow" horzOverflow="overflow" vert="horz" lIns="91440" tIns="45720" rIns="91440" bIns="45720" numCol="1" spcCol="0" rtlCol="0" fromWordArt="0" anchor="ctr" anchorCtr="0" forceAA="0" compatLnSpc="1">
+            <a:prstTxWarp prst="textNoShape">
+              <a:avLst/>
+            </a:prstTxWarp>
+            <a:normAutofit/>
+          </a:bodyPr>
+          <a:lstStyle/>
+          <a:p>
+            <a:pPr>
+              <a:lnSpc>
+                <a:spcPct val="90000"/>
+              </a:lnSpc>
+              <a:spcBef>
+                <a:spcPct val="0"/>
+              </a:spcBef>
+              <a:spcAft>
+                <a:spcPts val="600"/>
+              </a:spcAft>
+            </a:pPr>
+            <a:r>
+              <a:rPr lang="en-US" sz="4000" b="1" err="1">
+                <a:latin typeface="+mj-lt"/>
+                <a:ea typeface="+mj-ea"/>
+                <a:cs typeface="+mj-cs"/>
+              </a:rPr>
+              <a:t>Uitbreiding</a:t>
+            </a:r>
+            <a:endParaRPr lang="en-US" sz="4000" b="1">
+              <a:latin typeface="+mj-lt"/>
+              <a:ea typeface="+mj-ea"/>
+              <a:cs typeface="+mj-cs"/>
+            </a:endParaRPr>
+          </a:p>
+        </p:txBody>
+      </p:sp>
+      <p:sp>
+        <p:nvSpPr>
+          <p:cNvPr id="6" name="Tekstvak 5">
+            <a:extLst>
+              <a:ext uri="{FF2B5EF4-FFF2-40B4-BE49-F238E27FC236}">
+                <a16:creationId xmlns:a16="http://schemas.microsoft.com/office/drawing/2014/main" id="{1CED8643-F7F3-C007-7A19-EFAEFDAFB953}"/>
+              </a:ext>
+            </a:extLst>
+          </p:cNvPr>
+          <p:cNvSpPr txBox="1"/>
+          <p:nvPr/>
+        </p:nvSpPr>
+        <p:spPr>
+          <a:xfrm>
+            <a:off x="838200" y="2434201"/>
+            <a:ext cx="3822189" cy="3742762"/>
+          </a:xfrm>
+          <a:prstGeom prst="rect">
+            <a:avLst/>
+          </a:prstGeom>
+        </p:spPr>
+        <p:txBody>
+          <a:bodyPr rot="0" spcFirstLastPara="0" vertOverflow="overflow" horzOverflow="overflow" vert="horz" lIns="91440" tIns="45720" rIns="91440" bIns="45720" numCol="1" spcCol="0" rtlCol="0" fromWordArt="0" anchorCtr="0" forceAA="0" compatLnSpc="1">
+            <a:prstTxWarp prst="textNoShape">
+              <a:avLst/>
+            </a:prstTxWarp>
+            <a:normAutofit/>
+          </a:bodyPr>
+          <a:lstStyle/>
+          <a:p>
+            <a:pPr marL="285750" indent="-228600">
+              <a:lnSpc>
+                <a:spcPct val="90000"/>
+              </a:lnSpc>
+              <a:spcAft>
+                <a:spcPts val="600"/>
+              </a:spcAft>
+              <a:buFont typeface="Arial" panose="020B0604020202020204" pitchFamily="34" charset="0"/>
+              <a:buChar char="•"/>
+            </a:pPr>
+            <a:r>
+              <a:rPr lang="en-US" sz="2000"/>
+              <a:t>Meer optimaal algoritme</a:t>
+            </a:r>
+          </a:p>
+          <a:p>
+            <a:pPr marL="285750" indent="-228600">
+              <a:lnSpc>
+                <a:spcPct val="90000"/>
+              </a:lnSpc>
+              <a:spcAft>
+                <a:spcPts val="600"/>
+              </a:spcAft>
+              <a:buFont typeface="Arial" panose="020B0604020202020204" pitchFamily="34" charset="0"/>
+              <a:buChar char="•"/>
+            </a:pPr>
+            <a:r>
+              <a:rPr lang="en-US" sz="2000"/>
+              <a:t>Machine learning</a:t>
+            </a:r>
+          </a:p>
+        </p:txBody>
+      </p:sp>
+    </p:spTree>
+    <p:extLst>
+      <p:ext uri="{BB962C8B-B14F-4D97-AF65-F5344CB8AC3E}">
+        <p14:creationId xmlns:p14="http://schemas.microsoft.com/office/powerpoint/2010/main" val="655806041"/>
+      </p:ext>
+    </p:extLst>
+  </p:cSld>
+  <p:clrMapOvr>
+    <a:masterClrMapping/>
+  </p:clrMapOvr>
+</p:sld>
+</file>
+
 <file path=ppt/theme/theme1.xml><?xml version="1.0" encoding="utf-8"?>
-<a:theme xmlns:a="http://schemas.openxmlformats.org/drawingml/2006/main" name="Kantoorthema">
+<a:theme xmlns:a="http://schemas.openxmlformats.org/drawingml/2006/main" name="Office Theme">
   <a:themeElements>
-    <a:clrScheme name="Office">
+    <a:clrScheme name="Office Theme">
       <a:dk1>
         <a:sysClr val="windowText" lastClr="000000"/>
       </a:dk1>
@@ -5257,22 +6662,22 @@
         <a:srgbClr val="E7E6E6"/>
       </a:lt2>
       <a:accent1>
-        <a:srgbClr val="4472C4"/>
+        <a:srgbClr val="29AF8C"/>
       </a:accent1>
       <a:accent2>
-        <a:srgbClr val="ED7D31"/>
+        <a:srgbClr val="97BE49"/>
       </a:accent2>
       <a:accent3>
-        <a:srgbClr val="A5A5A5"/>
+        <a:srgbClr val="3D9CCC"/>
       </a:accent3>
       <a:accent4>
-        <a:srgbClr val="FFC000"/>
+        <a:srgbClr val="7C60C6"/>
       </a:accent4>
       <a:accent5>
-        <a:srgbClr val="5B9BD5"/>
+        <a:srgbClr val="C9492C"/>
       </a:accent5>
       <a:accent6>
-        <a:srgbClr val="70AD47"/>
+        <a:srgbClr val="D58C2E"/>
       </a:accent6>
       <a:hlink>
         <a:srgbClr val="0563C1"/>
@@ -5281,7 +6686,7 @@
         <a:srgbClr val="954F72"/>
       </a:folHlink>
     </a:clrScheme>
-    <a:fontScheme name="Office">
+    <a:fontScheme name="Office Theme">
       <a:majorFont>
         <a:latin typeface="Calibri Light" panose="020F0302020204030204"/>
         <a:ea typeface=""/>
@@ -5316,23 +6721,6 @@
         <a:font script="Viet" typeface="Times New Roman"/>
         <a:font script="Uigh" typeface="Microsoft Uighur"/>
         <a:font script="Geor" typeface="Sylfaen"/>
-        <a:font script="Armn" typeface="Arial"/>
-        <a:font script="Bugi" typeface="Leelawadee UI"/>
-        <a:font script="Bopo" typeface="Microsoft JhengHei"/>
-        <a:font script="Java" typeface="Javanese Text"/>
-        <a:font script="Lisu" typeface="Segoe UI"/>
-        <a:font script="Mymr" typeface="Myanmar Text"/>
-        <a:font script="Nkoo" typeface="Ebrima"/>
-        <a:font script="Olck" typeface="Nirmala UI"/>
-        <a:font script="Osma" typeface="Ebrima"/>
-        <a:font script="Phag" typeface="Phagspa"/>
-        <a:font script="Syrn" typeface="Estrangelo Edessa"/>
-        <a:font script="Syrj" typeface="Estrangelo Edessa"/>
-        <a:font script="Syre" typeface="Estrangelo Edessa"/>
-        <a:font script="Sora" typeface="Nirmala UI"/>
-        <a:font script="Tale" typeface="Microsoft Tai Le"/>
-        <a:font script="Talu" typeface="Microsoft New Tai Lue"/>
-        <a:font script="Tfng" typeface="Ebrima"/>
       </a:majorFont>
       <a:minorFont>
         <a:latin typeface="Calibri" panose="020F0502020204030204"/>
@@ -5368,26 +6756,9 @@
         <a:font script="Viet" typeface="Arial"/>
         <a:font script="Uigh" typeface="Microsoft Uighur"/>
         <a:font script="Geor" typeface="Sylfaen"/>
-        <a:font script="Armn" typeface="Arial"/>
-        <a:font script="Bugi" typeface="Leelawadee UI"/>
-        <a:font script="Bopo" typeface="Microsoft JhengHei"/>
-        <a:font script="Java" typeface="Javanese Text"/>
-        <a:font script="Lisu" typeface="Segoe UI"/>
-        <a:font script="Mymr" typeface="Myanmar Text"/>
-        <a:font script="Nkoo" typeface="Ebrima"/>
-        <a:font script="Olck" typeface="Nirmala UI"/>
-        <a:font script="Osma" typeface="Ebrima"/>
-        <a:font script="Phag" typeface="Phagspa"/>
-        <a:font script="Syrn" typeface="Estrangelo Edessa"/>
-        <a:font script="Syrj" typeface="Estrangelo Edessa"/>
-        <a:font script="Syre" typeface="Estrangelo Edessa"/>
-        <a:font script="Sora" typeface="Nirmala UI"/>
-        <a:font script="Tale" typeface="Microsoft Tai Le"/>
-        <a:font script="Talu" typeface="Microsoft New Tai Lue"/>
-        <a:font script="Tfng" typeface="Ebrima"/>
       </a:minorFont>
     </a:fontScheme>
-    <a:fmtScheme name="Office">
+    <a:fmtScheme name="Office Theme">
       <a:fillStyleLst>
         <a:solidFill>
           <a:schemeClr val="phClr"/>
@@ -5529,13 +6900,30 @@
   <a:extraClrSchemeLst/>
   <a:extLst>
     <a:ext uri="{05A4C25C-085E-4340-85A3-A5531E510DB2}">
-      <thm15:themeFamily xmlns:thm15="http://schemas.microsoft.com/office/thememl/2012/main" name="Office Theme" id="{62F939B6-93AF-4DB8-9C6B-D6C7DFDC589F}" vid="{4A3C46E8-61CC-4603-A589-7422A47A8E4A}"/>
+      <thm15:themeFamily xmlns:thm15="http://schemas.microsoft.com/office/thememl/2012/main" name="Office Theme" id="{62F939B6-93AF-4DB8-9C6B-D6C7DFDC589F}" vid="{3E4F19A7-A959-40BB-972C-4880BAF8EB09}"/>
     </a:ext>
   </a:extLst>
 </a:theme>
 </file>
 
 <file path=customXml/item1.xml><?xml version="1.0" encoding="utf-8"?>
+<p:properties xmlns:p="http://schemas.microsoft.com/office/2006/metadata/properties" xmlns:xsi="http://www.w3.org/2001/XMLSchema-instance" xmlns:pc="http://schemas.microsoft.com/office/infopath/2007/PartnerControls">
+  <documentManagement>
+    <_activity xmlns="7f56e509-dbb5-472b-882b-e910fc7d143e" xsi:nil="true"/>
+  </documentManagement>
+</p:properties>
+</file>
+
+<file path=customXml/item2.xml><?xml version="1.0" encoding="utf-8"?>
+<?mso-contentType ?>
+<FormTemplates xmlns="http://schemas.microsoft.com/sharepoint/v3/contenttype/forms">
+  <Display>DocumentLibraryForm</Display>
+  <Edit>DocumentLibraryForm</Edit>
+  <New>DocumentLibraryForm</New>
+</FormTemplates>
+</file>
+
+<file path=customXml/item3.xml><?xml version="1.0" encoding="utf-8"?>
 <ct:contentTypeSchema xmlns:ct="http://schemas.microsoft.com/office/2006/metadata/contentType" xmlns:ma="http://schemas.microsoft.com/office/2006/metadata/properties/metaAttributes" ct:_="" ma:_="" ma:contentTypeName="Document" ma:contentTypeID="0x010100F62734D4891971478B816B747330C94A" ma:contentTypeVersion="14" ma:contentTypeDescription="Een nieuw document maken." ma:contentTypeScope="" ma:versionID="68dfc62a47de5a54b9fb10a9b100ee65">
   <xsd:schema xmlns:xsd="http://www.w3.org/2001/XMLSchema" xmlns:xs="http://www.w3.org/2001/XMLSchema" xmlns:p="http://schemas.microsoft.com/office/2006/metadata/properties" xmlns:ns3="7f56e509-dbb5-472b-882b-e910fc7d143e" xmlns:ns4="b05cffd6-489d-4fe5-98df-978b908c11d2" targetNamespace="http://schemas.microsoft.com/office/2006/metadata/properties" ma:root="true" ma:fieldsID="1ea21e9766792dcf0c377845c6b956fe" ns3:_="" ns4:_="">
     <xsd:import namespace="7f56e509-dbb5-472b-882b-e910fc7d143e"/>
@@ -5762,63 +7150,46 @@
 </ct:contentTypeSchema>
 </file>
 
-<file path=customXml/item2.xml><?xml version="1.0" encoding="utf-8"?>
-<p:properties xmlns:p="http://schemas.microsoft.com/office/2006/metadata/properties" xmlns:xsi="http://www.w3.org/2001/XMLSchema-instance" xmlns:pc="http://schemas.microsoft.com/office/infopath/2007/PartnerControls">
-  <documentManagement>
-    <_activity xmlns="7f56e509-dbb5-472b-882b-e910fc7d143e" xsi:nil="true"/>
-  </documentManagement>
-</p:properties>
-</file>
-
-<file path=customXml/item3.xml><?xml version="1.0" encoding="utf-8"?>
-<?mso-contentType ?>
-<FormTemplates xmlns="http://schemas.microsoft.com/sharepoint/v3/contenttype/forms">
-  <Display>DocumentLibraryForm</Display>
-  <Edit>DocumentLibraryForm</Edit>
-  <New>DocumentLibraryForm</New>
-</FormTemplates>
-</file>
-
 <file path=customXml/itemProps1.xml><?xml version="1.0" encoding="utf-8"?>
-<ds:datastoreItem xmlns:ds="http://schemas.openxmlformats.org/officeDocument/2006/customXml" ds:itemID="{F52150B7-AF2E-469D-8A84-36D3D8830076}">
+<ds:datastoreItem xmlns:ds="http://schemas.openxmlformats.org/officeDocument/2006/customXml" ds:itemID="{6234E3CF-4DF9-4EF3-93B4-230503F9C7E2}">
   <ds:schemaRefs>
-    <ds:schemaRef ds:uri="http://schemas.microsoft.com/office/2006/metadata/contentType"/>
-    <ds:schemaRef ds:uri="http://schemas.microsoft.com/office/2006/metadata/properties/metaAttributes"/>
-    <ds:schemaRef ds:uri="http://www.w3.org/2001/XMLSchema"/>
-    <ds:schemaRef ds:uri="http://schemas.microsoft.com/office/2006/metadata/properties"/>
     <ds:schemaRef ds:uri="7f56e509-dbb5-472b-882b-e910fc7d143e"/>
     <ds:schemaRef ds:uri="b05cffd6-489d-4fe5-98df-978b908c11d2"/>
+    <ds:schemaRef ds:uri="http://purl.org/dc/dcmitype/"/>
+    <ds:schemaRef ds:uri="http://purl.org/dc/elements/1.1/"/>
+    <ds:schemaRef ds:uri="http://purl.org/dc/terms/"/>
     <ds:schemaRef ds:uri="http://schemas.microsoft.com/office/2006/documentManagement/types"/>
+    <ds:schemaRef ds:uri="http://schemas.microsoft.com/office/2006/metadata/properties"/>
     <ds:schemaRef ds:uri="http://schemas.microsoft.com/office/infopath/2007/PartnerControls"/>
     <ds:schemaRef ds:uri="http://schemas.openxmlformats.org/package/2006/metadata/core-properties"/>
-    <ds:schemaRef ds:uri="http://purl.org/dc/elements/1.1/"/>
-    <ds:schemaRef ds:uri="http://purl.org/dc/terms/"/>
-    <ds:schemaRef ds:uri="http://schemas.microsoft.com/internal/obd"/>
+    <ds:schemaRef ds:uri="http://www.w3.org/XML/1998/namespace"/>
   </ds:schemaRefs>
 </ds:datastoreItem>
 </file>
 
 <file path=customXml/itemProps2.xml><?xml version="1.0" encoding="utf-8"?>
-<ds:datastoreItem xmlns:ds="http://schemas.openxmlformats.org/officeDocument/2006/customXml" ds:itemID="{6234E3CF-4DF9-4EF3-93B4-230503F9C7E2}">
+<ds:datastoreItem xmlns:ds="http://schemas.openxmlformats.org/officeDocument/2006/customXml" ds:itemID="{4F3443F0-6A5C-46A7-8E3D-D7E09EC9A70E}">
   <ds:schemaRefs>
-    <ds:schemaRef ds:uri="http://schemas.microsoft.com/office/2006/metadata/properties"/>
-    <ds:schemaRef ds:uri="http://schemas.openxmlformats.org/package/2006/metadata/core-properties"/>
-    <ds:schemaRef ds:uri="http://www.w3.org/XML/1998/namespace"/>
-    <ds:schemaRef ds:uri="http://schemas.microsoft.com/office/2006/documentManagement/types"/>
-    <ds:schemaRef ds:uri="b05cffd6-489d-4fe5-98df-978b908c11d2"/>
-    <ds:schemaRef ds:uri="http://purl.org/dc/dcmitype/"/>
-    <ds:schemaRef ds:uri="http://purl.org/dc/elements/1.1/"/>
-    <ds:schemaRef ds:uri="http://schemas.microsoft.com/office/infopath/2007/PartnerControls"/>
-    <ds:schemaRef ds:uri="7f56e509-dbb5-472b-882b-e910fc7d143e"/>
-    <ds:schemaRef ds:uri="http://purl.org/dc/terms/"/>
+    <ds:schemaRef ds:uri="http://schemas.microsoft.com/sharepoint/v3/contenttype/forms"/>
   </ds:schemaRefs>
 </ds:datastoreItem>
 </file>
 
 <file path=customXml/itemProps3.xml><?xml version="1.0" encoding="utf-8"?>
-<ds:datastoreItem xmlns:ds="http://schemas.openxmlformats.org/officeDocument/2006/customXml" ds:itemID="{4F3443F0-6A5C-46A7-8E3D-D7E09EC9A70E}">
+<ds:datastoreItem xmlns:ds="http://schemas.openxmlformats.org/officeDocument/2006/customXml" ds:itemID="{F52150B7-AF2E-469D-8A84-36D3D8830076}">
   <ds:schemaRefs>
-    <ds:schemaRef ds:uri="http://schemas.microsoft.com/sharepoint/v3/contenttype/forms"/>
+    <ds:schemaRef ds:uri="7f56e509-dbb5-472b-882b-e910fc7d143e"/>
+    <ds:schemaRef ds:uri="b05cffd6-489d-4fe5-98df-978b908c11d2"/>
+    <ds:schemaRef ds:uri="http://purl.org/dc/elements/1.1/"/>
+    <ds:schemaRef ds:uri="http://purl.org/dc/terms/"/>
+    <ds:schemaRef ds:uri="http://schemas.microsoft.com/internal/obd"/>
+    <ds:schemaRef ds:uri="http://schemas.microsoft.com/office/2006/documentManagement/types"/>
+    <ds:schemaRef ds:uri="http://schemas.microsoft.com/office/2006/metadata/contentType"/>
+    <ds:schemaRef ds:uri="http://schemas.microsoft.com/office/2006/metadata/properties"/>
+    <ds:schemaRef ds:uri="http://schemas.microsoft.com/office/2006/metadata/properties/metaAttributes"/>
+    <ds:schemaRef ds:uri="http://schemas.microsoft.com/office/infopath/2007/PartnerControls"/>
+    <ds:schemaRef ds:uri="http://schemas.openxmlformats.org/package/2006/metadata/core-properties"/>
+    <ds:schemaRef ds:uri="http://www.w3.org/2001/XMLSchema"/>
   </ds:schemaRefs>
 </ds:datastoreItem>
 </file>
--- a/Trap_The_Cat_MachineLearning.pptx
+++ b/Trap_The_Cat_MachineLearning.pptx
@@ -120,10 +120,8 @@
 <file path=ppt/revisionInfo.xml><?xml version="1.0" encoding="utf-8"?>
 <p1510:revInfo xmlns:a="http://schemas.openxmlformats.org/drawingml/2006/main" xmlns:r="http://schemas.openxmlformats.org/officeDocument/2006/relationships" xmlns:p1510="http://schemas.microsoft.com/office/powerpoint/2015/10/main">
   <p1510:revLst>
-    <p1510:client id="{8CBD382F-D9FD-A13D-E155-36ECB55EBFFD}" v="29" dt="2025-03-24T14:34:06.458"/>
-    <p1510:client id="{B3D1911C-AEC9-4BEF-9E7D-055552BD1B48}" v="45" dt="2025-03-25T14:29:11.493"/>
-    <p1510:client id="{F225EB62-DA80-F01E-AD4D-38C676D73024}" v="419" dt="2025-03-25T14:26:37.197"/>
-    <p1510:client id="{F2DFAB1C-6746-3C58-BE55-59840E727156}" v="784" dt="2025-03-24T15:04:07.988"/>
+    <p1510:client id="{F8B4AF0E-87C1-0FB9-5BFF-AF41C2B83225}" v="10" dt="2025-03-27T15:49:00.923"/>
+    <p1510:client id="{FB563614-2CBD-7448-CB08-12CD733B1E86}" v="15" dt="2025-03-27T18:06:59.654"/>
   </p1510:revLst>
 </p1510:revInfo>
 </file>
@@ -173,6 +171,30 @@
             <pc:docMk/>
             <pc:sldMk cId="1383005855" sldId="256"/>
             <ac:spMk id="6" creationId="{FC3E0FB7-59DA-56C6-51AD-4CA40AB4462E}"/>
+          </ac:spMkLst>
+        </pc:spChg>
+      </pc:sldChg>
+    </pc:docChg>
+  </pc:docChgLst>
+  <pc:docChgLst>
+    <pc:chgData name="Sam De Wispelaere" userId="S::r0986076@student.vives.be::e9ee75a4-3b98-416e-a358-897d61f9ac81" providerId="AD" clId="Web-{FB563614-2CBD-7448-CB08-12CD733B1E86}"/>
+    <pc:docChg chg="modSld">
+      <pc:chgData name="Sam De Wispelaere" userId="S::r0986076@student.vives.be::e9ee75a4-3b98-416e-a358-897d61f9ac81" providerId="AD" clId="Web-{FB563614-2CBD-7448-CB08-12CD733B1E86}" dt="2025-03-27T18:06:57.373" v="7" actId="20577"/>
+      <pc:docMkLst>
+        <pc:docMk/>
+      </pc:docMkLst>
+      <pc:sldChg chg="modSp">
+        <pc:chgData name="Sam De Wispelaere" userId="S::r0986076@student.vives.be::e9ee75a4-3b98-416e-a358-897d61f9ac81" providerId="AD" clId="Web-{FB563614-2CBD-7448-CB08-12CD733B1E86}" dt="2025-03-27T18:06:57.373" v="7" actId="20577"/>
+        <pc:sldMkLst>
+          <pc:docMk/>
+          <pc:sldMk cId="2223276592" sldId="260"/>
+        </pc:sldMkLst>
+        <pc:spChg chg="mod">
+          <ac:chgData name="Sam De Wispelaere" userId="S::r0986076@student.vives.be::e9ee75a4-3b98-416e-a358-897d61f9ac81" providerId="AD" clId="Web-{FB563614-2CBD-7448-CB08-12CD733B1E86}" dt="2025-03-27T18:06:57.373" v="7" actId="20577"/>
+          <ac:spMkLst>
+            <pc:docMk/>
+            <pc:sldMk cId="2223276592" sldId="260"/>
+            <ac:spMk id="9" creationId="{D5BEC9C7-677D-3025-47F5-009B916A847A}"/>
           </ac:spMkLst>
         </pc:spChg>
       </pc:sldChg>
@@ -1369,6 +1391,45 @@
           </pc:sldLayoutMkLst>
         </pc:sldLayoutChg>
       </pc:sldMasterChg>
+    </pc:docChg>
+  </pc:docChgLst>
+  <pc:docChgLst>
+    <pc:chgData name="Sam De Wispelaere" userId="S::r0986076@student.vives.be::e9ee75a4-3b98-416e-a358-897d61f9ac81" providerId="AD" clId="Web-{F8B4AF0E-87C1-0FB9-5BFF-AF41C2B83225}"/>
+    <pc:docChg chg="modSld">
+      <pc:chgData name="Sam De Wispelaere" userId="S::r0986076@student.vives.be::e9ee75a4-3b98-416e-a358-897d61f9ac81" providerId="AD" clId="Web-{F8B4AF0E-87C1-0FB9-5BFF-AF41C2B83225}" dt="2025-03-27T15:49:00.923" v="8" actId="20577"/>
+      <pc:docMkLst>
+        <pc:docMk/>
+      </pc:docMkLst>
+      <pc:sldChg chg="modSp">
+        <pc:chgData name="Sam De Wispelaere" userId="S::r0986076@student.vives.be::e9ee75a4-3b98-416e-a358-897d61f9ac81" providerId="AD" clId="Web-{F8B4AF0E-87C1-0FB9-5BFF-AF41C2B83225}" dt="2025-03-27T15:49:00.923" v="8" actId="20577"/>
+        <pc:sldMkLst>
+          <pc:docMk/>
+          <pc:sldMk cId="1383005855" sldId="256"/>
+        </pc:sldMkLst>
+        <pc:spChg chg="mod">
+          <ac:chgData name="Sam De Wispelaere" userId="S::r0986076@student.vives.be::e9ee75a4-3b98-416e-a358-897d61f9ac81" providerId="AD" clId="Web-{F8B4AF0E-87C1-0FB9-5BFF-AF41C2B83225}" dt="2025-03-27T15:49:00.923" v="8" actId="20577"/>
+          <ac:spMkLst>
+            <pc:docMk/>
+            <pc:sldMk cId="1383005855" sldId="256"/>
+            <ac:spMk id="3" creationId="{207ECF3A-61ED-7AF4-F966-6C82D00D5879}"/>
+          </ac:spMkLst>
+        </pc:spChg>
+      </pc:sldChg>
+      <pc:sldChg chg="modSp">
+        <pc:chgData name="Sam De Wispelaere" userId="S::r0986076@student.vives.be::e9ee75a4-3b98-416e-a358-897d61f9ac81" providerId="AD" clId="Web-{F8B4AF0E-87C1-0FB9-5BFF-AF41C2B83225}" dt="2025-03-27T15:48:45.657" v="6" actId="20577"/>
+        <pc:sldMkLst>
+          <pc:docMk/>
+          <pc:sldMk cId="655806041" sldId="261"/>
+        </pc:sldMkLst>
+        <pc:spChg chg="mod">
+          <ac:chgData name="Sam De Wispelaere" userId="S::r0986076@student.vives.be::e9ee75a4-3b98-416e-a358-897d61f9ac81" providerId="AD" clId="Web-{F8B4AF0E-87C1-0FB9-5BFF-AF41C2B83225}" dt="2025-03-27T15:48:45.657" v="6" actId="20577"/>
+          <ac:spMkLst>
+            <pc:docMk/>
+            <pc:sldMk cId="655806041" sldId="261"/>
+            <ac:spMk id="6" creationId="{1CED8643-F7F3-C007-7A19-EFAEFDAFB953}"/>
+          </ac:spMkLst>
+        </pc:spChg>
+      </pc:sldChg>
     </pc:docChg>
   </pc:docChgLst>
 </pc:chgInfo>
@@ -1503,7 +1564,7 @@
           <a:p>
             <a:fld id="{C764DE79-268F-4C1A-8933-263129D2AF90}" type="datetimeFigureOut">
               <a:rPr lang="en-US" dirty="0"/>
-              <a:t>3/25/2025</a:t>
+              <a:t>3/27/2025</a:t>
             </a:fld>
             <a:endParaRPr lang="en-US"/>
           </a:p>
@@ -1545,7 +1606,7 @@
           <a:p>
             <a:fld id="{48F63A3B-78C7-47BE-AE5E-E10140E04643}" type="slidenum">
               <a:rPr lang="en-US" dirty="0"/>
-              <a:t>‹#›</a:t>
+              <a:t>‹nr.›</a:t>
             </a:fld>
             <a:endParaRPr lang="en-US"/>
           </a:p>
@@ -1671,7 +1732,7 @@
           <a:p>
             <a:fld id="{C764DE79-268F-4C1A-8933-263129D2AF90}" type="datetimeFigureOut">
               <a:rPr lang="en-US" dirty="0"/>
-              <a:t>3/25/2025</a:t>
+              <a:t>3/27/2025</a:t>
             </a:fld>
             <a:endParaRPr lang="en-US"/>
           </a:p>
@@ -1713,7 +1774,7 @@
           <a:p>
             <a:fld id="{48F63A3B-78C7-47BE-AE5E-E10140E04643}" type="slidenum">
               <a:rPr lang="en-US" dirty="0"/>
-              <a:t>‹#›</a:t>
+              <a:t>‹nr.›</a:t>
             </a:fld>
             <a:endParaRPr lang="en-US"/>
           </a:p>
@@ -1849,7 +1910,7 @@
           <a:p>
             <a:fld id="{C764DE79-268F-4C1A-8933-263129D2AF90}" type="datetimeFigureOut">
               <a:rPr lang="en-US" dirty="0"/>
-              <a:t>3/25/2025</a:t>
+              <a:t>3/27/2025</a:t>
             </a:fld>
             <a:endParaRPr lang="en-US"/>
           </a:p>
@@ -1891,7 +1952,7 @@
           <a:p>
             <a:fld id="{48F63A3B-78C7-47BE-AE5E-E10140E04643}" type="slidenum">
               <a:rPr lang="en-US" dirty="0"/>
-              <a:t>‹#›</a:t>
+              <a:t>‹nr.›</a:t>
             </a:fld>
             <a:endParaRPr lang="en-US"/>
           </a:p>
@@ -2017,7 +2078,7 @@
           <a:p>
             <a:fld id="{C764DE79-268F-4C1A-8933-263129D2AF90}" type="datetimeFigureOut">
               <a:rPr lang="en-US" dirty="0"/>
-              <a:t>3/25/2025</a:t>
+              <a:t>3/27/2025</a:t>
             </a:fld>
             <a:endParaRPr lang="en-US"/>
           </a:p>
@@ -2059,7 +2120,7 @@
           <a:p>
             <a:fld id="{48F63A3B-78C7-47BE-AE5E-E10140E04643}" type="slidenum">
               <a:rPr lang="en-US" dirty="0"/>
-              <a:t>‹#›</a:t>
+              <a:t>‹nr.›</a:t>
             </a:fld>
             <a:endParaRPr lang="en-US"/>
           </a:p>
@@ -2262,7 +2323,7 @@
           <a:p>
             <a:fld id="{C764DE79-268F-4C1A-8933-263129D2AF90}" type="datetimeFigureOut">
               <a:rPr lang="en-US" dirty="0"/>
-              <a:t>3/25/2025</a:t>
+              <a:t>3/27/2025</a:t>
             </a:fld>
             <a:endParaRPr lang="en-US"/>
           </a:p>
@@ -2304,7 +2365,7 @@
           <a:p>
             <a:fld id="{48F63A3B-78C7-47BE-AE5E-E10140E04643}" type="slidenum">
               <a:rPr lang="en-US" dirty="0"/>
-              <a:t>‹#›</a:t>
+              <a:t>‹nr.›</a:t>
             </a:fld>
             <a:endParaRPr lang="en-US"/>
           </a:p>
@@ -2491,7 +2552,7 @@
           <a:p>
             <a:fld id="{C764DE79-268F-4C1A-8933-263129D2AF90}" type="datetimeFigureOut">
               <a:rPr lang="en-US" dirty="0"/>
-              <a:t>3/25/2025</a:t>
+              <a:t>3/27/2025</a:t>
             </a:fld>
             <a:endParaRPr lang="en-US"/>
           </a:p>
@@ -2533,7 +2594,7 @@
           <a:p>
             <a:fld id="{48F63A3B-78C7-47BE-AE5E-E10140E04643}" type="slidenum">
               <a:rPr lang="en-US" dirty="0"/>
-              <a:t>‹#›</a:t>
+              <a:t>‹nr.›</a:t>
             </a:fld>
             <a:endParaRPr lang="en-US"/>
           </a:p>
@@ -2855,7 +2916,7 @@
           <a:p>
             <a:fld id="{C764DE79-268F-4C1A-8933-263129D2AF90}" type="datetimeFigureOut">
               <a:rPr lang="en-US" dirty="0"/>
-              <a:t>3/25/2025</a:t>
+              <a:t>3/27/2025</a:t>
             </a:fld>
             <a:endParaRPr lang="en-US"/>
           </a:p>
@@ -2897,7 +2958,7 @@
           <a:p>
             <a:fld id="{48F63A3B-78C7-47BE-AE5E-E10140E04643}" type="slidenum">
               <a:rPr lang="en-US" dirty="0"/>
-              <a:t>‹#›</a:t>
+              <a:t>‹nr.›</a:t>
             </a:fld>
             <a:endParaRPr lang="en-US"/>
           </a:p>
@@ -2972,7 +3033,7 @@
           <a:p>
             <a:fld id="{C764DE79-268F-4C1A-8933-263129D2AF90}" type="datetimeFigureOut">
               <a:rPr lang="en-US" dirty="0"/>
-              <a:t>3/25/2025</a:t>
+              <a:t>3/27/2025</a:t>
             </a:fld>
             <a:endParaRPr lang="en-US"/>
           </a:p>
@@ -3014,7 +3075,7 @@
           <a:p>
             <a:fld id="{48F63A3B-78C7-47BE-AE5E-E10140E04643}" type="slidenum">
               <a:rPr lang="en-US" dirty="0"/>
-              <a:t>‹#›</a:t>
+              <a:t>‹nr.›</a:t>
             </a:fld>
             <a:endParaRPr lang="en-US"/>
           </a:p>
@@ -3067,7 +3128,7 @@
           <a:p>
             <a:fld id="{C764DE79-268F-4C1A-8933-263129D2AF90}" type="datetimeFigureOut">
               <a:rPr lang="en-US" dirty="0"/>
-              <a:t>3/25/2025</a:t>
+              <a:t>3/27/2025</a:t>
             </a:fld>
             <a:endParaRPr lang="en-US"/>
           </a:p>
@@ -3109,7 +3170,7 @@
           <a:p>
             <a:fld id="{48F63A3B-78C7-47BE-AE5E-E10140E04643}" type="slidenum">
               <a:rPr lang="en-US" dirty="0"/>
-              <a:t>‹#›</a:t>
+              <a:t>‹nr.›</a:t>
             </a:fld>
             <a:endParaRPr lang="en-US"/>
           </a:p>
@@ -3342,7 +3403,7 @@
           <a:p>
             <a:fld id="{C764DE79-268F-4C1A-8933-263129D2AF90}" type="datetimeFigureOut">
               <a:rPr lang="en-US" dirty="0"/>
-              <a:t>3/25/2025</a:t>
+              <a:t>3/27/2025</a:t>
             </a:fld>
             <a:endParaRPr lang="en-US"/>
           </a:p>
@@ -3384,7 +3445,7 @@
           <a:p>
             <a:fld id="{48F63A3B-78C7-47BE-AE5E-E10140E04643}" type="slidenum">
               <a:rPr lang="en-US" dirty="0"/>
-              <a:t>‹#›</a:t>
+              <a:t>‹nr.›</a:t>
             </a:fld>
             <a:endParaRPr lang="en-US"/>
           </a:p>
@@ -3594,7 +3655,7 @@
           <a:p>
             <a:fld id="{C764DE79-268F-4C1A-8933-263129D2AF90}" type="datetimeFigureOut">
               <a:rPr lang="en-US" dirty="0"/>
-              <a:t>3/25/2025</a:t>
+              <a:t>3/27/2025</a:t>
             </a:fld>
             <a:endParaRPr lang="en-US"/>
           </a:p>
@@ -3636,7 +3697,7 @@
           <a:p>
             <a:fld id="{48F63A3B-78C7-47BE-AE5E-E10140E04643}" type="slidenum">
               <a:rPr lang="en-US" dirty="0"/>
-              <a:t>‹#›</a:t>
+              <a:t>‹nr.›</a:t>
             </a:fld>
             <a:endParaRPr lang="en-US"/>
           </a:p>
@@ -3805,7 +3866,7 @@
           <a:p>
             <a:fld id="{C764DE79-268F-4C1A-8933-263129D2AF90}" type="datetimeFigureOut">
               <a:rPr lang="en-US" dirty="0"/>
-              <a:t>3/25/2025</a:t>
+              <a:t>3/27/2025</a:t>
             </a:fld>
             <a:endParaRPr lang="en-US"/>
           </a:p>
@@ -3883,7 +3944,7 @@
           <a:p>
             <a:fld id="{48F63A3B-78C7-47BE-AE5E-E10140E04643}" type="slidenum">
               <a:rPr lang="en-US" dirty="0"/>
-              <a:t>‹#›</a:t>
+              <a:t>‹nr.›</a:t>
             </a:fld>
             <a:endParaRPr lang="en-US"/>
           </a:p>
@@ -4635,13 +4696,28 @@
           </a:prstGeom>
         </p:spPr>
         <p:txBody>
-          <a:bodyPr rot="0" spcFirstLastPara="0" vertOverflow="overflow" horzOverflow="overflow" vert="horz" lIns="91440" tIns="45720" rIns="91440" bIns="45720" numCol="1" spcCol="0" rtlCol="0" fromWordArt="0" anchorCtr="0" forceAA="0" compatLnSpc="1">
+          <a:bodyPr rot="0" spcFirstLastPara="0" vertOverflow="overflow" horzOverflow="overflow" vert="horz" lIns="91440" tIns="45720" rIns="91440" bIns="45720" numCol="1" spcCol="0" rtlCol="0" fromWordArt="0" anchor="t" anchorCtr="0" forceAA="0" compatLnSpc="1">
             <a:prstTxWarp prst="textNoShape">
               <a:avLst/>
             </a:prstTxWarp>
             <a:normAutofit/>
           </a:bodyPr>
           <a:lstStyle/>
+          <a:p>
+            <a:pPr>
+              <a:lnSpc>
+                <a:spcPct val="90000"/>
+              </a:lnSpc>
+              <a:spcAft>
+                <a:spcPts val="600"/>
+              </a:spcAft>
+            </a:pPr>
+            <a:r>
+              <a:rPr lang="en-US" sz="2200"/>
+              <a:t>By :</a:t>
+            </a:r>
+            <a:endParaRPr lang="nl-NL"/>
+          </a:p>
           <a:p>
             <a:pPr indent="-228600">
               <a:lnSpc>
@@ -4654,9 +4730,17 @@
               <a:buChar char="•"/>
             </a:pPr>
             <a:r>
-              <a:rPr lang="en-US" sz="2200"/>
-              <a:t>By :</a:t>
-            </a:r>
+              <a:rPr lang="en-US" sz="2200" dirty="0"/>
+              <a:t>Sam De </a:t>
+            </a:r>
+            <a:r>
+              <a:rPr lang="en-US" sz="2200" dirty="0" err="1"/>
+              <a:t>Wispelaere</a:t>
+            </a:r>
+            <a:endParaRPr lang="en-US" sz="2200" dirty="0" err="1">
+              <a:ea typeface="Calibri"/>
+              <a:cs typeface="Calibri"/>
+            </a:endParaRPr>
           </a:p>
           <a:p>
             <a:pPr indent="-228600">
@@ -4670,25 +4754,13 @@
               <a:buChar char="•"/>
             </a:pPr>
             <a:r>
-              <a:rPr lang="en-US" sz="2200"/>
-              <a:t>Sam De Wispelaere</a:t>
-            </a:r>
-          </a:p>
-          <a:p>
-            <a:pPr indent="-228600">
-              <a:lnSpc>
-                <a:spcPct val="90000"/>
-              </a:lnSpc>
-              <a:spcAft>
-                <a:spcPts val="600"/>
-              </a:spcAft>
-              <a:buFont typeface="Arial" panose="020B0604020202020204" pitchFamily="34" charset="0"/>
-              <a:buChar char="•"/>
-            </a:pPr>
-            <a:r>
-              <a:rPr lang="en-US" sz="2200"/>
+              <a:rPr lang="en-US" sz="2200" dirty="0"/>
               <a:t>Joren Vandewalle</a:t>
             </a:r>
+            <a:endParaRPr lang="en-US" sz="2200" dirty="0">
+              <a:ea typeface="Calibri"/>
+              <a:cs typeface="Calibri"/>
+            </a:endParaRPr>
           </a:p>
         </p:txBody>
       </p:sp>
@@ -6192,7 +6264,7 @@
         <p:spPr>
           <a:xfrm>
             <a:off x="814192" y="3738669"/>
-            <a:ext cx="3490522" cy="1200329"/>
+            <a:ext cx="3490522" cy="1477328"/>
           </a:xfrm>
           <a:prstGeom prst="rect">
             <a:avLst/>
@@ -6213,20 +6285,20 @@
               <a:buChar char="-"/>
             </a:pPr>
             <a:r>
-              <a:rPr lang="nl-NL">
+              <a:rPr lang="nl-NL" dirty="0">
                 <a:ea typeface="Calibri"/>
                 <a:cs typeface="Calibri"/>
               </a:rPr>
               <a:t>Keuze </a:t>
             </a:r>
             <a:r>
-              <a:rPr lang="nl-NL" err="1">
+              <a:rPr lang="nl-NL" dirty="0" err="1">
                 <a:ea typeface="Calibri"/>
                 <a:cs typeface="Calibri"/>
               </a:rPr>
               <a:t>depth</a:t>
             </a:r>
-            <a:endParaRPr lang="nl-NL">
+            <a:endParaRPr lang="nl-NL" dirty="0">
               <a:ea typeface="Calibri"/>
               <a:cs typeface="Calibri"/>
             </a:endParaRPr>
@@ -6237,7 +6309,7 @@
               <a:buChar char="-"/>
             </a:pPr>
             <a:r>
-              <a:rPr lang="nl-NL">
+              <a:rPr lang="nl-NL" dirty="0">
                 <a:ea typeface="Calibri"/>
                 <a:cs typeface="Calibri"/>
               </a:rPr>
@@ -6250,11 +6322,24 @@
               <a:buChar char="-"/>
             </a:pPr>
             <a:r>
-              <a:rPr lang="nl-NL">
+              <a:rPr lang="nl-NL" dirty="0">
                 <a:ea typeface="Calibri"/>
                 <a:cs typeface="Calibri"/>
               </a:rPr>
               <a:t>Kat insluiten</a:t>
+            </a:r>
+          </a:p>
+          <a:p>
+            <a:pPr marL="285750" indent="-285750">
+              <a:buFont typeface="Calibri"/>
+              <a:buChar char="-"/>
+            </a:pPr>
+            <a:r>
+              <a:rPr lang="nl-NL" dirty="0">
+                <a:ea typeface="Calibri"/>
+                <a:cs typeface="Calibri"/>
+              </a:rPr>
+              <a:t>BSF voor afstand tot rand</a:t>
             </a:r>
           </a:p>
           <a:p>
@@ -6591,7 +6676,7 @@
           </a:prstGeom>
         </p:spPr>
         <p:txBody>
-          <a:bodyPr rot="0" spcFirstLastPara="0" vertOverflow="overflow" horzOverflow="overflow" vert="horz" lIns="91440" tIns="45720" rIns="91440" bIns="45720" numCol="1" spcCol="0" rtlCol="0" fromWordArt="0" anchorCtr="0" forceAA="0" compatLnSpc="1">
+          <a:bodyPr rot="0" spcFirstLastPara="0" vertOverflow="overflow" horzOverflow="overflow" vert="horz" lIns="91440" tIns="45720" rIns="91440" bIns="45720" numCol="1" spcCol="0" rtlCol="0" fromWordArt="0" anchor="t" anchorCtr="0" forceAA="0" compatLnSpc="1">
             <a:prstTxWarp prst="textNoShape">
               <a:avLst/>
             </a:prstTxWarp>
@@ -6610,9 +6695,25 @@
               <a:buChar char="•"/>
             </a:pPr>
             <a:r>
-              <a:rPr lang="en-US" sz="2000"/>
-              <a:t>Meer optimaal algoritme</a:t>
-            </a:r>
+              <a:rPr lang="en-US" sz="2000" dirty="0"/>
+              <a:t>Meer </a:t>
+            </a:r>
+            <a:r>
+              <a:rPr lang="en-US" sz="2000" dirty="0" err="1"/>
+              <a:t>optimaal</a:t>
+            </a:r>
+            <a:r>
+              <a:rPr lang="en-US" sz="2000" dirty="0"/>
+              <a:t> </a:t>
+            </a:r>
+            <a:r>
+              <a:rPr lang="en-US" sz="2000" dirty="0" err="1"/>
+              <a:t>algoritme</a:t>
+            </a:r>
+            <a:endParaRPr lang="en-US" sz="2000" dirty="0" err="1">
+              <a:ea typeface="Calibri"/>
+              <a:cs typeface="Calibri"/>
+            </a:endParaRPr>
           </a:p>
           <a:p>
             <a:pPr marL="285750" indent="-228600">
@@ -6626,8 +6727,38 @@
               <a:buChar char="•"/>
             </a:pPr>
             <a:r>
-              <a:rPr lang="en-US" sz="2000"/>
+              <a:rPr lang="en-US" sz="2000" dirty="0"/>
               <a:t>Machine learning</a:t>
+            </a:r>
+            <a:endParaRPr lang="en-US" sz="2000" dirty="0">
+              <a:ea typeface="Calibri"/>
+              <a:cs typeface="Calibri"/>
+            </a:endParaRPr>
+          </a:p>
+          <a:p>
+            <a:pPr marL="285750" indent="-228600">
+              <a:lnSpc>
+                <a:spcPct val="90000"/>
+              </a:lnSpc>
+              <a:spcAft>
+                <a:spcPts val="600"/>
+              </a:spcAft>
+              <a:buFont typeface="Arial" panose="020B0604020202020204" pitchFamily="34" charset="0"/>
+              <a:buChar char="•"/>
+            </a:pPr>
+            <a:r>
+              <a:rPr lang="en-US" sz="2000" dirty="0">
+                <a:ea typeface="Calibri"/>
+                <a:cs typeface="Calibri"/>
+              </a:rPr>
+              <a:t>.exe </a:t>
+            </a:r>
+            <a:r>
+              <a:rPr lang="en-US" sz="2000" dirty="0" err="1">
+                <a:ea typeface="Calibri"/>
+                <a:cs typeface="Calibri"/>
+              </a:rPr>
+              <a:t>maken</a:t>
             </a:r>
           </a:p>
         </p:txBody>
